--- a/report.pptx
+++ b/report.pptx
@@ -15,12 +15,17 @@
     <p:sldId id="258" r:id="rId9"/>
     <p:sldId id="270" r:id="rId10"/>
     <p:sldId id="273" r:id="rId11"/>
-    <p:sldId id="259" r:id="rId12"/>
-    <p:sldId id="275" r:id="rId13"/>
-    <p:sldId id="272" r:id="rId14"/>
-    <p:sldId id="260" r:id="rId15"/>
-    <p:sldId id="261" r:id="rId16"/>
-    <p:sldId id="262" r:id="rId17"/>
+    <p:sldId id="277" r:id="rId12"/>
+    <p:sldId id="276" r:id="rId13"/>
+    <p:sldId id="278" r:id="rId14"/>
+    <p:sldId id="259" r:id="rId15"/>
+    <p:sldId id="275" r:id="rId16"/>
+    <p:sldId id="272" r:id="rId17"/>
+    <p:sldId id="279" r:id="rId18"/>
+    <p:sldId id="260" r:id="rId19"/>
+    <p:sldId id="261" r:id="rId20"/>
+    <p:sldId id="262" r:id="rId21"/>
+    <p:sldId id="280" r:id="rId22"/>
   </p:sldIdLst>
   <p:sldSz cx="12192000" cy="6858000"/>
   <p:notesSz cx="6858000" cy="9144000"/>
@@ -286,7 +291,7 @@
           <a:p>
             <a:fld id="{0A269718-894E-41FA-9000-F82A9396D3E2}" type="datetimeFigureOut">
               <a:rPr lang="zh-TW" altLang="en-US" smtClean="0"/>
-              <a:t>2024/6/7</a:t>
+              <a:t>2024/6/10</a:t>
             </a:fld>
             <a:endParaRPr lang="zh-TW" altLang="en-US"/>
           </a:p>
@@ -484,7 +489,7 @@
           <a:p>
             <a:fld id="{0A269718-894E-41FA-9000-F82A9396D3E2}" type="datetimeFigureOut">
               <a:rPr lang="zh-TW" altLang="en-US" smtClean="0"/>
-              <a:t>2024/6/7</a:t>
+              <a:t>2024/6/10</a:t>
             </a:fld>
             <a:endParaRPr lang="zh-TW" altLang="en-US"/>
           </a:p>
@@ -692,7 +697,7 @@
           <a:p>
             <a:fld id="{0A269718-894E-41FA-9000-F82A9396D3E2}" type="datetimeFigureOut">
               <a:rPr lang="zh-TW" altLang="en-US" smtClean="0"/>
-              <a:t>2024/6/7</a:t>
+              <a:t>2024/6/10</a:t>
             </a:fld>
             <a:endParaRPr lang="zh-TW" altLang="en-US"/>
           </a:p>
@@ -890,7 +895,7 @@
           <a:p>
             <a:fld id="{0A269718-894E-41FA-9000-F82A9396D3E2}" type="datetimeFigureOut">
               <a:rPr lang="zh-TW" altLang="en-US" smtClean="0"/>
-              <a:t>2024/6/7</a:t>
+              <a:t>2024/6/10</a:t>
             </a:fld>
             <a:endParaRPr lang="zh-TW" altLang="en-US"/>
           </a:p>
@@ -1165,7 +1170,7 @@
           <a:p>
             <a:fld id="{0A269718-894E-41FA-9000-F82A9396D3E2}" type="datetimeFigureOut">
               <a:rPr lang="zh-TW" altLang="en-US" smtClean="0"/>
-              <a:t>2024/6/7</a:t>
+              <a:t>2024/6/10</a:t>
             </a:fld>
             <a:endParaRPr lang="zh-TW" altLang="en-US"/>
           </a:p>
@@ -1430,7 +1435,7 @@
           <a:p>
             <a:fld id="{0A269718-894E-41FA-9000-F82A9396D3E2}" type="datetimeFigureOut">
               <a:rPr lang="zh-TW" altLang="en-US" smtClean="0"/>
-              <a:t>2024/6/7</a:t>
+              <a:t>2024/6/10</a:t>
             </a:fld>
             <a:endParaRPr lang="zh-TW" altLang="en-US"/>
           </a:p>
@@ -1842,7 +1847,7 @@
           <a:p>
             <a:fld id="{0A269718-894E-41FA-9000-F82A9396D3E2}" type="datetimeFigureOut">
               <a:rPr lang="zh-TW" altLang="en-US" smtClean="0"/>
-              <a:t>2024/6/7</a:t>
+              <a:t>2024/6/10</a:t>
             </a:fld>
             <a:endParaRPr lang="zh-TW" altLang="en-US"/>
           </a:p>
@@ -1983,7 +1988,7 @@
           <a:p>
             <a:fld id="{0A269718-894E-41FA-9000-F82A9396D3E2}" type="datetimeFigureOut">
               <a:rPr lang="zh-TW" altLang="en-US" smtClean="0"/>
-              <a:t>2024/6/7</a:t>
+              <a:t>2024/6/10</a:t>
             </a:fld>
             <a:endParaRPr lang="zh-TW" altLang="en-US"/>
           </a:p>
@@ -2096,7 +2101,7 @@
           <a:p>
             <a:fld id="{0A269718-894E-41FA-9000-F82A9396D3E2}" type="datetimeFigureOut">
               <a:rPr lang="zh-TW" altLang="en-US" smtClean="0"/>
-              <a:t>2024/6/7</a:t>
+              <a:t>2024/6/10</a:t>
             </a:fld>
             <a:endParaRPr lang="zh-TW" altLang="en-US"/>
           </a:p>
@@ -2407,7 +2412,7 @@
           <a:p>
             <a:fld id="{0A269718-894E-41FA-9000-F82A9396D3E2}" type="datetimeFigureOut">
               <a:rPr lang="zh-TW" altLang="en-US" smtClean="0"/>
-              <a:t>2024/6/7</a:t>
+              <a:t>2024/6/10</a:t>
             </a:fld>
             <a:endParaRPr lang="zh-TW" altLang="en-US"/>
           </a:p>
@@ -2695,7 +2700,7 @@
           <a:p>
             <a:fld id="{0A269718-894E-41FA-9000-F82A9396D3E2}" type="datetimeFigureOut">
               <a:rPr lang="zh-TW" altLang="en-US" smtClean="0"/>
-              <a:t>2024/6/7</a:t>
+              <a:t>2024/6/10</a:t>
             </a:fld>
             <a:endParaRPr lang="zh-TW" altLang="en-US"/>
           </a:p>
@@ -2936,7 +2941,7 @@
           <a:p>
             <a:fld id="{0A269718-894E-41FA-9000-F82A9396D3E2}" type="datetimeFigureOut">
               <a:rPr lang="zh-TW" altLang="en-US" smtClean="0"/>
-              <a:t>2024/6/7</a:t>
+              <a:t>2024/6/10</a:t>
             </a:fld>
             <a:endParaRPr lang="zh-TW" altLang="en-US"/>
           </a:p>
@@ -3508,6 +3513,35 @@
           <a:chExt cx="0" cy="0"/>
         </a:xfrm>
       </p:grpSpPr>
+      <p:pic>
+        <p:nvPicPr>
+          <p:cNvPr id="14" name="圖片 13">
+            <a:extLst>
+              <a:ext uri="{FF2B5EF4-FFF2-40B4-BE49-F238E27FC236}">
+                <a16:creationId xmlns:a16="http://schemas.microsoft.com/office/drawing/2014/main" id="{FA5F49A7-1B4B-5FD5-C8A2-082863F2907F}"/>
+              </a:ext>
+            </a:extLst>
+          </p:cNvPr>
+          <p:cNvPicPr>
+            <a:picLocks noChangeAspect="1"/>
+          </p:cNvPicPr>
+          <p:nvPr/>
+        </p:nvPicPr>
+        <p:blipFill rotWithShape="1">
+          <a:blip r:embed="rId2"/>
+          <a:srcRect l="29375" r="28012"/>
+          <a:stretch/>
+        </p:blipFill>
+        <p:spPr>
+          <a:xfrm>
+            <a:off x="6025117" y="0"/>
+            <a:ext cx="6166883" cy="11236272"/>
+          </a:xfrm>
+          <a:prstGeom prst="rect">
+            <a:avLst/>
+          </a:prstGeom>
+        </p:spPr>
+      </p:pic>
       <p:sp>
         <p:nvSpPr>
           <p:cNvPr id="2" name="標題 1">
@@ -3576,43 +3610,6 @@
           </a:p>
           <a:p>
             <a:endParaRPr lang="zh-TW" altLang="en-US" dirty="0"/>
-          </a:p>
-        </p:txBody>
-      </p:sp>
-      <p:sp>
-        <p:nvSpPr>
-          <p:cNvPr id="5" name="內容版面配置區 4">
-            <a:extLst>
-              <a:ext uri="{FF2B5EF4-FFF2-40B4-BE49-F238E27FC236}">
-                <a16:creationId xmlns:a16="http://schemas.microsoft.com/office/drawing/2014/main" id="{5FBB1279-3717-45EC-BC69-C0D20882D9D6}"/>
-              </a:ext>
-            </a:extLst>
-          </p:cNvPr>
-          <p:cNvSpPr>
-            <a:spLocks noGrp="1"/>
-          </p:cNvSpPr>
-          <p:nvPr>
-            <p:ph sz="half" idx="2"/>
-          </p:nvPr>
-        </p:nvSpPr>
-        <p:spPr/>
-        <p:txBody>
-          <a:bodyPr/>
-          <a:lstStyle/>
-          <a:p>
-            <a:r>
-              <a:rPr lang="en-US" altLang="zh-TW" dirty="0"/>
-              <a:t>Ring Buffer</a:t>
-            </a:r>
-          </a:p>
-          <a:p>
-            <a:endParaRPr lang="en-US" altLang="zh-TW" dirty="0"/>
-          </a:p>
-          <a:p>
-            <a:r>
-              <a:rPr lang="en-US" altLang="zh-TW" dirty="0"/>
-              <a:t>##todo</a:t>
-            </a:r>
           </a:p>
         </p:txBody>
       </p:sp>
@@ -3630,6 +3627,416 @@
 </file>
 
 <file path=ppt/slides/slide11.xml><?xml version="1.0" encoding="utf-8"?>
+<p:sld xmlns:a="http://schemas.openxmlformats.org/drawingml/2006/main" xmlns:r="http://schemas.openxmlformats.org/officeDocument/2006/relationships" xmlns:p="http://schemas.openxmlformats.org/presentationml/2006/main">
+  <p:cSld>
+    <p:spTree>
+      <p:nvGrpSpPr>
+        <p:cNvPr id="1" name=""/>
+        <p:cNvGrpSpPr/>
+        <p:nvPr/>
+      </p:nvGrpSpPr>
+      <p:grpSpPr>
+        <a:xfrm>
+          <a:off x="0" y="0"/>
+          <a:ext cx="0" cy="0"/>
+          <a:chOff x="0" y="0"/>
+          <a:chExt cx="0" cy="0"/>
+        </a:xfrm>
+      </p:grpSpPr>
+      <p:sp>
+        <p:nvSpPr>
+          <p:cNvPr id="2" name="標題 1">
+            <a:extLst>
+              <a:ext uri="{FF2B5EF4-FFF2-40B4-BE49-F238E27FC236}">
+                <a16:creationId xmlns:a16="http://schemas.microsoft.com/office/drawing/2014/main" id="{611D002D-8D6D-4BBA-A9D9-C230A2343647}"/>
+              </a:ext>
+            </a:extLst>
+          </p:cNvPr>
+          <p:cNvSpPr>
+            <a:spLocks noGrp="1"/>
+          </p:cNvSpPr>
+          <p:nvPr>
+            <p:ph type="title"/>
+          </p:nvPr>
+        </p:nvSpPr>
+        <p:spPr/>
+        <p:txBody>
+          <a:bodyPr/>
+          <a:lstStyle/>
+          <a:p>
+            <a:r>
+              <a:rPr lang="en-US" altLang="zh-TW" dirty="0">
+                <a:latin typeface="Google Sans"/>
+              </a:rPr>
+              <a:t>Main component</a:t>
+            </a:r>
+            <a:endParaRPr lang="zh-TW" altLang="en-US" dirty="0">
+              <a:latin typeface="Google Sans"/>
+            </a:endParaRPr>
+          </a:p>
+        </p:txBody>
+      </p:sp>
+      <p:sp>
+        <p:nvSpPr>
+          <p:cNvPr id="4" name="內容版面配置區 3">
+            <a:extLst>
+              <a:ext uri="{FF2B5EF4-FFF2-40B4-BE49-F238E27FC236}">
+                <a16:creationId xmlns:a16="http://schemas.microsoft.com/office/drawing/2014/main" id="{14266E82-AB07-4386-9A55-00A97A9DDF71}"/>
+              </a:ext>
+            </a:extLst>
+          </p:cNvPr>
+          <p:cNvSpPr>
+            <a:spLocks noGrp="1"/>
+          </p:cNvSpPr>
+          <p:nvPr>
+            <p:ph sz="half" idx="1"/>
+          </p:nvPr>
+        </p:nvSpPr>
+        <p:spPr/>
+        <p:txBody>
+          <a:bodyPr/>
+          <a:lstStyle/>
+          <a:p>
+            <a:r>
+              <a:rPr lang="en-US" altLang="zh-TW" dirty="0"/>
+              <a:t>TCP cheater</a:t>
+            </a:r>
+          </a:p>
+          <a:p>
+            <a:pPr lvl="1"/>
+            <a:r>
+              <a:rPr lang="en-US" altLang="zh-TW" dirty="0"/>
+              <a:t>Maintaining TCP connections</a:t>
+            </a:r>
+          </a:p>
+          <a:p>
+            <a:endParaRPr lang="zh-TW" altLang="en-US" dirty="0"/>
+          </a:p>
+        </p:txBody>
+      </p:sp>
+      <p:pic>
+        <p:nvPicPr>
+          <p:cNvPr id="3" name="圖片 2">
+            <a:extLst>
+              <a:ext uri="{FF2B5EF4-FFF2-40B4-BE49-F238E27FC236}">
+                <a16:creationId xmlns:a16="http://schemas.microsoft.com/office/drawing/2014/main" id="{9E671855-D0B1-B46A-0BAE-DF48BE9864D9}"/>
+              </a:ext>
+            </a:extLst>
+          </p:cNvPr>
+          <p:cNvPicPr>
+            <a:picLocks noChangeAspect="1"/>
+          </p:cNvPicPr>
+          <p:nvPr/>
+        </p:nvPicPr>
+        <p:blipFill rotWithShape="1">
+          <a:blip r:embed="rId2"/>
+          <a:srcRect l="29375" r="28012"/>
+          <a:stretch/>
+        </p:blipFill>
+        <p:spPr>
+          <a:xfrm>
+            <a:off x="6025117" y="-4380609"/>
+            <a:ext cx="6166883" cy="11236272"/>
+          </a:xfrm>
+          <a:prstGeom prst="rect">
+            <a:avLst/>
+          </a:prstGeom>
+        </p:spPr>
+      </p:pic>
+    </p:spTree>
+    <p:extLst>
+      <p:ext uri="{BB962C8B-B14F-4D97-AF65-F5344CB8AC3E}">
+        <p14:creationId xmlns:p14="http://schemas.microsoft.com/office/powerpoint/2010/main" val="2012943314"/>
+      </p:ext>
+    </p:extLst>
+  </p:cSld>
+  <p:clrMapOvr>
+    <a:masterClrMapping/>
+  </p:clrMapOvr>
+  <mc:AlternateContent xmlns:mc="http://schemas.openxmlformats.org/markup-compatibility/2006">
+    <mc:Choice xmlns:p159="http://schemas.microsoft.com/office/powerpoint/2015/09/main" Requires="p159">
+      <p:transition spd="slow">
+        <p159:morph option="byObject"/>
+      </p:transition>
+    </mc:Choice>
+    <mc:Fallback>
+      <p:transition spd="slow">
+        <p:fade/>
+      </p:transition>
+    </mc:Fallback>
+  </mc:AlternateContent>
+</p:sld>
+</file>
+
+<file path=ppt/slides/slide12.xml><?xml version="1.0" encoding="utf-8"?>
+<p:sld xmlns:a="http://schemas.openxmlformats.org/drawingml/2006/main" xmlns:r="http://schemas.openxmlformats.org/officeDocument/2006/relationships" xmlns:p="http://schemas.openxmlformats.org/presentationml/2006/main">
+  <p:cSld>
+    <p:spTree>
+      <p:nvGrpSpPr>
+        <p:cNvPr id="1" name=""/>
+        <p:cNvGrpSpPr/>
+        <p:nvPr/>
+      </p:nvGrpSpPr>
+      <p:grpSpPr>
+        <a:xfrm>
+          <a:off x="0" y="0"/>
+          <a:ext cx="0" cy="0"/>
+          <a:chOff x="0" y="0"/>
+          <a:chExt cx="0" cy="0"/>
+        </a:xfrm>
+      </p:grpSpPr>
+      <p:sp>
+        <p:nvSpPr>
+          <p:cNvPr id="2" name="標題 1">
+            <a:extLst>
+              <a:ext uri="{FF2B5EF4-FFF2-40B4-BE49-F238E27FC236}">
+                <a16:creationId xmlns:a16="http://schemas.microsoft.com/office/drawing/2014/main" id="{611D002D-8D6D-4BBA-A9D9-C230A2343647}"/>
+              </a:ext>
+            </a:extLst>
+          </p:cNvPr>
+          <p:cNvSpPr>
+            <a:spLocks noGrp="1"/>
+          </p:cNvSpPr>
+          <p:nvPr>
+            <p:ph type="title"/>
+          </p:nvPr>
+        </p:nvSpPr>
+        <p:spPr/>
+        <p:txBody>
+          <a:bodyPr/>
+          <a:lstStyle/>
+          <a:p>
+            <a:r>
+              <a:rPr lang="en-US" altLang="zh-TW" dirty="0">
+                <a:latin typeface="Google Sans"/>
+              </a:rPr>
+              <a:t>Main component</a:t>
+            </a:r>
+            <a:endParaRPr lang="zh-TW" altLang="en-US" dirty="0">
+              <a:latin typeface="Google Sans"/>
+            </a:endParaRPr>
+          </a:p>
+        </p:txBody>
+      </p:sp>
+      <p:sp>
+        <p:nvSpPr>
+          <p:cNvPr id="4" name="內容版面配置區 3">
+            <a:extLst>
+              <a:ext uri="{FF2B5EF4-FFF2-40B4-BE49-F238E27FC236}">
+                <a16:creationId xmlns:a16="http://schemas.microsoft.com/office/drawing/2014/main" id="{14266E82-AB07-4386-9A55-00A97A9DDF71}"/>
+              </a:ext>
+            </a:extLst>
+          </p:cNvPr>
+          <p:cNvSpPr>
+            <a:spLocks noGrp="1"/>
+          </p:cNvSpPr>
+          <p:nvPr>
+            <p:ph sz="half" idx="1"/>
+          </p:nvPr>
+        </p:nvSpPr>
+        <p:spPr/>
+        <p:txBody>
+          <a:bodyPr/>
+          <a:lstStyle/>
+          <a:p>
+            <a:r>
+              <a:rPr lang="en-US" altLang="zh-TW" dirty="0"/>
+              <a:t>Ring Buffer</a:t>
+            </a:r>
+          </a:p>
+          <a:p>
+            <a:pPr lvl="1"/>
+            <a:r>
+              <a:rPr lang="en-US" altLang="zh-TW" dirty="0"/>
+              <a:t>Record and aggregate payload</a:t>
+            </a:r>
+            <a:endParaRPr lang="zh-TW" altLang="en-US" dirty="0"/>
+          </a:p>
+        </p:txBody>
+      </p:sp>
+      <p:pic>
+        <p:nvPicPr>
+          <p:cNvPr id="8" name="圖片 7">
+            <a:extLst>
+              <a:ext uri="{FF2B5EF4-FFF2-40B4-BE49-F238E27FC236}">
+                <a16:creationId xmlns:a16="http://schemas.microsoft.com/office/drawing/2014/main" id="{F80E16F0-1707-A592-189B-E43B567C03F1}"/>
+              </a:ext>
+            </a:extLst>
+          </p:cNvPr>
+          <p:cNvPicPr>
+            <a:picLocks noChangeAspect="1"/>
+          </p:cNvPicPr>
+          <p:nvPr/>
+        </p:nvPicPr>
+        <p:blipFill rotWithShape="1">
+          <a:blip r:embed="rId2"/>
+          <a:srcRect l="26534" r="27605"/>
+          <a:stretch/>
+        </p:blipFill>
+        <p:spPr>
+          <a:xfrm>
+            <a:off x="5870447" y="-1"/>
+            <a:ext cx="6321553" cy="10702401"/>
+          </a:xfrm>
+          <a:prstGeom prst="rect">
+            <a:avLst/>
+          </a:prstGeom>
+        </p:spPr>
+      </p:pic>
+    </p:spTree>
+    <p:extLst>
+      <p:ext uri="{BB962C8B-B14F-4D97-AF65-F5344CB8AC3E}">
+        <p14:creationId xmlns:p14="http://schemas.microsoft.com/office/powerpoint/2010/main" val="194318190"/>
+      </p:ext>
+    </p:extLst>
+  </p:cSld>
+  <p:clrMapOvr>
+    <a:masterClrMapping/>
+  </p:clrMapOvr>
+</p:sld>
+</file>
+
+<file path=ppt/slides/slide13.xml><?xml version="1.0" encoding="utf-8"?>
+<p:sld xmlns:a="http://schemas.openxmlformats.org/drawingml/2006/main" xmlns:r="http://schemas.openxmlformats.org/officeDocument/2006/relationships" xmlns:p="http://schemas.openxmlformats.org/presentationml/2006/main">
+  <p:cSld>
+    <p:spTree>
+      <p:nvGrpSpPr>
+        <p:cNvPr id="1" name=""/>
+        <p:cNvGrpSpPr/>
+        <p:nvPr/>
+      </p:nvGrpSpPr>
+      <p:grpSpPr>
+        <a:xfrm>
+          <a:off x="0" y="0"/>
+          <a:ext cx="0" cy="0"/>
+          <a:chOff x="0" y="0"/>
+          <a:chExt cx="0" cy="0"/>
+        </a:xfrm>
+      </p:grpSpPr>
+      <p:sp>
+        <p:nvSpPr>
+          <p:cNvPr id="2" name="標題 1">
+            <a:extLst>
+              <a:ext uri="{FF2B5EF4-FFF2-40B4-BE49-F238E27FC236}">
+                <a16:creationId xmlns:a16="http://schemas.microsoft.com/office/drawing/2014/main" id="{611D002D-8D6D-4BBA-A9D9-C230A2343647}"/>
+              </a:ext>
+            </a:extLst>
+          </p:cNvPr>
+          <p:cNvSpPr>
+            <a:spLocks noGrp="1"/>
+          </p:cNvSpPr>
+          <p:nvPr>
+            <p:ph type="title"/>
+          </p:nvPr>
+        </p:nvSpPr>
+        <p:spPr/>
+        <p:txBody>
+          <a:bodyPr/>
+          <a:lstStyle/>
+          <a:p>
+            <a:r>
+              <a:rPr lang="en-US" altLang="zh-TW" dirty="0">
+                <a:latin typeface="Google Sans"/>
+              </a:rPr>
+              <a:t>Main component</a:t>
+            </a:r>
+            <a:endParaRPr lang="zh-TW" altLang="en-US" dirty="0">
+              <a:latin typeface="Google Sans"/>
+            </a:endParaRPr>
+          </a:p>
+        </p:txBody>
+      </p:sp>
+      <p:sp>
+        <p:nvSpPr>
+          <p:cNvPr id="4" name="內容版面配置區 3">
+            <a:extLst>
+              <a:ext uri="{FF2B5EF4-FFF2-40B4-BE49-F238E27FC236}">
+                <a16:creationId xmlns:a16="http://schemas.microsoft.com/office/drawing/2014/main" id="{14266E82-AB07-4386-9A55-00A97A9DDF71}"/>
+              </a:ext>
+            </a:extLst>
+          </p:cNvPr>
+          <p:cNvSpPr>
+            <a:spLocks noGrp="1"/>
+          </p:cNvSpPr>
+          <p:nvPr>
+            <p:ph sz="half" idx="1"/>
+          </p:nvPr>
+        </p:nvSpPr>
+        <p:spPr/>
+        <p:txBody>
+          <a:bodyPr/>
+          <a:lstStyle/>
+          <a:p>
+            <a:r>
+              <a:rPr lang="en-US" altLang="zh-TW" dirty="0"/>
+              <a:t>Ring Buffer</a:t>
+            </a:r>
+          </a:p>
+          <a:p>
+            <a:pPr lvl="1"/>
+            <a:r>
+              <a:rPr lang="en-US" altLang="zh-TW" dirty="0"/>
+              <a:t>Record and aggregate payload</a:t>
+            </a:r>
+            <a:endParaRPr lang="zh-TW" altLang="en-US" dirty="0"/>
+          </a:p>
+        </p:txBody>
+      </p:sp>
+      <p:pic>
+        <p:nvPicPr>
+          <p:cNvPr id="8" name="圖片 7">
+            <a:extLst>
+              <a:ext uri="{FF2B5EF4-FFF2-40B4-BE49-F238E27FC236}">
+                <a16:creationId xmlns:a16="http://schemas.microsoft.com/office/drawing/2014/main" id="{F80E16F0-1707-A592-189B-E43B567C03F1}"/>
+              </a:ext>
+            </a:extLst>
+          </p:cNvPr>
+          <p:cNvPicPr>
+            <a:picLocks noChangeAspect="1"/>
+          </p:cNvPicPr>
+          <p:nvPr/>
+        </p:nvPicPr>
+        <p:blipFill rotWithShape="1">
+          <a:blip r:embed="rId2"/>
+          <a:srcRect l="26534" r="27605"/>
+          <a:stretch/>
+        </p:blipFill>
+        <p:spPr>
+          <a:xfrm>
+            <a:off x="5870447" y="-3844401"/>
+            <a:ext cx="6321553" cy="10702401"/>
+          </a:xfrm>
+          <a:prstGeom prst="rect">
+            <a:avLst/>
+          </a:prstGeom>
+        </p:spPr>
+      </p:pic>
+    </p:spTree>
+    <p:extLst>
+      <p:ext uri="{BB962C8B-B14F-4D97-AF65-F5344CB8AC3E}">
+        <p14:creationId xmlns:p14="http://schemas.microsoft.com/office/powerpoint/2010/main" val="3266697894"/>
+      </p:ext>
+    </p:extLst>
+  </p:cSld>
+  <p:clrMapOvr>
+    <a:masterClrMapping/>
+  </p:clrMapOvr>
+  <mc:AlternateContent xmlns:mc="http://schemas.openxmlformats.org/markup-compatibility/2006">
+    <mc:Choice xmlns:p159="http://schemas.microsoft.com/office/powerpoint/2015/09/main" Requires="p159">
+      <p:transition spd="slow">
+        <p159:morph option="byObject"/>
+      </p:transition>
+    </mc:Choice>
+    <mc:Fallback>
+      <p:transition spd="slow">
+        <p:fade/>
+      </p:transition>
+    </mc:Fallback>
+  </mc:AlternateContent>
+</p:sld>
+</file>
+
+<file path=ppt/slides/slide14.xml><?xml version="1.0" encoding="utf-8"?>
 <p:sld xmlns:a="http://schemas.openxmlformats.org/drawingml/2006/main" xmlns:r="http://schemas.openxmlformats.org/officeDocument/2006/relationships" xmlns:p="http://schemas.openxmlformats.org/presentationml/2006/main">
   <p:cSld>
     <p:spTree>
@@ -4163,7 +4570,7 @@
 </p:sld>
 </file>
 
-<file path=ppt/slides/slide12.xml><?xml version="1.0" encoding="utf-8"?>
+<file path=ppt/slides/slide15.xml><?xml version="1.0" encoding="utf-8"?>
 <p:sld xmlns:a="http://schemas.openxmlformats.org/drawingml/2006/main" xmlns:r="http://schemas.openxmlformats.org/officeDocument/2006/relationships" xmlns:p="http://schemas.openxmlformats.org/presentationml/2006/main">
   <p:cSld>
     <p:spTree>
@@ -4352,300 +4759,6 @@
 </p:sld>
 </file>
 
-<file path=ppt/slides/slide13.xml><?xml version="1.0" encoding="utf-8"?>
-<p:sld xmlns:a="http://schemas.openxmlformats.org/drawingml/2006/main" xmlns:r="http://schemas.openxmlformats.org/officeDocument/2006/relationships" xmlns:p="http://schemas.openxmlformats.org/presentationml/2006/main">
-  <p:cSld>
-    <p:spTree>
-      <p:nvGrpSpPr>
-        <p:cNvPr id="1" name=""/>
-        <p:cNvGrpSpPr/>
-        <p:nvPr/>
-      </p:nvGrpSpPr>
-      <p:grpSpPr>
-        <a:xfrm>
-          <a:off x="0" y="0"/>
-          <a:ext cx="0" cy="0"/>
-          <a:chOff x="0" y="0"/>
-          <a:chExt cx="0" cy="0"/>
-        </a:xfrm>
-      </p:grpSpPr>
-      <p:sp>
-        <p:nvSpPr>
-          <p:cNvPr id="2" name="標題 1">
-            <a:extLst>
-              <a:ext uri="{FF2B5EF4-FFF2-40B4-BE49-F238E27FC236}">
-                <a16:creationId xmlns:a16="http://schemas.microsoft.com/office/drawing/2014/main" id="{9B92F366-6ABC-414F-9DE4-178532EDBB6D}"/>
-              </a:ext>
-            </a:extLst>
-          </p:cNvPr>
-          <p:cNvSpPr>
-            <a:spLocks noGrp="1"/>
-          </p:cNvSpPr>
-          <p:nvPr>
-            <p:ph type="title"/>
-          </p:nvPr>
-        </p:nvSpPr>
-        <p:spPr/>
-        <p:txBody>
-          <a:bodyPr/>
-          <a:lstStyle/>
-          <a:p>
-            <a:r>
-              <a:rPr lang="en-US" altLang="zh-TW" dirty="0">
-                <a:latin typeface="Google Sans"/>
-              </a:rPr>
-              <a:t>Ring Buffer</a:t>
-            </a:r>
-            <a:endParaRPr lang="zh-TW" altLang="en-US" dirty="0">
-              <a:latin typeface="Google Sans"/>
-            </a:endParaRPr>
-          </a:p>
-        </p:txBody>
-      </p:sp>
-      <p:sp>
-        <p:nvSpPr>
-          <p:cNvPr id="3" name="內容版面配置區 2">
-            <a:extLst>
-              <a:ext uri="{FF2B5EF4-FFF2-40B4-BE49-F238E27FC236}">
-                <a16:creationId xmlns:a16="http://schemas.microsoft.com/office/drawing/2014/main" id="{744311F3-BA20-4949-A5C9-DFD5EE18DEC8}"/>
-              </a:ext>
-            </a:extLst>
-          </p:cNvPr>
-          <p:cNvSpPr>
-            <a:spLocks noGrp="1"/>
-          </p:cNvSpPr>
-          <p:nvPr>
-            <p:ph idx="1"/>
-          </p:nvPr>
-        </p:nvSpPr>
-        <p:spPr/>
-        <p:txBody>
-          <a:bodyPr/>
-          <a:lstStyle/>
-          <a:p>
-            <a:endParaRPr lang="zh-TW" altLang="en-US" dirty="0"/>
-          </a:p>
-        </p:txBody>
-      </p:sp>
-      <p:pic>
-        <p:nvPicPr>
-          <p:cNvPr id="5" name="圖片 4">
-            <a:extLst>
-              <a:ext uri="{FF2B5EF4-FFF2-40B4-BE49-F238E27FC236}">
-                <a16:creationId xmlns:a16="http://schemas.microsoft.com/office/drawing/2014/main" id="{4D14E740-2AD1-4E5A-BA66-7631967EFA50}"/>
-              </a:ext>
-            </a:extLst>
-          </p:cNvPr>
-          <p:cNvPicPr>
-            <a:picLocks noChangeAspect="1"/>
-          </p:cNvPicPr>
-          <p:nvPr/>
-        </p:nvPicPr>
-        <p:blipFill>
-          <a:blip r:embed="rId2"/>
-          <a:stretch>
-            <a:fillRect/>
-          </a:stretch>
-        </p:blipFill>
-        <p:spPr>
-          <a:xfrm>
-            <a:off x="5662772" y="1555168"/>
-            <a:ext cx="6242177" cy="4525155"/>
-          </a:xfrm>
-          <a:prstGeom prst="rect">
-            <a:avLst/>
-          </a:prstGeom>
-        </p:spPr>
-      </p:pic>
-    </p:spTree>
-    <p:extLst>
-      <p:ext uri="{BB962C8B-B14F-4D97-AF65-F5344CB8AC3E}">
-        <p14:creationId xmlns:p14="http://schemas.microsoft.com/office/powerpoint/2010/main" val="1707189854"/>
-      </p:ext>
-    </p:extLst>
-  </p:cSld>
-  <p:clrMapOvr>
-    <a:masterClrMapping/>
-  </p:clrMapOvr>
-</p:sld>
-</file>
-
-<file path=ppt/slides/slide14.xml><?xml version="1.0" encoding="utf-8"?>
-<p:sld xmlns:a="http://schemas.openxmlformats.org/drawingml/2006/main" xmlns:r="http://schemas.openxmlformats.org/officeDocument/2006/relationships" xmlns:p="http://schemas.openxmlformats.org/presentationml/2006/main">
-  <p:cSld>
-    <p:spTree>
-      <p:nvGrpSpPr>
-        <p:cNvPr id="1" name=""/>
-        <p:cNvGrpSpPr/>
-        <p:nvPr/>
-      </p:nvGrpSpPr>
-      <p:grpSpPr>
-        <a:xfrm>
-          <a:off x="0" y="0"/>
-          <a:ext cx="0" cy="0"/>
-          <a:chOff x="0" y="0"/>
-          <a:chExt cx="0" cy="0"/>
-        </a:xfrm>
-      </p:grpSpPr>
-      <p:sp>
-        <p:nvSpPr>
-          <p:cNvPr id="2" name="標題 1">
-            <a:extLst>
-              <a:ext uri="{FF2B5EF4-FFF2-40B4-BE49-F238E27FC236}">
-                <a16:creationId xmlns:a16="http://schemas.microsoft.com/office/drawing/2014/main" id="{3CC3439C-38CA-40B7-857E-BB9EB96DC747}"/>
-              </a:ext>
-            </a:extLst>
-          </p:cNvPr>
-          <p:cNvSpPr>
-            <a:spLocks noGrp="1"/>
-          </p:cNvSpPr>
-          <p:nvPr>
-            <p:ph type="title"/>
-          </p:nvPr>
-        </p:nvSpPr>
-        <p:spPr/>
-        <p:txBody>
-          <a:bodyPr/>
-          <a:lstStyle/>
-          <a:p>
-            <a:r>
-              <a:rPr lang="en-US" altLang="zh-TW" dirty="0">
-                <a:latin typeface="Google Sans"/>
-              </a:rPr>
-              <a:t>Experiment Scenario</a:t>
-            </a:r>
-            <a:endParaRPr lang="zh-TW" altLang="en-US" dirty="0">
-              <a:latin typeface="Google Sans"/>
-            </a:endParaRPr>
-          </a:p>
-        </p:txBody>
-      </p:sp>
-      <p:sp>
-        <p:nvSpPr>
-          <p:cNvPr id="3" name="內容版面配置區 2">
-            <a:extLst>
-              <a:ext uri="{FF2B5EF4-FFF2-40B4-BE49-F238E27FC236}">
-                <a16:creationId xmlns:a16="http://schemas.microsoft.com/office/drawing/2014/main" id="{B5E047D3-4CC3-4B6E-B3F1-AE5EB1D5B3C8}"/>
-              </a:ext>
-            </a:extLst>
-          </p:cNvPr>
-          <p:cNvSpPr>
-            <a:spLocks noGrp="1"/>
-          </p:cNvSpPr>
-          <p:nvPr>
-            <p:ph idx="1"/>
-          </p:nvPr>
-        </p:nvSpPr>
-        <p:spPr/>
-        <p:txBody>
-          <a:bodyPr/>
-          <a:lstStyle/>
-          <a:p>
-            <a:endParaRPr lang="zh-TW" altLang="en-US" dirty="0"/>
-          </a:p>
-        </p:txBody>
-      </p:sp>
-    </p:spTree>
-    <p:extLst>
-      <p:ext uri="{BB962C8B-B14F-4D97-AF65-F5344CB8AC3E}">
-        <p14:creationId xmlns:p14="http://schemas.microsoft.com/office/powerpoint/2010/main" val="3352320533"/>
-      </p:ext>
-    </p:extLst>
-  </p:cSld>
-  <p:clrMapOvr>
-    <a:masterClrMapping/>
-  </p:clrMapOvr>
-</p:sld>
-</file>
-
-<file path=ppt/slides/slide15.xml><?xml version="1.0" encoding="utf-8"?>
-<p:sld xmlns:a="http://schemas.openxmlformats.org/drawingml/2006/main" xmlns:r="http://schemas.openxmlformats.org/officeDocument/2006/relationships" xmlns:p="http://schemas.openxmlformats.org/presentationml/2006/main">
-  <p:cSld>
-    <p:spTree>
-      <p:nvGrpSpPr>
-        <p:cNvPr id="1" name=""/>
-        <p:cNvGrpSpPr/>
-        <p:nvPr/>
-      </p:nvGrpSpPr>
-      <p:grpSpPr>
-        <a:xfrm>
-          <a:off x="0" y="0"/>
-          <a:ext cx="0" cy="0"/>
-          <a:chOff x="0" y="0"/>
-          <a:chExt cx="0" cy="0"/>
-        </a:xfrm>
-      </p:grpSpPr>
-      <p:sp>
-        <p:nvSpPr>
-          <p:cNvPr id="2" name="標題 1">
-            <a:extLst>
-              <a:ext uri="{FF2B5EF4-FFF2-40B4-BE49-F238E27FC236}">
-                <a16:creationId xmlns:a16="http://schemas.microsoft.com/office/drawing/2014/main" id="{F67EBF84-B12F-4F97-958D-BE7E4469A8D5}"/>
-              </a:ext>
-            </a:extLst>
-          </p:cNvPr>
-          <p:cNvSpPr>
-            <a:spLocks noGrp="1"/>
-          </p:cNvSpPr>
-          <p:nvPr>
-            <p:ph type="title"/>
-          </p:nvPr>
-        </p:nvSpPr>
-        <p:spPr/>
-        <p:txBody>
-          <a:bodyPr/>
-          <a:lstStyle/>
-          <a:p>
-            <a:r>
-              <a:rPr lang="en-US" altLang="zh-TW" dirty="0">
-                <a:latin typeface="Google Sans"/>
-              </a:rPr>
-              <a:t>Scenario 1</a:t>
-            </a:r>
-            <a:endParaRPr lang="zh-TW" altLang="en-US" dirty="0">
-              <a:latin typeface="Google Sans"/>
-            </a:endParaRPr>
-          </a:p>
-        </p:txBody>
-      </p:sp>
-      <p:sp>
-        <p:nvSpPr>
-          <p:cNvPr id="3" name="內容版面配置區 2">
-            <a:extLst>
-              <a:ext uri="{FF2B5EF4-FFF2-40B4-BE49-F238E27FC236}">
-                <a16:creationId xmlns:a16="http://schemas.microsoft.com/office/drawing/2014/main" id="{7E3B13E0-E3CA-4E6D-A351-E45A57B3A1C5}"/>
-              </a:ext>
-            </a:extLst>
-          </p:cNvPr>
-          <p:cNvSpPr>
-            <a:spLocks noGrp="1"/>
-          </p:cNvSpPr>
-          <p:nvPr>
-            <p:ph idx="1"/>
-          </p:nvPr>
-        </p:nvSpPr>
-        <p:spPr/>
-        <p:txBody>
-          <a:bodyPr/>
-          <a:lstStyle/>
-          <a:p>
-            <a:endParaRPr lang="zh-TW" altLang="en-US"/>
-          </a:p>
-        </p:txBody>
-      </p:sp>
-    </p:spTree>
-    <p:extLst>
-      <p:ext uri="{BB962C8B-B14F-4D97-AF65-F5344CB8AC3E}">
-        <p14:creationId xmlns:p14="http://schemas.microsoft.com/office/powerpoint/2010/main" val="428910389"/>
-      </p:ext>
-    </p:extLst>
-  </p:cSld>
-  <p:clrMapOvr>
-    <a:masterClrMapping/>
-  </p:clrMapOvr>
-</p:sld>
-</file>
-
 <file path=ppt/slides/slide16.xml><?xml version="1.0" encoding="utf-8"?>
 <p:sld xmlns:a="http://schemas.openxmlformats.org/drawingml/2006/main" xmlns:r="http://schemas.openxmlformats.org/officeDocument/2006/relationships" xmlns:p="http://schemas.openxmlformats.org/presentationml/2006/main">
   <p:cSld>
@@ -4668,7 +4781,7 @@
           <p:cNvPr id="2" name="標題 1">
             <a:extLst>
               <a:ext uri="{FF2B5EF4-FFF2-40B4-BE49-F238E27FC236}">
-                <a16:creationId xmlns:a16="http://schemas.microsoft.com/office/drawing/2014/main" id="{0E512F71-F6C6-413E-988A-5E18E843A241}"/>
+                <a16:creationId xmlns:a16="http://schemas.microsoft.com/office/drawing/2014/main" id="{9B92F366-6ABC-414F-9DE4-178532EDBB6D}"/>
               </a:ext>
             </a:extLst>
           </p:cNvPr>
@@ -4688,7 +4801,7 @@
               <a:rPr lang="en-US" altLang="zh-TW" dirty="0">
                 <a:latin typeface="Google Sans"/>
               </a:rPr>
-              <a:t>Scenario 2</a:t>
+              <a:t>Ring Buffer</a:t>
             </a:r>
             <a:endParaRPr lang="zh-TW" altLang="en-US" dirty="0">
               <a:latin typeface="Google Sans"/>
@@ -4701,7 +4814,7 @@
           <p:cNvPr id="3" name="內容版面配置區 2">
             <a:extLst>
               <a:ext uri="{FF2B5EF4-FFF2-40B4-BE49-F238E27FC236}">
-                <a16:creationId xmlns:a16="http://schemas.microsoft.com/office/drawing/2014/main" id="{E6ECFE60-48F7-4583-AC69-36F4CCC899A6}"/>
+                <a16:creationId xmlns:a16="http://schemas.microsoft.com/office/drawing/2014/main" id="{744311F3-BA20-4949-A5C9-DFD5EE18DEC8}"/>
               </a:ext>
             </a:extLst>
           </p:cNvPr>
@@ -4717,14 +4830,2897 @@
           <a:bodyPr/>
           <a:lstStyle/>
           <a:p>
-            <a:endParaRPr lang="zh-TW" altLang="en-US"/>
-          </a:p>
-        </p:txBody>
-      </p:sp>
+            <a:r>
+              <a:rPr lang="en-US" altLang="zh-TW" dirty="0"/>
+              <a:t>The buffer is in the following format:</a:t>
+            </a:r>
+          </a:p>
+          <a:p>
+            <a:endParaRPr lang="en-US" altLang="zh-TW" dirty="0"/>
+          </a:p>
+          <a:p>
+            <a:endParaRPr lang="en-US" altLang="zh-TW" dirty="0"/>
+          </a:p>
+          <a:p>
+            <a:endParaRPr lang="en-US" altLang="zh-TW" dirty="0"/>
+          </a:p>
+          <a:p>
+            <a:endParaRPr lang="en-US" altLang="zh-TW" dirty="0"/>
+          </a:p>
+          <a:p>
+            <a:endParaRPr lang="en-US" altLang="zh-TW" dirty="0"/>
+          </a:p>
+          <a:p>
+            <a:pPr lvl="1"/>
+            <a:r>
+              <a:rPr lang="en-US" altLang="zh-TW" dirty="0"/>
+              <a:t>Sequence Number: The sequence number of corresponding payload.</a:t>
+            </a:r>
+          </a:p>
+          <a:p>
+            <a:pPr lvl="1"/>
+            <a:r>
+              <a:rPr lang="en-US" altLang="zh-TW" dirty="0"/>
+              <a:t>Payload: The aggregating result.</a:t>
+            </a:r>
+          </a:p>
+          <a:p>
+            <a:pPr lvl="1"/>
+            <a:r>
+              <a:rPr lang="en-US" altLang="zh-TW" dirty="0"/>
+              <a:t>Count: Record which host has aggregated in bit format.</a:t>
+            </a:r>
+            <a:endParaRPr lang="zh-TW" altLang="en-US" dirty="0"/>
+          </a:p>
+        </p:txBody>
+      </p:sp>
+      <p:graphicFrame>
+        <p:nvGraphicFramePr>
+          <p:cNvPr id="4" name="表格 3">
+            <a:extLst>
+              <a:ext uri="{FF2B5EF4-FFF2-40B4-BE49-F238E27FC236}">
+                <a16:creationId xmlns:a16="http://schemas.microsoft.com/office/drawing/2014/main" id="{C33CC926-55AF-0BE3-1535-7DCC8F873E99}"/>
+              </a:ext>
+            </a:extLst>
+          </p:cNvPr>
+          <p:cNvGraphicFramePr>
+            <a:graphicFrameLocks noGrp="1"/>
+          </p:cNvGraphicFramePr>
+          <p:nvPr>
+            <p:extLst>
+              <p:ext uri="{D42A27DB-BD31-4B8C-83A1-F6EECF244321}">
+                <p14:modId xmlns:p14="http://schemas.microsoft.com/office/powerpoint/2010/main" val="652386688"/>
+              </p:ext>
+            </p:extLst>
+          </p:nvPr>
+        </p:nvGraphicFramePr>
+        <p:xfrm>
+          <a:off x="2032000" y="2486438"/>
+          <a:ext cx="8127999" cy="2225040"/>
+        </p:xfrm>
+        <a:graphic>
+          <a:graphicData uri="http://schemas.openxmlformats.org/drawingml/2006/table">
+            <a:tbl>
+              <a:tblPr firstRow="1" bandRow="1">
+                <a:tableStyleId>{5C22544A-7EE6-4342-B048-85BDC9FD1C3A}</a:tableStyleId>
+              </a:tblPr>
+              <a:tblGrid>
+                <a:gridCol w="2709333">
+                  <a:extLst>
+                    <a:ext uri="{9D8B030D-6E8A-4147-A177-3AD203B41FA5}">
+                      <a16:colId xmlns:a16="http://schemas.microsoft.com/office/drawing/2014/main" val="3341822593"/>
+                    </a:ext>
+                  </a:extLst>
+                </a:gridCol>
+                <a:gridCol w="2709333">
+                  <a:extLst>
+                    <a:ext uri="{9D8B030D-6E8A-4147-A177-3AD203B41FA5}">
+                      <a16:colId xmlns:a16="http://schemas.microsoft.com/office/drawing/2014/main" val="449212090"/>
+                    </a:ext>
+                  </a:extLst>
+                </a:gridCol>
+                <a:gridCol w="2709333">
+                  <a:extLst>
+                    <a:ext uri="{9D8B030D-6E8A-4147-A177-3AD203B41FA5}">
+                      <a16:colId xmlns:a16="http://schemas.microsoft.com/office/drawing/2014/main" val="2981205715"/>
+                    </a:ext>
+                  </a:extLst>
+                </a:gridCol>
+              </a:tblGrid>
+              <a:tr h="370840">
+                <a:tc>
+                  <a:txBody>
+                    <a:bodyPr/>
+                    <a:lstStyle/>
+                    <a:p>
+                      <a:r>
+                        <a:rPr lang="en-US" altLang="zh-TW" dirty="0">
+                          <a:solidFill>
+                            <a:schemeClr val="tx1"/>
+                          </a:solidFill>
+                        </a:rPr>
+                        <a:t>Sequence Number</a:t>
+                      </a:r>
+                      <a:endParaRPr lang="zh-TW" altLang="en-US" dirty="0">
+                        <a:solidFill>
+                          <a:schemeClr val="tx1"/>
+                        </a:solidFill>
+                      </a:endParaRPr>
+                    </a:p>
+                  </a:txBody>
+                  <a:tcPr>
+                    <a:lnL w="12700" cap="flat" cmpd="sng" algn="ctr">
+                      <a:solidFill>
+                        <a:schemeClr val="tx1"/>
+                      </a:solidFill>
+                      <a:prstDash val="solid"/>
+                      <a:round/>
+                      <a:headEnd type="none" w="med" len="med"/>
+                      <a:tailEnd type="none" w="med" len="med"/>
+                    </a:lnL>
+                    <a:lnR w="12700" cap="flat" cmpd="sng" algn="ctr">
+                      <a:solidFill>
+                        <a:schemeClr val="tx1"/>
+                      </a:solidFill>
+                      <a:prstDash val="solid"/>
+                      <a:round/>
+                      <a:headEnd type="none" w="med" len="med"/>
+                      <a:tailEnd type="none" w="med" len="med"/>
+                    </a:lnR>
+                    <a:lnT w="12700" cap="flat" cmpd="sng" algn="ctr">
+                      <a:solidFill>
+                        <a:schemeClr val="tx1"/>
+                      </a:solidFill>
+                      <a:prstDash val="solid"/>
+                      <a:round/>
+                      <a:headEnd type="none" w="med" len="med"/>
+                      <a:tailEnd type="none" w="med" len="med"/>
+                    </a:lnT>
+                    <a:lnB w="12700" cap="flat" cmpd="sng" algn="ctr">
+                      <a:solidFill>
+                        <a:schemeClr val="tx1"/>
+                      </a:solidFill>
+                      <a:prstDash val="solid"/>
+                      <a:round/>
+                      <a:headEnd type="none" w="med" len="med"/>
+                      <a:tailEnd type="none" w="med" len="med"/>
+                    </a:lnB>
+                    <a:noFill/>
+                  </a:tcPr>
+                </a:tc>
+                <a:tc>
+                  <a:txBody>
+                    <a:bodyPr/>
+                    <a:lstStyle/>
+                    <a:p>
+                      <a:r>
+                        <a:rPr lang="en-US" altLang="zh-TW" dirty="0">
+                          <a:solidFill>
+                            <a:schemeClr val="tx1"/>
+                          </a:solidFill>
+                        </a:rPr>
+                        <a:t>Payload</a:t>
+                      </a:r>
+                      <a:endParaRPr lang="zh-TW" altLang="en-US" dirty="0">
+                        <a:solidFill>
+                          <a:schemeClr val="tx1"/>
+                        </a:solidFill>
+                      </a:endParaRPr>
+                    </a:p>
+                  </a:txBody>
+                  <a:tcPr>
+                    <a:lnL w="12700" cap="flat" cmpd="sng" algn="ctr">
+                      <a:solidFill>
+                        <a:schemeClr val="tx1"/>
+                      </a:solidFill>
+                      <a:prstDash val="solid"/>
+                      <a:round/>
+                      <a:headEnd type="none" w="med" len="med"/>
+                      <a:tailEnd type="none" w="med" len="med"/>
+                    </a:lnL>
+                    <a:lnR w="12700" cap="flat" cmpd="sng" algn="ctr">
+                      <a:solidFill>
+                        <a:schemeClr val="tx1"/>
+                      </a:solidFill>
+                      <a:prstDash val="solid"/>
+                      <a:round/>
+                      <a:headEnd type="none" w="med" len="med"/>
+                      <a:tailEnd type="none" w="med" len="med"/>
+                    </a:lnR>
+                    <a:lnT w="12700" cap="flat" cmpd="sng" algn="ctr">
+                      <a:solidFill>
+                        <a:schemeClr val="tx1"/>
+                      </a:solidFill>
+                      <a:prstDash val="solid"/>
+                      <a:round/>
+                      <a:headEnd type="none" w="med" len="med"/>
+                      <a:tailEnd type="none" w="med" len="med"/>
+                    </a:lnT>
+                    <a:lnB w="12700" cap="flat" cmpd="sng" algn="ctr">
+                      <a:solidFill>
+                        <a:schemeClr val="tx1"/>
+                      </a:solidFill>
+                      <a:prstDash val="solid"/>
+                      <a:round/>
+                      <a:headEnd type="none" w="med" len="med"/>
+                      <a:tailEnd type="none" w="med" len="med"/>
+                    </a:lnB>
+                    <a:noFill/>
+                  </a:tcPr>
+                </a:tc>
+                <a:tc>
+                  <a:txBody>
+                    <a:bodyPr/>
+                    <a:lstStyle/>
+                    <a:p>
+                      <a:r>
+                        <a:rPr lang="en-US" altLang="zh-TW" dirty="0">
+                          <a:solidFill>
+                            <a:schemeClr val="tx1"/>
+                          </a:solidFill>
+                        </a:rPr>
+                        <a:t>Count</a:t>
+                      </a:r>
+                      <a:endParaRPr lang="zh-TW" altLang="en-US" dirty="0">
+                        <a:solidFill>
+                          <a:schemeClr val="tx1"/>
+                        </a:solidFill>
+                      </a:endParaRPr>
+                    </a:p>
+                  </a:txBody>
+                  <a:tcPr>
+                    <a:lnL w="12700" cap="flat" cmpd="sng" algn="ctr">
+                      <a:solidFill>
+                        <a:schemeClr val="tx1"/>
+                      </a:solidFill>
+                      <a:prstDash val="solid"/>
+                      <a:round/>
+                      <a:headEnd type="none" w="med" len="med"/>
+                      <a:tailEnd type="none" w="med" len="med"/>
+                    </a:lnL>
+                    <a:lnR w="12700" cap="flat" cmpd="sng" algn="ctr">
+                      <a:solidFill>
+                        <a:schemeClr val="tx1"/>
+                      </a:solidFill>
+                      <a:prstDash val="solid"/>
+                      <a:round/>
+                      <a:headEnd type="none" w="med" len="med"/>
+                      <a:tailEnd type="none" w="med" len="med"/>
+                    </a:lnR>
+                    <a:lnT w="12700" cap="flat" cmpd="sng" algn="ctr">
+                      <a:solidFill>
+                        <a:schemeClr val="tx1"/>
+                      </a:solidFill>
+                      <a:prstDash val="solid"/>
+                      <a:round/>
+                      <a:headEnd type="none" w="med" len="med"/>
+                      <a:tailEnd type="none" w="med" len="med"/>
+                    </a:lnT>
+                    <a:lnB w="12700" cap="flat" cmpd="sng" algn="ctr">
+                      <a:solidFill>
+                        <a:schemeClr val="tx1"/>
+                      </a:solidFill>
+                      <a:prstDash val="solid"/>
+                      <a:round/>
+                      <a:headEnd type="none" w="med" len="med"/>
+                      <a:tailEnd type="none" w="med" len="med"/>
+                    </a:lnB>
+                    <a:noFill/>
+                  </a:tcPr>
+                </a:tc>
+                <a:extLst>
+                  <a:ext uri="{0D108BD9-81ED-4DB2-BD59-A6C34878D82A}">
+                    <a16:rowId xmlns:a16="http://schemas.microsoft.com/office/drawing/2014/main" val="3618114651"/>
+                  </a:ext>
+                </a:extLst>
+              </a:tr>
+              <a:tr h="370840">
+                <a:tc>
+                  <a:txBody>
+                    <a:bodyPr/>
+                    <a:lstStyle/>
+                    <a:p>
+                      <a:r>
+                        <a:rPr lang="en-US" altLang="zh-TW" dirty="0">
+                          <a:solidFill>
+                            <a:schemeClr val="tx1"/>
+                          </a:solidFill>
+                        </a:rPr>
+                        <a:t>1</a:t>
+                      </a:r>
+                      <a:endParaRPr lang="zh-TW" altLang="en-US" dirty="0">
+                        <a:solidFill>
+                          <a:schemeClr val="tx1"/>
+                        </a:solidFill>
+                      </a:endParaRPr>
+                    </a:p>
+                  </a:txBody>
+                  <a:tcPr>
+                    <a:lnL w="12700" cap="flat" cmpd="sng" algn="ctr">
+                      <a:solidFill>
+                        <a:schemeClr val="tx1"/>
+                      </a:solidFill>
+                      <a:prstDash val="solid"/>
+                      <a:round/>
+                      <a:headEnd type="none" w="med" len="med"/>
+                      <a:tailEnd type="none" w="med" len="med"/>
+                    </a:lnL>
+                    <a:lnR w="12700" cap="flat" cmpd="sng" algn="ctr">
+                      <a:solidFill>
+                        <a:schemeClr val="tx1"/>
+                      </a:solidFill>
+                      <a:prstDash val="solid"/>
+                      <a:round/>
+                      <a:headEnd type="none" w="med" len="med"/>
+                      <a:tailEnd type="none" w="med" len="med"/>
+                    </a:lnR>
+                    <a:lnT w="12700" cap="flat" cmpd="sng" algn="ctr">
+                      <a:solidFill>
+                        <a:schemeClr val="tx1"/>
+                      </a:solidFill>
+                      <a:prstDash val="solid"/>
+                      <a:round/>
+                      <a:headEnd type="none" w="med" len="med"/>
+                      <a:tailEnd type="none" w="med" len="med"/>
+                    </a:lnT>
+                    <a:lnB w="12700" cap="flat" cmpd="sng" algn="ctr">
+                      <a:solidFill>
+                        <a:schemeClr val="tx1"/>
+                      </a:solidFill>
+                      <a:prstDash val="solid"/>
+                      <a:round/>
+                      <a:headEnd type="none" w="med" len="med"/>
+                      <a:tailEnd type="none" w="med" len="med"/>
+                    </a:lnB>
+                    <a:noFill/>
+                  </a:tcPr>
+                </a:tc>
+                <a:tc>
+                  <a:txBody>
+                    <a:bodyPr/>
+                    <a:lstStyle/>
+                    <a:p>
+                      <a:r>
+                        <a:rPr lang="en-US" altLang="zh-TW" dirty="0">
+                          <a:solidFill>
+                            <a:schemeClr val="tx1"/>
+                          </a:solidFill>
+                        </a:rPr>
+                        <a:t>4</a:t>
+                      </a:r>
+                      <a:endParaRPr lang="zh-TW" altLang="en-US" dirty="0">
+                        <a:solidFill>
+                          <a:schemeClr val="tx1"/>
+                        </a:solidFill>
+                      </a:endParaRPr>
+                    </a:p>
+                  </a:txBody>
+                  <a:tcPr>
+                    <a:lnL w="12700" cap="flat" cmpd="sng" algn="ctr">
+                      <a:solidFill>
+                        <a:schemeClr val="tx1"/>
+                      </a:solidFill>
+                      <a:prstDash val="solid"/>
+                      <a:round/>
+                      <a:headEnd type="none" w="med" len="med"/>
+                      <a:tailEnd type="none" w="med" len="med"/>
+                    </a:lnL>
+                    <a:lnR w="12700" cap="flat" cmpd="sng" algn="ctr">
+                      <a:solidFill>
+                        <a:schemeClr val="tx1"/>
+                      </a:solidFill>
+                      <a:prstDash val="solid"/>
+                      <a:round/>
+                      <a:headEnd type="none" w="med" len="med"/>
+                      <a:tailEnd type="none" w="med" len="med"/>
+                    </a:lnR>
+                    <a:lnT w="12700" cap="flat" cmpd="sng" algn="ctr">
+                      <a:solidFill>
+                        <a:schemeClr val="tx1"/>
+                      </a:solidFill>
+                      <a:prstDash val="solid"/>
+                      <a:round/>
+                      <a:headEnd type="none" w="med" len="med"/>
+                      <a:tailEnd type="none" w="med" len="med"/>
+                    </a:lnT>
+                    <a:lnB w="12700" cap="flat" cmpd="sng" algn="ctr">
+                      <a:solidFill>
+                        <a:schemeClr val="tx1"/>
+                      </a:solidFill>
+                      <a:prstDash val="solid"/>
+                      <a:round/>
+                      <a:headEnd type="none" w="med" len="med"/>
+                      <a:tailEnd type="none" w="med" len="med"/>
+                    </a:lnB>
+                    <a:noFill/>
+                  </a:tcPr>
+                </a:tc>
+                <a:tc>
+                  <a:txBody>
+                    <a:bodyPr/>
+                    <a:lstStyle/>
+                    <a:p>
+                      <a:r>
+                        <a:rPr lang="en-US" altLang="zh-TW" dirty="0">
+                          <a:solidFill>
+                            <a:schemeClr val="tx1"/>
+                          </a:solidFill>
+                        </a:rPr>
+                        <a:t>0b1111</a:t>
+                      </a:r>
+                      <a:endParaRPr lang="zh-TW" altLang="en-US" dirty="0">
+                        <a:solidFill>
+                          <a:schemeClr val="tx1"/>
+                        </a:solidFill>
+                      </a:endParaRPr>
+                    </a:p>
+                  </a:txBody>
+                  <a:tcPr>
+                    <a:lnL w="12700" cap="flat" cmpd="sng" algn="ctr">
+                      <a:solidFill>
+                        <a:schemeClr val="tx1"/>
+                      </a:solidFill>
+                      <a:prstDash val="solid"/>
+                      <a:round/>
+                      <a:headEnd type="none" w="med" len="med"/>
+                      <a:tailEnd type="none" w="med" len="med"/>
+                    </a:lnL>
+                    <a:lnR w="12700" cap="flat" cmpd="sng" algn="ctr">
+                      <a:solidFill>
+                        <a:schemeClr val="tx1"/>
+                      </a:solidFill>
+                      <a:prstDash val="solid"/>
+                      <a:round/>
+                      <a:headEnd type="none" w="med" len="med"/>
+                      <a:tailEnd type="none" w="med" len="med"/>
+                    </a:lnR>
+                    <a:lnT w="12700" cap="flat" cmpd="sng" algn="ctr">
+                      <a:solidFill>
+                        <a:schemeClr val="tx1"/>
+                      </a:solidFill>
+                      <a:prstDash val="solid"/>
+                      <a:round/>
+                      <a:headEnd type="none" w="med" len="med"/>
+                      <a:tailEnd type="none" w="med" len="med"/>
+                    </a:lnT>
+                    <a:lnB w="12700" cap="flat" cmpd="sng" algn="ctr">
+                      <a:solidFill>
+                        <a:schemeClr val="tx1"/>
+                      </a:solidFill>
+                      <a:prstDash val="solid"/>
+                      <a:round/>
+                      <a:headEnd type="none" w="med" len="med"/>
+                      <a:tailEnd type="none" w="med" len="med"/>
+                    </a:lnB>
+                    <a:noFill/>
+                  </a:tcPr>
+                </a:tc>
+                <a:extLst>
+                  <a:ext uri="{0D108BD9-81ED-4DB2-BD59-A6C34878D82A}">
+                    <a16:rowId xmlns:a16="http://schemas.microsoft.com/office/drawing/2014/main" val="1680940318"/>
+                  </a:ext>
+                </a:extLst>
+              </a:tr>
+              <a:tr h="370840">
+                <a:tc>
+                  <a:txBody>
+                    <a:bodyPr/>
+                    <a:lstStyle/>
+                    <a:p>
+                      <a:r>
+                        <a:rPr lang="en-US" altLang="zh-TW" dirty="0">
+                          <a:solidFill>
+                            <a:schemeClr val="tx1"/>
+                          </a:solidFill>
+                        </a:rPr>
+                        <a:t>2</a:t>
+                      </a:r>
+                      <a:endParaRPr lang="zh-TW" altLang="en-US" dirty="0">
+                        <a:solidFill>
+                          <a:schemeClr val="tx1"/>
+                        </a:solidFill>
+                      </a:endParaRPr>
+                    </a:p>
+                  </a:txBody>
+                  <a:tcPr>
+                    <a:lnL w="12700" cap="flat" cmpd="sng" algn="ctr">
+                      <a:solidFill>
+                        <a:schemeClr val="tx1"/>
+                      </a:solidFill>
+                      <a:prstDash val="solid"/>
+                      <a:round/>
+                      <a:headEnd type="none" w="med" len="med"/>
+                      <a:tailEnd type="none" w="med" len="med"/>
+                    </a:lnL>
+                    <a:lnR w="12700" cap="flat" cmpd="sng" algn="ctr">
+                      <a:solidFill>
+                        <a:schemeClr val="tx1"/>
+                      </a:solidFill>
+                      <a:prstDash val="solid"/>
+                      <a:round/>
+                      <a:headEnd type="none" w="med" len="med"/>
+                      <a:tailEnd type="none" w="med" len="med"/>
+                    </a:lnR>
+                    <a:lnT w="12700" cap="flat" cmpd="sng" algn="ctr">
+                      <a:solidFill>
+                        <a:schemeClr val="tx1"/>
+                      </a:solidFill>
+                      <a:prstDash val="solid"/>
+                      <a:round/>
+                      <a:headEnd type="none" w="med" len="med"/>
+                      <a:tailEnd type="none" w="med" len="med"/>
+                    </a:lnT>
+                    <a:lnB w="12700" cap="flat" cmpd="sng" algn="ctr">
+                      <a:solidFill>
+                        <a:schemeClr val="tx1"/>
+                      </a:solidFill>
+                      <a:prstDash val="solid"/>
+                      <a:round/>
+                      <a:headEnd type="none" w="med" len="med"/>
+                      <a:tailEnd type="none" w="med" len="med"/>
+                    </a:lnB>
+                    <a:noFill/>
+                  </a:tcPr>
+                </a:tc>
+                <a:tc>
+                  <a:txBody>
+                    <a:bodyPr/>
+                    <a:lstStyle/>
+                    <a:p>
+                      <a:r>
+                        <a:rPr lang="en-US" altLang="zh-TW" dirty="0">
+                          <a:solidFill>
+                            <a:schemeClr val="tx1"/>
+                          </a:solidFill>
+                        </a:rPr>
+                        <a:t>6</a:t>
+                      </a:r>
+                      <a:endParaRPr lang="zh-TW" altLang="en-US" dirty="0">
+                        <a:solidFill>
+                          <a:schemeClr val="tx1"/>
+                        </a:solidFill>
+                      </a:endParaRPr>
+                    </a:p>
+                  </a:txBody>
+                  <a:tcPr>
+                    <a:lnL w="12700" cap="flat" cmpd="sng" algn="ctr">
+                      <a:solidFill>
+                        <a:schemeClr val="tx1"/>
+                      </a:solidFill>
+                      <a:prstDash val="solid"/>
+                      <a:round/>
+                      <a:headEnd type="none" w="med" len="med"/>
+                      <a:tailEnd type="none" w="med" len="med"/>
+                    </a:lnL>
+                    <a:lnR w="12700" cap="flat" cmpd="sng" algn="ctr">
+                      <a:solidFill>
+                        <a:schemeClr val="tx1"/>
+                      </a:solidFill>
+                      <a:prstDash val="solid"/>
+                      <a:round/>
+                      <a:headEnd type="none" w="med" len="med"/>
+                      <a:tailEnd type="none" w="med" len="med"/>
+                    </a:lnR>
+                    <a:lnT w="12700" cap="flat" cmpd="sng" algn="ctr">
+                      <a:solidFill>
+                        <a:schemeClr val="tx1"/>
+                      </a:solidFill>
+                      <a:prstDash val="solid"/>
+                      <a:round/>
+                      <a:headEnd type="none" w="med" len="med"/>
+                      <a:tailEnd type="none" w="med" len="med"/>
+                    </a:lnT>
+                    <a:lnB w="12700" cap="flat" cmpd="sng" algn="ctr">
+                      <a:solidFill>
+                        <a:schemeClr val="tx1"/>
+                      </a:solidFill>
+                      <a:prstDash val="solid"/>
+                      <a:round/>
+                      <a:headEnd type="none" w="med" len="med"/>
+                      <a:tailEnd type="none" w="med" len="med"/>
+                    </a:lnB>
+                    <a:noFill/>
+                  </a:tcPr>
+                </a:tc>
+                <a:tc>
+                  <a:txBody>
+                    <a:bodyPr/>
+                    <a:lstStyle/>
+                    <a:p>
+                      <a:r>
+                        <a:rPr lang="en-US" altLang="zh-TW" dirty="0">
+                          <a:solidFill>
+                            <a:schemeClr val="tx1"/>
+                          </a:solidFill>
+                        </a:rPr>
+                        <a:t>0b0111</a:t>
+                      </a:r>
+                      <a:endParaRPr lang="zh-TW" altLang="en-US" dirty="0">
+                        <a:solidFill>
+                          <a:schemeClr val="tx1"/>
+                        </a:solidFill>
+                      </a:endParaRPr>
+                    </a:p>
+                  </a:txBody>
+                  <a:tcPr>
+                    <a:lnL w="12700" cap="flat" cmpd="sng" algn="ctr">
+                      <a:solidFill>
+                        <a:schemeClr val="tx1"/>
+                      </a:solidFill>
+                      <a:prstDash val="solid"/>
+                      <a:round/>
+                      <a:headEnd type="none" w="med" len="med"/>
+                      <a:tailEnd type="none" w="med" len="med"/>
+                    </a:lnL>
+                    <a:lnR w="12700" cap="flat" cmpd="sng" algn="ctr">
+                      <a:solidFill>
+                        <a:schemeClr val="tx1"/>
+                      </a:solidFill>
+                      <a:prstDash val="solid"/>
+                      <a:round/>
+                      <a:headEnd type="none" w="med" len="med"/>
+                      <a:tailEnd type="none" w="med" len="med"/>
+                    </a:lnR>
+                    <a:lnT w="12700" cap="flat" cmpd="sng" algn="ctr">
+                      <a:solidFill>
+                        <a:schemeClr val="tx1"/>
+                      </a:solidFill>
+                      <a:prstDash val="solid"/>
+                      <a:round/>
+                      <a:headEnd type="none" w="med" len="med"/>
+                      <a:tailEnd type="none" w="med" len="med"/>
+                    </a:lnT>
+                    <a:lnB w="12700" cap="flat" cmpd="sng" algn="ctr">
+                      <a:solidFill>
+                        <a:schemeClr val="tx1"/>
+                      </a:solidFill>
+                      <a:prstDash val="solid"/>
+                      <a:round/>
+                      <a:headEnd type="none" w="med" len="med"/>
+                      <a:tailEnd type="none" w="med" len="med"/>
+                    </a:lnB>
+                    <a:noFill/>
+                  </a:tcPr>
+                </a:tc>
+                <a:extLst>
+                  <a:ext uri="{0D108BD9-81ED-4DB2-BD59-A6C34878D82A}">
+                    <a16:rowId xmlns:a16="http://schemas.microsoft.com/office/drawing/2014/main" val="2075929711"/>
+                  </a:ext>
+                </a:extLst>
+              </a:tr>
+              <a:tr h="370840">
+                <a:tc>
+                  <a:txBody>
+                    <a:bodyPr/>
+                    <a:lstStyle/>
+                    <a:p>
+                      <a:r>
+                        <a:rPr lang="en-US" altLang="zh-TW" dirty="0">
+                          <a:solidFill>
+                            <a:schemeClr val="tx1"/>
+                          </a:solidFill>
+                        </a:rPr>
+                        <a:t>3</a:t>
+                      </a:r>
+                      <a:endParaRPr lang="zh-TW" altLang="en-US" dirty="0">
+                        <a:solidFill>
+                          <a:schemeClr val="tx1"/>
+                        </a:solidFill>
+                      </a:endParaRPr>
+                    </a:p>
+                  </a:txBody>
+                  <a:tcPr>
+                    <a:lnL w="12700" cap="flat" cmpd="sng" algn="ctr">
+                      <a:solidFill>
+                        <a:schemeClr val="tx1"/>
+                      </a:solidFill>
+                      <a:prstDash val="solid"/>
+                      <a:round/>
+                      <a:headEnd type="none" w="med" len="med"/>
+                      <a:tailEnd type="none" w="med" len="med"/>
+                    </a:lnL>
+                    <a:lnR w="12700" cap="flat" cmpd="sng" algn="ctr">
+                      <a:solidFill>
+                        <a:schemeClr val="tx1"/>
+                      </a:solidFill>
+                      <a:prstDash val="solid"/>
+                      <a:round/>
+                      <a:headEnd type="none" w="med" len="med"/>
+                      <a:tailEnd type="none" w="med" len="med"/>
+                    </a:lnR>
+                    <a:lnT w="12700" cap="flat" cmpd="sng" algn="ctr">
+                      <a:solidFill>
+                        <a:schemeClr val="tx1"/>
+                      </a:solidFill>
+                      <a:prstDash val="solid"/>
+                      <a:round/>
+                      <a:headEnd type="none" w="med" len="med"/>
+                      <a:tailEnd type="none" w="med" len="med"/>
+                    </a:lnT>
+                    <a:lnB w="12700" cap="flat" cmpd="sng" algn="ctr">
+                      <a:solidFill>
+                        <a:schemeClr val="tx1"/>
+                      </a:solidFill>
+                      <a:prstDash val="solid"/>
+                      <a:round/>
+                      <a:headEnd type="none" w="med" len="med"/>
+                      <a:tailEnd type="none" w="med" len="med"/>
+                    </a:lnB>
+                    <a:noFill/>
+                  </a:tcPr>
+                </a:tc>
+                <a:tc>
+                  <a:txBody>
+                    <a:bodyPr/>
+                    <a:lstStyle/>
+                    <a:p>
+                      <a:r>
+                        <a:rPr lang="en-US" altLang="zh-TW" dirty="0">
+                          <a:solidFill>
+                            <a:schemeClr val="tx1"/>
+                          </a:solidFill>
+                        </a:rPr>
+                        <a:t>6</a:t>
+                      </a:r>
+                      <a:endParaRPr lang="zh-TW" altLang="en-US" dirty="0">
+                        <a:solidFill>
+                          <a:schemeClr val="tx1"/>
+                        </a:solidFill>
+                      </a:endParaRPr>
+                    </a:p>
+                  </a:txBody>
+                  <a:tcPr>
+                    <a:lnL w="12700" cap="flat" cmpd="sng" algn="ctr">
+                      <a:solidFill>
+                        <a:schemeClr val="tx1"/>
+                      </a:solidFill>
+                      <a:prstDash val="solid"/>
+                      <a:round/>
+                      <a:headEnd type="none" w="med" len="med"/>
+                      <a:tailEnd type="none" w="med" len="med"/>
+                    </a:lnL>
+                    <a:lnR w="12700" cap="flat" cmpd="sng" algn="ctr">
+                      <a:solidFill>
+                        <a:schemeClr val="tx1"/>
+                      </a:solidFill>
+                      <a:prstDash val="solid"/>
+                      <a:round/>
+                      <a:headEnd type="none" w="med" len="med"/>
+                      <a:tailEnd type="none" w="med" len="med"/>
+                    </a:lnR>
+                    <a:lnT w="12700" cap="flat" cmpd="sng" algn="ctr">
+                      <a:solidFill>
+                        <a:schemeClr val="tx1"/>
+                      </a:solidFill>
+                      <a:prstDash val="solid"/>
+                      <a:round/>
+                      <a:headEnd type="none" w="med" len="med"/>
+                      <a:tailEnd type="none" w="med" len="med"/>
+                    </a:lnT>
+                    <a:lnB w="12700" cap="flat" cmpd="sng" algn="ctr">
+                      <a:solidFill>
+                        <a:schemeClr val="tx1"/>
+                      </a:solidFill>
+                      <a:prstDash val="solid"/>
+                      <a:round/>
+                      <a:headEnd type="none" w="med" len="med"/>
+                      <a:tailEnd type="none" w="med" len="med"/>
+                    </a:lnB>
+                    <a:noFill/>
+                  </a:tcPr>
+                </a:tc>
+                <a:tc>
+                  <a:txBody>
+                    <a:bodyPr/>
+                    <a:lstStyle/>
+                    <a:p>
+                      <a:r>
+                        <a:rPr lang="en-US" altLang="zh-TW" dirty="0">
+                          <a:solidFill>
+                            <a:schemeClr val="tx1"/>
+                          </a:solidFill>
+                        </a:rPr>
+                        <a:t>0b0011</a:t>
+                      </a:r>
+                      <a:endParaRPr lang="zh-TW" altLang="en-US" dirty="0">
+                        <a:solidFill>
+                          <a:schemeClr val="tx1"/>
+                        </a:solidFill>
+                      </a:endParaRPr>
+                    </a:p>
+                  </a:txBody>
+                  <a:tcPr>
+                    <a:lnL w="12700" cap="flat" cmpd="sng" algn="ctr">
+                      <a:solidFill>
+                        <a:schemeClr val="tx1"/>
+                      </a:solidFill>
+                      <a:prstDash val="solid"/>
+                      <a:round/>
+                      <a:headEnd type="none" w="med" len="med"/>
+                      <a:tailEnd type="none" w="med" len="med"/>
+                    </a:lnL>
+                    <a:lnR w="12700" cap="flat" cmpd="sng" algn="ctr">
+                      <a:solidFill>
+                        <a:schemeClr val="tx1"/>
+                      </a:solidFill>
+                      <a:prstDash val="solid"/>
+                      <a:round/>
+                      <a:headEnd type="none" w="med" len="med"/>
+                      <a:tailEnd type="none" w="med" len="med"/>
+                    </a:lnR>
+                    <a:lnT w="12700" cap="flat" cmpd="sng" algn="ctr">
+                      <a:solidFill>
+                        <a:schemeClr val="tx1"/>
+                      </a:solidFill>
+                      <a:prstDash val="solid"/>
+                      <a:round/>
+                      <a:headEnd type="none" w="med" len="med"/>
+                      <a:tailEnd type="none" w="med" len="med"/>
+                    </a:lnT>
+                    <a:lnB w="12700" cap="flat" cmpd="sng" algn="ctr">
+                      <a:solidFill>
+                        <a:schemeClr val="tx1"/>
+                      </a:solidFill>
+                      <a:prstDash val="solid"/>
+                      <a:round/>
+                      <a:headEnd type="none" w="med" len="med"/>
+                      <a:tailEnd type="none" w="med" len="med"/>
+                    </a:lnB>
+                    <a:noFill/>
+                  </a:tcPr>
+                </a:tc>
+                <a:extLst>
+                  <a:ext uri="{0D108BD9-81ED-4DB2-BD59-A6C34878D82A}">
+                    <a16:rowId xmlns:a16="http://schemas.microsoft.com/office/drawing/2014/main" val="240479013"/>
+                  </a:ext>
+                </a:extLst>
+              </a:tr>
+              <a:tr h="370840">
+                <a:tc>
+                  <a:txBody>
+                    <a:bodyPr/>
+                    <a:lstStyle/>
+                    <a:p>
+                      <a:r>
+                        <a:rPr lang="en-US" altLang="zh-TW" dirty="0">
+                          <a:solidFill>
+                            <a:schemeClr val="tx1"/>
+                          </a:solidFill>
+                        </a:rPr>
+                        <a:t>4</a:t>
+                      </a:r>
+                      <a:endParaRPr lang="zh-TW" altLang="en-US" dirty="0">
+                        <a:solidFill>
+                          <a:schemeClr val="tx1"/>
+                        </a:solidFill>
+                      </a:endParaRPr>
+                    </a:p>
+                  </a:txBody>
+                  <a:tcPr>
+                    <a:lnL w="12700" cap="flat" cmpd="sng" algn="ctr">
+                      <a:solidFill>
+                        <a:schemeClr val="tx1"/>
+                      </a:solidFill>
+                      <a:prstDash val="solid"/>
+                      <a:round/>
+                      <a:headEnd type="none" w="med" len="med"/>
+                      <a:tailEnd type="none" w="med" len="med"/>
+                    </a:lnL>
+                    <a:lnR w="12700" cap="flat" cmpd="sng" algn="ctr">
+                      <a:solidFill>
+                        <a:schemeClr val="tx1"/>
+                      </a:solidFill>
+                      <a:prstDash val="solid"/>
+                      <a:round/>
+                      <a:headEnd type="none" w="med" len="med"/>
+                      <a:tailEnd type="none" w="med" len="med"/>
+                    </a:lnR>
+                    <a:lnT w="12700" cap="flat" cmpd="sng" algn="ctr">
+                      <a:solidFill>
+                        <a:schemeClr val="tx1"/>
+                      </a:solidFill>
+                      <a:prstDash val="solid"/>
+                      <a:round/>
+                      <a:headEnd type="none" w="med" len="med"/>
+                      <a:tailEnd type="none" w="med" len="med"/>
+                    </a:lnT>
+                    <a:lnB w="12700" cap="flat" cmpd="sng" algn="ctr">
+                      <a:solidFill>
+                        <a:schemeClr val="tx1"/>
+                      </a:solidFill>
+                      <a:prstDash val="solid"/>
+                      <a:round/>
+                      <a:headEnd type="none" w="med" len="med"/>
+                      <a:tailEnd type="none" w="med" len="med"/>
+                    </a:lnB>
+                    <a:noFill/>
+                  </a:tcPr>
+                </a:tc>
+                <a:tc>
+                  <a:txBody>
+                    <a:bodyPr/>
+                    <a:lstStyle/>
+                    <a:p>
+                      <a:r>
+                        <a:rPr lang="en-US" altLang="zh-TW" dirty="0">
+                          <a:solidFill>
+                            <a:schemeClr val="tx1"/>
+                          </a:solidFill>
+                        </a:rPr>
+                        <a:t>4</a:t>
+                      </a:r>
+                      <a:endParaRPr lang="zh-TW" altLang="en-US" dirty="0">
+                        <a:solidFill>
+                          <a:schemeClr val="tx1"/>
+                        </a:solidFill>
+                      </a:endParaRPr>
+                    </a:p>
+                  </a:txBody>
+                  <a:tcPr>
+                    <a:lnL w="12700" cap="flat" cmpd="sng" algn="ctr">
+                      <a:solidFill>
+                        <a:schemeClr val="tx1"/>
+                      </a:solidFill>
+                      <a:prstDash val="solid"/>
+                      <a:round/>
+                      <a:headEnd type="none" w="med" len="med"/>
+                      <a:tailEnd type="none" w="med" len="med"/>
+                    </a:lnL>
+                    <a:lnR w="12700" cap="flat" cmpd="sng" algn="ctr">
+                      <a:solidFill>
+                        <a:schemeClr val="tx1"/>
+                      </a:solidFill>
+                      <a:prstDash val="solid"/>
+                      <a:round/>
+                      <a:headEnd type="none" w="med" len="med"/>
+                      <a:tailEnd type="none" w="med" len="med"/>
+                    </a:lnR>
+                    <a:lnT w="12700" cap="flat" cmpd="sng" algn="ctr">
+                      <a:solidFill>
+                        <a:schemeClr val="tx1"/>
+                      </a:solidFill>
+                      <a:prstDash val="solid"/>
+                      <a:round/>
+                      <a:headEnd type="none" w="med" len="med"/>
+                      <a:tailEnd type="none" w="med" len="med"/>
+                    </a:lnT>
+                    <a:lnB w="12700" cap="flat" cmpd="sng" algn="ctr">
+                      <a:solidFill>
+                        <a:schemeClr val="tx1"/>
+                      </a:solidFill>
+                      <a:prstDash val="solid"/>
+                      <a:round/>
+                      <a:headEnd type="none" w="med" len="med"/>
+                      <a:tailEnd type="none" w="med" len="med"/>
+                    </a:lnB>
+                    <a:noFill/>
+                  </a:tcPr>
+                </a:tc>
+                <a:tc>
+                  <a:txBody>
+                    <a:bodyPr/>
+                    <a:lstStyle/>
+                    <a:p>
+                      <a:r>
+                        <a:rPr lang="en-US" altLang="zh-TW" dirty="0">
+                          <a:solidFill>
+                            <a:schemeClr val="tx1"/>
+                          </a:solidFill>
+                        </a:rPr>
+                        <a:t>0b0001</a:t>
+                      </a:r>
+                      <a:endParaRPr lang="zh-TW" altLang="en-US" dirty="0">
+                        <a:solidFill>
+                          <a:schemeClr val="tx1"/>
+                        </a:solidFill>
+                      </a:endParaRPr>
+                    </a:p>
+                  </a:txBody>
+                  <a:tcPr>
+                    <a:lnL w="12700" cap="flat" cmpd="sng" algn="ctr">
+                      <a:solidFill>
+                        <a:schemeClr val="tx1"/>
+                      </a:solidFill>
+                      <a:prstDash val="solid"/>
+                      <a:round/>
+                      <a:headEnd type="none" w="med" len="med"/>
+                      <a:tailEnd type="none" w="med" len="med"/>
+                    </a:lnL>
+                    <a:lnR w="12700" cap="flat" cmpd="sng" algn="ctr">
+                      <a:solidFill>
+                        <a:schemeClr val="tx1"/>
+                      </a:solidFill>
+                      <a:prstDash val="solid"/>
+                      <a:round/>
+                      <a:headEnd type="none" w="med" len="med"/>
+                      <a:tailEnd type="none" w="med" len="med"/>
+                    </a:lnR>
+                    <a:lnT w="12700" cap="flat" cmpd="sng" algn="ctr">
+                      <a:solidFill>
+                        <a:schemeClr val="tx1"/>
+                      </a:solidFill>
+                      <a:prstDash val="solid"/>
+                      <a:round/>
+                      <a:headEnd type="none" w="med" len="med"/>
+                      <a:tailEnd type="none" w="med" len="med"/>
+                    </a:lnT>
+                    <a:lnB w="12700" cap="flat" cmpd="sng" algn="ctr">
+                      <a:solidFill>
+                        <a:schemeClr val="tx1"/>
+                      </a:solidFill>
+                      <a:prstDash val="solid"/>
+                      <a:round/>
+                      <a:headEnd type="none" w="med" len="med"/>
+                      <a:tailEnd type="none" w="med" len="med"/>
+                    </a:lnB>
+                    <a:noFill/>
+                  </a:tcPr>
+                </a:tc>
+                <a:extLst>
+                  <a:ext uri="{0D108BD9-81ED-4DB2-BD59-A6C34878D82A}">
+                    <a16:rowId xmlns:a16="http://schemas.microsoft.com/office/drawing/2014/main" val="103598908"/>
+                  </a:ext>
+                </a:extLst>
+              </a:tr>
+              <a:tr h="370840">
+                <a:tc>
+                  <a:txBody>
+                    <a:bodyPr/>
+                    <a:lstStyle/>
+                    <a:p>
+                      <a:r>
+                        <a:rPr lang="en-US" altLang="zh-TW" dirty="0">
+                          <a:solidFill>
+                            <a:schemeClr val="tx1"/>
+                          </a:solidFill>
+                        </a:rPr>
+                        <a:t>5</a:t>
+                      </a:r>
+                      <a:endParaRPr lang="zh-TW" altLang="en-US" dirty="0">
+                        <a:solidFill>
+                          <a:schemeClr val="tx1"/>
+                        </a:solidFill>
+                      </a:endParaRPr>
+                    </a:p>
+                  </a:txBody>
+                  <a:tcPr>
+                    <a:lnL w="12700" cap="flat" cmpd="sng" algn="ctr">
+                      <a:solidFill>
+                        <a:schemeClr val="tx1"/>
+                      </a:solidFill>
+                      <a:prstDash val="solid"/>
+                      <a:round/>
+                      <a:headEnd type="none" w="med" len="med"/>
+                      <a:tailEnd type="none" w="med" len="med"/>
+                    </a:lnL>
+                    <a:lnR w="12700" cap="flat" cmpd="sng" algn="ctr">
+                      <a:solidFill>
+                        <a:schemeClr val="tx1"/>
+                      </a:solidFill>
+                      <a:prstDash val="solid"/>
+                      <a:round/>
+                      <a:headEnd type="none" w="med" len="med"/>
+                      <a:tailEnd type="none" w="med" len="med"/>
+                    </a:lnR>
+                    <a:lnT w="12700" cap="flat" cmpd="sng" algn="ctr">
+                      <a:solidFill>
+                        <a:schemeClr val="tx1"/>
+                      </a:solidFill>
+                      <a:prstDash val="solid"/>
+                      <a:round/>
+                      <a:headEnd type="none" w="med" len="med"/>
+                      <a:tailEnd type="none" w="med" len="med"/>
+                    </a:lnT>
+                    <a:lnB w="12700" cap="flat" cmpd="sng" algn="ctr">
+                      <a:solidFill>
+                        <a:schemeClr val="tx1"/>
+                      </a:solidFill>
+                      <a:prstDash val="solid"/>
+                      <a:round/>
+                      <a:headEnd type="none" w="med" len="med"/>
+                      <a:tailEnd type="none" w="med" len="med"/>
+                    </a:lnB>
+                    <a:noFill/>
+                  </a:tcPr>
+                </a:tc>
+                <a:tc>
+                  <a:txBody>
+                    <a:bodyPr/>
+                    <a:lstStyle/>
+                    <a:p>
+                      <a:r>
+                        <a:rPr lang="en-US" altLang="zh-TW" dirty="0">
+                          <a:solidFill>
+                            <a:schemeClr val="tx1"/>
+                          </a:solidFill>
+                        </a:rPr>
+                        <a:t>0</a:t>
+                      </a:r>
+                      <a:endParaRPr lang="zh-TW" altLang="en-US" dirty="0">
+                        <a:solidFill>
+                          <a:schemeClr val="tx1"/>
+                        </a:solidFill>
+                      </a:endParaRPr>
+                    </a:p>
+                  </a:txBody>
+                  <a:tcPr>
+                    <a:lnL w="12700" cap="flat" cmpd="sng" algn="ctr">
+                      <a:solidFill>
+                        <a:schemeClr val="tx1"/>
+                      </a:solidFill>
+                      <a:prstDash val="solid"/>
+                      <a:round/>
+                      <a:headEnd type="none" w="med" len="med"/>
+                      <a:tailEnd type="none" w="med" len="med"/>
+                    </a:lnL>
+                    <a:lnR w="12700" cap="flat" cmpd="sng" algn="ctr">
+                      <a:solidFill>
+                        <a:schemeClr val="tx1"/>
+                      </a:solidFill>
+                      <a:prstDash val="solid"/>
+                      <a:round/>
+                      <a:headEnd type="none" w="med" len="med"/>
+                      <a:tailEnd type="none" w="med" len="med"/>
+                    </a:lnR>
+                    <a:lnT w="12700" cap="flat" cmpd="sng" algn="ctr">
+                      <a:solidFill>
+                        <a:schemeClr val="tx1"/>
+                      </a:solidFill>
+                      <a:prstDash val="solid"/>
+                      <a:round/>
+                      <a:headEnd type="none" w="med" len="med"/>
+                      <a:tailEnd type="none" w="med" len="med"/>
+                    </a:lnT>
+                    <a:lnB w="12700" cap="flat" cmpd="sng" algn="ctr">
+                      <a:solidFill>
+                        <a:schemeClr val="tx1"/>
+                      </a:solidFill>
+                      <a:prstDash val="solid"/>
+                      <a:round/>
+                      <a:headEnd type="none" w="med" len="med"/>
+                      <a:tailEnd type="none" w="med" len="med"/>
+                    </a:lnB>
+                    <a:noFill/>
+                  </a:tcPr>
+                </a:tc>
+                <a:tc>
+                  <a:txBody>
+                    <a:bodyPr/>
+                    <a:lstStyle/>
+                    <a:p>
+                      <a:r>
+                        <a:rPr lang="en-US" altLang="zh-TW" dirty="0">
+                          <a:solidFill>
+                            <a:schemeClr val="tx1"/>
+                          </a:solidFill>
+                        </a:rPr>
+                        <a:t>0b0000</a:t>
+                      </a:r>
+                      <a:endParaRPr lang="zh-TW" altLang="en-US" dirty="0">
+                        <a:solidFill>
+                          <a:schemeClr val="tx1"/>
+                        </a:solidFill>
+                      </a:endParaRPr>
+                    </a:p>
+                  </a:txBody>
+                  <a:tcPr>
+                    <a:lnL w="12700" cap="flat" cmpd="sng" algn="ctr">
+                      <a:solidFill>
+                        <a:schemeClr val="tx1"/>
+                      </a:solidFill>
+                      <a:prstDash val="solid"/>
+                      <a:round/>
+                      <a:headEnd type="none" w="med" len="med"/>
+                      <a:tailEnd type="none" w="med" len="med"/>
+                    </a:lnL>
+                    <a:lnR w="12700" cap="flat" cmpd="sng" algn="ctr">
+                      <a:solidFill>
+                        <a:schemeClr val="tx1"/>
+                      </a:solidFill>
+                      <a:prstDash val="solid"/>
+                      <a:round/>
+                      <a:headEnd type="none" w="med" len="med"/>
+                      <a:tailEnd type="none" w="med" len="med"/>
+                    </a:lnR>
+                    <a:lnT w="12700" cap="flat" cmpd="sng" algn="ctr">
+                      <a:solidFill>
+                        <a:schemeClr val="tx1"/>
+                      </a:solidFill>
+                      <a:prstDash val="solid"/>
+                      <a:round/>
+                      <a:headEnd type="none" w="med" len="med"/>
+                      <a:tailEnd type="none" w="med" len="med"/>
+                    </a:lnT>
+                    <a:lnB w="12700" cap="flat" cmpd="sng" algn="ctr">
+                      <a:solidFill>
+                        <a:schemeClr val="tx1"/>
+                      </a:solidFill>
+                      <a:prstDash val="solid"/>
+                      <a:round/>
+                      <a:headEnd type="none" w="med" len="med"/>
+                      <a:tailEnd type="none" w="med" len="med"/>
+                    </a:lnB>
+                    <a:noFill/>
+                  </a:tcPr>
+                </a:tc>
+                <a:extLst>
+                  <a:ext uri="{0D108BD9-81ED-4DB2-BD59-A6C34878D82A}">
+                    <a16:rowId xmlns:a16="http://schemas.microsoft.com/office/drawing/2014/main" val="1963130676"/>
+                  </a:ext>
+                </a:extLst>
+              </a:tr>
+            </a:tbl>
+          </a:graphicData>
+        </a:graphic>
+      </p:graphicFrame>
     </p:spTree>
     <p:extLst>
       <p:ext uri="{BB962C8B-B14F-4D97-AF65-F5344CB8AC3E}">
-        <p14:creationId xmlns:p14="http://schemas.microsoft.com/office/powerpoint/2010/main" val="1879629016"/>
+        <p14:creationId xmlns:p14="http://schemas.microsoft.com/office/powerpoint/2010/main" val="1707189854"/>
+      </p:ext>
+    </p:extLst>
+  </p:cSld>
+  <p:clrMapOvr>
+    <a:masterClrMapping/>
+  </p:clrMapOvr>
+</p:sld>
+</file>
+
+<file path=ppt/slides/slide17.xml><?xml version="1.0" encoding="utf-8"?>
+<p:sld xmlns:a="http://schemas.openxmlformats.org/drawingml/2006/main" xmlns:r="http://schemas.openxmlformats.org/officeDocument/2006/relationships" xmlns:p="http://schemas.openxmlformats.org/presentationml/2006/main">
+  <p:cSld>
+    <p:spTree>
+      <p:nvGrpSpPr>
+        <p:cNvPr id="1" name=""/>
+        <p:cNvGrpSpPr/>
+        <p:nvPr/>
+      </p:nvGrpSpPr>
+      <p:grpSpPr>
+        <a:xfrm>
+          <a:off x="0" y="0"/>
+          <a:ext cx="0" cy="0"/>
+          <a:chOff x="0" y="0"/>
+          <a:chExt cx="0" cy="0"/>
+        </a:xfrm>
+      </p:grpSpPr>
+      <p:sp>
+        <p:nvSpPr>
+          <p:cNvPr id="2" name="標題 1">
+            <a:extLst>
+              <a:ext uri="{FF2B5EF4-FFF2-40B4-BE49-F238E27FC236}">
+                <a16:creationId xmlns:a16="http://schemas.microsoft.com/office/drawing/2014/main" id="{9B92F366-6ABC-414F-9DE4-178532EDBB6D}"/>
+              </a:ext>
+            </a:extLst>
+          </p:cNvPr>
+          <p:cNvSpPr>
+            <a:spLocks noGrp="1"/>
+          </p:cNvSpPr>
+          <p:nvPr>
+            <p:ph type="title"/>
+          </p:nvPr>
+        </p:nvSpPr>
+        <p:spPr/>
+        <p:txBody>
+          <a:bodyPr/>
+          <a:lstStyle/>
+          <a:p>
+            <a:r>
+              <a:rPr lang="en-US" altLang="zh-TW" dirty="0">
+                <a:latin typeface="Google Sans"/>
+              </a:rPr>
+              <a:t>Ring Buffer</a:t>
+            </a:r>
+            <a:endParaRPr lang="zh-TW" altLang="en-US" dirty="0">
+              <a:latin typeface="Google Sans"/>
+            </a:endParaRPr>
+          </a:p>
+        </p:txBody>
+      </p:sp>
+      <p:sp>
+        <p:nvSpPr>
+          <p:cNvPr id="3" name="內容版面配置區 2">
+            <a:extLst>
+              <a:ext uri="{FF2B5EF4-FFF2-40B4-BE49-F238E27FC236}">
+                <a16:creationId xmlns:a16="http://schemas.microsoft.com/office/drawing/2014/main" id="{744311F3-BA20-4949-A5C9-DFD5EE18DEC8}"/>
+              </a:ext>
+            </a:extLst>
+          </p:cNvPr>
+          <p:cNvSpPr>
+            <a:spLocks noGrp="1"/>
+          </p:cNvSpPr>
+          <p:nvPr>
+            <p:ph idx="1"/>
+          </p:nvPr>
+        </p:nvSpPr>
+        <p:spPr/>
+        <p:txBody>
+          <a:bodyPr/>
+          <a:lstStyle/>
+          <a:p>
+            <a:r>
+              <a:rPr lang="en-US" altLang="zh-TW" dirty="0"/>
+              <a:t>There are </a:t>
+            </a:r>
+            <a:r>
+              <a:rPr lang="en-US" altLang="zh-TW" dirty="0" err="1"/>
+              <a:t>min_index</a:t>
+            </a:r>
+            <a:r>
+              <a:rPr lang="en-US" altLang="zh-TW" dirty="0"/>
+              <a:t> and </a:t>
+            </a:r>
+            <a:r>
+              <a:rPr lang="en-US" altLang="zh-TW" dirty="0" err="1"/>
+              <a:t>max_index</a:t>
+            </a:r>
+            <a:r>
+              <a:rPr lang="en-US" altLang="zh-TW" dirty="0"/>
+              <a:t> to maintain the buffer:</a:t>
+            </a:r>
+          </a:p>
+          <a:p>
+            <a:endParaRPr lang="en-US" altLang="zh-TW" dirty="0"/>
+          </a:p>
+          <a:p>
+            <a:endParaRPr lang="en-US" altLang="zh-TW" dirty="0"/>
+          </a:p>
+          <a:p>
+            <a:endParaRPr lang="en-US" altLang="zh-TW" dirty="0"/>
+          </a:p>
+          <a:p>
+            <a:endParaRPr lang="en-US" altLang="zh-TW" dirty="0"/>
+          </a:p>
+          <a:p>
+            <a:endParaRPr lang="en-US" altLang="zh-TW" dirty="0"/>
+          </a:p>
+          <a:p>
+            <a:pPr lvl="1"/>
+            <a:r>
+              <a:rPr lang="en-US" altLang="zh-TW" dirty="0"/>
+              <a:t>If less than </a:t>
+            </a:r>
+            <a:r>
+              <a:rPr lang="en-US" altLang="zh-TW" dirty="0" err="1"/>
+              <a:t>min_index</a:t>
+            </a:r>
+            <a:r>
+              <a:rPr lang="en-US" altLang="zh-TW" dirty="0"/>
+              <a:t>: Drop (</a:t>
+            </a:r>
+            <a:r>
+              <a:rPr lang="en-US" altLang="zh-TW" dirty="0" err="1"/>
+              <a:t>acked</a:t>
+            </a:r>
+            <a:r>
+              <a:rPr lang="en-US" altLang="zh-TW" dirty="0"/>
+              <a:t>).</a:t>
+            </a:r>
+          </a:p>
+          <a:p>
+            <a:pPr lvl="1"/>
+            <a:r>
+              <a:rPr lang="en-US" altLang="zh-TW" dirty="0"/>
+              <a:t>If between </a:t>
+            </a:r>
+            <a:r>
+              <a:rPr lang="en-US" altLang="zh-TW" dirty="0" err="1"/>
+              <a:t>min_index</a:t>
+            </a:r>
+            <a:r>
+              <a:rPr lang="en-US" altLang="zh-TW" dirty="0"/>
+              <a:t> and </a:t>
+            </a:r>
+            <a:r>
+              <a:rPr lang="en-US" altLang="zh-TW" dirty="0" err="1"/>
+              <a:t>max_index</a:t>
+            </a:r>
+            <a:r>
+              <a:rPr lang="en-US" altLang="zh-TW" dirty="0"/>
+              <a:t>: Aggregate.</a:t>
+            </a:r>
+          </a:p>
+          <a:p>
+            <a:pPr lvl="1"/>
+            <a:r>
+              <a:rPr lang="en-US" altLang="zh-TW" dirty="0"/>
+              <a:t>If more than </a:t>
+            </a:r>
+            <a:r>
+              <a:rPr lang="en-US" altLang="zh-TW" dirty="0" err="1"/>
+              <a:t>max_index</a:t>
+            </a:r>
+            <a:r>
+              <a:rPr lang="en-US" altLang="zh-TW" dirty="0"/>
+              <a:t>: Check whether there is space, then save the payload.</a:t>
+            </a:r>
+          </a:p>
+        </p:txBody>
+      </p:sp>
+      <p:graphicFrame>
+        <p:nvGraphicFramePr>
+          <p:cNvPr id="4" name="表格 3">
+            <a:extLst>
+              <a:ext uri="{FF2B5EF4-FFF2-40B4-BE49-F238E27FC236}">
+                <a16:creationId xmlns:a16="http://schemas.microsoft.com/office/drawing/2014/main" id="{C33CC926-55AF-0BE3-1535-7DCC8F873E99}"/>
+              </a:ext>
+            </a:extLst>
+          </p:cNvPr>
+          <p:cNvGraphicFramePr>
+            <a:graphicFrameLocks noGrp="1"/>
+          </p:cNvGraphicFramePr>
+          <p:nvPr/>
+        </p:nvGraphicFramePr>
+        <p:xfrm>
+          <a:off x="2032000" y="2486438"/>
+          <a:ext cx="8127999" cy="2225040"/>
+        </p:xfrm>
+        <a:graphic>
+          <a:graphicData uri="http://schemas.openxmlformats.org/drawingml/2006/table">
+            <a:tbl>
+              <a:tblPr firstRow="1" bandRow="1">
+                <a:tableStyleId>{5C22544A-7EE6-4342-B048-85BDC9FD1C3A}</a:tableStyleId>
+              </a:tblPr>
+              <a:tblGrid>
+                <a:gridCol w="2709333">
+                  <a:extLst>
+                    <a:ext uri="{9D8B030D-6E8A-4147-A177-3AD203B41FA5}">
+                      <a16:colId xmlns:a16="http://schemas.microsoft.com/office/drawing/2014/main" val="3341822593"/>
+                    </a:ext>
+                  </a:extLst>
+                </a:gridCol>
+                <a:gridCol w="2709333">
+                  <a:extLst>
+                    <a:ext uri="{9D8B030D-6E8A-4147-A177-3AD203B41FA5}">
+                      <a16:colId xmlns:a16="http://schemas.microsoft.com/office/drawing/2014/main" val="449212090"/>
+                    </a:ext>
+                  </a:extLst>
+                </a:gridCol>
+                <a:gridCol w="2709333">
+                  <a:extLst>
+                    <a:ext uri="{9D8B030D-6E8A-4147-A177-3AD203B41FA5}">
+                      <a16:colId xmlns:a16="http://schemas.microsoft.com/office/drawing/2014/main" val="2981205715"/>
+                    </a:ext>
+                  </a:extLst>
+                </a:gridCol>
+              </a:tblGrid>
+              <a:tr h="370840">
+                <a:tc>
+                  <a:txBody>
+                    <a:bodyPr/>
+                    <a:lstStyle/>
+                    <a:p>
+                      <a:r>
+                        <a:rPr lang="en-US" altLang="zh-TW" dirty="0">
+                          <a:solidFill>
+                            <a:schemeClr val="tx1"/>
+                          </a:solidFill>
+                        </a:rPr>
+                        <a:t>Sequence Number</a:t>
+                      </a:r>
+                      <a:endParaRPr lang="zh-TW" altLang="en-US" dirty="0">
+                        <a:solidFill>
+                          <a:schemeClr val="tx1"/>
+                        </a:solidFill>
+                      </a:endParaRPr>
+                    </a:p>
+                  </a:txBody>
+                  <a:tcPr>
+                    <a:lnL w="12700" cap="flat" cmpd="sng" algn="ctr">
+                      <a:solidFill>
+                        <a:schemeClr val="tx1"/>
+                      </a:solidFill>
+                      <a:prstDash val="solid"/>
+                      <a:round/>
+                      <a:headEnd type="none" w="med" len="med"/>
+                      <a:tailEnd type="none" w="med" len="med"/>
+                    </a:lnL>
+                    <a:lnR w="12700" cap="flat" cmpd="sng" algn="ctr">
+                      <a:solidFill>
+                        <a:schemeClr val="tx1"/>
+                      </a:solidFill>
+                      <a:prstDash val="solid"/>
+                      <a:round/>
+                      <a:headEnd type="none" w="med" len="med"/>
+                      <a:tailEnd type="none" w="med" len="med"/>
+                    </a:lnR>
+                    <a:lnT w="12700" cap="flat" cmpd="sng" algn="ctr">
+                      <a:solidFill>
+                        <a:schemeClr val="tx1"/>
+                      </a:solidFill>
+                      <a:prstDash val="solid"/>
+                      <a:round/>
+                      <a:headEnd type="none" w="med" len="med"/>
+                      <a:tailEnd type="none" w="med" len="med"/>
+                    </a:lnT>
+                    <a:lnB w="12700" cap="flat" cmpd="sng" algn="ctr">
+                      <a:solidFill>
+                        <a:schemeClr val="tx1"/>
+                      </a:solidFill>
+                      <a:prstDash val="solid"/>
+                      <a:round/>
+                      <a:headEnd type="none" w="med" len="med"/>
+                      <a:tailEnd type="none" w="med" len="med"/>
+                    </a:lnB>
+                    <a:noFill/>
+                  </a:tcPr>
+                </a:tc>
+                <a:tc>
+                  <a:txBody>
+                    <a:bodyPr/>
+                    <a:lstStyle/>
+                    <a:p>
+                      <a:r>
+                        <a:rPr lang="en-US" altLang="zh-TW" dirty="0">
+                          <a:solidFill>
+                            <a:schemeClr val="tx1"/>
+                          </a:solidFill>
+                        </a:rPr>
+                        <a:t>Payload</a:t>
+                      </a:r>
+                      <a:endParaRPr lang="zh-TW" altLang="en-US" dirty="0">
+                        <a:solidFill>
+                          <a:schemeClr val="tx1"/>
+                        </a:solidFill>
+                      </a:endParaRPr>
+                    </a:p>
+                  </a:txBody>
+                  <a:tcPr>
+                    <a:lnL w="12700" cap="flat" cmpd="sng" algn="ctr">
+                      <a:solidFill>
+                        <a:schemeClr val="tx1"/>
+                      </a:solidFill>
+                      <a:prstDash val="solid"/>
+                      <a:round/>
+                      <a:headEnd type="none" w="med" len="med"/>
+                      <a:tailEnd type="none" w="med" len="med"/>
+                    </a:lnL>
+                    <a:lnR w="12700" cap="flat" cmpd="sng" algn="ctr">
+                      <a:solidFill>
+                        <a:schemeClr val="tx1"/>
+                      </a:solidFill>
+                      <a:prstDash val="solid"/>
+                      <a:round/>
+                      <a:headEnd type="none" w="med" len="med"/>
+                      <a:tailEnd type="none" w="med" len="med"/>
+                    </a:lnR>
+                    <a:lnT w="12700" cap="flat" cmpd="sng" algn="ctr">
+                      <a:solidFill>
+                        <a:schemeClr val="tx1"/>
+                      </a:solidFill>
+                      <a:prstDash val="solid"/>
+                      <a:round/>
+                      <a:headEnd type="none" w="med" len="med"/>
+                      <a:tailEnd type="none" w="med" len="med"/>
+                    </a:lnT>
+                    <a:lnB w="12700" cap="flat" cmpd="sng" algn="ctr">
+                      <a:solidFill>
+                        <a:schemeClr val="tx1"/>
+                      </a:solidFill>
+                      <a:prstDash val="solid"/>
+                      <a:round/>
+                      <a:headEnd type="none" w="med" len="med"/>
+                      <a:tailEnd type="none" w="med" len="med"/>
+                    </a:lnB>
+                    <a:noFill/>
+                  </a:tcPr>
+                </a:tc>
+                <a:tc>
+                  <a:txBody>
+                    <a:bodyPr/>
+                    <a:lstStyle/>
+                    <a:p>
+                      <a:r>
+                        <a:rPr lang="en-US" altLang="zh-TW" dirty="0">
+                          <a:solidFill>
+                            <a:schemeClr val="tx1"/>
+                          </a:solidFill>
+                        </a:rPr>
+                        <a:t>Count</a:t>
+                      </a:r>
+                      <a:endParaRPr lang="zh-TW" altLang="en-US" dirty="0">
+                        <a:solidFill>
+                          <a:schemeClr val="tx1"/>
+                        </a:solidFill>
+                      </a:endParaRPr>
+                    </a:p>
+                  </a:txBody>
+                  <a:tcPr>
+                    <a:lnL w="12700" cap="flat" cmpd="sng" algn="ctr">
+                      <a:solidFill>
+                        <a:schemeClr val="tx1"/>
+                      </a:solidFill>
+                      <a:prstDash val="solid"/>
+                      <a:round/>
+                      <a:headEnd type="none" w="med" len="med"/>
+                      <a:tailEnd type="none" w="med" len="med"/>
+                    </a:lnL>
+                    <a:lnR w="12700" cap="flat" cmpd="sng" algn="ctr">
+                      <a:solidFill>
+                        <a:schemeClr val="tx1"/>
+                      </a:solidFill>
+                      <a:prstDash val="solid"/>
+                      <a:round/>
+                      <a:headEnd type="none" w="med" len="med"/>
+                      <a:tailEnd type="none" w="med" len="med"/>
+                    </a:lnR>
+                    <a:lnT w="12700" cap="flat" cmpd="sng" algn="ctr">
+                      <a:solidFill>
+                        <a:schemeClr val="tx1"/>
+                      </a:solidFill>
+                      <a:prstDash val="solid"/>
+                      <a:round/>
+                      <a:headEnd type="none" w="med" len="med"/>
+                      <a:tailEnd type="none" w="med" len="med"/>
+                    </a:lnT>
+                    <a:lnB w="12700" cap="flat" cmpd="sng" algn="ctr">
+                      <a:solidFill>
+                        <a:schemeClr val="tx1"/>
+                      </a:solidFill>
+                      <a:prstDash val="solid"/>
+                      <a:round/>
+                      <a:headEnd type="none" w="med" len="med"/>
+                      <a:tailEnd type="none" w="med" len="med"/>
+                    </a:lnB>
+                    <a:noFill/>
+                  </a:tcPr>
+                </a:tc>
+                <a:extLst>
+                  <a:ext uri="{0D108BD9-81ED-4DB2-BD59-A6C34878D82A}">
+                    <a16:rowId xmlns:a16="http://schemas.microsoft.com/office/drawing/2014/main" val="3618114651"/>
+                  </a:ext>
+                </a:extLst>
+              </a:tr>
+              <a:tr h="370840">
+                <a:tc>
+                  <a:txBody>
+                    <a:bodyPr/>
+                    <a:lstStyle/>
+                    <a:p>
+                      <a:r>
+                        <a:rPr lang="en-US" altLang="zh-TW" dirty="0">
+                          <a:solidFill>
+                            <a:schemeClr val="tx1"/>
+                          </a:solidFill>
+                        </a:rPr>
+                        <a:t>1</a:t>
+                      </a:r>
+                      <a:endParaRPr lang="zh-TW" altLang="en-US" dirty="0">
+                        <a:solidFill>
+                          <a:schemeClr val="tx1"/>
+                        </a:solidFill>
+                      </a:endParaRPr>
+                    </a:p>
+                  </a:txBody>
+                  <a:tcPr>
+                    <a:lnL w="12700" cap="flat" cmpd="sng" algn="ctr">
+                      <a:solidFill>
+                        <a:schemeClr val="tx1"/>
+                      </a:solidFill>
+                      <a:prstDash val="solid"/>
+                      <a:round/>
+                      <a:headEnd type="none" w="med" len="med"/>
+                      <a:tailEnd type="none" w="med" len="med"/>
+                    </a:lnL>
+                    <a:lnR w="12700" cap="flat" cmpd="sng" algn="ctr">
+                      <a:solidFill>
+                        <a:schemeClr val="tx1"/>
+                      </a:solidFill>
+                      <a:prstDash val="solid"/>
+                      <a:round/>
+                      <a:headEnd type="none" w="med" len="med"/>
+                      <a:tailEnd type="none" w="med" len="med"/>
+                    </a:lnR>
+                    <a:lnT w="12700" cap="flat" cmpd="sng" algn="ctr">
+                      <a:solidFill>
+                        <a:schemeClr val="tx1"/>
+                      </a:solidFill>
+                      <a:prstDash val="solid"/>
+                      <a:round/>
+                      <a:headEnd type="none" w="med" len="med"/>
+                      <a:tailEnd type="none" w="med" len="med"/>
+                    </a:lnT>
+                    <a:lnB w="12700" cap="flat" cmpd="sng" algn="ctr">
+                      <a:solidFill>
+                        <a:schemeClr val="tx1"/>
+                      </a:solidFill>
+                      <a:prstDash val="solid"/>
+                      <a:round/>
+                      <a:headEnd type="none" w="med" len="med"/>
+                      <a:tailEnd type="none" w="med" len="med"/>
+                    </a:lnB>
+                    <a:noFill/>
+                  </a:tcPr>
+                </a:tc>
+                <a:tc>
+                  <a:txBody>
+                    <a:bodyPr/>
+                    <a:lstStyle/>
+                    <a:p>
+                      <a:r>
+                        <a:rPr lang="en-US" altLang="zh-TW" dirty="0">
+                          <a:solidFill>
+                            <a:schemeClr val="tx1"/>
+                          </a:solidFill>
+                        </a:rPr>
+                        <a:t>4</a:t>
+                      </a:r>
+                      <a:endParaRPr lang="zh-TW" altLang="en-US" dirty="0">
+                        <a:solidFill>
+                          <a:schemeClr val="tx1"/>
+                        </a:solidFill>
+                      </a:endParaRPr>
+                    </a:p>
+                  </a:txBody>
+                  <a:tcPr>
+                    <a:lnL w="12700" cap="flat" cmpd="sng" algn="ctr">
+                      <a:solidFill>
+                        <a:schemeClr val="tx1"/>
+                      </a:solidFill>
+                      <a:prstDash val="solid"/>
+                      <a:round/>
+                      <a:headEnd type="none" w="med" len="med"/>
+                      <a:tailEnd type="none" w="med" len="med"/>
+                    </a:lnL>
+                    <a:lnR w="12700" cap="flat" cmpd="sng" algn="ctr">
+                      <a:solidFill>
+                        <a:schemeClr val="tx1"/>
+                      </a:solidFill>
+                      <a:prstDash val="solid"/>
+                      <a:round/>
+                      <a:headEnd type="none" w="med" len="med"/>
+                      <a:tailEnd type="none" w="med" len="med"/>
+                    </a:lnR>
+                    <a:lnT w="12700" cap="flat" cmpd="sng" algn="ctr">
+                      <a:solidFill>
+                        <a:schemeClr val="tx1"/>
+                      </a:solidFill>
+                      <a:prstDash val="solid"/>
+                      <a:round/>
+                      <a:headEnd type="none" w="med" len="med"/>
+                      <a:tailEnd type="none" w="med" len="med"/>
+                    </a:lnT>
+                    <a:lnB w="12700" cap="flat" cmpd="sng" algn="ctr">
+                      <a:solidFill>
+                        <a:schemeClr val="tx1"/>
+                      </a:solidFill>
+                      <a:prstDash val="solid"/>
+                      <a:round/>
+                      <a:headEnd type="none" w="med" len="med"/>
+                      <a:tailEnd type="none" w="med" len="med"/>
+                    </a:lnB>
+                    <a:noFill/>
+                  </a:tcPr>
+                </a:tc>
+                <a:tc>
+                  <a:txBody>
+                    <a:bodyPr/>
+                    <a:lstStyle/>
+                    <a:p>
+                      <a:r>
+                        <a:rPr lang="en-US" altLang="zh-TW" dirty="0">
+                          <a:solidFill>
+                            <a:schemeClr val="tx1"/>
+                          </a:solidFill>
+                        </a:rPr>
+                        <a:t>0b1111</a:t>
+                      </a:r>
+                      <a:endParaRPr lang="zh-TW" altLang="en-US" dirty="0">
+                        <a:solidFill>
+                          <a:schemeClr val="tx1"/>
+                        </a:solidFill>
+                      </a:endParaRPr>
+                    </a:p>
+                  </a:txBody>
+                  <a:tcPr>
+                    <a:lnL w="12700" cap="flat" cmpd="sng" algn="ctr">
+                      <a:solidFill>
+                        <a:schemeClr val="tx1"/>
+                      </a:solidFill>
+                      <a:prstDash val="solid"/>
+                      <a:round/>
+                      <a:headEnd type="none" w="med" len="med"/>
+                      <a:tailEnd type="none" w="med" len="med"/>
+                    </a:lnL>
+                    <a:lnR w="12700" cap="flat" cmpd="sng" algn="ctr">
+                      <a:solidFill>
+                        <a:schemeClr val="tx1"/>
+                      </a:solidFill>
+                      <a:prstDash val="solid"/>
+                      <a:round/>
+                      <a:headEnd type="none" w="med" len="med"/>
+                      <a:tailEnd type="none" w="med" len="med"/>
+                    </a:lnR>
+                    <a:lnT w="12700" cap="flat" cmpd="sng" algn="ctr">
+                      <a:solidFill>
+                        <a:schemeClr val="tx1"/>
+                      </a:solidFill>
+                      <a:prstDash val="solid"/>
+                      <a:round/>
+                      <a:headEnd type="none" w="med" len="med"/>
+                      <a:tailEnd type="none" w="med" len="med"/>
+                    </a:lnT>
+                    <a:lnB w="12700" cap="flat" cmpd="sng" algn="ctr">
+                      <a:solidFill>
+                        <a:schemeClr val="tx1"/>
+                      </a:solidFill>
+                      <a:prstDash val="solid"/>
+                      <a:round/>
+                      <a:headEnd type="none" w="med" len="med"/>
+                      <a:tailEnd type="none" w="med" len="med"/>
+                    </a:lnB>
+                    <a:noFill/>
+                  </a:tcPr>
+                </a:tc>
+                <a:extLst>
+                  <a:ext uri="{0D108BD9-81ED-4DB2-BD59-A6C34878D82A}">
+                    <a16:rowId xmlns:a16="http://schemas.microsoft.com/office/drawing/2014/main" val="1680940318"/>
+                  </a:ext>
+                </a:extLst>
+              </a:tr>
+              <a:tr h="370840">
+                <a:tc>
+                  <a:txBody>
+                    <a:bodyPr/>
+                    <a:lstStyle/>
+                    <a:p>
+                      <a:r>
+                        <a:rPr lang="en-US" altLang="zh-TW" dirty="0">
+                          <a:solidFill>
+                            <a:schemeClr val="tx1"/>
+                          </a:solidFill>
+                        </a:rPr>
+                        <a:t>2</a:t>
+                      </a:r>
+                      <a:endParaRPr lang="zh-TW" altLang="en-US" dirty="0">
+                        <a:solidFill>
+                          <a:schemeClr val="tx1"/>
+                        </a:solidFill>
+                      </a:endParaRPr>
+                    </a:p>
+                  </a:txBody>
+                  <a:tcPr>
+                    <a:lnL w="12700" cap="flat" cmpd="sng" algn="ctr">
+                      <a:solidFill>
+                        <a:schemeClr val="tx1"/>
+                      </a:solidFill>
+                      <a:prstDash val="solid"/>
+                      <a:round/>
+                      <a:headEnd type="none" w="med" len="med"/>
+                      <a:tailEnd type="none" w="med" len="med"/>
+                    </a:lnL>
+                    <a:lnR w="12700" cap="flat" cmpd="sng" algn="ctr">
+                      <a:solidFill>
+                        <a:schemeClr val="tx1"/>
+                      </a:solidFill>
+                      <a:prstDash val="solid"/>
+                      <a:round/>
+                      <a:headEnd type="none" w="med" len="med"/>
+                      <a:tailEnd type="none" w="med" len="med"/>
+                    </a:lnR>
+                    <a:lnT w="12700" cap="flat" cmpd="sng" algn="ctr">
+                      <a:solidFill>
+                        <a:schemeClr val="tx1"/>
+                      </a:solidFill>
+                      <a:prstDash val="solid"/>
+                      <a:round/>
+                      <a:headEnd type="none" w="med" len="med"/>
+                      <a:tailEnd type="none" w="med" len="med"/>
+                    </a:lnT>
+                    <a:lnB w="12700" cap="flat" cmpd="sng" algn="ctr">
+                      <a:solidFill>
+                        <a:schemeClr val="tx1"/>
+                      </a:solidFill>
+                      <a:prstDash val="solid"/>
+                      <a:round/>
+                      <a:headEnd type="none" w="med" len="med"/>
+                      <a:tailEnd type="none" w="med" len="med"/>
+                    </a:lnB>
+                    <a:noFill/>
+                  </a:tcPr>
+                </a:tc>
+                <a:tc>
+                  <a:txBody>
+                    <a:bodyPr/>
+                    <a:lstStyle/>
+                    <a:p>
+                      <a:r>
+                        <a:rPr lang="en-US" altLang="zh-TW" dirty="0">
+                          <a:solidFill>
+                            <a:schemeClr val="tx1"/>
+                          </a:solidFill>
+                        </a:rPr>
+                        <a:t>6</a:t>
+                      </a:r>
+                      <a:endParaRPr lang="zh-TW" altLang="en-US" dirty="0">
+                        <a:solidFill>
+                          <a:schemeClr val="tx1"/>
+                        </a:solidFill>
+                      </a:endParaRPr>
+                    </a:p>
+                  </a:txBody>
+                  <a:tcPr>
+                    <a:lnL w="12700" cap="flat" cmpd="sng" algn="ctr">
+                      <a:solidFill>
+                        <a:schemeClr val="tx1"/>
+                      </a:solidFill>
+                      <a:prstDash val="solid"/>
+                      <a:round/>
+                      <a:headEnd type="none" w="med" len="med"/>
+                      <a:tailEnd type="none" w="med" len="med"/>
+                    </a:lnL>
+                    <a:lnR w="12700" cap="flat" cmpd="sng" algn="ctr">
+                      <a:solidFill>
+                        <a:schemeClr val="tx1"/>
+                      </a:solidFill>
+                      <a:prstDash val="solid"/>
+                      <a:round/>
+                      <a:headEnd type="none" w="med" len="med"/>
+                      <a:tailEnd type="none" w="med" len="med"/>
+                    </a:lnR>
+                    <a:lnT w="12700" cap="flat" cmpd="sng" algn="ctr">
+                      <a:solidFill>
+                        <a:schemeClr val="tx1"/>
+                      </a:solidFill>
+                      <a:prstDash val="solid"/>
+                      <a:round/>
+                      <a:headEnd type="none" w="med" len="med"/>
+                      <a:tailEnd type="none" w="med" len="med"/>
+                    </a:lnT>
+                    <a:lnB w="12700" cap="flat" cmpd="sng" algn="ctr">
+                      <a:solidFill>
+                        <a:schemeClr val="tx1"/>
+                      </a:solidFill>
+                      <a:prstDash val="solid"/>
+                      <a:round/>
+                      <a:headEnd type="none" w="med" len="med"/>
+                      <a:tailEnd type="none" w="med" len="med"/>
+                    </a:lnB>
+                    <a:noFill/>
+                  </a:tcPr>
+                </a:tc>
+                <a:tc>
+                  <a:txBody>
+                    <a:bodyPr/>
+                    <a:lstStyle/>
+                    <a:p>
+                      <a:r>
+                        <a:rPr lang="en-US" altLang="zh-TW" dirty="0">
+                          <a:solidFill>
+                            <a:schemeClr val="tx1"/>
+                          </a:solidFill>
+                        </a:rPr>
+                        <a:t>0b0111</a:t>
+                      </a:r>
+                      <a:endParaRPr lang="zh-TW" altLang="en-US" dirty="0">
+                        <a:solidFill>
+                          <a:schemeClr val="tx1"/>
+                        </a:solidFill>
+                      </a:endParaRPr>
+                    </a:p>
+                  </a:txBody>
+                  <a:tcPr>
+                    <a:lnL w="12700" cap="flat" cmpd="sng" algn="ctr">
+                      <a:solidFill>
+                        <a:schemeClr val="tx1"/>
+                      </a:solidFill>
+                      <a:prstDash val="solid"/>
+                      <a:round/>
+                      <a:headEnd type="none" w="med" len="med"/>
+                      <a:tailEnd type="none" w="med" len="med"/>
+                    </a:lnL>
+                    <a:lnR w="12700" cap="flat" cmpd="sng" algn="ctr">
+                      <a:solidFill>
+                        <a:schemeClr val="tx1"/>
+                      </a:solidFill>
+                      <a:prstDash val="solid"/>
+                      <a:round/>
+                      <a:headEnd type="none" w="med" len="med"/>
+                      <a:tailEnd type="none" w="med" len="med"/>
+                    </a:lnR>
+                    <a:lnT w="12700" cap="flat" cmpd="sng" algn="ctr">
+                      <a:solidFill>
+                        <a:schemeClr val="tx1"/>
+                      </a:solidFill>
+                      <a:prstDash val="solid"/>
+                      <a:round/>
+                      <a:headEnd type="none" w="med" len="med"/>
+                      <a:tailEnd type="none" w="med" len="med"/>
+                    </a:lnT>
+                    <a:lnB w="12700" cap="flat" cmpd="sng" algn="ctr">
+                      <a:solidFill>
+                        <a:schemeClr val="tx1"/>
+                      </a:solidFill>
+                      <a:prstDash val="solid"/>
+                      <a:round/>
+                      <a:headEnd type="none" w="med" len="med"/>
+                      <a:tailEnd type="none" w="med" len="med"/>
+                    </a:lnB>
+                    <a:noFill/>
+                  </a:tcPr>
+                </a:tc>
+                <a:extLst>
+                  <a:ext uri="{0D108BD9-81ED-4DB2-BD59-A6C34878D82A}">
+                    <a16:rowId xmlns:a16="http://schemas.microsoft.com/office/drawing/2014/main" val="2075929711"/>
+                  </a:ext>
+                </a:extLst>
+              </a:tr>
+              <a:tr h="370840">
+                <a:tc>
+                  <a:txBody>
+                    <a:bodyPr/>
+                    <a:lstStyle/>
+                    <a:p>
+                      <a:r>
+                        <a:rPr lang="en-US" altLang="zh-TW" dirty="0">
+                          <a:solidFill>
+                            <a:schemeClr val="tx1"/>
+                          </a:solidFill>
+                        </a:rPr>
+                        <a:t>3</a:t>
+                      </a:r>
+                      <a:endParaRPr lang="zh-TW" altLang="en-US" dirty="0">
+                        <a:solidFill>
+                          <a:schemeClr val="tx1"/>
+                        </a:solidFill>
+                      </a:endParaRPr>
+                    </a:p>
+                  </a:txBody>
+                  <a:tcPr>
+                    <a:lnL w="12700" cap="flat" cmpd="sng" algn="ctr">
+                      <a:solidFill>
+                        <a:schemeClr val="tx1"/>
+                      </a:solidFill>
+                      <a:prstDash val="solid"/>
+                      <a:round/>
+                      <a:headEnd type="none" w="med" len="med"/>
+                      <a:tailEnd type="none" w="med" len="med"/>
+                    </a:lnL>
+                    <a:lnR w="12700" cap="flat" cmpd="sng" algn="ctr">
+                      <a:solidFill>
+                        <a:schemeClr val="tx1"/>
+                      </a:solidFill>
+                      <a:prstDash val="solid"/>
+                      <a:round/>
+                      <a:headEnd type="none" w="med" len="med"/>
+                      <a:tailEnd type="none" w="med" len="med"/>
+                    </a:lnR>
+                    <a:lnT w="12700" cap="flat" cmpd="sng" algn="ctr">
+                      <a:solidFill>
+                        <a:schemeClr val="tx1"/>
+                      </a:solidFill>
+                      <a:prstDash val="solid"/>
+                      <a:round/>
+                      <a:headEnd type="none" w="med" len="med"/>
+                      <a:tailEnd type="none" w="med" len="med"/>
+                    </a:lnT>
+                    <a:lnB w="12700" cap="flat" cmpd="sng" algn="ctr">
+                      <a:solidFill>
+                        <a:schemeClr val="tx1"/>
+                      </a:solidFill>
+                      <a:prstDash val="solid"/>
+                      <a:round/>
+                      <a:headEnd type="none" w="med" len="med"/>
+                      <a:tailEnd type="none" w="med" len="med"/>
+                    </a:lnB>
+                    <a:noFill/>
+                  </a:tcPr>
+                </a:tc>
+                <a:tc>
+                  <a:txBody>
+                    <a:bodyPr/>
+                    <a:lstStyle/>
+                    <a:p>
+                      <a:r>
+                        <a:rPr lang="en-US" altLang="zh-TW" dirty="0">
+                          <a:solidFill>
+                            <a:schemeClr val="tx1"/>
+                          </a:solidFill>
+                        </a:rPr>
+                        <a:t>6</a:t>
+                      </a:r>
+                      <a:endParaRPr lang="zh-TW" altLang="en-US" dirty="0">
+                        <a:solidFill>
+                          <a:schemeClr val="tx1"/>
+                        </a:solidFill>
+                      </a:endParaRPr>
+                    </a:p>
+                  </a:txBody>
+                  <a:tcPr>
+                    <a:lnL w="12700" cap="flat" cmpd="sng" algn="ctr">
+                      <a:solidFill>
+                        <a:schemeClr val="tx1"/>
+                      </a:solidFill>
+                      <a:prstDash val="solid"/>
+                      <a:round/>
+                      <a:headEnd type="none" w="med" len="med"/>
+                      <a:tailEnd type="none" w="med" len="med"/>
+                    </a:lnL>
+                    <a:lnR w="12700" cap="flat" cmpd="sng" algn="ctr">
+                      <a:solidFill>
+                        <a:schemeClr val="tx1"/>
+                      </a:solidFill>
+                      <a:prstDash val="solid"/>
+                      <a:round/>
+                      <a:headEnd type="none" w="med" len="med"/>
+                      <a:tailEnd type="none" w="med" len="med"/>
+                    </a:lnR>
+                    <a:lnT w="12700" cap="flat" cmpd="sng" algn="ctr">
+                      <a:solidFill>
+                        <a:schemeClr val="tx1"/>
+                      </a:solidFill>
+                      <a:prstDash val="solid"/>
+                      <a:round/>
+                      <a:headEnd type="none" w="med" len="med"/>
+                      <a:tailEnd type="none" w="med" len="med"/>
+                    </a:lnT>
+                    <a:lnB w="12700" cap="flat" cmpd="sng" algn="ctr">
+                      <a:solidFill>
+                        <a:schemeClr val="tx1"/>
+                      </a:solidFill>
+                      <a:prstDash val="solid"/>
+                      <a:round/>
+                      <a:headEnd type="none" w="med" len="med"/>
+                      <a:tailEnd type="none" w="med" len="med"/>
+                    </a:lnB>
+                    <a:noFill/>
+                  </a:tcPr>
+                </a:tc>
+                <a:tc>
+                  <a:txBody>
+                    <a:bodyPr/>
+                    <a:lstStyle/>
+                    <a:p>
+                      <a:r>
+                        <a:rPr lang="en-US" altLang="zh-TW" dirty="0">
+                          <a:solidFill>
+                            <a:schemeClr val="tx1"/>
+                          </a:solidFill>
+                        </a:rPr>
+                        <a:t>0b0011</a:t>
+                      </a:r>
+                      <a:endParaRPr lang="zh-TW" altLang="en-US" dirty="0">
+                        <a:solidFill>
+                          <a:schemeClr val="tx1"/>
+                        </a:solidFill>
+                      </a:endParaRPr>
+                    </a:p>
+                  </a:txBody>
+                  <a:tcPr>
+                    <a:lnL w="12700" cap="flat" cmpd="sng" algn="ctr">
+                      <a:solidFill>
+                        <a:schemeClr val="tx1"/>
+                      </a:solidFill>
+                      <a:prstDash val="solid"/>
+                      <a:round/>
+                      <a:headEnd type="none" w="med" len="med"/>
+                      <a:tailEnd type="none" w="med" len="med"/>
+                    </a:lnL>
+                    <a:lnR w="12700" cap="flat" cmpd="sng" algn="ctr">
+                      <a:solidFill>
+                        <a:schemeClr val="tx1"/>
+                      </a:solidFill>
+                      <a:prstDash val="solid"/>
+                      <a:round/>
+                      <a:headEnd type="none" w="med" len="med"/>
+                      <a:tailEnd type="none" w="med" len="med"/>
+                    </a:lnR>
+                    <a:lnT w="12700" cap="flat" cmpd="sng" algn="ctr">
+                      <a:solidFill>
+                        <a:schemeClr val="tx1"/>
+                      </a:solidFill>
+                      <a:prstDash val="solid"/>
+                      <a:round/>
+                      <a:headEnd type="none" w="med" len="med"/>
+                      <a:tailEnd type="none" w="med" len="med"/>
+                    </a:lnT>
+                    <a:lnB w="12700" cap="flat" cmpd="sng" algn="ctr">
+                      <a:solidFill>
+                        <a:schemeClr val="tx1"/>
+                      </a:solidFill>
+                      <a:prstDash val="solid"/>
+                      <a:round/>
+                      <a:headEnd type="none" w="med" len="med"/>
+                      <a:tailEnd type="none" w="med" len="med"/>
+                    </a:lnB>
+                    <a:noFill/>
+                  </a:tcPr>
+                </a:tc>
+                <a:extLst>
+                  <a:ext uri="{0D108BD9-81ED-4DB2-BD59-A6C34878D82A}">
+                    <a16:rowId xmlns:a16="http://schemas.microsoft.com/office/drawing/2014/main" val="240479013"/>
+                  </a:ext>
+                </a:extLst>
+              </a:tr>
+              <a:tr h="370840">
+                <a:tc>
+                  <a:txBody>
+                    <a:bodyPr/>
+                    <a:lstStyle/>
+                    <a:p>
+                      <a:r>
+                        <a:rPr lang="en-US" altLang="zh-TW" dirty="0">
+                          <a:solidFill>
+                            <a:schemeClr val="tx1"/>
+                          </a:solidFill>
+                        </a:rPr>
+                        <a:t>4</a:t>
+                      </a:r>
+                      <a:endParaRPr lang="zh-TW" altLang="en-US" dirty="0">
+                        <a:solidFill>
+                          <a:schemeClr val="tx1"/>
+                        </a:solidFill>
+                      </a:endParaRPr>
+                    </a:p>
+                  </a:txBody>
+                  <a:tcPr>
+                    <a:lnL w="12700" cap="flat" cmpd="sng" algn="ctr">
+                      <a:solidFill>
+                        <a:schemeClr val="tx1"/>
+                      </a:solidFill>
+                      <a:prstDash val="solid"/>
+                      <a:round/>
+                      <a:headEnd type="none" w="med" len="med"/>
+                      <a:tailEnd type="none" w="med" len="med"/>
+                    </a:lnL>
+                    <a:lnR w="12700" cap="flat" cmpd="sng" algn="ctr">
+                      <a:solidFill>
+                        <a:schemeClr val="tx1"/>
+                      </a:solidFill>
+                      <a:prstDash val="solid"/>
+                      <a:round/>
+                      <a:headEnd type="none" w="med" len="med"/>
+                      <a:tailEnd type="none" w="med" len="med"/>
+                    </a:lnR>
+                    <a:lnT w="12700" cap="flat" cmpd="sng" algn="ctr">
+                      <a:solidFill>
+                        <a:schemeClr val="tx1"/>
+                      </a:solidFill>
+                      <a:prstDash val="solid"/>
+                      <a:round/>
+                      <a:headEnd type="none" w="med" len="med"/>
+                      <a:tailEnd type="none" w="med" len="med"/>
+                    </a:lnT>
+                    <a:lnB w="12700" cap="flat" cmpd="sng" algn="ctr">
+                      <a:solidFill>
+                        <a:schemeClr val="tx1"/>
+                      </a:solidFill>
+                      <a:prstDash val="solid"/>
+                      <a:round/>
+                      <a:headEnd type="none" w="med" len="med"/>
+                      <a:tailEnd type="none" w="med" len="med"/>
+                    </a:lnB>
+                    <a:noFill/>
+                  </a:tcPr>
+                </a:tc>
+                <a:tc>
+                  <a:txBody>
+                    <a:bodyPr/>
+                    <a:lstStyle/>
+                    <a:p>
+                      <a:r>
+                        <a:rPr lang="en-US" altLang="zh-TW" dirty="0">
+                          <a:solidFill>
+                            <a:schemeClr val="tx1"/>
+                          </a:solidFill>
+                        </a:rPr>
+                        <a:t>4</a:t>
+                      </a:r>
+                      <a:endParaRPr lang="zh-TW" altLang="en-US" dirty="0">
+                        <a:solidFill>
+                          <a:schemeClr val="tx1"/>
+                        </a:solidFill>
+                      </a:endParaRPr>
+                    </a:p>
+                  </a:txBody>
+                  <a:tcPr>
+                    <a:lnL w="12700" cap="flat" cmpd="sng" algn="ctr">
+                      <a:solidFill>
+                        <a:schemeClr val="tx1"/>
+                      </a:solidFill>
+                      <a:prstDash val="solid"/>
+                      <a:round/>
+                      <a:headEnd type="none" w="med" len="med"/>
+                      <a:tailEnd type="none" w="med" len="med"/>
+                    </a:lnL>
+                    <a:lnR w="12700" cap="flat" cmpd="sng" algn="ctr">
+                      <a:solidFill>
+                        <a:schemeClr val="tx1"/>
+                      </a:solidFill>
+                      <a:prstDash val="solid"/>
+                      <a:round/>
+                      <a:headEnd type="none" w="med" len="med"/>
+                      <a:tailEnd type="none" w="med" len="med"/>
+                    </a:lnR>
+                    <a:lnT w="12700" cap="flat" cmpd="sng" algn="ctr">
+                      <a:solidFill>
+                        <a:schemeClr val="tx1"/>
+                      </a:solidFill>
+                      <a:prstDash val="solid"/>
+                      <a:round/>
+                      <a:headEnd type="none" w="med" len="med"/>
+                      <a:tailEnd type="none" w="med" len="med"/>
+                    </a:lnT>
+                    <a:lnB w="12700" cap="flat" cmpd="sng" algn="ctr">
+                      <a:solidFill>
+                        <a:schemeClr val="tx1"/>
+                      </a:solidFill>
+                      <a:prstDash val="solid"/>
+                      <a:round/>
+                      <a:headEnd type="none" w="med" len="med"/>
+                      <a:tailEnd type="none" w="med" len="med"/>
+                    </a:lnB>
+                    <a:noFill/>
+                  </a:tcPr>
+                </a:tc>
+                <a:tc>
+                  <a:txBody>
+                    <a:bodyPr/>
+                    <a:lstStyle/>
+                    <a:p>
+                      <a:r>
+                        <a:rPr lang="en-US" altLang="zh-TW" dirty="0">
+                          <a:solidFill>
+                            <a:schemeClr val="tx1"/>
+                          </a:solidFill>
+                        </a:rPr>
+                        <a:t>0b0001</a:t>
+                      </a:r>
+                      <a:endParaRPr lang="zh-TW" altLang="en-US" dirty="0">
+                        <a:solidFill>
+                          <a:schemeClr val="tx1"/>
+                        </a:solidFill>
+                      </a:endParaRPr>
+                    </a:p>
+                  </a:txBody>
+                  <a:tcPr>
+                    <a:lnL w="12700" cap="flat" cmpd="sng" algn="ctr">
+                      <a:solidFill>
+                        <a:schemeClr val="tx1"/>
+                      </a:solidFill>
+                      <a:prstDash val="solid"/>
+                      <a:round/>
+                      <a:headEnd type="none" w="med" len="med"/>
+                      <a:tailEnd type="none" w="med" len="med"/>
+                    </a:lnL>
+                    <a:lnR w="12700" cap="flat" cmpd="sng" algn="ctr">
+                      <a:solidFill>
+                        <a:schemeClr val="tx1"/>
+                      </a:solidFill>
+                      <a:prstDash val="solid"/>
+                      <a:round/>
+                      <a:headEnd type="none" w="med" len="med"/>
+                      <a:tailEnd type="none" w="med" len="med"/>
+                    </a:lnR>
+                    <a:lnT w="12700" cap="flat" cmpd="sng" algn="ctr">
+                      <a:solidFill>
+                        <a:schemeClr val="tx1"/>
+                      </a:solidFill>
+                      <a:prstDash val="solid"/>
+                      <a:round/>
+                      <a:headEnd type="none" w="med" len="med"/>
+                      <a:tailEnd type="none" w="med" len="med"/>
+                    </a:lnT>
+                    <a:lnB w="12700" cap="flat" cmpd="sng" algn="ctr">
+                      <a:solidFill>
+                        <a:schemeClr val="tx1"/>
+                      </a:solidFill>
+                      <a:prstDash val="solid"/>
+                      <a:round/>
+                      <a:headEnd type="none" w="med" len="med"/>
+                      <a:tailEnd type="none" w="med" len="med"/>
+                    </a:lnB>
+                    <a:noFill/>
+                  </a:tcPr>
+                </a:tc>
+                <a:extLst>
+                  <a:ext uri="{0D108BD9-81ED-4DB2-BD59-A6C34878D82A}">
+                    <a16:rowId xmlns:a16="http://schemas.microsoft.com/office/drawing/2014/main" val="103598908"/>
+                  </a:ext>
+                </a:extLst>
+              </a:tr>
+              <a:tr h="370840">
+                <a:tc>
+                  <a:txBody>
+                    <a:bodyPr/>
+                    <a:lstStyle/>
+                    <a:p>
+                      <a:r>
+                        <a:rPr lang="en-US" altLang="zh-TW" dirty="0">
+                          <a:solidFill>
+                            <a:schemeClr val="tx1"/>
+                          </a:solidFill>
+                        </a:rPr>
+                        <a:t>5</a:t>
+                      </a:r>
+                      <a:endParaRPr lang="zh-TW" altLang="en-US" dirty="0">
+                        <a:solidFill>
+                          <a:schemeClr val="tx1"/>
+                        </a:solidFill>
+                      </a:endParaRPr>
+                    </a:p>
+                  </a:txBody>
+                  <a:tcPr>
+                    <a:lnL w="12700" cap="flat" cmpd="sng" algn="ctr">
+                      <a:solidFill>
+                        <a:schemeClr val="tx1"/>
+                      </a:solidFill>
+                      <a:prstDash val="solid"/>
+                      <a:round/>
+                      <a:headEnd type="none" w="med" len="med"/>
+                      <a:tailEnd type="none" w="med" len="med"/>
+                    </a:lnL>
+                    <a:lnR w="12700" cap="flat" cmpd="sng" algn="ctr">
+                      <a:solidFill>
+                        <a:schemeClr val="tx1"/>
+                      </a:solidFill>
+                      <a:prstDash val="solid"/>
+                      <a:round/>
+                      <a:headEnd type="none" w="med" len="med"/>
+                      <a:tailEnd type="none" w="med" len="med"/>
+                    </a:lnR>
+                    <a:lnT w="12700" cap="flat" cmpd="sng" algn="ctr">
+                      <a:solidFill>
+                        <a:schemeClr val="tx1"/>
+                      </a:solidFill>
+                      <a:prstDash val="solid"/>
+                      <a:round/>
+                      <a:headEnd type="none" w="med" len="med"/>
+                      <a:tailEnd type="none" w="med" len="med"/>
+                    </a:lnT>
+                    <a:lnB w="12700" cap="flat" cmpd="sng" algn="ctr">
+                      <a:solidFill>
+                        <a:schemeClr val="tx1"/>
+                      </a:solidFill>
+                      <a:prstDash val="solid"/>
+                      <a:round/>
+                      <a:headEnd type="none" w="med" len="med"/>
+                      <a:tailEnd type="none" w="med" len="med"/>
+                    </a:lnB>
+                    <a:noFill/>
+                  </a:tcPr>
+                </a:tc>
+                <a:tc>
+                  <a:txBody>
+                    <a:bodyPr/>
+                    <a:lstStyle/>
+                    <a:p>
+                      <a:r>
+                        <a:rPr lang="en-US" altLang="zh-TW" dirty="0">
+                          <a:solidFill>
+                            <a:schemeClr val="tx1"/>
+                          </a:solidFill>
+                        </a:rPr>
+                        <a:t>0</a:t>
+                      </a:r>
+                      <a:endParaRPr lang="zh-TW" altLang="en-US" dirty="0">
+                        <a:solidFill>
+                          <a:schemeClr val="tx1"/>
+                        </a:solidFill>
+                      </a:endParaRPr>
+                    </a:p>
+                  </a:txBody>
+                  <a:tcPr>
+                    <a:lnL w="12700" cap="flat" cmpd="sng" algn="ctr">
+                      <a:solidFill>
+                        <a:schemeClr val="tx1"/>
+                      </a:solidFill>
+                      <a:prstDash val="solid"/>
+                      <a:round/>
+                      <a:headEnd type="none" w="med" len="med"/>
+                      <a:tailEnd type="none" w="med" len="med"/>
+                    </a:lnL>
+                    <a:lnR w="12700" cap="flat" cmpd="sng" algn="ctr">
+                      <a:solidFill>
+                        <a:schemeClr val="tx1"/>
+                      </a:solidFill>
+                      <a:prstDash val="solid"/>
+                      <a:round/>
+                      <a:headEnd type="none" w="med" len="med"/>
+                      <a:tailEnd type="none" w="med" len="med"/>
+                    </a:lnR>
+                    <a:lnT w="12700" cap="flat" cmpd="sng" algn="ctr">
+                      <a:solidFill>
+                        <a:schemeClr val="tx1"/>
+                      </a:solidFill>
+                      <a:prstDash val="solid"/>
+                      <a:round/>
+                      <a:headEnd type="none" w="med" len="med"/>
+                      <a:tailEnd type="none" w="med" len="med"/>
+                    </a:lnT>
+                    <a:lnB w="12700" cap="flat" cmpd="sng" algn="ctr">
+                      <a:solidFill>
+                        <a:schemeClr val="tx1"/>
+                      </a:solidFill>
+                      <a:prstDash val="solid"/>
+                      <a:round/>
+                      <a:headEnd type="none" w="med" len="med"/>
+                      <a:tailEnd type="none" w="med" len="med"/>
+                    </a:lnB>
+                    <a:noFill/>
+                  </a:tcPr>
+                </a:tc>
+                <a:tc>
+                  <a:txBody>
+                    <a:bodyPr/>
+                    <a:lstStyle/>
+                    <a:p>
+                      <a:r>
+                        <a:rPr lang="en-US" altLang="zh-TW" dirty="0">
+                          <a:solidFill>
+                            <a:schemeClr val="tx1"/>
+                          </a:solidFill>
+                        </a:rPr>
+                        <a:t>0b0000</a:t>
+                      </a:r>
+                      <a:endParaRPr lang="zh-TW" altLang="en-US" dirty="0">
+                        <a:solidFill>
+                          <a:schemeClr val="tx1"/>
+                        </a:solidFill>
+                      </a:endParaRPr>
+                    </a:p>
+                  </a:txBody>
+                  <a:tcPr>
+                    <a:lnL w="12700" cap="flat" cmpd="sng" algn="ctr">
+                      <a:solidFill>
+                        <a:schemeClr val="tx1"/>
+                      </a:solidFill>
+                      <a:prstDash val="solid"/>
+                      <a:round/>
+                      <a:headEnd type="none" w="med" len="med"/>
+                      <a:tailEnd type="none" w="med" len="med"/>
+                    </a:lnL>
+                    <a:lnR w="12700" cap="flat" cmpd="sng" algn="ctr">
+                      <a:solidFill>
+                        <a:schemeClr val="tx1"/>
+                      </a:solidFill>
+                      <a:prstDash val="solid"/>
+                      <a:round/>
+                      <a:headEnd type="none" w="med" len="med"/>
+                      <a:tailEnd type="none" w="med" len="med"/>
+                    </a:lnR>
+                    <a:lnT w="12700" cap="flat" cmpd="sng" algn="ctr">
+                      <a:solidFill>
+                        <a:schemeClr val="tx1"/>
+                      </a:solidFill>
+                      <a:prstDash val="solid"/>
+                      <a:round/>
+                      <a:headEnd type="none" w="med" len="med"/>
+                      <a:tailEnd type="none" w="med" len="med"/>
+                    </a:lnT>
+                    <a:lnB w="12700" cap="flat" cmpd="sng" algn="ctr">
+                      <a:solidFill>
+                        <a:schemeClr val="tx1"/>
+                      </a:solidFill>
+                      <a:prstDash val="solid"/>
+                      <a:round/>
+                      <a:headEnd type="none" w="med" len="med"/>
+                      <a:tailEnd type="none" w="med" len="med"/>
+                    </a:lnB>
+                    <a:noFill/>
+                  </a:tcPr>
+                </a:tc>
+                <a:extLst>
+                  <a:ext uri="{0D108BD9-81ED-4DB2-BD59-A6C34878D82A}">
+                    <a16:rowId xmlns:a16="http://schemas.microsoft.com/office/drawing/2014/main" val="1963130676"/>
+                  </a:ext>
+                </a:extLst>
+              </a:tr>
+            </a:tbl>
+          </a:graphicData>
+        </a:graphic>
+      </p:graphicFrame>
+      <p:sp>
+        <p:nvSpPr>
+          <p:cNvPr id="5" name="箭號: 向右 4">
+            <a:extLst>
+              <a:ext uri="{FF2B5EF4-FFF2-40B4-BE49-F238E27FC236}">
+                <a16:creationId xmlns:a16="http://schemas.microsoft.com/office/drawing/2014/main" id="{DF7B9C50-779A-F637-5867-ED7647F3690B}"/>
+              </a:ext>
+            </a:extLst>
+          </p:cNvPr>
+          <p:cNvSpPr/>
+          <p:nvPr/>
+        </p:nvSpPr>
+        <p:spPr>
+          <a:xfrm>
+            <a:off x="696976" y="3184795"/>
+            <a:ext cx="1335024" cy="488410"/>
+          </a:xfrm>
+          <a:prstGeom prst="rightArrow">
+            <a:avLst/>
+          </a:prstGeom>
+          <a:ln w="28575"/>
+        </p:spPr>
+        <p:style>
+          <a:lnRef idx="2">
+            <a:schemeClr val="dk1"/>
+          </a:lnRef>
+          <a:fillRef idx="1">
+            <a:schemeClr val="lt1"/>
+          </a:fillRef>
+          <a:effectRef idx="0">
+            <a:schemeClr val="dk1"/>
+          </a:effectRef>
+          <a:fontRef idx="minor">
+            <a:schemeClr val="dk1"/>
+          </a:fontRef>
+        </p:style>
+        <p:txBody>
+          <a:bodyPr rtlCol="0" anchor="ctr"/>
+          <a:lstStyle/>
+          <a:p>
+            <a:pPr algn="ctr"/>
+            <a:r>
+              <a:rPr lang="en-US" altLang="zh-TW" dirty="0" err="1"/>
+              <a:t>Min_index</a:t>
+            </a:r>
+            <a:endParaRPr lang="zh-TW" altLang="en-US" dirty="0"/>
+          </a:p>
+        </p:txBody>
+      </p:sp>
+      <p:sp>
+        <p:nvSpPr>
+          <p:cNvPr id="6" name="箭號: 向右 5">
+            <a:extLst>
+              <a:ext uri="{FF2B5EF4-FFF2-40B4-BE49-F238E27FC236}">
+                <a16:creationId xmlns:a16="http://schemas.microsoft.com/office/drawing/2014/main" id="{A57A2CF4-EC53-D5F2-902B-10D367B28B75}"/>
+              </a:ext>
+            </a:extLst>
+          </p:cNvPr>
+          <p:cNvSpPr/>
+          <p:nvPr/>
+        </p:nvSpPr>
+        <p:spPr>
+          <a:xfrm>
+            <a:off x="696976" y="3883152"/>
+            <a:ext cx="1335024" cy="488410"/>
+          </a:xfrm>
+          <a:prstGeom prst="rightArrow">
+            <a:avLst/>
+          </a:prstGeom>
+          <a:ln w="28575"/>
+        </p:spPr>
+        <p:style>
+          <a:lnRef idx="2">
+            <a:schemeClr val="dk1"/>
+          </a:lnRef>
+          <a:fillRef idx="1">
+            <a:schemeClr val="lt1"/>
+          </a:fillRef>
+          <a:effectRef idx="0">
+            <a:schemeClr val="dk1"/>
+          </a:effectRef>
+          <a:fontRef idx="minor">
+            <a:schemeClr val="dk1"/>
+          </a:fontRef>
+        </p:style>
+        <p:txBody>
+          <a:bodyPr rtlCol="0" anchor="ctr"/>
+          <a:lstStyle/>
+          <a:p>
+            <a:pPr algn="ctr"/>
+            <a:r>
+              <a:rPr lang="en-US" altLang="zh-TW" dirty="0" err="1"/>
+              <a:t>Max_index</a:t>
+            </a:r>
+            <a:endParaRPr lang="zh-TW" altLang="en-US" dirty="0"/>
+          </a:p>
+        </p:txBody>
+      </p:sp>
+    </p:spTree>
+    <p:extLst>
+      <p:ext uri="{BB962C8B-B14F-4D97-AF65-F5344CB8AC3E}">
+        <p14:creationId xmlns:p14="http://schemas.microsoft.com/office/powerpoint/2010/main" val="615596733"/>
+      </p:ext>
+    </p:extLst>
+  </p:cSld>
+  <p:clrMapOvr>
+    <a:masterClrMapping/>
+  </p:clrMapOvr>
+</p:sld>
+</file>
+
+<file path=ppt/slides/slide18.xml><?xml version="1.0" encoding="utf-8"?>
+<p:sld xmlns:a="http://schemas.openxmlformats.org/drawingml/2006/main" xmlns:r="http://schemas.openxmlformats.org/officeDocument/2006/relationships" xmlns:p="http://schemas.openxmlformats.org/presentationml/2006/main">
+  <p:cSld>
+    <p:spTree>
+      <p:nvGrpSpPr>
+        <p:cNvPr id="1" name=""/>
+        <p:cNvGrpSpPr/>
+        <p:nvPr/>
+      </p:nvGrpSpPr>
+      <p:grpSpPr>
+        <a:xfrm>
+          <a:off x="0" y="0"/>
+          <a:ext cx="0" cy="0"/>
+          <a:chOff x="0" y="0"/>
+          <a:chExt cx="0" cy="0"/>
+        </a:xfrm>
+      </p:grpSpPr>
+      <p:sp>
+        <p:nvSpPr>
+          <p:cNvPr id="2" name="標題 1">
+            <a:extLst>
+              <a:ext uri="{FF2B5EF4-FFF2-40B4-BE49-F238E27FC236}">
+                <a16:creationId xmlns:a16="http://schemas.microsoft.com/office/drawing/2014/main" id="{3CC3439C-38CA-40B7-857E-BB9EB96DC747}"/>
+              </a:ext>
+            </a:extLst>
+          </p:cNvPr>
+          <p:cNvSpPr>
+            <a:spLocks noGrp="1"/>
+          </p:cNvSpPr>
+          <p:nvPr>
+            <p:ph type="title"/>
+          </p:nvPr>
+        </p:nvSpPr>
+        <p:spPr/>
+        <p:txBody>
+          <a:bodyPr/>
+          <a:lstStyle/>
+          <a:p>
+            <a:r>
+              <a:rPr lang="en-US" altLang="zh-TW" dirty="0">
+                <a:latin typeface="Google Sans"/>
+              </a:rPr>
+              <a:t>Experiment Scenario</a:t>
+            </a:r>
+            <a:endParaRPr lang="zh-TW" altLang="en-US" dirty="0">
+              <a:latin typeface="Google Sans"/>
+            </a:endParaRPr>
+          </a:p>
+        </p:txBody>
+      </p:sp>
+      <p:sp>
+        <p:nvSpPr>
+          <p:cNvPr id="3" name="內容版面配置區 2">
+            <a:extLst>
+              <a:ext uri="{FF2B5EF4-FFF2-40B4-BE49-F238E27FC236}">
+                <a16:creationId xmlns:a16="http://schemas.microsoft.com/office/drawing/2014/main" id="{B5E047D3-4CC3-4B6E-B3F1-AE5EB1D5B3C8}"/>
+              </a:ext>
+            </a:extLst>
+          </p:cNvPr>
+          <p:cNvSpPr>
+            <a:spLocks noGrp="1"/>
+          </p:cNvSpPr>
+          <p:nvPr>
+            <p:ph idx="1"/>
+          </p:nvPr>
+        </p:nvSpPr>
+        <p:spPr/>
+        <p:txBody>
+          <a:bodyPr/>
+          <a:lstStyle/>
+          <a:p>
+            <a:pPr marL="514350" indent="-514350">
+              <a:buFont typeface="+mj-lt"/>
+              <a:buAutoNum type="arabicPeriod"/>
+            </a:pPr>
+            <a:r>
+              <a:rPr lang="en-US" altLang="zh-TW" dirty="0"/>
+              <a:t>Sufficient bandwidth</a:t>
+            </a:r>
+          </a:p>
+          <a:p>
+            <a:pPr marL="514350" indent="-514350">
+              <a:buFont typeface="+mj-lt"/>
+              <a:buAutoNum type="arabicPeriod"/>
+            </a:pPr>
+            <a:r>
+              <a:rPr lang="en-US" altLang="zh-TW" dirty="0"/>
+              <a:t>Single slower sender</a:t>
+            </a:r>
+          </a:p>
+          <a:p>
+            <a:pPr marL="514350" indent="-514350">
+              <a:buFont typeface="+mj-lt"/>
+              <a:buAutoNum type="arabicPeriod"/>
+            </a:pPr>
+            <a:r>
+              <a:rPr lang="en-US" altLang="zh-TW" dirty="0"/>
+              <a:t>Slower receiver</a:t>
+            </a:r>
+          </a:p>
+          <a:p>
+            <a:pPr marL="514350" indent="-514350">
+              <a:buFont typeface="+mj-lt"/>
+              <a:buAutoNum type="arabicPeriod"/>
+            </a:pPr>
+            <a:endParaRPr lang="zh-TW" altLang="en-US" dirty="0"/>
+          </a:p>
+        </p:txBody>
+      </p:sp>
+    </p:spTree>
+    <p:extLst>
+      <p:ext uri="{BB962C8B-B14F-4D97-AF65-F5344CB8AC3E}">
+        <p14:creationId xmlns:p14="http://schemas.microsoft.com/office/powerpoint/2010/main" val="3352320533"/>
+      </p:ext>
+    </p:extLst>
+  </p:cSld>
+  <p:clrMapOvr>
+    <a:masterClrMapping/>
+  </p:clrMapOvr>
+</p:sld>
+</file>
+
+<file path=ppt/slides/slide19.xml><?xml version="1.0" encoding="utf-8"?>
+<p:sld xmlns:a="http://schemas.openxmlformats.org/drawingml/2006/main" xmlns:r="http://schemas.openxmlformats.org/officeDocument/2006/relationships" xmlns:p="http://schemas.openxmlformats.org/presentationml/2006/main">
+  <p:cSld>
+    <p:spTree>
+      <p:nvGrpSpPr>
+        <p:cNvPr id="1" name=""/>
+        <p:cNvGrpSpPr/>
+        <p:nvPr/>
+      </p:nvGrpSpPr>
+      <p:grpSpPr>
+        <a:xfrm>
+          <a:off x="0" y="0"/>
+          <a:ext cx="0" cy="0"/>
+          <a:chOff x="0" y="0"/>
+          <a:chExt cx="0" cy="0"/>
+        </a:xfrm>
+      </p:grpSpPr>
+      <p:sp>
+        <p:nvSpPr>
+          <p:cNvPr id="2" name="標題 1">
+            <a:extLst>
+              <a:ext uri="{FF2B5EF4-FFF2-40B4-BE49-F238E27FC236}">
+                <a16:creationId xmlns:a16="http://schemas.microsoft.com/office/drawing/2014/main" id="{F67EBF84-B12F-4F97-958D-BE7E4469A8D5}"/>
+              </a:ext>
+            </a:extLst>
+          </p:cNvPr>
+          <p:cNvSpPr>
+            <a:spLocks noGrp="1"/>
+          </p:cNvSpPr>
+          <p:nvPr>
+            <p:ph type="title"/>
+          </p:nvPr>
+        </p:nvSpPr>
+        <p:spPr/>
+        <p:txBody>
+          <a:bodyPr/>
+          <a:lstStyle/>
+          <a:p>
+            <a:r>
+              <a:rPr lang="en-US" altLang="zh-TW" dirty="0">
+                <a:latin typeface="Google Sans"/>
+              </a:rPr>
+              <a:t>Scenario 1: Sufficient Bandwidth</a:t>
+            </a:r>
+            <a:endParaRPr lang="zh-TW" altLang="en-US" dirty="0">
+              <a:latin typeface="Google Sans"/>
+            </a:endParaRPr>
+          </a:p>
+        </p:txBody>
+      </p:sp>
+      <p:sp>
+        <p:nvSpPr>
+          <p:cNvPr id="3" name="內容版面配置區 2">
+            <a:extLst>
+              <a:ext uri="{FF2B5EF4-FFF2-40B4-BE49-F238E27FC236}">
+                <a16:creationId xmlns:a16="http://schemas.microsoft.com/office/drawing/2014/main" id="{7E3B13E0-E3CA-4E6D-A351-E45A57B3A1C5}"/>
+              </a:ext>
+            </a:extLst>
+          </p:cNvPr>
+          <p:cNvSpPr>
+            <a:spLocks noGrp="1"/>
+          </p:cNvSpPr>
+          <p:nvPr>
+            <p:ph idx="1"/>
+          </p:nvPr>
+        </p:nvSpPr>
+        <p:spPr/>
+        <p:txBody>
+          <a:bodyPr/>
+          <a:lstStyle/>
+          <a:p>
+            <a:endParaRPr lang="zh-TW" altLang="en-US" dirty="0"/>
+          </a:p>
+        </p:txBody>
+      </p:sp>
+    </p:spTree>
+    <p:extLst>
+      <p:ext uri="{BB962C8B-B14F-4D97-AF65-F5344CB8AC3E}">
+        <p14:creationId xmlns:p14="http://schemas.microsoft.com/office/powerpoint/2010/main" val="428910389"/>
       </p:ext>
     </p:extLst>
   </p:cSld>
@@ -5404,6 +8400,182 @@
     <p:extLst>
       <p:ext uri="{BB962C8B-B14F-4D97-AF65-F5344CB8AC3E}">
         <p14:creationId xmlns:p14="http://schemas.microsoft.com/office/powerpoint/2010/main" val="2263895188"/>
+      </p:ext>
+    </p:extLst>
+  </p:cSld>
+  <p:clrMapOvr>
+    <a:masterClrMapping/>
+  </p:clrMapOvr>
+</p:sld>
+</file>
+
+<file path=ppt/slides/slide20.xml><?xml version="1.0" encoding="utf-8"?>
+<p:sld xmlns:a="http://schemas.openxmlformats.org/drawingml/2006/main" xmlns:r="http://schemas.openxmlformats.org/officeDocument/2006/relationships" xmlns:p="http://schemas.openxmlformats.org/presentationml/2006/main">
+  <p:cSld>
+    <p:spTree>
+      <p:nvGrpSpPr>
+        <p:cNvPr id="1" name=""/>
+        <p:cNvGrpSpPr/>
+        <p:nvPr/>
+      </p:nvGrpSpPr>
+      <p:grpSpPr>
+        <a:xfrm>
+          <a:off x="0" y="0"/>
+          <a:ext cx="0" cy="0"/>
+          <a:chOff x="0" y="0"/>
+          <a:chExt cx="0" cy="0"/>
+        </a:xfrm>
+      </p:grpSpPr>
+      <p:sp>
+        <p:nvSpPr>
+          <p:cNvPr id="2" name="標題 1">
+            <a:extLst>
+              <a:ext uri="{FF2B5EF4-FFF2-40B4-BE49-F238E27FC236}">
+                <a16:creationId xmlns:a16="http://schemas.microsoft.com/office/drawing/2014/main" id="{0E512F71-F6C6-413E-988A-5E18E843A241}"/>
+              </a:ext>
+            </a:extLst>
+          </p:cNvPr>
+          <p:cNvSpPr>
+            <a:spLocks noGrp="1"/>
+          </p:cNvSpPr>
+          <p:nvPr>
+            <p:ph type="title"/>
+          </p:nvPr>
+        </p:nvSpPr>
+        <p:spPr/>
+        <p:txBody>
+          <a:bodyPr/>
+          <a:lstStyle/>
+          <a:p>
+            <a:r>
+              <a:rPr lang="en-US" altLang="zh-TW" dirty="0">
+                <a:latin typeface="Google Sans"/>
+              </a:rPr>
+              <a:t>Scenario 2: Single Slower Sender</a:t>
+            </a:r>
+            <a:endParaRPr lang="zh-TW" altLang="en-US" dirty="0">
+              <a:latin typeface="Google Sans"/>
+            </a:endParaRPr>
+          </a:p>
+        </p:txBody>
+      </p:sp>
+      <p:sp>
+        <p:nvSpPr>
+          <p:cNvPr id="3" name="內容版面配置區 2">
+            <a:extLst>
+              <a:ext uri="{FF2B5EF4-FFF2-40B4-BE49-F238E27FC236}">
+                <a16:creationId xmlns:a16="http://schemas.microsoft.com/office/drawing/2014/main" id="{E6ECFE60-48F7-4583-AC69-36F4CCC899A6}"/>
+              </a:ext>
+            </a:extLst>
+          </p:cNvPr>
+          <p:cNvSpPr>
+            <a:spLocks noGrp="1"/>
+          </p:cNvSpPr>
+          <p:nvPr>
+            <p:ph idx="1"/>
+          </p:nvPr>
+        </p:nvSpPr>
+        <p:spPr/>
+        <p:txBody>
+          <a:bodyPr/>
+          <a:lstStyle/>
+          <a:p>
+            <a:endParaRPr lang="zh-TW" altLang="en-US" dirty="0"/>
+          </a:p>
+        </p:txBody>
+      </p:sp>
+    </p:spTree>
+    <p:extLst>
+      <p:ext uri="{BB962C8B-B14F-4D97-AF65-F5344CB8AC3E}">
+        <p14:creationId xmlns:p14="http://schemas.microsoft.com/office/powerpoint/2010/main" val="1879629016"/>
+      </p:ext>
+    </p:extLst>
+  </p:cSld>
+  <p:clrMapOvr>
+    <a:masterClrMapping/>
+  </p:clrMapOvr>
+</p:sld>
+</file>
+
+<file path=ppt/slides/slide21.xml><?xml version="1.0" encoding="utf-8"?>
+<p:sld xmlns:a="http://schemas.openxmlformats.org/drawingml/2006/main" xmlns:r="http://schemas.openxmlformats.org/officeDocument/2006/relationships" xmlns:p="http://schemas.openxmlformats.org/presentationml/2006/main">
+  <p:cSld>
+    <p:spTree>
+      <p:nvGrpSpPr>
+        <p:cNvPr id="1" name=""/>
+        <p:cNvGrpSpPr/>
+        <p:nvPr/>
+      </p:nvGrpSpPr>
+      <p:grpSpPr>
+        <a:xfrm>
+          <a:off x="0" y="0"/>
+          <a:ext cx="0" cy="0"/>
+          <a:chOff x="0" y="0"/>
+          <a:chExt cx="0" cy="0"/>
+        </a:xfrm>
+      </p:grpSpPr>
+      <p:sp>
+        <p:nvSpPr>
+          <p:cNvPr id="2" name="標題 1">
+            <a:extLst>
+              <a:ext uri="{FF2B5EF4-FFF2-40B4-BE49-F238E27FC236}">
+                <a16:creationId xmlns:a16="http://schemas.microsoft.com/office/drawing/2014/main" id="{0E512F71-F6C6-413E-988A-5E18E843A241}"/>
+              </a:ext>
+            </a:extLst>
+          </p:cNvPr>
+          <p:cNvSpPr>
+            <a:spLocks noGrp="1"/>
+          </p:cNvSpPr>
+          <p:nvPr>
+            <p:ph type="title"/>
+          </p:nvPr>
+        </p:nvSpPr>
+        <p:spPr/>
+        <p:txBody>
+          <a:bodyPr/>
+          <a:lstStyle/>
+          <a:p>
+            <a:r>
+              <a:rPr lang="en-US" altLang="zh-TW" dirty="0">
+                <a:latin typeface="Google Sans"/>
+              </a:rPr>
+              <a:t>Scenario 3: Slower Receiver</a:t>
+            </a:r>
+            <a:endParaRPr lang="zh-TW" altLang="en-US" dirty="0">
+              <a:latin typeface="Google Sans"/>
+            </a:endParaRPr>
+          </a:p>
+        </p:txBody>
+      </p:sp>
+      <p:sp>
+        <p:nvSpPr>
+          <p:cNvPr id="3" name="內容版面配置區 2">
+            <a:extLst>
+              <a:ext uri="{FF2B5EF4-FFF2-40B4-BE49-F238E27FC236}">
+                <a16:creationId xmlns:a16="http://schemas.microsoft.com/office/drawing/2014/main" id="{E6ECFE60-48F7-4583-AC69-36F4CCC899A6}"/>
+              </a:ext>
+            </a:extLst>
+          </p:cNvPr>
+          <p:cNvSpPr>
+            <a:spLocks noGrp="1"/>
+          </p:cNvSpPr>
+          <p:nvPr>
+            <p:ph idx="1"/>
+          </p:nvPr>
+        </p:nvSpPr>
+        <p:spPr/>
+        <p:txBody>
+          <a:bodyPr/>
+          <a:lstStyle/>
+          <a:p>
+            <a:endParaRPr lang="zh-TW" altLang="en-US" dirty="0"/>
+          </a:p>
+        </p:txBody>
+      </p:sp>
+    </p:spTree>
+    <p:extLst>
+      <p:ext uri="{BB962C8B-B14F-4D97-AF65-F5344CB8AC3E}">
+        <p14:creationId xmlns:p14="http://schemas.microsoft.com/office/powerpoint/2010/main" val="4105658486"/>
       </p:ext>
     </p:extLst>
   </p:cSld>

--- a/report.pptx
+++ b/report.pptx
@@ -9,23 +9,21 @@
     <p:sldId id="268" r:id="rId3"/>
     <p:sldId id="269" r:id="rId4"/>
     <p:sldId id="271" r:id="rId5"/>
-    <p:sldId id="265" r:id="rId6"/>
-    <p:sldId id="267" r:id="rId7"/>
-    <p:sldId id="263" r:id="rId8"/>
-    <p:sldId id="258" r:id="rId9"/>
-    <p:sldId id="270" r:id="rId10"/>
-    <p:sldId id="273" r:id="rId11"/>
-    <p:sldId id="277" r:id="rId12"/>
-    <p:sldId id="276" r:id="rId13"/>
-    <p:sldId id="278" r:id="rId14"/>
-    <p:sldId id="259" r:id="rId15"/>
-    <p:sldId id="275" r:id="rId16"/>
-    <p:sldId id="272" r:id="rId17"/>
-    <p:sldId id="279" r:id="rId18"/>
-    <p:sldId id="260" r:id="rId19"/>
-    <p:sldId id="261" r:id="rId20"/>
-    <p:sldId id="262" r:id="rId21"/>
-    <p:sldId id="280" r:id="rId22"/>
+    <p:sldId id="270" r:id="rId6"/>
+    <p:sldId id="273" r:id="rId7"/>
+    <p:sldId id="277" r:id="rId8"/>
+    <p:sldId id="276" r:id="rId9"/>
+    <p:sldId id="278" r:id="rId10"/>
+    <p:sldId id="259" r:id="rId11"/>
+    <p:sldId id="275" r:id="rId12"/>
+    <p:sldId id="272" r:id="rId13"/>
+    <p:sldId id="279" r:id="rId14"/>
+    <p:sldId id="260" r:id="rId15"/>
+    <p:sldId id="261" r:id="rId16"/>
+    <p:sldId id="262" r:id="rId17"/>
+    <p:sldId id="280" r:id="rId18"/>
+    <p:sldId id="281" r:id="rId19"/>
+    <p:sldId id="282" r:id="rId20"/>
   </p:sldIdLst>
   <p:sldSz cx="12192000" cy="6858000"/>
   <p:notesSz cx="6858000" cy="9144000"/>
@@ -291,7 +289,7 @@
           <a:p>
             <a:fld id="{0A269718-894E-41FA-9000-F82A9396D3E2}" type="datetimeFigureOut">
               <a:rPr lang="zh-TW" altLang="en-US" smtClean="0"/>
-              <a:t>2024/6/10</a:t>
+              <a:t>2024/6/11</a:t>
             </a:fld>
             <a:endParaRPr lang="zh-TW" altLang="en-US"/>
           </a:p>
@@ -489,7 +487,7 @@
           <a:p>
             <a:fld id="{0A269718-894E-41FA-9000-F82A9396D3E2}" type="datetimeFigureOut">
               <a:rPr lang="zh-TW" altLang="en-US" smtClean="0"/>
-              <a:t>2024/6/10</a:t>
+              <a:t>2024/6/11</a:t>
             </a:fld>
             <a:endParaRPr lang="zh-TW" altLang="en-US"/>
           </a:p>
@@ -697,7 +695,7 @@
           <a:p>
             <a:fld id="{0A269718-894E-41FA-9000-F82A9396D3E2}" type="datetimeFigureOut">
               <a:rPr lang="zh-TW" altLang="en-US" smtClean="0"/>
-              <a:t>2024/6/10</a:t>
+              <a:t>2024/6/11</a:t>
             </a:fld>
             <a:endParaRPr lang="zh-TW" altLang="en-US"/>
           </a:p>
@@ -895,7 +893,7 @@
           <a:p>
             <a:fld id="{0A269718-894E-41FA-9000-F82A9396D3E2}" type="datetimeFigureOut">
               <a:rPr lang="zh-TW" altLang="en-US" smtClean="0"/>
-              <a:t>2024/6/10</a:t>
+              <a:t>2024/6/11</a:t>
             </a:fld>
             <a:endParaRPr lang="zh-TW" altLang="en-US"/>
           </a:p>
@@ -1170,7 +1168,7 @@
           <a:p>
             <a:fld id="{0A269718-894E-41FA-9000-F82A9396D3E2}" type="datetimeFigureOut">
               <a:rPr lang="zh-TW" altLang="en-US" smtClean="0"/>
-              <a:t>2024/6/10</a:t>
+              <a:t>2024/6/11</a:t>
             </a:fld>
             <a:endParaRPr lang="zh-TW" altLang="en-US"/>
           </a:p>
@@ -1435,7 +1433,7 @@
           <a:p>
             <a:fld id="{0A269718-894E-41FA-9000-F82A9396D3E2}" type="datetimeFigureOut">
               <a:rPr lang="zh-TW" altLang="en-US" smtClean="0"/>
-              <a:t>2024/6/10</a:t>
+              <a:t>2024/6/11</a:t>
             </a:fld>
             <a:endParaRPr lang="zh-TW" altLang="en-US"/>
           </a:p>
@@ -1847,7 +1845,7 @@
           <a:p>
             <a:fld id="{0A269718-894E-41FA-9000-F82A9396D3E2}" type="datetimeFigureOut">
               <a:rPr lang="zh-TW" altLang="en-US" smtClean="0"/>
-              <a:t>2024/6/10</a:t>
+              <a:t>2024/6/11</a:t>
             </a:fld>
             <a:endParaRPr lang="zh-TW" altLang="en-US"/>
           </a:p>
@@ -1988,7 +1986,7 @@
           <a:p>
             <a:fld id="{0A269718-894E-41FA-9000-F82A9396D3E2}" type="datetimeFigureOut">
               <a:rPr lang="zh-TW" altLang="en-US" smtClean="0"/>
-              <a:t>2024/6/10</a:t>
+              <a:t>2024/6/11</a:t>
             </a:fld>
             <a:endParaRPr lang="zh-TW" altLang="en-US"/>
           </a:p>
@@ -2101,7 +2099,7 @@
           <a:p>
             <a:fld id="{0A269718-894E-41FA-9000-F82A9396D3E2}" type="datetimeFigureOut">
               <a:rPr lang="zh-TW" altLang="en-US" smtClean="0"/>
-              <a:t>2024/6/10</a:t>
+              <a:t>2024/6/11</a:t>
             </a:fld>
             <a:endParaRPr lang="zh-TW" altLang="en-US"/>
           </a:p>
@@ -2412,7 +2410,7 @@
           <a:p>
             <a:fld id="{0A269718-894E-41FA-9000-F82A9396D3E2}" type="datetimeFigureOut">
               <a:rPr lang="zh-TW" altLang="en-US" smtClean="0"/>
-              <a:t>2024/6/10</a:t>
+              <a:t>2024/6/11</a:t>
             </a:fld>
             <a:endParaRPr lang="zh-TW" altLang="en-US"/>
           </a:p>
@@ -2700,7 +2698,7 @@
           <a:p>
             <a:fld id="{0A269718-894E-41FA-9000-F82A9396D3E2}" type="datetimeFigureOut">
               <a:rPr lang="zh-TW" altLang="en-US" smtClean="0"/>
-              <a:t>2024/6/10</a:t>
+              <a:t>2024/6/11</a:t>
             </a:fld>
             <a:endParaRPr lang="zh-TW" altLang="en-US"/>
           </a:p>
@@ -2941,7 +2939,7 @@
           <a:p>
             <a:fld id="{0A269718-894E-41FA-9000-F82A9396D3E2}" type="datetimeFigureOut">
               <a:rPr lang="zh-TW" altLang="en-US" smtClean="0"/>
-              <a:t>2024/6/10</a:t>
+              <a:t>2024/6/11</a:t>
             </a:fld>
             <a:endParaRPr lang="zh-TW" altLang="en-US"/>
           </a:p>
@@ -3513,546 +3511,6 @@
           <a:chExt cx="0" cy="0"/>
         </a:xfrm>
       </p:grpSpPr>
-      <p:pic>
-        <p:nvPicPr>
-          <p:cNvPr id="14" name="圖片 13">
-            <a:extLst>
-              <a:ext uri="{FF2B5EF4-FFF2-40B4-BE49-F238E27FC236}">
-                <a16:creationId xmlns:a16="http://schemas.microsoft.com/office/drawing/2014/main" id="{FA5F49A7-1B4B-5FD5-C8A2-082863F2907F}"/>
-              </a:ext>
-            </a:extLst>
-          </p:cNvPr>
-          <p:cNvPicPr>
-            <a:picLocks noChangeAspect="1"/>
-          </p:cNvPicPr>
-          <p:nvPr/>
-        </p:nvPicPr>
-        <p:blipFill rotWithShape="1">
-          <a:blip r:embed="rId2"/>
-          <a:srcRect l="29375" r="28012"/>
-          <a:stretch/>
-        </p:blipFill>
-        <p:spPr>
-          <a:xfrm>
-            <a:off x="6025117" y="0"/>
-            <a:ext cx="6166883" cy="11236272"/>
-          </a:xfrm>
-          <a:prstGeom prst="rect">
-            <a:avLst/>
-          </a:prstGeom>
-        </p:spPr>
-      </p:pic>
-      <p:sp>
-        <p:nvSpPr>
-          <p:cNvPr id="2" name="標題 1">
-            <a:extLst>
-              <a:ext uri="{FF2B5EF4-FFF2-40B4-BE49-F238E27FC236}">
-                <a16:creationId xmlns:a16="http://schemas.microsoft.com/office/drawing/2014/main" id="{611D002D-8D6D-4BBA-A9D9-C230A2343647}"/>
-              </a:ext>
-            </a:extLst>
-          </p:cNvPr>
-          <p:cNvSpPr>
-            <a:spLocks noGrp="1"/>
-          </p:cNvSpPr>
-          <p:nvPr>
-            <p:ph type="title"/>
-          </p:nvPr>
-        </p:nvSpPr>
-        <p:spPr/>
-        <p:txBody>
-          <a:bodyPr/>
-          <a:lstStyle/>
-          <a:p>
-            <a:r>
-              <a:rPr lang="en-US" altLang="zh-TW" dirty="0">
-                <a:latin typeface="Google Sans"/>
-              </a:rPr>
-              <a:t>Main component</a:t>
-            </a:r>
-            <a:endParaRPr lang="zh-TW" altLang="en-US" dirty="0">
-              <a:latin typeface="Google Sans"/>
-            </a:endParaRPr>
-          </a:p>
-        </p:txBody>
-      </p:sp>
-      <p:sp>
-        <p:nvSpPr>
-          <p:cNvPr id="4" name="內容版面配置區 3">
-            <a:extLst>
-              <a:ext uri="{FF2B5EF4-FFF2-40B4-BE49-F238E27FC236}">
-                <a16:creationId xmlns:a16="http://schemas.microsoft.com/office/drawing/2014/main" id="{14266E82-AB07-4386-9A55-00A97A9DDF71}"/>
-              </a:ext>
-            </a:extLst>
-          </p:cNvPr>
-          <p:cNvSpPr>
-            <a:spLocks noGrp="1"/>
-          </p:cNvSpPr>
-          <p:nvPr>
-            <p:ph sz="half" idx="1"/>
-          </p:nvPr>
-        </p:nvSpPr>
-        <p:spPr/>
-        <p:txBody>
-          <a:bodyPr/>
-          <a:lstStyle/>
-          <a:p>
-            <a:r>
-              <a:rPr lang="en-US" altLang="zh-TW" dirty="0"/>
-              <a:t>TCP cheater</a:t>
-            </a:r>
-          </a:p>
-          <a:p>
-            <a:pPr lvl="1"/>
-            <a:r>
-              <a:rPr lang="en-US" altLang="zh-TW" dirty="0"/>
-              <a:t>Maintaining TCP connections</a:t>
-            </a:r>
-          </a:p>
-          <a:p>
-            <a:endParaRPr lang="zh-TW" altLang="en-US" dirty="0"/>
-          </a:p>
-        </p:txBody>
-      </p:sp>
-    </p:spTree>
-    <p:extLst>
-      <p:ext uri="{BB962C8B-B14F-4D97-AF65-F5344CB8AC3E}">
-        <p14:creationId xmlns:p14="http://schemas.microsoft.com/office/powerpoint/2010/main" val="2424953834"/>
-      </p:ext>
-    </p:extLst>
-  </p:cSld>
-  <p:clrMapOvr>
-    <a:masterClrMapping/>
-  </p:clrMapOvr>
-</p:sld>
-</file>
-
-<file path=ppt/slides/slide11.xml><?xml version="1.0" encoding="utf-8"?>
-<p:sld xmlns:a="http://schemas.openxmlformats.org/drawingml/2006/main" xmlns:r="http://schemas.openxmlformats.org/officeDocument/2006/relationships" xmlns:p="http://schemas.openxmlformats.org/presentationml/2006/main">
-  <p:cSld>
-    <p:spTree>
-      <p:nvGrpSpPr>
-        <p:cNvPr id="1" name=""/>
-        <p:cNvGrpSpPr/>
-        <p:nvPr/>
-      </p:nvGrpSpPr>
-      <p:grpSpPr>
-        <a:xfrm>
-          <a:off x="0" y="0"/>
-          <a:ext cx="0" cy="0"/>
-          <a:chOff x="0" y="0"/>
-          <a:chExt cx="0" cy="0"/>
-        </a:xfrm>
-      </p:grpSpPr>
-      <p:sp>
-        <p:nvSpPr>
-          <p:cNvPr id="2" name="標題 1">
-            <a:extLst>
-              <a:ext uri="{FF2B5EF4-FFF2-40B4-BE49-F238E27FC236}">
-                <a16:creationId xmlns:a16="http://schemas.microsoft.com/office/drawing/2014/main" id="{611D002D-8D6D-4BBA-A9D9-C230A2343647}"/>
-              </a:ext>
-            </a:extLst>
-          </p:cNvPr>
-          <p:cNvSpPr>
-            <a:spLocks noGrp="1"/>
-          </p:cNvSpPr>
-          <p:nvPr>
-            <p:ph type="title"/>
-          </p:nvPr>
-        </p:nvSpPr>
-        <p:spPr/>
-        <p:txBody>
-          <a:bodyPr/>
-          <a:lstStyle/>
-          <a:p>
-            <a:r>
-              <a:rPr lang="en-US" altLang="zh-TW" dirty="0">
-                <a:latin typeface="Google Sans"/>
-              </a:rPr>
-              <a:t>Main component</a:t>
-            </a:r>
-            <a:endParaRPr lang="zh-TW" altLang="en-US" dirty="0">
-              <a:latin typeface="Google Sans"/>
-            </a:endParaRPr>
-          </a:p>
-        </p:txBody>
-      </p:sp>
-      <p:sp>
-        <p:nvSpPr>
-          <p:cNvPr id="4" name="內容版面配置區 3">
-            <a:extLst>
-              <a:ext uri="{FF2B5EF4-FFF2-40B4-BE49-F238E27FC236}">
-                <a16:creationId xmlns:a16="http://schemas.microsoft.com/office/drawing/2014/main" id="{14266E82-AB07-4386-9A55-00A97A9DDF71}"/>
-              </a:ext>
-            </a:extLst>
-          </p:cNvPr>
-          <p:cNvSpPr>
-            <a:spLocks noGrp="1"/>
-          </p:cNvSpPr>
-          <p:nvPr>
-            <p:ph sz="half" idx="1"/>
-          </p:nvPr>
-        </p:nvSpPr>
-        <p:spPr/>
-        <p:txBody>
-          <a:bodyPr/>
-          <a:lstStyle/>
-          <a:p>
-            <a:r>
-              <a:rPr lang="en-US" altLang="zh-TW" dirty="0"/>
-              <a:t>TCP cheater</a:t>
-            </a:r>
-          </a:p>
-          <a:p>
-            <a:pPr lvl="1"/>
-            <a:r>
-              <a:rPr lang="en-US" altLang="zh-TW" dirty="0"/>
-              <a:t>Maintaining TCP connections</a:t>
-            </a:r>
-          </a:p>
-          <a:p>
-            <a:endParaRPr lang="zh-TW" altLang="en-US" dirty="0"/>
-          </a:p>
-        </p:txBody>
-      </p:sp>
-      <p:pic>
-        <p:nvPicPr>
-          <p:cNvPr id="3" name="圖片 2">
-            <a:extLst>
-              <a:ext uri="{FF2B5EF4-FFF2-40B4-BE49-F238E27FC236}">
-                <a16:creationId xmlns:a16="http://schemas.microsoft.com/office/drawing/2014/main" id="{9E671855-D0B1-B46A-0BAE-DF48BE9864D9}"/>
-              </a:ext>
-            </a:extLst>
-          </p:cNvPr>
-          <p:cNvPicPr>
-            <a:picLocks noChangeAspect="1"/>
-          </p:cNvPicPr>
-          <p:nvPr/>
-        </p:nvPicPr>
-        <p:blipFill rotWithShape="1">
-          <a:blip r:embed="rId2"/>
-          <a:srcRect l="29375" r="28012"/>
-          <a:stretch/>
-        </p:blipFill>
-        <p:spPr>
-          <a:xfrm>
-            <a:off x="6025117" y="-4380609"/>
-            <a:ext cx="6166883" cy="11236272"/>
-          </a:xfrm>
-          <a:prstGeom prst="rect">
-            <a:avLst/>
-          </a:prstGeom>
-        </p:spPr>
-      </p:pic>
-    </p:spTree>
-    <p:extLst>
-      <p:ext uri="{BB962C8B-B14F-4D97-AF65-F5344CB8AC3E}">
-        <p14:creationId xmlns:p14="http://schemas.microsoft.com/office/powerpoint/2010/main" val="2012943314"/>
-      </p:ext>
-    </p:extLst>
-  </p:cSld>
-  <p:clrMapOvr>
-    <a:masterClrMapping/>
-  </p:clrMapOvr>
-  <mc:AlternateContent xmlns:mc="http://schemas.openxmlformats.org/markup-compatibility/2006">
-    <mc:Choice xmlns:p159="http://schemas.microsoft.com/office/powerpoint/2015/09/main" Requires="p159">
-      <p:transition spd="slow">
-        <p159:morph option="byObject"/>
-      </p:transition>
-    </mc:Choice>
-    <mc:Fallback>
-      <p:transition spd="slow">
-        <p:fade/>
-      </p:transition>
-    </mc:Fallback>
-  </mc:AlternateContent>
-</p:sld>
-</file>
-
-<file path=ppt/slides/slide12.xml><?xml version="1.0" encoding="utf-8"?>
-<p:sld xmlns:a="http://schemas.openxmlformats.org/drawingml/2006/main" xmlns:r="http://schemas.openxmlformats.org/officeDocument/2006/relationships" xmlns:p="http://schemas.openxmlformats.org/presentationml/2006/main">
-  <p:cSld>
-    <p:spTree>
-      <p:nvGrpSpPr>
-        <p:cNvPr id="1" name=""/>
-        <p:cNvGrpSpPr/>
-        <p:nvPr/>
-      </p:nvGrpSpPr>
-      <p:grpSpPr>
-        <a:xfrm>
-          <a:off x="0" y="0"/>
-          <a:ext cx="0" cy="0"/>
-          <a:chOff x="0" y="0"/>
-          <a:chExt cx="0" cy="0"/>
-        </a:xfrm>
-      </p:grpSpPr>
-      <p:sp>
-        <p:nvSpPr>
-          <p:cNvPr id="2" name="標題 1">
-            <a:extLst>
-              <a:ext uri="{FF2B5EF4-FFF2-40B4-BE49-F238E27FC236}">
-                <a16:creationId xmlns:a16="http://schemas.microsoft.com/office/drawing/2014/main" id="{611D002D-8D6D-4BBA-A9D9-C230A2343647}"/>
-              </a:ext>
-            </a:extLst>
-          </p:cNvPr>
-          <p:cNvSpPr>
-            <a:spLocks noGrp="1"/>
-          </p:cNvSpPr>
-          <p:nvPr>
-            <p:ph type="title"/>
-          </p:nvPr>
-        </p:nvSpPr>
-        <p:spPr/>
-        <p:txBody>
-          <a:bodyPr/>
-          <a:lstStyle/>
-          <a:p>
-            <a:r>
-              <a:rPr lang="en-US" altLang="zh-TW" dirty="0">
-                <a:latin typeface="Google Sans"/>
-              </a:rPr>
-              <a:t>Main component</a:t>
-            </a:r>
-            <a:endParaRPr lang="zh-TW" altLang="en-US" dirty="0">
-              <a:latin typeface="Google Sans"/>
-            </a:endParaRPr>
-          </a:p>
-        </p:txBody>
-      </p:sp>
-      <p:sp>
-        <p:nvSpPr>
-          <p:cNvPr id="4" name="內容版面配置區 3">
-            <a:extLst>
-              <a:ext uri="{FF2B5EF4-FFF2-40B4-BE49-F238E27FC236}">
-                <a16:creationId xmlns:a16="http://schemas.microsoft.com/office/drawing/2014/main" id="{14266E82-AB07-4386-9A55-00A97A9DDF71}"/>
-              </a:ext>
-            </a:extLst>
-          </p:cNvPr>
-          <p:cNvSpPr>
-            <a:spLocks noGrp="1"/>
-          </p:cNvSpPr>
-          <p:nvPr>
-            <p:ph sz="half" idx="1"/>
-          </p:nvPr>
-        </p:nvSpPr>
-        <p:spPr/>
-        <p:txBody>
-          <a:bodyPr/>
-          <a:lstStyle/>
-          <a:p>
-            <a:r>
-              <a:rPr lang="en-US" altLang="zh-TW" dirty="0"/>
-              <a:t>Ring Buffer</a:t>
-            </a:r>
-          </a:p>
-          <a:p>
-            <a:pPr lvl="1"/>
-            <a:r>
-              <a:rPr lang="en-US" altLang="zh-TW" dirty="0"/>
-              <a:t>Record and aggregate payload</a:t>
-            </a:r>
-            <a:endParaRPr lang="zh-TW" altLang="en-US" dirty="0"/>
-          </a:p>
-        </p:txBody>
-      </p:sp>
-      <p:pic>
-        <p:nvPicPr>
-          <p:cNvPr id="8" name="圖片 7">
-            <a:extLst>
-              <a:ext uri="{FF2B5EF4-FFF2-40B4-BE49-F238E27FC236}">
-                <a16:creationId xmlns:a16="http://schemas.microsoft.com/office/drawing/2014/main" id="{F80E16F0-1707-A592-189B-E43B567C03F1}"/>
-              </a:ext>
-            </a:extLst>
-          </p:cNvPr>
-          <p:cNvPicPr>
-            <a:picLocks noChangeAspect="1"/>
-          </p:cNvPicPr>
-          <p:nvPr/>
-        </p:nvPicPr>
-        <p:blipFill rotWithShape="1">
-          <a:blip r:embed="rId2"/>
-          <a:srcRect l="26534" r="27605"/>
-          <a:stretch/>
-        </p:blipFill>
-        <p:spPr>
-          <a:xfrm>
-            <a:off x="5870447" y="-1"/>
-            <a:ext cx="6321553" cy="10702401"/>
-          </a:xfrm>
-          <a:prstGeom prst="rect">
-            <a:avLst/>
-          </a:prstGeom>
-        </p:spPr>
-      </p:pic>
-    </p:spTree>
-    <p:extLst>
-      <p:ext uri="{BB962C8B-B14F-4D97-AF65-F5344CB8AC3E}">
-        <p14:creationId xmlns:p14="http://schemas.microsoft.com/office/powerpoint/2010/main" val="194318190"/>
-      </p:ext>
-    </p:extLst>
-  </p:cSld>
-  <p:clrMapOvr>
-    <a:masterClrMapping/>
-  </p:clrMapOvr>
-</p:sld>
-</file>
-
-<file path=ppt/slides/slide13.xml><?xml version="1.0" encoding="utf-8"?>
-<p:sld xmlns:a="http://schemas.openxmlformats.org/drawingml/2006/main" xmlns:r="http://schemas.openxmlformats.org/officeDocument/2006/relationships" xmlns:p="http://schemas.openxmlformats.org/presentationml/2006/main">
-  <p:cSld>
-    <p:spTree>
-      <p:nvGrpSpPr>
-        <p:cNvPr id="1" name=""/>
-        <p:cNvGrpSpPr/>
-        <p:nvPr/>
-      </p:nvGrpSpPr>
-      <p:grpSpPr>
-        <a:xfrm>
-          <a:off x="0" y="0"/>
-          <a:ext cx="0" cy="0"/>
-          <a:chOff x="0" y="0"/>
-          <a:chExt cx="0" cy="0"/>
-        </a:xfrm>
-      </p:grpSpPr>
-      <p:sp>
-        <p:nvSpPr>
-          <p:cNvPr id="2" name="標題 1">
-            <a:extLst>
-              <a:ext uri="{FF2B5EF4-FFF2-40B4-BE49-F238E27FC236}">
-                <a16:creationId xmlns:a16="http://schemas.microsoft.com/office/drawing/2014/main" id="{611D002D-8D6D-4BBA-A9D9-C230A2343647}"/>
-              </a:ext>
-            </a:extLst>
-          </p:cNvPr>
-          <p:cNvSpPr>
-            <a:spLocks noGrp="1"/>
-          </p:cNvSpPr>
-          <p:nvPr>
-            <p:ph type="title"/>
-          </p:nvPr>
-        </p:nvSpPr>
-        <p:spPr/>
-        <p:txBody>
-          <a:bodyPr/>
-          <a:lstStyle/>
-          <a:p>
-            <a:r>
-              <a:rPr lang="en-US" altLang="zh-TW" dirty="0">
-                <a:latin typeface="Google Sans"/>
-              </a:rPr>
-              <a:t>Main component</a:t>
-            </a:r>
-            <a:endParaRPr lang="zh-TW" altLang="en-US" dirty="0">
-              <a:latin typeface="Google Sans"/>
-            </a:endParaRPr>
-          </a:p>
-        </p:txBody>
-      </p:sp>
-      <p:sp>
-        <p:nvSpPr>
-          <p:cNvPr id="4" name="內容版面配置區 3">
-            <a:extLst>
-              <a:ext uri="{FF2B5EF4-FFF2-40B4-BE49-F238E27FC236}">
-                <a16:creationId xmlns:a16="http://schemas.microsoft.com/office/drawing/2014/main" id="{14266E82-AB07-4386-9A55-00A97A9DDF71}"/>
-              </a:ext>
-            </a:extLst>
-          </p:cNvPr>
-          <p:cNvSpPr>
-            <a:spLocks noGrp="1"/>
-          </p:cNvSpPr>
-          <p:nvPr>
-            <p:ph sz="half" idx="1"/>
-          </p:nvPr>
-        </p:nvSpPr>
-        <p:spPr/>
-        <p:txBody>
-          <a:bodyPr/>
-          <a:lstStyle/>
-          <a:p>
-            <a:r>
-              <a:rPr lang="en-US" altLang="zh-TW" dirty="0"/>
-              <a:t>Ring Buffer</a:t>
-            </a:r>
-          </a:p>
-          <a:p>
-            <a:pPr lvl="1"/>
-            <a:r>
-              <a:rPr lang="en-US" altLang="zh-TW" dirty="0"/>
-              <a:t>Record and aggregate payload</a:t>
-            </a:r>
-            <a:endParaRPr lang="zh-TW" altLang="en-US" dirty="0"/>
-          </a:p>
-        </p:txBody>
-      </p:sp>
-      <p:pic>
-        <p:nvPicPr>
-          <p:cNvPr id="8" name="圖片 7">
-            <a:extLst>
-              <a:ext uri="{FF2B5EF4-FFF2-40B4-BE49-F238E27FC236}">
-                <a16:creationId xmlns:a16="http://schemas.microsoft.com/office/drawing/2014/main" id="{F80E16F0-1707-A592-189B-E43B567C03F1}"/>
-              </a:ext>
-            </a:extLst>
-          </p:cNvPr>
-          <p:cNvPicPr>
-            <a:picLocks noChangeAspect="1"/>
-          </p:cNvPicPr>
-          <p:nvPr/>
-        </p:nvPicPr>
-        <p:blipFill rotWithShape="1">
-          <a:blip r:embed="rId2"/>
-          <a:srcRect l="26534" r="27605"/>
-          <a:stretch/>
-        </p:blipFill>
-        <p:spPr>
-          <a:xfrm>
-            <a:off x="5870447" y="-3844401"/>
-            <a:ext cx="6321553" cy="10702401"/>
-          </a:xfrm>
-          <a:prstGeom prst="rect">
-            <a:avLst/>
-          </a:prstGeom>
-        </p:spPr>
-      </p:pic>
-    </p:spTree>
-    <p:extLst>
-      <p:ext uri="{BB962C8B-B14F-4D97-AF65-F5344CB8AC3E}">
-        <p14:creationId xmlns:p14="http://schemas.microsoft.com/office/powerpoint/2010/main" val="3266697894"/>
-      </p:ext>
-    </p:extLst>
-  </p:cSld>
-  <p:clrMapOvr>
-    <a:masterClrMapping/>
-  </p:clrMapOvr>
-  <mc:AlternateContent xmlns:mc="http://schemas.openxmlformats.org/markup-compatibility/2006">
-    <mc:Choice xmlns:p159="http://schemas.microsoft.com/office/powerpoint/2015/09/main" Requires="p159">
-      <p:transition spd="slow">
-        <p159:morph option="byObject"/>
-      </p:transition>
-    </mc:Choice>
-    <mc:Fallback>
-      <p:transition spd="slow">
-        <p:fade/>
-      </p:transition>
-    </mc:Fallback>
-  </mc:AlternateContent>
-</p:sld>
-</file>
-
-<file path=ppt/slides/slide14.xml><?xml version="1.0" encoding="utf-8"?>
-<p:sld xmlns:a="http://schemas.openxmlformats.org/drawingml/2006/main" xmlns:r="http://schemas.openxmlformats.org/officeDocument/2006/relationships" xmlns:p="http://schemas.openxmlformats.org/presentationml/2006/main">
-  <p:cSld>
-    <p:spTree>
-      <p:nvGrpSpPr>
-        <p:cNvPr id="1" name=""/>
-        <p:cNvGrpSpPr/>
-        <p:nvPr/>
-      </p:nvGrpSpPr>
-      <p:grpSpPr>
-        <a:xfrm>
-          <a:off x="0" y="0"/>
-          <a:ext cx="0" cy="0"/>
-          <a:chOff x="0" y="0"/>
-          <a:chExt cx="0" cy="0"/>
-        </a:xfrm>
-      </p:grpSpPr>
       <p:sp>
         <p:nvSpPr>
           <p:cNvPr id="11" name="矩形: 圓角 10">
@@ -4570,7 +4028,7 @@
 </p:sld>
 </file>
 
-<file path=ppt/slides/slide15.xml><?xml version="1.0" encoding="utf-8"?>
+<file path=ppt/slides/slide11.xml><?xml version="1.0" encoding="utf-8"?>
 <p:sld xmlns:a="http://schemas.openxmlformats.org/drawingml/2006/main" xmlns:r="http://schemas.openxmlformats.org/officeDocument/2006/relationships" xmlns:p="http://schemas.openxmlformats.org/presentationml/2006/main">
   <p:cSld>
     <p:spTree>
@@ -4759,7 +4217,7 @@
 </p:sld>
 </file>
 
-<file path=ppt/slides/slide16.xml><?xml version="1.0" encoding="utf-8"?>
+<file path=ppt/slides/slide12.xml><?xml version="1.0" encoding="utf-8"?>
 <p:sld xmlns:a="http://schemas.openxmlformats.org/drawingml/2006/main" xmlns:r="http://schemas.openxmlformats.org/officeDocument/2006/relationships" xmlns:p="http://schemas.openxmlformats.org/presentationml/2006/main">
   <p:cSld>
     <p:spTree>
@@ -6066,7 +5524,7 @@
 </p:sld>
 </file>
 
-<file path=ppt/slides/slide17.xml><?xml version="1.0" encoding="utf-8"?>
+<file path=ppt/slides/slide13.xml><?xml version="1.0" encoding="utf-8"?>
 <p:sld xmlns:a="http://schemas.openxmlformats.org/drawingml/2006/main" xmlns:r="http://schemas.openxmlformats.org/officeDocument/2006/relationships" xmlns:p="http://schemas.openxmlformats.org/presentationml/2006/main">
   <p:cSld>
     <p:spTree>
@@ -7520,6 +6978,522 @@
 </p:sld>
 </file>
 
+<file path=ppt/slides/slide14.xml><?xml version="1.0" encoding="utf-8"?>
+<p:sld xmlns:a="http://schemas.openxmlformats.org/drawingml/2006/main" xmlns:r="http://schemas.openxmlformats.org/officeDocument/2006/relationships" xmlns:p="http://schemas.openxmlformats.org/presentationml/2006/main">
+  <p:cSld>
+    <p:spTree>
+      <p:nvGrpSpPr>
+        <p:cNvPr id="1" name=""/>
+        <p:cNvGrpSpPr/>
+        <p:nvPr/>
+      </p:nvGrpSpPr>
+      <p:grpSpPr>
+        <a:xfrm>
+          <a:off x="0" y="0"/>
+          <a:ext cx="0" cy="0"/>
+          <a:chOff x="0" y="0"/>
+          <a:chExt cx="0" cy="0"/>
+        </a:xfrm>
+      </p:grpSpPr>
+      <p:sp>
+        <p:nvSpPr>
+          <p:cNvPr id="2" name="標題 1">
+            <a:extLst>
+              <a:ext uri="{FF2B5EF4-FFF2-40B4-BE49-F238E27FC236}">
+                <a16:creationId xmlns:a16="http://schemas.microsoft.com/office/drawing/2014/main" id="{3CC3439C-38CA-40B7-857E-BB9EB96DC747}"/>
+              </a:ext>
+            </a:extLst>
+          </p:cNvPr>
+          <p:cNvSpPr>
+            <a:spLocks noGrp="1"/>
+          </p:cNvSpPr>
+          <p:nvPr>
+            <p:ph type="title"/>
+          </p:nvPr>
+        </p:nvSpPr>
+        <p:spPr/>
+        <p:txBody>
+          <a:bodyPr/>
+          <a:lstStyle/>
+          <a:p>
+            <a:r>
+              <a:rPr lang="en-US" altLang="zh-TW" dirty="0">
+                <a:latin typeface="Google Sans"/>
+              </a:rPr>
+              <a:t>Experiment Scenario</a:t>
+            </a:r>
+            <a:endParaRPr lang="zh-TW" altLang="en-US" dirty="0">
+              <a:latin typeface="Google Sans"/>
+            </a:endParaRPr>
+          </a:p>
+        </p:txBody>
+      </p:sp>
+      <p:sp>
+        <p:nvSpPr>
+          <p:cNvPr id="3" name="內容版面配置區 2">
+            <a:extLst>
+              <a:ext uri="{FF2B5EF4-FFF2-40B4-BE49-F238E27FC236}">
+                <a16:creationId xmlns:a16="http://schemas.microsoft.com/office/drawing/2014/main" id="{B5E047D3-4CC3-4B6E-B3F1-AE5EB1D5B3C8}"/>
+              </a:ext>
+            </a:extLst>
+          </p:cNvPr>
+          <p:cNvSpPr>
+            <a:spLocks noGrp="1"/>
+          </p:cNvSpPr>
+          <p:nvPr>
+            <p:ph idx="1"/>
+          </p:nvPr>
+        </p:nvSpPr>
+        <p:spPr/>
+        <p:txBody>
+          <a:bodyPr/>
+          <a:lstStyle/>
+          <a:p>
+            <a:pPr marL="514350" indent="-514350">
+              <a:buFont typeface="+mj-lt"/>
+              <a:buAutoNum type="arabicPeriod"/>
+            </a:pPr>
+            <a:r>
+              <a:rPr lang="en-US" altLang="zh-TW" dirty="0"/>
+              <a:t>Sufficient bandwidth</a:t>
+            </a:r>
+          </a:p>
+          <a:p>
+            <a:pPr marL="514350" indent="-514350">
+              <a:buFont typeface="+mj-lt"/>
+              <a:buAutoNum type="arabicPeriod"/>
+            </a:pPr>
+            <a:r>
+              <a:rPr lang="en-US" altLang="zh-TW" dirty="0"/>
+              <a:t>Single slower sender</a:t>
+            </a:r>
+          </a:p>
+          <a:p>
+            <a:pPr marL="514350" indent="-514350">
+              <a:buFont typeface="+mj-lt"/>
+              <a:buAutoNum type="arabicPeriod"/>
+            </a:pPr>
+            <a:r>
+              <a:rPr lang="en-US" altLang="zh-TW" dirty="0"/>
+              <a:t>Slower receiver</a:t>
+            </a:r>
+          </a:p>
+          <a:p>
+            <a:pPr marL="514350" indent="-514350">
+              <a:buFont typeface="+mj-lt"/>
+              <a:buAutoNum type="arabicPeriod"/>
+            </a:pPr>
+            <a:r>
+              <a:rPr lang="en-US" altLang="zh-TW" dirty="0"/>
+              <a:t>All different bandwidth</a:t>
+            </a:r>
+          </a:p>
+          <a:p>
+            <a:pPr marL="514350" indent="-514350">
+              <a:buFont typeface="+mj-lt"/>
+              <a:buAutoNum type="arabicPeriod"/>
+            </a:pPr>
+            <a:endParaRPr lang="zh-TW" altLang="en-US" dirty="0"/>
+          </a:p>
+        </p:txBody>
+      </p:sp>
+    </p:spTree>
+    <p:extLst>
+      <p:ext uri="{BB962C8B-B14F-4D97-AF65-F5344CB8AC3E}">
+        <p14:creationId xmlns:p14="http://schemas.microsoft.com/office/powerpoint/2010/main" val="3352320533"/>
+      </p:ext>
+    </p:extLst>
+  </p:cSld>
+  <p:clrMapOvr>
+    <a:masterClrMapping/>
+  </p:clrMapOvr>
+</p:sld>
+</file>
+
+<file path=ppt/slides/slide15.xml><?xml version="1.0" encoding="utf-8"?>
+<p:sld xmlns:a="http://schemas.openxmlformats.org/drawingml/2006/main" xmlns:r="http://schemas.openxmlformats.org/officeDocument/2006/relationships" xmlns:p="http://schemas.openxmlformats.org/presentationml/2006/main">
+  <p:cSld>
+    <p:spTree>
+      <p:nvGrpSpPr>
+        <p:cNvPr id="1" name=""/>
+        <p:cNvGrpSpPr/>
+        <p:nvPr/>
+      </p:nvGrpSpPr>
+      <p:grpSpPr>
+        <a:xfrm>
+          <a:off x="0" y="0"/>
+          <a:ext cx="0" cy="0"/>
+          <a:chOff x="0" y="0"/>
+          <a:chExt cx="0" cy="0"/>
+        </a:xfrm>
+      </p:grpSpPr>
+      <p:sp>
+        <p:nvSpPr>
+          <p:cNvPr id="2" name="標題 1">
+            <a:extLst>
+              <a:ext uri="{FF2B5EF4-FFF2-40B4-BE49-F238E27FC236}">
+                <a16:creationId xmlns:a16="http://schemas.microsoft.com/office/drawing/2014/main" id="{F67EBF84-B12F-4F97-958D-BE7E4469A8D5}"/>
+              </a:ext>
+            </a:extLst>
+          </p:cNvPr>
+          <p:cNvSpPr>
+            <a:spLocks noGrp="1"/>
+          </p:cNvSpPr>
+          <p:nvPr>
+            <p:ph type="title"/>
+          </p:nvPr>
+        </p:nvSpPr>
+        <p:spPr/>
+        <p:txBody>
+          <a:bodyPr/>
+          <a:lstStyle/>
+          <a:p>
+            <a:r>
+              <a:rPr lang="en-US" altLang="zh-TW" dirty="0">
+                <a:latin typeface="Google Sans"/>
+              </a:rPr>
+              <a:t>Scenario 1: Sufficient Bandwidth</a:t>
+            </a:r>
+            <a:endParaRPr lang="zh-TW" altLang="en-US" dirty="0">
+              <a:latin typeface="Google Sans"/>
+            </a:endParaRPr>
+          </a:p>
+        </p:txBody>
+      </p:sp>
+      <p:pic>
+        <p:nvPicPr>
+          <p:cNvPr id="9" name="內容版面配置區 8">
+            <a:extLst>
+              <a:ext uri="{FF2B5EF4-FFF2-40B4-BE49-F238E27FC236}">
+                <a16:creationId xmlns:a16="http://schemas.microsoft.com/office/drawing/2014/main" id="{DB9F3DE5-E041-4272-9300-2FDC3F4A9CB2}"/>
+              </a:ext>
+            </a:extLst>
+          </p:cNvPr>
+          <p:cNvPicPr>
+            <a:picLocks noGrp="1" noChangeAspect="1"/>
+          </p:cNvPicPr>
+          <p:nvPr>
+            <p:ph idx="1"/>
+          </p:nvPr>
+        </p:nvPicPr>
+        <p:blipFill>
+          <a:blip r:embed="rId2">
+            <a:extLst>
+              <a:ext uri="{28A0092B-C50C-407E-A947-70E740481C1C}">
+                <a14:useLocalDpi xmlns:a14="http://schemas.microsoft.com/office/drawing/2010/main" val="0"/>
+              </a:ext>
+            </a:extLst>
+          </a:blip>
+          <a:stretch>
+            <a:fillRect/>
+          </a:stretch>
+        </p:blipFill>
+        <p:spPr>
+          <a:xfrm>
+            <a:off x="2832497" y="1825625"/>
+            <a:ext cx="6527006" cy="4351338"/>
+          </a:xfrm>
+        </p:spPr>
+      </p:pic>
+      <p:sp>
+        <p:nvSpPr>
+          <p:cNvPr id="10" name="文字方塊 9">
+            <a:extLst>
+              <a:ext uri="{FF2B5EF4-FFF2-40B4-BE49-F238E27FC236}">
+                <a16:creationId xmlns:a16="http://schemas.microsoft.com/office/drawing/2014/main" id="{D05EACDE-D481-4085-8142-6A860BDC971B}"/>
+              </a:ext>
+            </a:extLst>
+          </p:cNvPr>
+          <p:cNvSpPr txBox="1"/>
+          <p:nvPr/>
+        </p:nvSpPr>
+        <p:spPr>
+          <a:xfrm>
+            <a:off x="2029522" y="5285678"/>
+            <a:ext cx="2509024" cy="369332"/>
+          </a:xfrm>
+          <a:prstGeom prst="rect">
+            <a:avLst/>
+          </a:prstGeom>
+          <a:noFill/>
+        </p:spPr>
+        <p:txBody>
+          <a:bodyPr wrap="square" rtlCol="0">
+            <a:spAutoFit/>
+          </a:bodyPr>
+          <a:lstStyle/>
+          <a:p>
+            <a:r>
+              <a:rPr lang="en-US" altLang="zh-TW" dirty="0"/>
+              <a:t>All 1.0</a:t>
+            </a:r>
+            <a:endParaRPr lang="zh-TW" altLang="en-US" dirty="0"/>
+          </a:p>
+        </p:txBody>
+      </p:sp>
+    </p:spTree>
+    <p:extLst>
+      <p:ext uri="{BB962C8B-B14F-4D97-AF65-F5344CB8AC3E}">
+        <p14:creationId xmlns:p14="http://schemas.microsoft.com/office/powerpoint/2010/main" val="428910389"/>
+      </p:ext>
+    </p:extLst>
+  </p:cSld>
+  <p:clrMapOvr>
+    <a:masterClrMapping/>
+  </p:clrMapOvr>
+</p:sld>
+</file>
+
+<file path=ppt/slides/slide16.xml><?xml version="1.0" encoding="utf-8"?>
+<p:sld xmlns:a="http://schemas.openxmlformats.org/drawingml/2006/main" xmlns:r="http://schemas.openxmlformats.org/officeDocument/2006/relationships" xmlns:p="http://schemas.openxmlformats.org/presentationml/2006/main">
+  <p:cSld>
+    <p:spTree>
+      <p:nvGrpSpPr>
+        <p:cNvPr id="1" name=""/>
+        <p:cNvGrpSpPr/>
+        <p:nvPr/>
+      </p:nvGrpSpPr>
+      <p:grpSpPr>
+        <a:xfrm>
+          <a:off x="0" y="0"/>
+          <a:ext cx="0" cy="0"/>
+          <a:chOff x="0" y="0"/>
+          <a:chExt cx="0" cy="0"/>
+        </a:xfrm>
+      </p:grpSpPr>
+      <p:sp>
+        <p:nvSpPr>
+          <p:cNvPr id="2" name="標題 1">
+            <a:extLst>
+              <a:ext uri="{FF2B5EF4-FFF2-40B4-BE49-F238E27FC236}">
+                <a16:creationId xmlns:a16="http://schemas.microsoft.com/office/drawing/2014/main" id="{0E512F71-F6C6-413E-988A-5E18E843A241}"/>
+              </a:ext>
+            </a:extLst>
+          </p:cNvPr>
+          <p:cNvSpPr>
+            <a:spLocks noGrp="1"/>
+          </p:cNvSpPr>
+          <p:nvPr>
+            <p:ph type="title"/>
+          </p:nvPr>
+        </p:nvSpPr>
+        <p:spPr/>
+        <p:txBody>
+          <a:bodyPr/>
+          <a:lstStyle/>
+          <a:p>
+            <a:r>
+              <a:rPr lang="en-US" altLang="zh-TW" dirty="0">
+                <a:latin typeface="Google Sans"/>
+              </a:rPr>
+              <a:t>Scenario 2: Single Slower Sender</a:t>
+            </a:r>
+            <a:endParaRPr lang="zh-TW" altLang="en-US" dirty="0">
+              <a:latin typeface="Google Sans"/>
+            </a:endParaRPr>
+          </a:p>
+        </p:txBody>
+      </p:sp>
+      <p:pic>
+        <p:nvPicPr>
+          <p:cNvPr id="5" name="內容版面配置區 4">
+            <a:extLst>
+              <a:ext uri="{FF2B5EF4-FFF2-40B4-BE49-F238E27FC236}">
+                <a16:creationId xmlns:a16="http://schemas.microsoft.com/office/drawing/2014/main" id="{84FEA45D-05A1-4226-BC38-515C11419D7D}"/>
+              </a:ext>
+            </a:extLst>
+          </p:cNvPr>
+          <p:cNvPicPr>
+            <a:picLocks noGrp="1" noChangeAspect="1"/>
+          </p:cNvPicPr>
+          <p:nvPr>
+            <p:ph idx="1"/>
+          </p:nvPr>
+        </p:nvPicPr>
+        <p:blipFill>
+          <a:blip r:embed="rId2">
+            <a:extLst>
+              <a:ext uri="{28A0092B-C50C-407E-A947-70E740481C1C}">
+                <a14:useLocalDpi xmlns:a14="http://schemas.microsoft.com/office/drawing/2010/main" val="0"/>
+              </a:ext>
+            </a:extLst>
+          </a:blip>
+          <a:stretch>
+            <a:fillRect/>
+          </a:stretch>
+        </p:blipFill>
+        <p:spPr>
+          <a:xfrm>
+            <a:off x="2832497" y="1825625"/>
+            <a:ext cx="6527006" cy="4351338"/>
+          </a:xfrm>
+        </p:spPr>
+      </p:pic>
+      <p:sp>
+        <p:nvSpPr>
+          <p:cNvPr id="6" name="文字方塊 5">
+            <a:extLst>
+              <a:ext uri="{FF2B5EF4-FFF2-40B4-BE49-F238E27FC236}">
+                <a16:creationId xmlns:a16="http://schemas.microsoft.com/office/drawing/2014/main" id="{586F4D70-C441-4C0C-90FE-D00B30856656}"/>
+              </a:ext>
+            </a:extLst>
+          </p:cNvPr>
+          <p:cNvSpPr txBox="1"/>
+          <p:nvPr/>
+        </p:nvSpPr>
+        <p:spPr>
+          <a:xfrm>
+            <a:off x="1667195" y="4404731"/>
+            <a:ext cx="2509024" cy="1200329"/>
+          </a:xfrm>
+          <a:prstGeom prst="rect">
+            <a:avLst/>
+          </a:prstGeom>
+          <a:noFill/>
+        </p:spPr>
+        <p:txBody>
+          <a:bodyPr wrap="square" rtlCol="0">
+            <a:spAutoFit/>
+          </a:bodyPr>
+          <a:lstStyle/>
+          <a:p>
+            <a:r>
+              <a:rPr lang="en-US" altLang="zh-TW" dirty="0"/>
+              <a:t>H1:0.2</a:t>
+            </a:r>
+          </a:p>
+          <a:p>
+            <a:r>
+              <a:rPr lang="en-US" altLang="zh-TW" dirty="0"/>
+              <a:t>H2:0.4</a:t>
+            </a:r>
+          </a:p>
+          <a:p>
+            <a:r>
+              <a:rPr lang="en-US" altLang="zh-TW" dirty="0"/>
+              <a:t>H3:0.6</a:t>
+            </a:r>
+          </a:p>
+          <a:p>
+            <a:r>
+              <a:rPr lang="en-US" altLang="zh-TW" dirty="0"/>
+              <a:t>H4:0.8</a:t>
+            </a:r>
+            <a:endParaRPr lang="zh-TW" altLang="en-US" dirty="0"/>
+          </a:p>
+        </p:txBody>
+      </p:sp>
+    </p:spTree>
+    <p:extLst>
+      <p:ext uri="{BB962C8B-B14F-4D97-AF65-F5344CB8AC3E}">
+        <p14:creationId xmlns:p14="http://schemas.microsoft.com/office/powerpoint/2010/main" val="1879629016"/>
+      </p:ext>
+    </p:extLst>
+  </p:cSld>
+  <p:clrMapOvr>
+    <a:masterClrMapping/>
+  </p:clrMapOvr>
+</p:sld>
+</file>
+
+<file path=ppt/slides/slide17.xml><?xml version="1.0" encoding="utf-8"?>
+<p:sld xmlns:a="http://schemas.openxmlformats.org/drawingml/2006/main" xmlns:r="http://schemas.openxmlformats.org/officeDocument/2006/relationships" xmlns:p="http://schemas.openxmlformats.org/presentationml/2006/main">
+  <p:cSld>
+    <p:spTree>
+      <p:nvGrpSpPr>
+        <p:cNvPr id="1" name=""/>
+        <p:cNvGrpSpPr/>
+        <p:nvPr/>
+      </p:nvGrpSpPr>
+      <p:grpSpPr>
+        <a:xfrm>
+          <a:off x="0" y="0"/>
+          <a:ext cx="0" cy="0"/>
+          <a:chOff x="0" y="0"/>
+          <a:chExt cx="0" cy="0"/>
+        </a:xfrm>
+      </p:grpSpPr>
+      <p:sp>
+        <p:nvSpPr>
+          <p:cNvPr id="2" name="標題 1">
+            <a:extLst>
+              <a:ext uri="{FF2B5EF4-FFF2-40B4-BE49-F238E27FC236}">
+                <a16:creationId xmlns:a16="http://schemas.microsoft.com/office/drawing/2014/main" id="{0E512F71-F6C6-413E-988A-5E18E843A241}"/>
+              </a:ext>
+            </a:extLst>
+          </p:cNvPr>
+          <p:cNvSpPr>
+            <a:spLocks noGrp="1"/>
+          </p:cNvSpPr>
+          <p:nvPr>
+            <p:ph type="title"/>
+          </p:nvPr>
+        </p:nvSpPr>
+        <p:spPr/>
+        <p:txBody>
+          <a:bodyPr/>
+          <a:lstStyle/>
+          <a:p>
+            <a:r>
+              <a:rPr lang="en-US" altLang="zh-TW" dirty="0">
+                <a:latin typeface="Google Sans"/>
+              </a:rPr>
+              <a:t>Scenario 3: Slower Receiver</a:t>
+            </a:r>
+            <a:endParaRPr lang="zh-TW" altLang="en-US" dirty="0">
+              <a:latin typeface="Google Sans"/>
+            </a:endParaRPr>
+          </a:p>
+        </p:txBody>
+      </p:sp>
+      <p:pic>
+        <p:nvPicPr>
+          <p:cNvPr id="7" name="內容版面配置區 6">
+            <a:extLst>
+              <a:ext uri="{FF2B5EF4-FFF2-40B4-BE49-F238E27FC236}">
+                <a16:creationId xmlns:a16="http://schemas.microsoft.com/office/drawing/2014/main" id="{0F24367B-108F-45E8-B03E-34030252A644}"/>
+              </a:ext>
+            </a:extLst>
+          </p:cNvPr>
+          <p:cNvPicPr>
+            <a:picLocks noGrp="1" noChangeAspect="1"/>
+          </p:cNvPicPr>
+          <p:nvPr>
+            <p:ph idx="1"/>
+          </p:nvPr>
+        </p:nvPicPr>
+        <p:blipFill>
+          <a:blip r:embed="rId2">
+            <a:extLst>
+              <a:ext uri="{28A0092B-C50C-407E-A947-70E740481C1C}">
+                <a14:useLocalDpi xmlns:a14="http://schemas.microsoft.com/office/drawing/2010/main" val="0"/>
+              </a:ext>
+            </a:extLst>
+          </a:blip>
+          <a:stretch>
+            <a:fillRect/>
+          </a:stretch>
+        </p:blipFill>
+        <p:spPr>
+          <a:xfrm>
+            <a:off x="2832497" y="1825625"/>
+            <a:ext cx="6527006" cy="4351338"/>
+          </a:xfrm>
+        </p:spPr>
+      </p:pic>
+    </p:spTree>
+    <p:extLst>
+      <p:ext uri="{BB962C8B-B14F-4D97-AF65-F5344CB8AC3E}">
+        <p14:creationId xmlns:p14="http://schemas.microsoft.com/office/powerpoint/2010/main" val="4105658486"/>
+      </p:ext>
+    </p:extLst>
+  </p:cSld>
+  <p:clrMapOvr>
+    <a:masterClrMapping/>
+  </p:clrMapOvr>
+</p:sld>
+</file>
+
 <file path=ppt/slides/slide18.xml><?xml version="1.0" encoding="utf-8"?>
 <p:sld xmlns:a="http://schemas.openxmlformats.org/drawingml/2006/main" xmlns:r="http://schemas.openxmlformats.org/officeDocument/2006/relationships" xmlns:p="http://schemas.openxmlformats.org/presentationml/2006/main">
   <p:cSld>
@@ -7542,7 +7516,7 @@
           <p:cNvPr id="2" name="標題 1">
             <a:extLst>
               <a:ext uri="{FF2B5EF4-FFF2-40B4-BE49-F238E27FC236}">
-                <a16:creationId xmlns:a16="http://schemas.microsoft.com/office/drawing/2014/main" id="{3CC3439C-38CA-40B7-857E-BB9EB96DC747}"/>
+                <a16:creationId xmlns:a16="http://schemas.microsoft.com/office/drawing/2014/main" id="{AEDEB3DD-3B83-46A2-A438-2639F6329247}"/>
               </a:ext>
             </a:extLst>
           </p:cNvPr>
@@ -7562,7 +7536,7 @@
               <a:rPr lang="en-US" altLang="zh-TW" dirty="0">
                 <a:latin typeface="Google Sans"/>
               </a:rPr>
-              <a:t>Experiment Scenario</a:t>
+              <a:t>Scenario 4: All different bandwidth</a:t>
             </a:r>
             <a:endParaRPr lang="zh-TW" altLang="en-US" dirty="0">
               <a:latin typeface="Google Sans"/>
@@ -7570,61 +7544,91 @@
           </a:p>
         </p:txBody>
       </p:sp>
-      <p:sp>
-        <p:nvSpPr>
-          <p:cNvPr id="3" name="內容版面配置區 2">
-            <a:extLst>
-              <a:ext uri="{FF2B5EF4-FFF2-40B4-BE49-F238E27FC236}">
-                <a16:creationId xmlns:a16="http://schemas.microsoft.com/office/drawing/2014/main" id="{B5E047D3-4CC3-4B6E-B3F1-AE5EB1D5B3C8}"/>
-              </a:ext>
-            </a:extLst>
-          </p:cNvPr>
-          <p:cNvSpPr>
-            <a:spLocks noGrp="1"/>
-          </p:cNvSpPr>
+      <p:pic>
+        <p:nvPicPr>
+          <p:cNvPr id="9" name="內容版面配置區 8">
+            <a:extLst>
+              <a:ext uri="{FF2B5EF4-FFF2-40B4-BE49-F238E27FC236}">
+                <a16:creationId xmlns:a16="http://schemas.microsoft.com/office/drawing/2014/main" id="{EE0DEC98-A82C-4D67-8E2D-0213C28A8CED}"/>
+              </a:ext>
+            </a:extLst>
+          </p:cNvPr>
+          <p:cNvPicPr>
+            <a:picLocks noGrp="1" noChangeAspect="1"/>
+          </p:cNvPicPr>
           <p:nvPr>
             <p:ph idx="1"/>
           </p:nvPr>
-        </p:nvSpPr>
-        <p:spPr/>
-        <p:txBody>
-          <a:bodyPr/>
+        </p:nvPicPr>
+        <p:blipFill>
+          <a:blip r:embed="rId2">
+            <a:extLst>
+              <a:ext uri="{28A0092B-C50C-407E-A947-70E740481C1C}">
+                <a14:useLocalDpi xmlns:a14="http://schemas.microsoft.com/office/drawing/2010/main" val="0"/>
+              </a:ext>
+            </a:extLst>
+          </a:blip>
+          <a:stretch>
+            <a:fillRect/>
+          </a:stretch>
+        </p:blipFill>
+        <p:spPr>
+          <a:xfrm>
+            <a:off x="2832497" y="1690688"/>
+            <a:ext cx="6527006" cy="4351338"/>
+          </a:xfrm>
+        </p:spPr>
+      </p:pic>
+      <p:sp>
+        <p:nvSpPr>
+          <p:cNvPr id="10" name="文字方塊 9">
+            <a:extLst>
+              <a:ext uri="{FF2B5EF4-FFF2-40B4-BE49-F238E27FC236}">
+                <a16:creationId xmlns:a16="http://schemas.microsoft.com/office/drawing/2014/main" id="{4BEBC1D7-220E-425D-92C6-2D5F8A0B2462}"/>
+              </a:ext>
+            </a:extLst>
+          </p:cNvPr>
+          <p:cNvSpPr txBox="1"/>
+          <p:nvPr/>
+        </p:nvSpPr>
+        <p:spPr>
+          <a:xfrm>
+            <a:off x="1577985" y="4567147"/>
+            <a:ext cx="2509024" cy="1200329"/>
+          </a:xfrm>
+          <a:prstGeom prst="rect">
+            <a:avLst/>
+          </a:prstGeom>
+          <a:noFill/>
+        </p:spPr>
+        <p:txBody>
+          <a:bodyPr wrap="square" rtlCol="0">
+            <a:spAutoFit/>
+          </a:bodyPr>
           <a:lstStyle/>
           <a:p>
-            <a:pPr marL="514350" indent="-514350">
-              <a:buFont typeface="+mj-lt"/>
-              <a:buAutoNum type="arabicPeriod"/>
-            </a:pPr>
             <a:r>
               <a:rPr lang="en-US" altLang="zh-TW" dirty="0"/>
-              <a:t>Sufficient bandwidth</a:t>
-            </a:r>
-          </a:p>
-          <a:p>
-            <a:pPr marL="514350" indent="-514350">
-              <a:buFont typeface="+mj-lt"/>
-              <a:buAutoNum type="arabicPeriod"/>
-            </a:pPr>
+              <a:t>H1:0.2</a:t>
+            </a:r>
+          </a:p>
+          <a:p>
             <a:r>
               <a:rPr lang="en-US" altLang="zh-TW" dirty="0"/>
-              <a:t>Single slower sender</a:t>
-            </a:r>
-          </a:p>
-          <a:p>
-            <a:pPr marL="514350" indent="-514350">
-              <a:buFont typeface="+mj-lt"/>
-              <a:buAutoNum type="arabicPeriod"/>
-            </a:pPr>
+              <a:t>H2:0.4</a:t>
+            </a:r>
+          </a:p>
+          <a:p>
             <a:r>
               <a:rPr lang="en-US" altLang="zh-TW" dirty="0"/>
-              <a:t>Slower receiver</a:t>
-            </a:r>
-          </a:p>
-          <a:p>
-            <a:pPr marL="514350" indent="-514350">
-              <a:buFont typeface="+mj-lt"/>
-              <a:buAutoNum type="arabicPeriod"/>
-            </a:pPr>
+              <a:t>H3:0.6</a:t>
+            </a:r>
+          </a:p>
+          <a:p>
+            <a:r>
+              <a:rPr lang="en-US" altLang="zh-TW" dirty="0"/>
+              <a:t>H4:0.8</a:t>
+            </a:r>
             <a:endParaRPr lang="zh-TW" altLang="en-US" dirty="0"/>
           </a:p>
         </p:txBody>
@@ -7632,7 +7636,7 @@
     </p:spTree>
     <p:extLst>
       <p:ext uri="{BB962C8B-B14F-4D97-AF65-F5344CB8AC3E}">
-        <p14:creationId xmlns:p14="http://schemas.microsoft.com/office/powerpoint/2010/main" val="3352320533"/>
+        <p14:creationId xmlns:p14="http://schemas.microsoft.com/office/powerpoint/2010/main" val="969055277"/>
       </p:ext>
     </p:extLst>
   </p:cSld>
@@ -7661,10 +7665,10 @@
       </p:grpSpPr>
       <p:sp>
         <p:nvSpPr>
-          <p:cNvPr id="2" name="標題 1">
-            <a:extLst>
-              <a:ext uri="{FF2B5EF4-FFF2-40B4-BE49-F238E27FC236}">
-                <a16:creationId xmlns:a16="http://schemas.microsoft.com/office/drawing/2014/main" id="{F67EBF84-B12F-4F97-958D-BE7E4469A8D5}"/>
+          <p:cNvPr id="5" name="標題 4">
+            <a:extLst>
+              <a:ext uri="{FF2B5EF4-FFF2-40B4-BE49-F238E27FC236}">
+                <a16:creationId xmlns:a16="http://schemas.microsoft.com/office/drawing/2014/main" id="{FADCB4AC-6EDB-44BB-8E76-6BB09C4E480C}"/>
               </a:ext>
             </a:extLst>
           </p:cNvPr>
@@ -7672,7 +7676,7 @@
             <a:spLocks noGrp="1"/>
           </p:cNvSpPr>
           <p:nvPr>
-            <p:ph type="title"/>
+            <p:ph type="ctrTitle"/>
           </p:nvPr>
         </p:nvSpPr>
         <p:spPr/>
@@ -7680,11 +7684,16 @@
           <a:bodyPr/>
           <a:lstStyle/>
           <a:p>
-            <a:r>
-              <a:rPr lang="en-US" altLang="zh-TW" dirty="0">
+            <a:pPr algn="ctr"/>
+            <a:r>
+              <a:rPr lang="en-US" altLang="zh-TW" b="0" i="0" dirty="0">
+                <a:solidFill>
+                  <a:srgbClr val="000000"/>
+                </a:solidFill>
+                <a:effectLst/>
                 <a:latin typeface="Google Sans"/>
               </a:rPr>
-              <a:t>Scenario 1: Sufficient Bandwidth</a:t>
+              <a:t>Thank you for listening.</a:t>
             </a:r>
             <a:endParaRPr lang="zh-TW" altLang="en-US" dirty="0">
               <a:latin typeface="Google Sans"/>
@@ -7694,10 +7703,10 @@
       </p:sp>
       <p:sp>
         <p:nvSpPr>
-          <p:cNvPr id="3" name="內容版面配置區 2">
-            <a:extLst>
-              <a:ext uri="{FF2B5EF4-FFF2-40B4-BE49-F238E27FC236}">
-                <a16:creationId xmlns:a16="http://schemas.microsoft.com/office/drawing/2014/main" id="{7E3B13E0-E3CA-4E6D-A351-E45A57B3A1C5}"/>
+          <p:cNvPr id="7" name="副標題 6">
+            <a:extLst>
+              <a:ext uri="{FF2B5EF4-FFF2-40B4-BE49-F238E27FC236}">
+                <a16:creationId xmlns:a16="http://schemas.microsoft.com/office/drawing/2014/main" id="{E283527A-F5E1-4DDD-B7AA-1D438373EDC3}"/>
               </a:ext>
             </a:extLst>
           </p:cNvPr>
@@ -7705,22 +7714,32 @@
             <a:spLocks noGrp="1"/>
           </p:cNvSpPr>
           <p:nvPr>
-            <p:ph idx="1"/>
+            <p:ph type="subTitle" idx="1"/>
           </p:nvPr>
         </p:nvSpPr>
         <p:spPr/>
         <p:txBody>
-          <a:bodyPr/>
+          <a:bodyPr>
+            <a:normAutofit/>
+          </a:bodyPr>
           <a:lstStyle/>
           <a:p>
-            <a:endParaRPr lang="zh-TW" altLang="en-US" dirty="0"/>
+            <a:r>
+              <a:rPr lang="en-US" altLang="zh-TW" sz="4400" dirty="0">
+                <a:latin typeface="Google Sans"/>
+              </a:rPr>
+              <a:t>QA time</a:t>
+            </a:r>
+            <a:endParaRPr lang="zh-TW" altLang="en-US" sz="4400" dirty="0">
+              <a:latin typeface="Google Sans"/>
+            </a:endParaRPr>
           </a:p>
         </p:txBody>
       </p:sp>
     </p:spTree>
     <p:extLst>
       <p:ext uri="{BB962C8B-B14F-4D97-AF65-F5344CB8AC3E}">
-        <p14:creationId xmlns:p14="http://schemas.microsoft.com/office/powerpoint/2010/main" val="428910389"/>
+        <p14:creationId xmlns:p14="http://schemas.microsoft.com/office/powerpoint/2010/main" val="144611234"/>
       </p:ext>
     </p:extLst>
   </p:cSld>
@@ -8400,182 +8419,6 @@
     <p:extLst>
       <p:ext uri="{BB962C8B-B14F-4D97-AF65-F5344CB8AC3E}">
         <p14:creationId xmlns:p14="http://schemas.microsoft.com/office/powerpoint/2010/main" val="2263895188"/>
-      </p:ext>
-    </p:extLst>
-  </p:cSld>
-  <p:clrMapOvr>
-    <a:masterClrMapping/>
-  </p:clrMapOvr>
-</p:sld>
-</file>
-
-<file path=ppt/slides/slide20.xml><?xml version="1.0" encoding="utf-8"?>
-<p:sld xmlns:a="http://schemas.openxmlformats.org/drawingml/2006/main" xmlns:r="http://schemas.openxmlformats.org/officeDocument/2006/relationships" xmlns:p="http://schemas.openxmlformats.org/presentationml/2006/main">
-  <p:cSld>
-    <p:spTree>
-      <p:nvGrpSpPr>
-        <p:cNvPr id="1" name=""/>
-        <p:cNvGrpSpPr/>
-        <p:nvPr/>
-      </p:nvGrpSpPr>
-      <p:grpSpPr>
-        <a:xfrm>
-          <a:off x="0" y="0"/>
-          <a:ext cx="0" cy="0"/>
-          <a:chOff x="0" y="0"/>
-          <a:chExt cx="0" cy="0"/>
-        </a:xfrm>
-      </p:grpSpPr>
-      <p:sp>
-        <p:nvSpPr>
-          <p:cNvPr id="2" name="標題 1">
-            <a:extLst>
-              <a:ext uri="{FF2B5EF4-FFF2-40B4-BE49-F238E27FC236}">
-                <a16:creationId xmlns:a16="http://schemas.microsoft.com/office/drawing/2014/main" id="{0E512F71-F6C6-413E-988A-5E18E843A241}"/>
-              </a:ext>
-            </a:extLst>
-          </p:cNvPr>
-          <p:cNvSpPr>
-            <a:spLocks noGrp="1"/>
-          </p:cNvSpPr>
-          <p:nvPr>
-            <p:ph type="title"/>
-          </p:nvPr>
-        </p:nvSpPr>
-        <p:spPr/>
-        <p:txBody>
-          <a:bodyPr/>
-          <a:lstStyle/>
-          <a:p>
-            <a:r>
-              <a:rPr lang="en-US" altLang="zh-TW" dirty="0">
-                <a:latin typeface="Google Sans"/>
-              </a:rPr>
-              <a:t>Scenario 2: Single Slower Sender</a:t>
-            </a:r>
-            <a:endParaRPr lang="zh-TW" altLang="en-US" dirty="0">
-              <a:latin typeface="Google Sans"/>
-            </a:endParaRPr>
-          </a:p>
-        </p:txBody>
-      </p:sp>
-      <p:sp>
-        <p:nvSpPr>
-          <p:cNvPr id="3" name="內容版面配置區 2">
-            <a:extLst>
-              <a:ext uri="{FF2B5EF4-FFF2-40B4-BE49-F238E27FC236}">
-                <a16:creationId xmlns:a16="http://schemas.microsoft.com/office/drawing/2014/main" id="{E6ECFE60-48F7-4583-AC69-36F4CCC899A6}"/>
-              </a:ext>
-            </a:extLst>
-          </p:cNvPr>
-          <p:cNvSpPr>
-            <a:spLocks noGrp="1"/>
-          </p:cNvSpPr>
-          <p:nvPr>
-            <p:ph idx="1"/>
-          </p:nvPr>
-        </p:nvSpPr>
-        <p:spPr/>
-        <p:txBody>
-          <a:bodyPr/>
-          <a:lstStyle/>
-          <a:p>
-            <a:endParaRPr lang="zh-TW" altLang="en-US" dirty="0"/>
-          </a:p>
-        </p:txBody>
-      </p:sp>
-    </p:spTree>
-    <p:extLst>
-      <p:ext uri="{BB962C8B-B14F-4D97-AF65-F5344CB8AC3E}">
-        <p14:creationId xmlns:p14="http://schemas.microsoft.com/office/powerpoint/2010/main" val="1879629016"/>
-      </p:ext>
-    </p:extLst>
-  </p:cSld>
-  <p:clrMapOvr>
-    <a:masterClrMapping/>
-  </p:clrMapOvr>
-</p:sld>
-</file>
-
-<file path=ppt/slides/slide21.xml><?xml version="1.0" encoding="utf-8"?>
-<p:sld xmlns:a="http://schemas.openxmlformats.org/drawingml/2006/main" xmlns:r="http://schemas.openxmlformats.org/officeDocument/2006/relationships" xmlns:p="http://schemas.openxmlformats.org/presentationml/2006/main">
-  <p:cSld>
-    <p:spTree>
-      <p:nvGrpSpPr>
-        <p:cNvPr id="1" name=""/>
-        <p:cNvGrpSpPr/>
-        <p:nvPr/>
-      </p:nvGrpSpPr>
-      <p:grpSpPr>
-        <a:xfrm>
-          <a:off x="0" y="0"/>
-          <a:ext cx="0" cy="0"/>
-          <a:chOff x="0" y="0"/>
-          <a:chExt cx="0" cy="0"/>
-        </a:xfrm>
-      </p:grpSpPr>
-      <p:sp>
-        <p:nvSpPr>
-          <p:cNvPr id="2" name="標題 1">
-            <a:extLst>
-              <a:ext uri="{FF2B5EF4-FFF2-40B4-BE49-F238E27FC236}">
-                <a16:creationId xmlns:a16="http://schemas.microsoft.com/office/drawing/2014/main" id="{0E512F71-F6C6-413E-988A-5E18E843A241}"/>
-              </a:ext>
-            </a:extLst>
-          </p:cNvPr>
-          <p:cNvSpPr>
-            <a:spLocks noGrp="1"/>
-          </p:cNvSpPr>
-          <p:nvPr>
-            <p:ph type="title"/>
-          </p:nvPr>
-        </p:nvSpPr>
-        <p:spPr/>
-        <p:txBody>
-          <a:bodyPr/>
-          <a:lstStyle/>
-          <a:p>
-            <a:r>
-              <a:rPr lang="en-US" altLang="zh-TW" dirty="0">
-                <a:latin typeface="Google Sans"/>
-              </a:rPr>
-              <a:t>Scenario 3: Slower Receiver</a:t>
-            </a:r>
-            <a:endParaRPr lang="zh-TW" altLang="en-US" dirty="0">
-              <a:latin typeface="Google Sans"/>
-            </a:endParaRPr>
-          </a:p>
-        </p:txBody>
-      </p:sp>
-      <p:sp>
-        <p:nvSpPr>
-          <p:cNvPr id="3" name="內容版面配置區 2">
-            <a:extLst>
-              <a:ext uri="{FF2B5EF4-FFF2-40B4-BE49-F238E27FC236}">
-                <a16:creationId xmlns:a16="http://schemas.microsoft.com/office/drawing/2014/main" id="{E6ECFE60-48F7-4583-AC69-36F4CCC899A6}"/>
-              </a:ext>
-            </a:extLst>
-          </p:cNvPr>
-          <p:cNvSpPr>
-            <a:spLocks noGrp="1"/>
-          </p:cNvSpPr>
-          <p:nvPr>
-            <p:ph idx="1"/>
-          </p:nvPr>
-        </p:nvSpPr>
-        <p:spPr/>
-        <p:txBody>
-          <a:bodyPr/>
-          <a:lstStyle/>
-          <a:p>
-            <a:endParaRPr lang="zh-TW" altLang="en-US" dirty="0"/>
-          </a:p>
-        </p:txBody>
-      </p:sp>
-    </p:spTree>
-    <p:extLst>
-      <p:ext uri="{BB962C8B-B14F-4D97-AF65-F5344CB8AC3E}">
-        <p14:creationId xmlns:p14="http://schemas.microsoft.com/office/powerpoint/2010/main" val="4105658486"/>
       </p:ext>
     </p:extLst>
   </p:cSld>
@@ -8911,642 +8754,6 @@
 </file>
 
 <file path=ppt/slides/slide5.xml><?xml version="1.0" encoding="utf-8"?>
-<p:sld xmlns:a="http://schemas.openxmlformats.org/drawingml/2006/main" xmlns:r="http://schemas.openxmlformats.org/officeDocument/2006/relationships" xmlns:p="http://schemas.openxmlformats.org/presentationml/2006/main" show="0">
-  <p:cSld>
-    <p:spTree>
-      <p:nvGrpSpPr>
-        <p:cNvPr id="1" name=""/>
-        <p:cNvGrpSpPr/>
-        <p:nvPr/>
-      </p:nvGrpSpPr>
-      <p:grpSpPr>
-        <a:xfrm>
-          <a:off x="0" y="0"/>
-          <a:ext cx="0" cy="0"/>
-          <a:chOff x="0" y="0"/>
-          <a:chExt cx="0" cy="0"/>
-        </a:xfrm>
-      </p:grpSpPr>
-      <p:sp>
-        <p:nvSpPr>
-          <p:cNvPr id="2" name="標題 1">
-            <a:extLst>
-              <a:ext uri="{FF2B5EF4-FFF2-40B4-BE49-F238E27FC236}">
-                <a16:creationId xmlns:a16="http://schemas.microsoft.com/office/drawing/2014/main" id="{15120B78-786C-480C-8EE7-EF33BC677B4E}"/>
-              </a:ext>
-            </a:extLst>
-          </p:cNvPr>
-          <p:cNvSpPr>
-            <a:spLocks noGrp="1"/>
-          </p:cNvSpPr>
-          <p:nvPr>
-            <p:ph type="title"/>
-          </p:nvPr>
-        </p:nvSpPr>
-        <p:spPr/>
-        <p:txBody>
-          <a:bodyPr/>
-          <a:lstStyle/>
-          <a:p>
-            <a:r>
-              <a:rPr lang="en-US" altLang="zh-TW" dirty="0">
-                <a:latin typeface="Google Sans"/>
-              </a:rPr>
-              <a:t>In-Network Aggregation </a:t>
-            </a:r>
-            <a:endParaRPr lang="zh-TW" altLang="en-US" dirty="0">
-              <a:latin typeface="Google Sans"/>
-            </a:endParaRPr>
-          </a:p>
-        </p:txBody>
-      </p:sp>
-      <p:sp>
-        <p:nvSpPr>
-          <p:cNvPr id="3" name="內容版面配置區 2">
-            <a:extLst>
-              <a:ext uri="{FF2B5EF4-FFF2-40B4-BE49-F238E27FC236}">
-                <a16:creationId xmlns:a16="http://schemas.microsoft.com/office/drawing/2014/main" id="{A2643EEB-1450-4E51-A4FD-09EB9A57E0F8}"/>
-              </a:ext>
-            </a:extLst>
-          </p:cNvPr>
-          <p:cNvSpPr>
-            <a:spLocks noGrp="1"/>
-          </p:cNvSpPr>
-          <p:nvPr>
-            <p:ph idx="1"/>
-          </p:nvPr>
-        </p:nvSpPr>
-        <p:spPr/>
-        <p:txBody>
-          <a:bodyPr/>
-          <a:lstStyle/>
-          <a:p>
-            <a:r>
-              <a:rPr lang="en-US" altLang="zh-TW" dirty="0"/>
-              <a:t>Doing aggregation in Network</a:t>
-            </a:r>
-          </a:p>
-          <a:p>
-            <a:r>
-              <a:rPr lang="en-US" altLang="zh-TW" dirty="0"/>
-              <a:t>Not in terminal host</a:t>
-            </a:r>
-            <a:endParaRPr lang="zh-TW" altLang="en-US" dirty="0"/>
-          </a:p>
-        </p:txBody>
-      </p:sp>
-    </p:spTree>
-    <p:extLst>
-      <p:ext uri="{BB962C8B-B14F-4D97-AF65-F5344CB8AC3E}">
-        <p14:creationId xmlns:p14="http://schemas.microsoft.com/office/powerpoint/2010/main" val="2004151238"/>
-      </p:ext>
-    </p:extLst>
-  </p:cSld>
-  <p:clrMapOvr>
-    <a:masterClrMapping/>
-  </p:clrMapOvr>
-</p:sld>
-</file>
-
-<file path=ppt/slides/slide6.xml><?xml version="1.0" encoding="utf-8"?>
-<p:sld xmlns:a="http://schemas.openxmlformats.org/drawingml/2006/main" xmlns:r="http://schemas.openxmlformats.org/officeDocument/2006/relationships" xmlns:p="http://schemas.openxmlformats.org/presentationml/2006/main" show="0">
-  <p:cSld>
-    <p:spTree>
-      <p:nvGrpSpPr>
-        <p:cNvPr id="1" name=""/>
-        <p:cNvGrpSpPr/>
-        <p:nvPr/>
-      </p:nvGrpSpPr>
-      <p:grpSpPr>
-        <a:xfrm>
-          <a:off x="0" y="0"/>
-          <a:ext cx="0" cy="0"/>
-          <a:chOff x="0" y="0"/>
-          <a:chExt cx="0" cy="0"/>
-        </a:xfrm>
-      </p:grpSpPr>
-      <p:sp>
-        <p:nvSpPr>
-          <p:cNvPr id="2" name="標題 1">
-            <a:extLst>
-              <a:ext uri="{FF2B5EF4-FFF2-40B4-BE49-F238E27FC236}">
-                <a16:creationId xmlns:a16="http://schemas.microsoft.com/office/drawing/2014/main" id="{EF74080F-65E0-4B12-952C-239C6391DA9D}"/>
-              </a:ext>
-            </a:extLst>
-          </p:cNvPr>
-          <p:cNvSpPr>
-            <a:spLocks noGrp="1"/>
-          </p:cNvSpPr>
-          <p:nvPr>
-            <p:ph type="title"/>
-          </p:nvPr>
-        </p:nvSpPr>
-        <p:spPr/>
-        <p:txBody>
-          <a:bodyPr/>
-          <a:lstStyle/>
-          <a:p>
-            <a:r>
-              <a:rPr lang="en-US" altLang="zh-TW" dirty="0">
-                <a:latin typeface="Google Sans"/>
-              </a:rPr>
-              <a:t>P4</a:t>
-            </a:r>
-            <a:endParaRPr lang="zh-TW" altLang="en-US" dirty="0">
-              <a:latin typeface="Google Sans"/>
-            </a:endParaRPr>
-          </a:p>
-        </p:txBody>
-      </p:sp>
-      <p:sp>
-        <p:nvSpPr>
-          <p:cNvPr id="3" name="內容版面配置區 2">
-            <a:extLst>
-              <a:ext uri="{FF2B5EF4-FFF2-40B4-BE49-F238E27FC236}">
-                <a16:creationId xmlns:a16="http://schemas.microsoft.com/office/drawing/2014/main" id="{C55BA5B3-ED94-4942-8316-BF79B406317E}"/>
-              </a:ext>
-            </a:extLst>
-          </p:cNvPr>
-          <p:cNvSpPr>
-            <a:spLocks noGrp="1"/>
-          </p:cNvSpPr>
-          <p:nvPr>
-            <p:ph idx="1"/>
-          </p:nvPr>
-        </p:nvSpPr>
-        <p:spPr/>
-        <p:txBody>
-          <a:bodyPr/>
-          <a:lstStyle/>
-          <a:p>
-            <a:r>
-              <a:rPr lang="en-US" altLang="zh-TW" dirty="0"/>
-              <a:t>Software-defined Network</a:t>
-            </a:r>
-          </a:p>
-          <a:p>
-            <a:r>
-              <a:rPr lang="en-US" altLang="zh-TW" dirty="0"/>
-              <a:t>Programmable Switch</a:t>
-            </a:r>
-            <a:endParaRPr lang="zh-TW" altLang="en-US" dirty="0"/>
-          </a:p>
-        </p:txBody>
-      </p:sp>
-    </p:spTree>
-    <p:extLst>
-      <p:ext uri="{BB962C8B-B14F-4D97-AF65-F5344CB8AC3E}">
-        <p14:creationId xmlns:p14="http://schemas.microsoft.com/office/powerpoint/2010/main" val="2215160359"/>
-      </p:ext>
-    </p:extLst>
-  </p:cSld>
-  <p:clrMapOvr>
-    <a:masterClrMapping/>
-  </p:clrMapOvr>
-</p:sld>
-</file>
-
-<file path=ppt/slides/slide7.xml><?xml version="1.0" encoding="utf-8"?>
-<p:sld xmlns:a="http://schemas.openxmlformats.org/drawingml/2006/main" xmlns:r="http://schemas.openxmlformats.org/officeDocument/2006/relationships" xmlns:p="http://schemas.openxmlformats.org/presentationml/2006/main" show="0">
-  <p:cSld>
-    <p:spTree>
-      <p:nvGrpSpPr>
-        <p:cNvPr id="1" name=""/>
-        <p:cNvGrpSpPr/>
-        <p:nvPr/>
-      </p:nvGrpSpPr>
-      <p:grpSpPr>
-        <a:xfrm>
-          <a:off x="0" y="0"/>
-          <a:ext cx="0" cy="0"/>
-          <a:chOff x="0" y="0"/>
-          <a:chExt cx="0" cy="0"/>
-        </a:xfrm>
-      </p:grpSpPr>
-      <p:sp>
-        <p:nvSpPr>
-          <p:cNvPr id="2" name="標題 1">
-            <a:extLst>
-              <a:ext uri="{FF2B5EF4-FFF2-40B4-BE49-F238E27FC236}">
-                <a16:creationId xmlns:a16="http://schemas.microsoft.com/office/drawing/2014/main" id="{E03A1F5B-D5B7-4B96-B5E3-241A91C0F5ED}"/>
-              </a:ext>
-            </a:extLst>
-          </p:cNvPr>
-          <p:cNvSpPr>
-            <a:spLocks noGrp="1"/>
-          </p:cNvSpPr>
-          <p:nvPr>
-            <p:ph type="title"/>
-          </p:nvPr>
-        </p:nvSpPr>
-        <p:spPr>
-          <a:xfrm>
-            <a:off x="838200" y="390882"/>
-            <a:ext cx="10515600" cy="1325563"/>
-          </a:xfrm>
-        </p:spPr>
-        <p:txBody>
-          <a:bodyPr/>
-          <a:lstStyle/>
-          <a:p>
-            <a:r>
-              <a:rPr lang="en-US" altLang="zh-TW" dirty="0">
-                <a:latin typeface="Google Sans"/>
-              </a:rPr>
-              <a:t>Reliability</a:t>
-            </a:r>
-            <a:endParaRPr lang="zh-TW" altLang="en-US" dirty="0">
-              <a:latin typeface="Google Sans"/>
-            </a:endParaRPr>
-          </a:p>
-        </p:txBody>
-      </p:sp>
-      <p:sp>
-        <p:nvSpPr>
-          <p:cNvPr id="4" name="內容版面配置區 2">
-            <a:extLst>
-              <a:ext uri="{FF2B5EF4-FFF2-40B4-BE49-F238E27FC236}">
-                <a16:creationId xmlns:a16="http://schemas.microsoft.com/office/drawing/2014/main" id="{A97A8AC2-D56A-430D-8185-9C88E65D8FC5}"/>
-              </a:ext>
-            </a:extLst>
-          </p:cNvPr>
-          <p:cNvSpPr txBox="1">
-            <a:spLocks/>
-          </p:cNvSpPr>
-          <p:nvPr/>
-        </p:nvSpPr>
-        <p:spPr>
-          <a:xfrm>
-            <a:off x="668383" y="1716445"/>
-            <a:ext cx="10515600" cy="4351338"/>
-          </a:xfrm>
-          <a:prstGeom prst="rect">
-            <a:avLst/>
-          </a:prstGeom>
-        </p:spPr>
-        <p:txBody>
-          <a:bodyPr vert="horz" lIns="91440" tIns="45720" rIns="91440" bIns="45720" rtlCol="0">
-            <a:normAutofit/>
-          </a:bodyPr>
-          <a:lstStyle>
-            <a:lvl1pPr marL="228600" indent="-228600" algn="l" defTabSz="914400" rtl="0" eaLnBrk="1" latinLnBrk="0" hangingPunct="1">
-              <a:lnSpc>
-                <a:spcPct val="90000"/>
-              </a:lnSpc>
-              <a:spcBef>
-                <a:spcPts val="1000"/>
-              </a:spcBef>
-              <a:buFont typeface="Arial" panose="020B0604020202020204" pitchFamily="34" charset="0"/>
-              <a:buChar char="•"/>
-              <a:defRPr sz="2800" kern="1200">
-                <a:solidFill>
-                  <a:schemeClr val="tx1"/>
-                </a:solidFill>
-                <a:latin typeface="+mn-lt"/>
-                <a:ea typeface="+mn-ea"/>
-                <a:cs typeface="+mn-cs"/>
-              </a:defRPr>
-            </a:lvl1pPr>
-            <a:lvl2pPr marL="685800" indent="-228600" algn="l" defTabSz="914400" rtl="0" eaLnBrk="1" latinLnBrk="0" hangingPunct="1">
-              <a:lnSpc>
-                <a:spcPct val="90000"/>
-              </a:lnSpc>
-              <a:spcBef>
-                <a:spcPts val="500"/>
-              </a:spcBef>
-              <a:buFont typeface="Arial" panose="020B0604020202020204" pitchFamily="34" charset="0"/>
-              <a:buChar char="•"/>
-              <a:defRPr sz="2400" kern="1200">
-                <a:solidFill>
-                  <a:schemeClr val="tx1"/>
-                </a:solidFill>
-                <a:latin typeface="+mn-lt"/>
-                <a:ea typeface="+mn-ea"/>
-                <a:cs typeface="+mn-cs"/>
-              </a:defRPr>
-            </a:lvl2pPr>
-            <a:lvl3pPr marL="1143000" indent="-228600" algn="l" defTabSz="914400" rtl="0" eaLnBrk="1" latinLnBrk="0" hangingPunct="1">
-              <a:lnSpc>
-                <a:spcPct val="90000"/>
-              </a:lnSpc>
-              <a:spcBef>
-                <a:spcPts val="500"/>
-              </a:spcBef>
-              <a:buFont typeface="Arial" panose="020B0604020202020204" pitchFamily="34" charset="0"/>
-              <a:buChar char="•"/>
-              <a:defRPr sz="2000" kern="1200">
-                <a:solidFill>
-                  <a:schemeClr val="tx1"/>
-                </a:solidFill>
-                <a:latin typeface="+mn-lt"/>
-                <a:ea typeface="+mn-ea"/>
-                <a:cs typeface="+mn-cs"/>
-              </a:defRPr>
-            </a:lvl3pPr>
-            <a:lvl4pPr marL="1600200" indent="-228600" algn="l" defTabSz="914400" rtl="0" eaLnBrk="1" latinLnBrk="0" hangingPunct="1">
-              <a:lnSpc>
-                <a:spcPct val="90000"/>
-              </a:lnSpc>
-              <a:spcBef>
-                <a:spcPts val="500"/>
-              </a:spcBef>
-              <a:buFont typeface="Arial" panose="020B0604020202020204" pitchFamily="34" charset="0"/>
-              <a:buChar char="•"/>
-              <a:defRPr sz="1800" kern="1200">
-                <a:solidFill>
-                  <a:schemeClr val="tx1"/>
-                </a:solidFill>
-                <a:latin typeface="+mn-lt"/>
-                <a:ea typeface="+mn-ea"/>
-                <a:cs typeface="+mn-cs"/>
-              </a:defRPr>
-            </a:lvl4pPr>
-            <a:lvl5pPr marL="2057400" indent="-228600" algn="l" defTabSz="914400" rtl="0" eaLnBrk="1" latinLnBrk="0" hangingPunct="1">
-              <a:lnSpc>
-                <a:spcPct val="90000"/>
-              </a:lnSpc>
-              <a:spcBef>
-                <a:spcPts val="500"/>
-              </a:spcBef>
-              <a:buFont typeface="Arial" panose="020B0604020202020204" pitchFamily="34" charset="0"/>
-              <a:buChar char="•"/>
-              <a:defRPr sz="1800" kern="1200">
-                <a:solidFill>
-                  <a:schemeClr val="tx1"/>
-                </a:solidFill>
-                <a:latin typeface="+mn-lt"/>
-                <a:ea typeface="+mn-ea"/>
-                <a:cs typeface="+mn-cs"/>
-              </a:defRPr>
-            </a:lvl5pPr>
-            <a:lvl6pPr marL="2514600" indent="-228600" algn="l" defTabSz="914400" rtl="0" eaLnBrk="1" latinLnBrk="0" hangingPunct="1">
-              <a:lnSpc>
-                <a:spcPct val="90000"/>
-              </a:lnSpc>
-              <a:spcBef>
-                <a:spcPts val="500"/>
-              </a:spcBef>
-              <a:buFont typeface="Arial" panose="020B0604020202020204" pitchFamily="34" charset="0"/>
-              <a:buChar char="•"/>
-              <a:defRPr sz="1800" kern="1200">
-                <a:solidFill>
-                  <a:schemeClr val="tx1"/>
-                </a:solidFill>
-                <a:latin typeface="+mn-lt"/>
-                <a:ea typeface="+mn-ea"/>
-                <a:cs typeface="+mn-cs"/>
-              </a:defRPr>
-            </a:lvl6pPr>
-            <a:lvl7pPr marL="2971800" indent="-228600" algn="l" defTabSz="914400" rtl="0" eaLnBrk="1" latinLnBrk="0" hangingPunct="1">
-              <a:lnSpc>
-                <a:spcPct val="90000"/>
-              </a:lnSpc>
-              <a:spcBef>
-                <a:spcPts val="500"/>
-              </a:spcBef>
-              <a:buFont typeface="Arial" panose="020B0604020202020204" pitchFamily="34" charset="0"/>
-              <a:buChar char="•"/>
-              <a:defRPr sz="1800" kern="1200">
-                <a:solidFill>
-                  <a:schemeClr val="tx1"/>
-                </a:solidFill>
-                <a:latin typeface="+mn-lt"/>
-                <a:ea typeface="+mn-ea"/>
-                <a:cs typeface="+mn-cs"/>
-              </a:defRPr>
-            </a:lvl7pPr>
-            <a:lvl8pPr marL="3429000" indent="-228600" algn="l" defTabSz="914400" rtl="0" eaLnBrk="1" latinLnBrk="0" hangingPunct="1">
-              <a:lnSpc>
-                <a:spcPct val="90000"/>
-              </a:lnSpc>
-              <a:spcBef>
-                <a:spcPts val="500"/>
-              </a:spcBef>
-              <a:buFont typeface="Arial" panose="020B0604020202020204" pitchFamily="34" charset="0"/>
-              <a:buChar char="•"/>
-              <a:defRPr sz="1800" kern="1200">
-                <a:solidFill>
-                  <a:schemeClr val="tx1"/>
-                </a:solidFill>
-                <a:latin typeface="+mn-lt"/>
-                <a:ea typeface="+mn-ea"/>
-                <a:cs typeface="+mn-cs"/>
-              </a:defRPr>
-            </a:lvl8pPr>
-            <a:lvl9pPr marL="3886200" indent="-228600" algn="l" defTabSz="914400" rtl="0" eaLnBrk="1" latinLnBrk="0" hangingPunct="1">
-              <a:lnSpc>
-                <a:spcPct val="90000"/>
-              </a:lnSpc>
-              <a:spcBef>
-                <a:spcPts val="500"/>
-              </a:spcBef>
-              <a:buFont typeface="Arial" panose="020B0604020202020204" pitchFamily="34" charset="0"/>
-              <a:buChar char="•"/>
-              <a:defRPr sz="1800" kern="1200">
-                <a:solidFill>
-                  <a:schemeClr val="tx1"/>
-                </a:solidFill>
-                <a:latin typeface="+mn-lt"/>
-                <a:ea typeface="+mn-ea"/>
-                <a:cs typeface="+mn-cs"/>
-              </a:defRPr>
-            </a:lvl9pPr>
-          </a:lstStyle>
-          <a:p>
-            <a:pPr marL="0" indent="0">
-              <a:buNone/>
-            </a:pPr>
-            <a:r>
-              <a:rPr lang="en-US" altLang="zh-TW" dirty="0"/>
-              <a:t>Base on TCP connection:</a:t>
-            </a:r>
-          </a:p>
-          <a:p>
-            <a:r>
-              <a:rPr lang="en-US" altLang="zh-TW" dirty="0"/>
-              <a:t>Sequence is ensure by TCP</a:t>
-            </a:r>
-          </a:p>
-          <a:p>
-            <a:r>
-              <a:rPr lang="en-US" altLang="zh-TW" dirty="0"/>
-              <a:t>Retransmission mechanism</a:t>
-            </a:r>
-          </a:p>
-          <a:p>
-            <a:r>
-              <a:rPr lang="en-US" altLang="zh-TW" dirty="0"/>
-              <a:t>Acknowledgement</a:t>
-            </a:r>
-          </a:p>
-          <a:p>
-            <a:endParaRPr lang="en-US" altLang="zh-TW" dirty="0"/>
-          </a:p>
-          <a:p>
-            <a:endParaRPr lang="en-US" altLang="zh-TW" dirty="0"/>
-          </a:p>
-          <a:p>
-            <a:endParaRPr lang="zh-TW" altLang="en-US" dirty="0"/>
-          </a:p>
-        </p:txBody>
-      </p:sp>
-    </p:spTree>
-    <p:extLst>
-      <p:ext uri="{BB962C8B-B14F-4D97-AF65-F5344CB8AC3E}">
-        <p14:creationId xmlns:p14="http://schemas.microsoft.com/office/powerpoint/2010/main" val="2558994599"/>
-      </p:ext>
-    </p:extLst>
-  </p:cSld>
-  <p:clrMapOvr>
-    <a:masterClrMapping/>
-  </p:clrMapOvr>
-</p:sld>
-</file>
-
-<file path=ppt/slides/slide8.xml><?xml version="1.0" encoding="utf-8"?>
-<p:sld xmlns:a="http://schemas.openxmlformats.org/drawingml/2006/main" xmlns:r="http://schemas.openxmlformats.org/officeDocument/2006/relationships" xmlns:p="http://schemas.openxmlformats.org/presentationml/2006/main" show="0">
-  <p:cSld>
-    <p:spTree>
-      <p:nvGrpSpPr>
-        <p:cNvPr id="1" name=""/>
-        <p:cNvGrpSpPr/>
-        <p:nvPr/>
-      </p:nvGrpSpPr>
-      <p:grpSpPr>
-        <a:xfrm>
-          <a:off x="0" y="0"/>
-          <a:ext cx="0" cy="0"/>
-          <a:chOff x="0" y="0"/>
-          <a:chExt cx="0" cy="0"/>
-        </a:xfrm>
-      </p:grpSpPr>
-      <p:sp>
-        <p:nvSpPr>
-          <p:cNvPr id="2" name="標題 1">
-            <a:extLst>
-              <a:ext uri="{FF2B5EF4-FFF2-40B4-BE49-F238E27FC236}">
-                <a16:creationId xmlns:a16="http://schemas.microsoft.com/office/drawing/2014/main" id="{CE194ADF-966D-497F-934D-316004118CF1}"/>
-              </a:ext>
-            </a:extLst>
-          </p:cNvPr>
-          <p:cNvSpPr>
-            <a:spLocks noGrp="1"/>
-          </p:cNvSpPr>
-          <p:nvPr>
-            <p:ph type="title"/>
-          </p:nvPr>
-        </p:nvSpPr>
-        <p:spPr/>
-        <p:txBody>
-          <a:bodyPr/>
-          <a:lstStyle/>
-          <a:p>
-            <a:r>
-              <a:rPr lang="en-US" altLang="zh-TW" dirty="0">
-                <a:latin typeface="Google Sans"/>
-              </a:rPr>
-              <a:t>Environment</a:t>
-            </a:r>
-            <a:endParaRPr lang="zh-TW" altLang="en-US" dirty="0">
-              <a:latin typeface="Google Sans"/>
-            </a:endParaRPr>
-          </a:p>
-        </p:txBody>
-      </p:sp>
-      <p:sp>
-        <p:nvSpPr>
-          <p:cNvPr id="3" name="內容版面配置區 2">
-            <a:extLst>
-              <a:ext uri="{FF2B5EF4-FFF2-40B4-BE49-F238E27FC236}">
-                <a16:creationId xmlns:a16="http://schemas.microsoft.com/office/drawing/2014/main" id="{9A91714E-E491-40F7-A216-2FCEF5A9B3D1}"/>
-              </a:ext>
-            </a:extLst>
-          </p:cNvPr>
-          <p:cNvSpPr>
-            <a:spLocks noGrp="1"/>
-          </p:cNvSpPr>
-          <p:nvPr>
-            <p:ph idx="1"/>
-          </p:nvPr>
-        </p:nvSpPr>
-        <p:spPr/>
-        <p:txBody>
-          <a:bodyPr/>
-          <a:lstStyle/>
-          <a:p>
-            <a:pPr algn="l">
-              <a:buFont typeface="Arial" panose="020B0604020202020204" pitchFamily="34" charset="0"/>
-              <a:buChar char="•"/>
-            </a:pPr>
-            <a:r>
-              <a:rPr lang="en-US" altLang="zh-TW" b="0" i="0" dirty="0">
-                <a:effectLst/>
-                <a:latin typeface="-apple-system"/>
-              </a:rPr>
-              <a:t>Ubuntu: 20.04</a:t>
-            </a:r>
-          </a:p>
-          <a:p>
-            <a:pPr algn="l">
-              <a:buFont typeface="Arial" panose="020B0604020202020204" pitchFamily="34" charset="0"/>
-              <a:buChar char="•"/>
-            </a:pPr>
-            <a:r>
-              <a:rPr lang="en-US" altLang="zh-TW" b="0" i="0" dirty="0">
-                <a:effectLst/>
-                <a:latin typeface="-apple-system"/>
-              </a:rPr>
-              <a:t>Mininet: 2.3.1b4</a:t>
-            </a:r>
-          </a:p>
-          <a:p>
-            <a:pPr algn="l">
-              <a:buFont typeface="Arial" panose="020B0604020202020204" pitchFamily="34" charset="0"/>
-              <a:buChar char="•"/>
-            </a:pPr>
-            <a:r>
-              <a:rPr lang="en-US" altLang="zh-TW" b="0" i="0" dirty="0">
-                <a:effectLst/>
-                <a:latin typeface="-apple-system"/>
-              </a:rPr>
-              <a:t>bmv2</a:t>
-            </a:r>
-          </a:p>
-          <a:p>
-            <a:pPr algn="l">
-              <a:buFont typeface="Arial" panose="020B0604020202020204" pitchFamily="34" charset="0"/>
-              <a:buChar char="•"/>
-            </a:pPr>
-            <a:r>
-              <a:rPr lang="en-US" altLang="zh-TW" b="0" i="0" dirty="0">
-                <a:effectLst/>
-                <a:latin typeface="-apple-system"/>
-              </a:rPr>
-              <a:t>p4c: 1.2.4.2</a:t>
-            </a:r>
-          </a:p>
-          <a:p>
-            <a:endParaRPr lang="en-US" altLang="zh-TW" dirty="0"/>
-          </a:p>
-          <a:p>
-            <a:endParaRPr lang="en-US" altLang="zh-TW" dirty="0"/>
-          </a:p>
-        </p:txBody>
-      </p:sp>
-    </p:spTree>
-    <p:extLst>
-      <p:ext uri="{BB962C8B-B14F-4D97-AF65-F5344CB8AC3E}">
-        <p14:creationId xmlns:p14="http://schemas.microsoft.com/office/powerpoint/2010/main" val="2410865907"/>
-      </p:ext>
-    </p:extLst>
-  </p:cSld>
-  <p:clrMapOvr>
-    <a:masterClrMapping/>
-  </p:clrMapOvr>
-</p:sld>
-</file>
-
-<file path=ppt/slides/slide9.xml><?xml version="1.0" encoding="utf-8"?>
 <p:sld xmlns:a="http://schemas.openxmlformats.org/drawingml/2006/main" xmlns:r="http://schemas.openxmlformats.org/officeDocument/2006/relationships" xmlns:p="http://schemas.openxmlformats.org/presentationml/2006/main">
   <p:cSld>
     <p:spTree>
@@ -9784,6 +8991,546 @@
   <p:clrMapOvr>
     <a:masterClrMapping/>
   </p:clrMapOvr>
+</p:sld>
+</file>
+
+<file path=ppt/slides/slide6.xml><?xml version="1.0" encoding="utf-8"?>
+<p:sld xmlns:a="http://schemas.openxmlformats.org/drawingml/2006/main" xmlns:r="http://schemas.openxmlformats.org/officeDocument/2006/relationships" xmlns:p="http://schemas.openxmlformats.org/presentationml/2006/main">
+  <p:cSld>
+    <p:spTree>
+      <p:nvGrpSpPr>
+        <p:cNvPr id="1" name=""/>
+        <p:cNvGrpSpPr/>
+        <p:nvPr/>
+      </p:nvGrpSpPr>
+      <p:grpSpPr>
+        <a:xfrm>
+          <a:off x="0" y="0"/>
+          <a:ext cx="0" cy="0"/>
+          <a:chOff x="0" y="0"/>
+          <a:chExt cx="0" cy="0"/>
+        </a:xfrm>
+      </p:grpSpPr>
+      <p:pic>
+        <p:nvPicPr>
+          <p:cNvPr id="14" name="圖片 13">
+            <a:extLst>
+              <a:ext uri="{FF2B5EF4-FFF2-40B4-BE49-F238E27FC236}">
+                <a16:creationId xmlns:a16="http://schemas.microsoft.com/office/drawing/2014/main" id="{FA5F49A7-1B4B-5FD5-C8A2-082863F2907F}"/>
+              </a:ext>
+            </a:extLst>
+          </p:cNvPr>
+          <p:cNvPicPr>
+            <a:picLocks noChangeAspect="1"/>
+          </p:cNvPicPr>
+          <p:nvPr/>
+        </p:nvPicPr>
+        <p:blipFill rotWithShape="1">
+          <a:blip r:embed="rId2"/>
+          <a:srcRect l="29375" r="28012"/>
+          <a:stretch/>
+        </p:blipFill>
+        <p:spPr>
+          <a:xfrm>
+            <a:off x="6025117" y="0"/>
+            <a:ext cx="6166883" cy="11236272"/>
+          </a:xfrm>
+          <a:prstGeom prst="rect">
+            <a:avLst/>
+          </a:prstGeom>
+        </p:spPr>
+      </p:pic>
+      <p:sp>
+        <p:nvSpPr>
+          <p:cNvPr id="2" name="標題 1">
+            <a:extLst>
+              <a:ext uri="{FF2B5EF4-FFF2-40B4-BE49-F238E27FC236}">
+                <a16:creationId xmlns:a16="http://schemas.microsoft.com/office/drawing/2014/main" id="{611D002D-8D6D-4BBA-A9D9-C230A2343647}"/>
+              </a:ext>
+            </a:extLst>
+          </p:cNvPr>
+          <p:cNvSpPr>
+            <a:spLocks noGrp="1"/>
+          </p:cNvSpPr>
+          <p:nvPr>
+            <p:ph type="title"/>
+          </p:nvPr>
+        </p:nvSpPr>
+        <p:spPr/>
+        <p:txBody>
+          <a:bodyPr/>
+          <a:lstStyle/>
+          <a:p>
+            <a:r>
+              <a:rPr lang="en-US" altLang="zh-TW" dirty="0">
+                <a:latin typeface="Google Sans"/>
+              </a:rPr>
+              <a:t>Main component</a:t>
+            </a:r>
+            <a:endParaRPr lang="zh-TW" altLang="en-US" dirty="0">
+              <a:latin typeface="Google Sans"/>
+            </a:endParaRPr>
+          </a:p>
+        </p:txBody>
+      </p:sp>
+      <p:sp>
+        <p:nvSpPr>
+          <p:cNvPr id="4" name="內容版面配置區 3">
+            <a:extLst>
+              <a:ext uri="{FF2B5EF4-FFF2-40B4-BE49-F238E27FC236}">
+                <a16:creationId xmlns:a16="http://schemas.microsoft.com/office/drawing/2014/main" id="{14266E82-AB07-4386-9A55-00A97A9DDF71}"/>
+              </a:ext>
+            </a:extLst>
+          </p:cNvPr>
+          <p:cNvSpPr>
+            <a:spLocks noGrp="1"/>
+          </p:cNvSpPr>
+          <p:nvPr>
+            <p:ph sz="half" idx="1"/>
+          </p:nvPr>
+        </p:nvSpPr>
+        <p:spPr/>
+        <p:txBody>
+          <a:bodyPr/>
+          <a:lstStyle/>
+          <a:p>
+            <a:r>
+              <a:rPr lang="en-US" altLang="zh-TW" dirty="0"/>
+              <a:t>TCP cheater</a:t>
+            </a:r>
+          </a:p>
+          <a:p>
+            <a:pPr lvl="1"/>
+            <a:r>
+              <a:rPr lang="en-US" altLang="zh-TW" dirty="0"/>
+              <a:t>Maintaining TCP connections</a:t>
+            </a:r>
+          </a:p>
+          <a:p>
+            <a:endParaRPr lang="zh-TW" altLang="en-US" dirty="0"/>
+          </a:p>
+        </p:txBody>
+      </p:sp>
+    </p:spTree>
+    <p:extLst>
+      <p:ext uri="{BB962C8B-B14F-4D97-AF65-F5344CB8AC3E}">
+        <p14:creationId xmlns:p14="http://schemas.microsoft.com/office/powerpoint/2010/main" val="2424953834"/>
+      </p:ext>
+    </p:extLst>
+  </p:cSld>
+  <p:clrMapOvr>
+    <a:masterClrMapping/>
+  </p:clrMapOvr>
+</p:sld>
+</file>
+
+<file path=ppt/slides/slide7.xml><?xml version="1.0" encoding="utf-8"?>
+<p:sld xmlns:a="http://schemas.openxmlformats.org/drawingml/2006/main" xmlns:r="http://schemas.openxmlformats.org/officeDocument/2006/relationships" xmlns:p="http://schemas.openxmlformats.org/presentationml/2006/main">
+  <p:cSld>
+    <p:spTree>
+      <p:nvGrpSpPr>
+        <p:cNvPr id="1" name=""/>
+        <p:cNvGrpSpPr/>
+        <p:nvPr/>
+      </p:nvGrpSpPr>
+      <p:grpSpPr>
+        <a:xfrm>
+          <a:off x="0" y="0"/>
+          <a:ext cx="0" cy="0"/>
+          <a:chOff x="0" y="0"/>
+          <a:chExt cx="0" cy="0"/>
+        </a:xfrm>
+      </p:grpSpPr>
+      <p:sp>
+        <p:nvSpPr>
+          <p:cNvPr id="2" name="標題 1">
+            <a:extLst>
+              <a:ext uri="{FF2B5EF4-FFF2-40B4-BE49-F238E27FC236}">
+                <a16:creationId xmlns:a16="http://schemas.microsoft.com/office/drawing/2014/main" id="{611D002D-8D6D-4BBA-A9D9-C230A2343647}"/>
+              </a:ext>
+            </a:extLst>
+          </p:cNvPr>
+          <p:cNvSpPr>
+            <a:spLocks noGrp="1"/>
+          </p:cNvSpPr>
+          <p:nvPr>
+            <p:ph type="title"/>
+          </p:nvPr>
+        </p:nvSpPr>
+        <p:spPr/>
+        <p:txBody>
+          <a:bodyPr/>
+          <a:lstStyle/>
+          <a:p>
+            <a:r>
+              <a:rPr lang="en-US" altLang="zh-TW" dirty="0">
+                <a:latin typeface="Google Sans"/>
+              </a:rPr>
+              <a:t>Main component</a:t>
+            </a:r>
+            <a:endParaRPr lang="zh-TW" altLang="en-US" dirty="0">
+              <a:latin typeface="Google Sans"/>
+            </a:endParaRPr>
+          </a:p>
+        </p:txBody>
+      </p:sp>
+      <p:sp>
+        <p:nvSpPr>
+          <p:cNvPr id="4" name="內容版面配置區 3">
+            <a:extLst>
+              <a:ext uri="{FF2B5EF4-FFF2-40B4-BE49-F238E27FC236}">
+                <a16:creationId xmlns:a16="http://schemas.microsoft.com/office/drawing/2014/main" id="{14266E82-AB07-4386-9A55-00A97A9DDF71}"/>
+              </a:ext>
+            </a:extLst>
+          </p:cNvPr>
+          <p:cNvSpPr>
+            <a:spLocks noGrp="1"/>
+          </p:cNvSpPr>
+          <p:nvPr>
+            <p:ph sz="half" idx="1"/>
+          </p:nvPr>
+        </p:nvSpPr>
+        <p:spPr/>
+        <p:txBody>
+          <a:bodyPr/>
+          <a:lstStyle/>
+          <a:p>
+            <a:r>
+              <a:rPr lang="en-US" altLang="zh-TW" dirty="0"/>
+              <a:t>TCP cheater</a:t>
+            </a:r>
+          </a:p>
+          <a:p>
+            <a:pPr lvl="1"/>
+            <a:r>
+              <a:rPr lang="en-US" altLang="zh-TW" dirty="0"/>
+              <a:t>Maintaining TCP connections</a:t>
+            </a:r>
+          </a:p>
+          <a:p>
+            <a:endParaRPr lang="zh-TW" altLang="en-US" dirty="0"/>
+          </a:p>
+        </p:txBody>
+      </p:sp>
+      <p:pic>
+        <p:nvPicPr>
+          <p:cNvPr id="3" name="圖片 2">
+            <a:extLst>
+              <a:ext uri="{FF2B5EF4-FFF2-40B4-BE49-F238E27FC236}">
+                <a16:creationId xmlns:a16="http://schemas.microsoft.com/office/drawing/2014/main" id="{9E671855-D0B1-B46A-0BAE-DF48BE9864D9}"/>
+              </a:ext>
+            </a:extLst>
+          </p:cNvPr>
+          <p:cNvPicPr>
+            <a:picLocks noChangeAspect="1"/>
+          </p:cNvPicPr>
+          <p:nvPr/>
+        </p:nvPicPr>
+        <p:blipFill rotWithShape="1">
+          <a:blip r:embed="rId2"/>
+          <a:srcRect l="29375" r="28012"/>
+          <a:stretch/>
+        </p:blipFill>
+        <p:spPr>
+          <a:xfrm>
+            <a:off x="6025117" y="-4380609"/>
+            <a:ext cx="6166883" cy="11236272"/>
+          </a:xfrm>
+          <a:prstGeom prst="rect">
+            <a:avLst/>
+          </a:prstGeom>
+        </p:spPr>
+      </p:pic>
+    </p:spTree>
+    <p:extLst>
+      <p:ext uri="{BB962C8B-B14F-4D97-AF65-F5344CB8AC3E}">
+        <p14:creationId xmlns:p14="http://schemas.microsoft.com/office/powerpoint/2010/main" val="2012943314"/>
+      </p:ext>
+    </p:extLst>
+  </p:cSld>
+  <p:clrMapOvr>
+    <a:masterClrMapping/>
+  </p:clrMapOvr>
+  <mc:AlternateContent xmlns:mc="http://schemas.openxmlformats.org/markup-compatibility/2006" xmlns:p159="http://schemas.microsoft.com/office/powerpoint/2015/09/main">
+    <mc:Choice Requires="p159">
+      <p:transition spd="slow">
+        <p159:morph option="byObject"/>
+      </p:transition>
+    </mc:Choice>
+    <mc:Fallback xmlns="">
+      <p:transition spd="slow">
+        <p:fade/>
+      </p:transition>
+    </mc:Fallback>
+  </mc:AlternateContent>
+</p:sld>
+</file>
+
+<file path=ppt/slides/slide8.xml><?xml version="1.0" encoding="utf-8"?>
+<p:sld xmlns:a="http://schemas.openxmlformats.org/drawingml/2006/main" xmlns:r="http://schemas.openxmlformats.org/officeDocument/2006/relationships" xmlns:p="http://schemas.openxmlformats.org/presentationml/2006/main">
+  <p:cSld>
+    <p:spTree>
+      <p:nvGrpSpPr>
+        <p:cNvPr id="1" name=""/>
+        <p:cNvGrpSpPr/>
+        <p:nvPr/>
+      </p:nvGrpSpPr>
+      <p:grpSpPr>
+        <a:xfrm>
+          <a:off x="0" y="0"/>
+          <a:ext cx="0" cy="0"/>
+          <a:chOff x="0" y="0"/>
+          <a:chExt cx="0" cy="0"/>
+        </a:xfrm>
+      </p:grpSpPr>
+      <p:sp>
+        <p:nvSpPr>
+          <p:cNvPr id="2" name="標題 1">
+            <a:extLst>
+              <a:ext uri="{FF2B5EF4-FFF2-40B4-BE49-F238E27FC236}">
+                <a16:creationId xmlns:a16="http://schemas.microsoft.com/office/drawing/2014/main" id="{611D002D-8D6D-4BBA-A9D9-C230A2343647}"/>
+              </a:ext>
+            </a:extLst>
+          </p:cNvPr>
+          <p:cNvSpPr>
+            <a:spLocks noGrp="1"/>
+          </p:cNvSpPr>
+          <p:nvPr>
+            <p:ph type="title"/>
+          </p:nvPr>
+        </p:nvSpPr>
+        <p:spPr/>
+        <p:txBody>
+          <a:bodyPr/>
+          <a:lstStyle/>
+          <a:p>
+            <a:r>
+              <a:rPr lang="en-US" altLang="zh-TW" dirty="0">
+                <a:latin typeface="Google Sans"/>
+              </a:rPr>
+              <a:t>Main component</a:t>
+            </a:r>
+            <a:endParaRPr lang="zh-TW" altLang="en-US" dirty="0">
+              <a:latin typeface="Google Sans"/>
+            </a:endParaRPr>
+          </a:p>
+        </p:txBody>
+      </p:sp>
+      <p:sp>
+        <p:nvSpPr>
+          <p:cNvPr id="4" name="內容版面配置區 3">
+            <a:extLst>
+              <a:ext uri="{FF2B5EF4-FFF2-40B4-BE49-F238E27FC236}">
+                <a16:creationId xmlns:a16="http://schemas.microsoft.com/office/drawing/2014/main" id="{14266E82-AB07-4386-9A55-00A97A9DDF71}"/>
+              </a:ext>
+            </a:extLst>
+          </p:cNvPr>
+          <p:cNvSpPr>
+            <a:spLocks noGrp="1"/>
+          </p:cNvSpPr>
+          <p:nvPr>
+            <p:ph sz="half" idx="1"/>
+          </p:nvPr>
+        </p:nvSpPr>
+        <p:spPr/>
+        <p:txBody>
+          <a:bodyPr/>
+          <a:lstStyle/>
+          <a:p>
+            <a:r>
+              <a:rPr lang="en-US" altLang="zh-TW" dirty="0"/>
+              <a:t>Ring Buffer</a:t>
+            </a:r>
+          </a:p>
+          <a:p>
+            <a:pPr lvl="1"/>
+            <a:r>
+              <a:rPr lang="en-US" altLang="zh-TW" dirty="0"/>
+              <a:t>Record and aggregate payload</a:t>
+            </a:r>
+            <a:endParaRPr lang="zh-TW" altLang="en-US" dirty="0"/>
+          </a:p>
+        </p:txBody>
+      </p:sp>
+      <p:pic>
+        <p:nvPicPr>
+          <p:cNvPr id="8" name="圖片 7">
+            <a:extLst>
+              <a:ext uri="{FF2B5EF4-FFF2-40B4-BE49-F238E27FC236}">
+                <a16:creationId xmlns:a16="http://schemas.microsoft.com/office/drawing/2014/main" id="{F80E16F0-1707-A592-189B-E43B567C03F1}"/>
+              </a:ext>
+            </a:extLst>
+          </p:cNvPr>
+          <p:cNvPicPr>
+            <a:picLocks noChangeAspect="1"/>
+          </p:cNvPicPr>
+          <p:nvPr/>
+        </p:nvPicPr>
+        <p:blipFill rotWithShape="1">
+          <a:blip r:embed="rId2"/>
+          <a:srcRect l="26534" r="27605"/>
+          <a:stretch/>
+        </p:blipFill>
+        <p:spPr>
+          <a:xfrm>
+            <a:off x="5870447" y="-1"/>
+            <a:ext cx="6321553" cy="10702401"/>
+          </a:xfrm>
+          <a:prstGeom prst="rect">
+            <a:avLst/>
+          </a:prstGeom>
+        </p:spPr>
+      </p:pic>
+    </p:spTree>
+    <p:extLst>
+      <p:ext uri="{BB962C8B-B14F-4D97-AF65-F5344CB8AC3E}">
+        <p14:creationId xmlns:p14="http://schemas.microsoft.com/office/powerpoint/2010/main" val="194318190"/>
+      </p:ext>
+    </p:extLst>
+  </p:cSld>
+  <p:clrMapOvr>
+    <a:masterClrMapping/>
+  </p:clrMapOvr>
+</p:sld>
+</file>
+
+<file path=ppt/slides/slide9.xml><?xml version="1.0" encoding="utf-8"?>
+<p:sld xmlns:a="http://schemas.openxmlformats.org/drawingml/2006/main" xmlns:r="http://schemas.openxmlformats.org/officeDocument/2006/relationships" xmlns:p="http://schemas.openxmlformats.org/presentationml/2006/main">
+  <p:cSld>
+    <p:spTree>
+      <p:nvGrpSpPr>
+        <p:cNvPr id="1" name=""/>
+        <p:cNvGrpSpPr/>
+        <p:nvPr/>
+      </p:nvGrpSpPr>
+      <p:grpSpPr>
+        <a:xfrm>
+          <a:off x="0" y="0"/>
+          <a:ext cx="0" cy="0"/>
+          <a:chOff x="0" y="0"/>
+          <a:chExt cx="0" cy="0"/>
+        </a:xfrm>
+      </p:grpSpPr>
+      <p:sp>
+        <p:nvSpPr>
+          <p:cNvPr id="2" name="標題 1">
+            <a:extLst>
+              <a:ext uri="{FF2B5EF4-FFF2-40B4-BE49-F238E27FC236}">
+                <a16:creationId xmlns:a16="http://schemas.microsoft.com/office/drawing/2014/main" id="{611D002D-8D6D-4BBA-A9D9-C230A2343647}"/>
+              </a:ext>
+            </a:extLst>
+          </p:cNvPr>
+          <p:cNvSpPr>
+            <a:spLocks noGrp="1"/>
+          </p:cNvSpPr>
+          <p:nvPr>
+            <p:ph type="title"/>
+          </p:nvPr>
+        </p:nvSpPr>
+        <p:spPr/>
+        <p:txBody>
+          <a:bodyPr/>
+          <a:lstStyle/>
+          <a:p>
+            <a:r>
+              <a:rPr lang="en-US" altLang="zh-TW" dirty="0">
+                <a:latin typeface="Google Sans"/>
+              </a:rPr>
+              <a:t>Main component</a:t>
+            </a:r>
+            <a:endParaRPr lang="zh-TW" altLang="en-US" dirty="0">
+              <a:latin typeface="Google Sans"/>
+            </a:endParaRPr>
+          </a:p>
+        </p:txBody>
+      </p:sp>
+      <p:sp>
+        <p:nvSpPr>
+          <p:cNvPr id="4" name="內容版面配置區 3">
+            <a:extLst>
+              <a:ext uri="{FF2B5EF4-FFF2-40B4-BE49-F238E27FC236}">
+                <a16:creationId xmlns:a16="http://schemas.microsoft.com/office/drawing/2014/main" id="{14266E82-AB07-4386-9A55-00A97A9DDF71}"/>
+              </a:ext>
+            </a:extLst>
+          </p:cNvPr>
+          <p:cNvSpPr>
+            <a:spLocks noGrp="1"/>
+          </p:cNvSpPr>
+          <p:nvPr>
+            <p:ph sz="half" idx="1"/>
+          </p:nvPr>
+        </p:nvSpPr>
+        <p:spPr/>
+        <p:txBody>
+          <a:bodyPr/>
+          <a:lstStyle/>
+          <a:p>
+            <a:r>
+              <a:rPr lang="en-US" altLang="zh-TW" dirty="0"/>
+              <a:t>Ring Buffer</a:t>
+            </a:r>
+          </a:p>
+          <a:p>
+            <a:pPr lvl="1"/>
+            <a:r>
+              <a:rPr lang="en-US" altLang="zh-TW" dirty="0"/>
+              <a:t>Record and aggregate payload</a:t>
+            </a:r>
+            <a:endParaRPr lang="zh-TW" altLang="en-US" dirty="0"/>
+          </a:p>
+        </p:txBody>
+      </p:sp>
+      <p:pic>
+        <p:nvPicPr>
+          <p:cNvPr id="8" name="圖片 7">
+            <a:extLst>
+              <a:ext uri="{FF2B5EF4-FFF2-40B4-BE49-F238E27FC236}">
+                <a16:creationId xmlns:a16="http://schemas.microsoft.com/office/drawing/2014/main" id="{F80E16F0-1707-A592-189B-E43B567C03F1}"/>
+              </a:ext>
+            </a:extLst>
+          </p:cNvPr>
+          <p:cNvPicPr>
+            <a:picLocks noChangeAspect="1"/>
+          </p:cNvPicPr>
+          <p:nvPr/>
+        </p:nvPicPr>
+        <p:blipFill rotWithShape="1">
+          <a:blip r:embed="rId2"/>
+          <a:srcRect l="26534" r="27605"/>
+          <a:stretch/>
+        </p:blipFill>
+        <p:spPr>
+          <a:xfrm>
+            <a:off x="5870447" y="-3844401"/>
+            <a:ext cx="6321553" cy="10702401"/>
+          </a:xfrm>
+          <a:prstGeom prst="rect">
+            <a:avLst/>
+          </a:prstGeom>
+        </p:spPr>
+      </p:pic>
+    </p:spTree>
+    <p:extLst>
+      <p:ext uri="{BB962C8B-B14F-4D97-AF65-F5344CB8AC3E}">
+        <p14:creationId xmlns:p14="http://schemas.microsoft.com/office/powerpoint/2010/main" val="3266697894"/>
+      </p:ext>
+    </p:extLst>
+  </p:cSld>
+  <p:clrMapOvr>
+    <a:masterClrMapping/>
+  </p:clrMapOvr>
+  <mc:AlternateContent xmlns:mc="http://schemas.openxmlformats.org/markup-compatibility/2006" xmlns:p159="http://schemas.microsoft.com/office/powerpoint/2015/09/main">
+    <mc:Choice Requires="p159">
+      <p:transition spd="slow">
+        <p159:morph option="byObject"/>
+      </p:transition>
+    </mc:Choice>
+    <mc:Fallback xmlns="">
+      <p:transition spd="slow">
+        <p:fade/>
+      </p:transition>
+    </mc:Fallback>
+  </mc:AlternateContent>
 </p:sld>
 </file>
 

--- a/report.pptx
+++ b/report.pptx
@@ -10,20 +10,16 @@
     <p:sldId id="269" r:id="rId4"/>
     <p:sldId id="271" r:id="rId5"/>
     <p:sldId id="270" r:id="rId6"/>
-    <p:sldId id="273" r:id="rId7"/>
-    <p:sldId id="277" r:id="rId8"/>
-    <p:sldId id="276" r:id="rId9"/>
-    <p:sldId id="278" r:id="rId10"/>
-    <p:sldId id="259" r:id="rId11"/>
-    <p:sldId id="275" r:id="rId12"/>
-    <p:sldId id="272" r:id="rId13"/>
-    <p:sldId id="279" r:id="rId14"/>
-    <p:sldId id="260" r:id="rId15"/>
-    <p:sldId id="261" r:id="rId16"/>
-    <p:sldId id="262" r:id="rId17"/>
-    <p:sldId id="280" r:id="rId18"/>
-    <p:sldId id="281" r:id="rId19"/>
-    <p:sldId id="282" r:id="rId20"/>
+    <p:sldId id="259" r:id="rId7"/>
+    <p:sldId id="275" r:id="rId8"/>
+    <p:sldId id="272" r:id="rId9"/>
+    <p:sldId id="279" r:id="rId10"/>
+    <p:sldId id="260" r:id="rId11"/>
+    <p:sldId id="261" r:id="rId12"/>
+    <p:sldId id="262" r:id="rId13"/>
+    <p:sldId id="280" r:id="rId14"/>
+    <p:sldId id="281" r:id="rId15"/>
+    <p:sldId id="282" r:id="rId16"/>
   </p:sldIdLst>
   <p:sldSz cx="12192000" cy="6858000"/>
   <p:notesSz cx="6858000" cy="9144000"/>
@@ -3513,6 +3509,2022 @@
       </p:grpSpPr>
       <p:sp>
         <p:nvSpPr>
+          <p:cNvPr id="2" name="標題 1">
+            <a:extLst>
+              <a:ext uri="{FF2B5EF4-FFF2-40B4-BE49-F238E27FC236}">
+                <a16:creationId xmlns:a16="http://schemas.microsoft.com/office/drawing/2014/main" id="{3CC3439C-38CA-40B7-857E-BB9EB96DC747}"/>
+              </a:ext>
+            </a:extLst>
+          </p:cNvPr>
+          <p:cNvSpPr>
+            <a:spLocks noGrp="1"/>
+          </p:cNvSpPr>
+          <p:nvPr>
+            <p:ph type="title"/>
+          </p:nvPr>
+        </p:nvSpPr>
+        <p:spPr/>
+        <p:txBody>
+          <a:bodyPr/>
+          <a:lstStyle/>
+          <a:p>
+            <a:r>
+              <a:rPr lang="en-US" altLang="zh-TW" dirty="0">
+                <a:latin typeface="Google Sans"/>
+              </a:rPr>
+              <a:t>Experiment Scenario</a:t>
+            </a:r>
+            <a:endParaRPr lang="zh-TW" altLang="en-US" dirty="0">
+              <a:latin typeface="Google Sans"/>
+            </a:endParaRPr>
+          </a:p>
+        </p:txBody>
+      </p:sp>
+      <p:sp>
+        <p:nvSpPr>
+          <p:cNvPr id="3" name="內容版面配置區 2">
+            <a:extLst>
+              <a:ext uri="{FF2B5EF4-FFF2-40B4-BE49-F238E27FC236}">
+                <a16:creationId xmlns:a16="http://schemas.microsoft.com/office/drawing/2014/main" id="{B5E047D3-4CC3-4B6E-B3F1-AE5EB1D5B3C8}"/>
+              </a:ext>
+            </a:extLst>
+          </p:cNvPr>
+          <p:cNvSpPr>
+            <a:spLocks noGrp="1"/>
+          </p:cNvSpPr>
+          <p:nvPr>
+            <p:ph idx="1"/>
+          </p:nvPr>
+        </p:nvSpPr>
+        <p:spPr/>
+        <p:txBody>
+          <a:bodyPr/>
+          <a:lstStyle/>
+          <a:p>
+            <a:pPr marL="514350" indent="-514350">
+              <a:buFont typeface="+mj-lt"/>
+              <a:buAutoNum type="arabicPeriod"/>
+            </a:pPr>
+            <a:r>
+              <a:rPr lang="en-US" altLang="zh-TW" dirty="0"/>
+              <a:t>Sufficient bandwidth</a:t>
+            </a:r>
+          </a:p>
+          <a:p>
+            <a:pPr marL="514350" indent="-514350">
+              <a:buFont typeface="+mj-lt"/>
+              <a:buAutoNum type="arabicPeriod"/>
+            </a:pPr>
+            <a:r>
+              <a:rPr lang="en-US" altLang="zh-TW" dirty="0"/>
+              <a:t>Single slower sender</a:t>
+            </a:r>
+          </a:p>
+          <a:p>
+            <a:pPr marL="514350" indent="-514350">
+              <a:buFont typeface="+mj-lt"/>
+              <a:buAutoNum type="arabicPeriod"/>
+            </a:pPr>
+            <a:r>
+              <a:rPr lang="en-US" altLang="zh-TW" dirty="0"/>
+              <a:t>Slower receiver</a:t>
+            </a:r>
+          </a:p>
+          <a:p>
+            <a:pPr marL="514350" indent="-514350">
+              <a:buFont typeface="+mj-lt"/>
+              <a:buAutoNum type="arabicPeriod"/>
+            </a:pPr>
+            <a:r>
+              <a:rPr lang="en-US" altLang="zh-TW" dirty="0"/>
+              <a:t>All different bandwidth</a:t>
+            </a:r>
+          </a:p>
+          <a:p>
+            <a:pPr marL="514350" indent="-514350">
+              <a:buFont typeface="+mj-lt"/>
+              <a:buAutoNum type="arabicPeriod"/>
+            </a:pPr>
+            <a:endParaRPr lang="zh-TW" altLang="en-US" dirty="0"/>
+          </a:p>
+        </p:txBody>
+      </p:sp>
+    </p:spTree>
+    <p:extLst>
+      <p:ext uri="{BB962C8B-B14F-4D97-AF65-F5344CB8AC3E}">
+        <p14:creationId xmlns:p14="http://schemas.microsoft.com/office/powerpoint/2010/main" val="3352320533"/>
+      </p:ext>
+    </p:extLst>
+  </p:cSld>
+  <p:clrMapOvr>
+    <a:masterClrMapping/>
+  </p:clrMapOvr>
+</p:sld>
+</file>
+
+<file path=ppt/slides/slide11.xml><?xml version="1.0" encoding="utf-8"?>
+<p:sld xmlns:a="http://schemas.openxmlformats.org/drawingml/2006/main" xmlns:r="http://schemas.openxmlformats.org/officeDocument/2006/relationships" xmlns:p="http://schemas.openxmlformats.org/presentationml/2006/main">
+  <p:cSld>
+    <p:spTree>
+      <p:nvGrpSpPr>
+        <p:cNvPr id="1" name=""/>
+        <p:cNvGrpSpPr/>
+        <p:nvPr/>
+      </p:nvGrpSpPr>
+      <p:grpSpPr>
+        <a:xfrm>
+          <a:off x="0" y="0"/>
+          <a:ext cx="0" cy="0"/>
+          <a:chOff x="0" y="0"/>
+          <a:chExt cx="0" cy="0"/>
+        </a:xfrm>
+      </p:grpSpPr>
+      <p:sp>
+        <p:nvSpPr>
+          <p:cNvPr id="2" name="標題 1">
+            <a:extLst>
+              <a:ext uri="{FF2B5EF4-FFF2-40B4-BE49-F238E27FC236}">
+                <a16:creationId xmlns:a16="http://schemas.microsoft.com/office/drawing/2014/main" id="{F67EBF84-B12F-4F97-958D-BE7E4469A8D5}"/>
+              </a:ext>
+            </a:extLst>
+          </p:cNvPr>
+          <p:cNvSpPr>
+            <a:spLocks noGrp="1"/>
+          </p:cNvSpPr>
+          <p:nvPr>
+            <p:ph type="title"/>
+          </p:nvPr>
+        </p:nvSpPr>
+        <p:spPr/>
+        <p:txBody>
+          <a:bodyPr/>
+          <a:lstStyle/>
+          <a:p>
+            <a:r>
+              <a:rPr lang="en-US" altLang="zh-TW" dirty="0">
+                <a:latin typeface="Google Sans"/>
+              </a:rPr>
+              <a:t>Scenario 1: Sufficient Bandwidth</a:t>
+            </a:r>
+            <a:endParaRPr lang="zh-TW" altLang="en-US" dirty="0">
+              <a:latin typeface="Google Sans"/>
+            </a:endParaRPr>
+          </a:p>
+        </p:txBody>
+      </p:sp>
+      <p:pic>
+        <p:nvPicPr>
+          <p:cNvPr id="9" name="內容版面配置區 8">
+            <a:extLst>
+              <a:ext uri="{FF2B5EF4-FFF2-40B4-BE49-F238E27FC236}">
+                <a16:creationId xmlns:a16="http://schemas.microsoft.com/office/drawing/2014/main" id="{DB9F3DE5-E041-4272-9300-2FDC3F4A9CB2}"/>
+              </a:ext>
+            </a:extLst>
+          </p:cNvPr>
+          <p:cNvPicPr>
+            <a:picLocks noGrp="1" noChangeAspect="1"/>
+          </p:cNvPicPr>
+          <p:nvPr>
+            <p:ph idx="1"/>
+          </p:nvPr>
+        </p:nvPicPr>
+        <p:blipFill>
+          <a:blip r:embed="rId2">
+            <a:extLst>
+              <a:ext uri="{28A0092B-C50C-407E-A947-70E740481C1C}">
+                <a14:useLocalDpi xmlns:a14="http://schemas.microsoft.com/office/drawing/2010/main" val="0"/>
+              </a:ext>
+            </a:extLst>
+          </a:blip>
+          <a:stretch>
+            <a:fillRect/>
+          </a:stretch>
+        </p:blipFill>
+        <p:spPr>
+          <a:xfrm>
+            <a:off x="2832497" y="1825625"/>
+            <a:ext cx="6527006" cy="4351338"/>
+          </a:xfrm>
+        </p:spPr>
+      </p:pic>
+      <p:sp>
+        <p:nvSpPr>
+          <p:cNvPr id="10" name="文字方塊 9">
+            <a:extLst>
+              <a:ext uri="{FF2B5EF4-FFF2-40B4-BE49-F238E27FC236}">
+                <a16:creationId xmlns:a16="http://schemas.microsoft.com/office/drawing/2014/main" id="{D05EACDE-D481-4085-8142-6A860BDC971B}"/>
+              </a:ext>
+            </a:extLst>
+          </p:cNvPr>
+          <p:cNvSpPr txBox="1"/>
+          <p:nvPr/>
+        </p:nvSpPr>
+        <p:spPr>
+          <a:xfrm>
+            <a:off x="2029522" y="5285678"/>
+            <a:ext cx="2509024" cy="369332"/>
+          </a:xfrm>
+          <a:prstGeom prst="rect">
+            <a:avLst/>
+          </a:prstGeom>
+          <a:noFill/>
+        </p:spPr>
+        <p:txBody>
+          <a:bodyPr wrap="square" rtlCol="0">
+            <a:spAutoFit/>
+          </a:bodyPr>
+          <a:lstStyle/>
+          <a:p>
+            <a:r>
+              <a:rPr lang="en-US" altLang="zh-TW" dirty="0"/>
+              <a:t>All 1.0</a:t>
+            </a:r>
+            <a:endParaRPr lang="zh-TW" altLang="en-US" dirty="0"/>
+          </a:p>
+        </p:txBody>
+      </p:sp>
+    </p:spTree>
+    <p:extLst>
+      <p:ext uri="{BB962C8B-B14F-4D97-AF65-F5344CB8AC3E}">
+        <p14:creationId xmlns:p14="http://schemas.microsoft.com/office/powerpoint/2010/main" val="428910389"/>
+      </p:ext>
+    </p:extLst>
+  </p:cSld>
+  <p:clrMapOvr>
+    <a:masterClrMapping/>
+  </p:clrMapOvr>
+</p:sld>
+</file>
+
+<file path=ppt/slides/slide12.xml><?xml version="1.0" encoding="utf-8"?>
+<p:sld xmlns:a="http://schemas.openxmlformats.org/drawingml/2006/main" xmlns:r="http://schemas.openxmlformats.org/officeDocument/2006/relationships" xmlns:p="http://schemas.openxmlformats.org/presentationml/2006/main">
+  <p:cSld>
+    <p:spTree>
+      <p:nvGrpSpPr>
+        <p:cNvPr id="1" name=""/>
+        <p:cNvGrpSpPr/>
+        <p:nvPr/>
+      </p:nvGrpSpPr>
+      <p:grpSpPr>
+        <a:xfrm>
+          <a:off x="0" y="0"/>
+          <a:ext cx="0" cy="0"/>
+          <a:chOff x="0" y="0"/>
+          <a:chExt cx="0" cy="0"/>
+        </a:xfrm>
+      </p:grpSpPr>
+      <p:sp>
+        <p:nvSpPr>
+          <p:cNvPr id="2" name="標題 1">
+            <a:extLst>
+              <a:ext uri="{FF2B5EF4-FFF2-40B4-BE49-F238E27FC236}">
+                <a16:creationId xmlns:a16="http://schemas.microsoft.com/office/drawing/2014/main" id="{0E512F71-F6C6-413E-988A-5E18E843A241}"/>
+              </a:ext>
+            </a:extLst>
+          </p:cNvPr>
+          <p:cNvSpPr>
+            <a:spLocks noGrp="1"/>
+          </p:cNvSpPr>
+          <p:nvPr>
+            <p:ph type="title"/>
+          </p:nvPr>
+        </p:nvSpPr>
+        <p:spPr/>
+        <p:txBody>
+          <a:bodyPr/>
+          <a:lstStyle/>
+          <a:p>
+            <a:r>
+              <a:rPr lang="en-US" altLang="zh-TW" dirty="0">
+                <a:latin typeface="Google Sans"/>
+              </a:rPr>
+              <a:t>Scenario 2: Single Slower Sender</a:t>
+            </a:r>
+            <a:endParaRPr lang="zh-TW" altLang="en-US" dirty="0">
+              <a:latin typeface="Google Sans"/>
+            </a:endParaRPr>
+          </a:p>
+        </p:txBody>
+      </p:sp>
+      <p:pic>
+        <p:nvPicPr>
+          <p:cNvPr id="5" name="內容版面配置區 4">
+            <a:extLst>
+              <a:ext uri="{FF2B5EF4-FFF2-40B4-BE49-F238E27FC236}">
+                <a16:creationId xmlns:a16="http://schemas.microsoft.com/office/drawing/2014/main" id="{84FEA45D-05A1-4226-BC38-515C11419D7D}"/>
+              </a:ext>
+            </a:extLst>
+          </p:cNvPr>
+          <p:cNvPicPr>
+            <a:picLocks noGrp="1" noChangeAspect="1"/>
+          </p:cNvPicPr>
+          <p:nvPr>
+            <p:ph idx="1"/>
+          </p:nvPr>
+        </p:nvPicPr>
+        <p:blipFill>
+          <a:blip r:embed="rId2">
+            <a:extLst>
+              <a:ext uri="{28A0092B-C50C-407E-A947-70E740481C1C}">
+                <a14:useLocalDpi xmlns:a14="http://schemas.microsoft.com/office/drawing/2010/main" val="0"/>
+              </a:ext>
+            </a:extLst>
+          </a:blip>
+          <a:stretch>
+            <a:fillRect/>
+          </a:stretch>
+        </p:blipFill>
+        <p:spPr>
+          <a:xfrm>
+            <a:off x="2832497" y="1825625"/>
+            <a:ext cx="6527006" cy="4351338"/>
+          </a:xfrm>
+        </p:spPr>
+      </p:pic>
+      <p:sp>
+        <p:nvSpPr>
+          <p:cNvPr id="6" name="文字方塊 5">
+            <a:extLst>
+              <a:ext uri="{FF2B5EF4-FFF2-40B4-BE49-F238E27FC236}">
+                <a16:creationId xmlns:a16="http://schemas.microsoft.com/office/drawing/2014/main" id="{586F4D70-C441-4C0C-90FE-D00B30856656}"/>
+              </a:ext>
+            </a:extLst>
+          </p:cNvPr>
+          <p:cNvSpPr txBox="1"/>
+          <p:nvPr/>
+        </p:nvSpPr>
+        <p:spPr>
+          <a:xfrm>
+            <a:off x="1667195" y="4404731"/>
+            <a:ext cx="2509024" cy="1200329"/>
+          </a:xfrm>
+          <a:prstGeom prst="rect">
+            <a:avLst/>
+          </a:prstGeom>
+          <a:noFill/>
+        </p:spPr>
+        <p:txBody>
+          <a:bodyPr wrap="square" rtlCol="0">
+            <a:spAutoFit/>
+          </a:bodyPr>
+          <a:lstStyle/>
+          <a:p>
+            <a:r>
+              <a:rPr lang="en-US" altLang="zh-TW" dirty="0"/>
+              <a:t>H1:0.2</a:t>
+            </a:r>
+          </a:p>
+          <a:p>
+            <a:r>
+              <a:rPr lang="en-US" altLang="zh-TW" dirty="0"/>
+              <a:t>H2:0.4</a:t>
+            </a:r>
+          </a:p>
+          <a:p>
+            <a:r>
+              <a:rPr lang="en-US" altLang="zh-TW" dirty="0"/>
+              <a:t>H3:0.6</a:t>
+            </a:r>
+          </a:p>
+          <a:p>
+            <a:r>
+              <a:rPr lang="en-US" altLang="zh-TW" dirty="0"/>
+              <a:t>H4:0.8</a:t>
+            </a:r>
+            <a:endParaRPr lang="zh-TW" altLang="en-US" dirty="0"/>
+          </a:p>
+        </p:txBody>
+      </p:sp>
+    </p:spTree>
+    <p:extLst>
+      <p:ext uri="{BB962C8B-B14F-4D97-AF65-F5344CB8AC3E}">
+        <p14:creationId xmlns:p14="http://schemas.microsoft.com/office/powerpoint/2010/main" val="1879629016"/>
+      </p:ext>
+    </p:extLst>
+  </p:cSld>
+  <p:clrMapOvr>
+    <a:masterClrMapping/>
+  </p:clrMapOvr>
+</p:sld>
+</file>
+
+<file path=ppt/slides/slide13.xml><?xml version="1.0" encoding="utf-8"?>
+<p:sld xmlns:a="http://schemas.openxmlformats.org/drawingml/2006/main" xmlns:r="http://schemas.openxmlformats.org/officeDocument/2006/relationships" xmlns:p="http://schemas.openxmlformats.org/presentationml/2006/main">
+  <p:cSld>
+    <p:spTree>
+      <p:nvGrpSpPr>
+        <p:cNvPr id="1" name=""/>
+        <p:cNvGrpSpPr/>
+        <p:nvPr/>
+      </p:nvGrpSpPr>
+      <p:grpSpPr>
+        <a:xfrm>
+          <a:off x="0" y="0"/>
+          <a:ext cx="0" cy="0"/>
+          <a:chOff x="0" y="0"/>
+          <a:chExt cx="0" cy="0"/>
+        </a:xfrm>
+      </p:grpSpPr>
+      <p:sp>
+        <p:nvSpPr>
+          <p:cNvPr id="2" name="標題 1">
+            <a:extLst>
+              <a:ext uri="{FF2B5EF4-FFF2-40B4-BE49-F238E27FC236}">
+                <a16:creationId xmlns:a16="http://schemas.microsoft.com/office/drawing/2014/main" id="{0E512F71-F6C6-413E-988A-5E18E843A241}"/>
+              </a:ext>
+            </a:extLst>
+          </p:cNvPr>
+          <p:cNvSpPr>
+            <a:spLocks noGrp="1"/>
+          </p:cNvSpPr>
+          <p:nvPr>
+            <p:ph type="title"/>
+          </p:nvPr>
+        </p:nvSpPr>
+        <p:spPr/>
+        <p:txBody>
+          <a:bodyPr/>
+          <a:lstStyle/>
+          <a:p>
+            <a:r>
+              <a:rPr lang="en-US" altLang="zh-TW" dirty="0">
+                <a:latin typeface="Google Sans"/>
+              </a:rPr>
+              <a:t>Scenario 3: Slower Receiver</a:t>
+            </a:r>
+            <a:endParaRPr lang="zh-TW" altLang="en-US" dirty="0">
+              <a:latin typeface="Google Sans"/>
+            </a:endParaRPr>
+          </a:p>
+        </p:txBody>
+      </p:sp>
+      <p:pic>
+        <p:nvPicPr>
+          <p:cNvPr id="7" name="內容版面配置區 6">
+            <a:extLst>
+              <a:ext uri="{FF2B5EF4-FFF2-40B4-BE49-F238E27FC236}">
+                <a16:creationId xmlns:a16="http://schemas.microsoft.com/office/drawing/2014/main" id="{0F24367B-108F-45E8-B03E-34030252A644}"/>
+              </a:ext>
+            </a:extLst>
+          </p:cNvPr>
+          <p:cNvPicPr>
+            <a:picLocks noGrp="1" noChangeAspect="1"/>
+          </p:cNvPicPr>
+          <p:nvPr>
+            <p:ph idx="1"/>
+          </p:nvPr>
+        </p:nvPicPr>
+        <p:blipFill>
+          <a:blip r:embed="rId2">
+            <a:extLst>
+              <a:ext uri="{28A0092B-C50C-407E-A947-70E740481C1C}">
+                <a14:useLocalDpi xmlns:a14="http://schemas.microsoft.com/office/drawing/2010/main" val="0"/>
+              </a:ext>
+            </a:extLst>
+          </a:blip>
+          <a:stretch>
+            <a:fillRect/>
+          </a:stretch>
+        </p:blipFill>
+        <p:spPr>
+          <a:xfrm>
+            <a:off x="2832497" y="1825625"/>
+            <a:ext cx="6527006" cy="4351338"/>
+          </a:xfrm>
+        </p:spPr>
+      </p:pic>
+    </p:spTree>
+    <p:extLst>
+      <p:ext uri="{BB962C8B-B14F-4D97-AF65-F5344CB8AC3E}">
+        <p14:creationId xmlns:p14="http://schemas.microsoft.com/office/powerpoint/2010/main" val="4105658486"/>
+      </p:ext>
+    </p:extLst>
+  </p:cSld>
+  <p:clrMapOvr>
+    <a:masterClrMapping/>
+  </p:clrMapOvr>
+</p:sld>
+</file>
+
+<file path=ppt/slides/slide14.xml><?xml version="1.0" encoding="utf-8"?>
+<p:sld xmlns:a="http://schemas.openxmlformats.org/drawingml/2006/main" xmlns:r="http://schemas.openxmlformats.org/officeDocument/2006/relationships" xmlns:p="http://schemas.openxmlformats.org/presentationml/2006/main">
+  <p:cSld>
+    <p:spTree>
+      <p:nvGrpSpPr>
+        <p:cNvPr id="1" name=""/>
+        <p:cNvGrpSpPr/>
+        <p:nvPr/>
+      </p:nvGrpSpPr>
+      <p:grpSpPr>
+        <a:xfrm>
+          <a:off x="0" y="0"/>
+          <a:ext cx="0" cy="0"/>
+          <a:chOff x="0" y="0"/>
+          <a:chExt cx="0" cy="0"/>
+        </a:xfrm>
+      </p:grpSpPr>
+      <p:sp>
+        <p:nvSpPr>
+          <p:cNvPr id="2" name="標題 1">
+            <a:extLst>
+              <a:ext uri="{FF2B5EF4-FFF2-40B4-BE49-F238E27FC236}">
+                <a16:creationId xmlns:a16="http://schemas.microsoft.com/office/drawing/2014/main" id="{AEDEB3DD-3B83-46A2-A438-2639F6329247}"/>
+              </a:ext>
+            </a:extLst>
+          </p:cNvPr>
+          <p:cNvSpPr>
+            <a:spLocks noGrp="1"/>
+          </p:cNvSpPr>
+          <p:nvPr>
+            <p:ph type="title"/>
+          </p:nvPr>
+        </p:nvSpPr>
+        <p:spPr/>
+        <p:txBody>
+          <a:bodyPr/>
+          <a:lstStyle/>
+          <a:p>
+            <a:r>
+              <a:rPr lang="en-US" altLang="zh-TW" dirty="0">
+                <a:latin typeface="Google Sans"/>
+              </a:rPr>
+              <a:t>Scenario 4: All different bandwidth</a:t>
+            </a:r>
+            <a:endParaRPr lang="zh-TW" altLang="en-US" dirty="0">
+              <a:latin typeface="Google Sans"/>
+            </a:endParaRPr>
+          </a:p>
+        </p:txBody>
+      </p:sp>
+      <p:pic>
+        <p:nvPicPr>
+          <p:cNvPr id="9" name="內容版面配置區 8">
+            <a:extLst>
+              <a:ext uri="{FF2B5EF4-FFF2-40B4-BE49-F238E27FC236}">
+                <a16:creationId xmlns:a16="http://schemas.microsoft.com/office/drawing/2014/main" id="{EE0DEC98-A82C-4D67-8E2D-0213C28A8CED}"/>
+              </a:ext>
+            </a:extLst>
+          </p:cNvPr>
+          <p:cNvPicPr>
+            <a:picLocks noGrp="1" noChangeAspect="1"/>
+          </p:cNvPicPr>
+          <p:nvPr>
+            <p:ph idx="1"/>
+          </p:nvPr>
+        </p:nvPicPr>
+        <p:blipFill>
+          <a:blip r:embed="rId2">
+            <a:extLst>
+              <a:ext uri="{28A0092B-C50C-407E-A947-70E740481C1C}">
+                <a14:useLocalDpi xmlns:a14="http://schemas.microsoft.com/office/drawing/2010/main" val="0"/>
+              </a:ext>
+            </a:extLst>
+          </a:blip>
+          <a:stretch>
+            <a:fillRect/>
+          </a:stretch>
+        </p:blipFill>
+        <p:spPr>
+          <a:xfrm>
+            <a:off x="2832497" y="1690688"/>
+            <a:ext cx="6527006" cy="4351338"/>
+          </a:xfrm>
+        </p:spPr>
+      </p:pic>
+      <p:sp>
+        <p:nvSpPr>
+          <p:cNvPr id="10" name="文字方塊 9">
+            <a:extLst>
+              <a:ext uri="{FF2B5EF4-FFF2-40B4-BE49-F238E27FC236}">
+                <a16:creationId xmlns:a16="http://schemas.microsoft.com/office/drawing/2014/main" id="{4BEBC1D7-220E-425D-92C6-2D5F8A0B2462}"/>
+              </a:ext>
+            </a:extLst>
+          </p:cNvPr>
+          <p:cNvSpPr txBox="1"/>
+          <p:nvPr/>
+        </p:nvSpPr>
+        <p:spPr>
+          <a:xfrm>
+            <a:off x="1577985" y="4567147"/>
+            <a:ext cx="2509024" cy="1200329"/>
+          </a:xfrm>
+          <a:prstGeom prst="rect">
+            <a:avLst/>
+          </a:prstGeom>
+          <a:noFill/>
+        </p:spPr>
+        <p:txBody>
+          <a:bodyPr wrap="square" rtlCol="0">
+            <a:spAutoFit/>
+          </a:bodyPr>
+          <a:lstStyle/>
+          <a:p>
+            <a:r>
+              <a:rPr lang="en-US" altLang="zh-TW" dirty="0"/>
+              <a:t>H1:0.2</a:t>
+            </a:r>
+          </a:p>
+          <a:p>
+            <a:r>
+              <a:rPr lang="en-US" altLang="zh-TW" dirty="0"/>
+              <a:t>H2:0.4</a:t>
+            </a:r>
+          </a:p>
+          <a:p>
+            <a:r>
+              <a:rPr lang="en-US" altLang="zh-TW" dirty="0"/>
+              <a:t>H3:0.6</a:t>
+            </a:r>
+          </a:p>
+          <a:p>
+            <a:r>
+              <a:rPr lang="en-US" altLang="zh-TW" dirty="0"/>
+              <a:t>H4:0.8</a:t>
+            </a:r>
+            <a:endParaRPr lang="zh-TW" altLang="en-US" dirty="0"/>
+          </a:p>
+        </p:txBody>
+      </p:sp>
+    </p:spTree>
+    <p:extLst>
+      <p:ext uri="{BB962C8B-B14F-4D97-AF65-F5344CB8AC3E}">
+        <p14:creationId xmlns:p14="http://schemas.microsoft.com/office/powerpoint/2010/main" val="969055277"/>
+      </p:ext>
+    </p:extLst>
+  </p:cSld>
+  <p:clrMapOvr>
+    <a:masterClrMapping/>
+  </p:clrMapOvr>
+</p:sld>
+</file>
+
+<file path=ppt/slides/slide15.xml><?xml version="1.0" encoding="utf-8"?>
+<p:sld xmlns:a="http://schemas.openxmlformats.org/drawingml/2006/main" xmlns:r="http://schemas.openxmlformats.org/officeDocument/2006/relationships" xmlns:p="http://schemas.openxmlformats.org/presentationml/2006/main">
+  <p:cSld>
+    <p:spTree>
+      <p:nvGrpSpPr>
+        <p:cNvPr id="1" name=""/>
+        <p:cNvGrpSpPr/>
+        <p:nvPr/>
+      </p:nvGrpSpPr>
+      <p:grpSpPr>
+        <a:xfrm>
+          <a:off x="0" y="0"/>
+          <a:ext cx="0" cy="0"/>
+          <a:chOff x="0" y="0"/>
+          <a:chExt cx="0" cy="0"/>
+        </a:xfrm>
+      </p:grpSpPr>
+      <p:sp>
+        <p:nvSpPr>
+          <p:cNvPr id="5" name="標題 4">
+            <a:extLst>
+              <a:ext uri="{FF2B5EF4-FFF2-40B4-BE49-F238E27FC236}">
+                <a16:creationId xmlns:a16="http://schemas.microsoft.com/office/drawing/2014/main" id="{FADCB4AC-6EDB-44BB-8E76-6BB09C4E480C}"/>
+              </a:ext>
+            </a:extLst>
+          </p:cNvPr>
+          <p:cNvSpPr>
+            <a:spLocks noGrp="1"/>
+          </p:cNvSpPr>
+          <p:nvPr>
+            <p:ph type="ctrTitle"/>
+          </p:nvPr>
+        </p:nvSpPr>
+        <p:spPr/>
+        <p:txBody>
+          <a:bodyPr/>
+          <a:lstStyle/>
+          <a:p>
+            <a:pPr algn="ctr"/>
+            <a:r>
+              <a:rPr lang="en-US" altLang="zh-TW" b="0" i="0" dirty="0">
+                <a:solidFill>
+                  <a:srgbClr val="000000"/>
+                </a:solidFill>
+                <a:effectLst/>
+                <a:latin typeface="Google Sans"/>
+              </a:rPr>
+              <a:t>Thank you for listening.</a:t>
+            </a:r>
+            <a:endParaRPr lang="zh-TW" altLang="en-US" dirty="0">
+              <a:latin typeface="Google Sans"/>
+            </a:endParaRPr>
+          </a:p>
+        </p:txBody>
+      </p:sp>
+      <p:sp>
+        <p:nvSpPr>
+          <p:cNvPr id="7" name="副標題 6">
+            <a:extLst>
+              <a:ext uri="{FF2B5EF4-FFF2-40B4-BE49-F238E27FC236}">
+                <a16:creationId xmlns:a16="http://schemas.microsoft.com/office/drawing/2014/main" id="{E283527A-F5E1-4DDD-B7AA-1D438373EDC3}"/>
+              </a:ext>
+            </a:extLst>
+          </p:cNvPr>
+          <p:cNvSpPr>
+            <a:spLocks noGrp="1"/>
+          </p:cNvSpPr>
+          <p:nvPr>
+            <p:ph type="subTitle" idx="1"/>
+          </p:nvPr>
+        </p:nvSpPr>
+        <p:spPr/>
+        <p:txBody>
+          <a:bodyPr>
+            <a:normAutofit/>
+          </a:bodyPr>
+          <a:lstStyle/>
+          <a:p>
+            <a:r>
+              <a:rPr lang="en-US" altLang="zh-TW" sz="4400" dirty="0">
+                <a:latin typeface="Google Sans"/>
+              </a:rPr>
+              <a:t>QA time</a:t>
+            </a:r>
+            <a:endParaRPr lang="zh-TW" altLang="en-US" sz="4400" dirty="0">
+              <a:latin typeface="Google Sans"/>
+            </a:endParaRPr>
+          </a:p>
+        </p:txBody>
+      </p:sp>
+    </p:spTree>
+    <p:extLst>
+      <p:ext uri="{BB962C8B-B14F-4D97-AF65-F5344CB8AC3E}">
+        <p14:creationId xmlns:p14="http://schemas.microsoft.com/office/powerpoint/2010/main" val="144611234"/>
+      </p:ext>
+    </p:extLst>
+  </p:cSld>
+  <p:clrMapOvr>
+    <a:masterClrMapping/>
+  </p:clrMapOvr>
+</p:sld>
+</file>
+
+<file path=ppt/slides/slide2.xml><?xml version="1.0" encoding="utf-8"?>
+<p:sld xmlns:a="http://schemas.openxmlformats.org/drawingml/2006/main" xmlns:r="http://schemas.openxmlformats.org/officeDocument/2006/relationships" xmlns:p="http://schemas.openxmlformats.org/presentationml/2006/main">
+  <p:cSld>
+    <p:spTree>
+      <p:nvGrpSpPr>
+        <p:cNvPr id="1" name=""/>
+        <p:cNvGrpSpPr/>
+        <p:nvPr/>
+      </p:nvGrpSpPr>
+      <p:grpSpPr>
+        <a:xfrm>
+          <a:off x="0" y="0"/>
+          <a:ext cx="0" cy="0"/>
+          <a:chOff x="0" y="0"/>
+          <a:chExt cx="0" cy="0"/>
+        </a:xfrm>
+      </p:grpSpPr>
+      <p:sp>
+        <p:nvSpPr>
+          <p:cNvPr id="2" name="標題 1">
+            <a:extLst>
+              <a:ext uri="{FF2B5EF4-FFF2-40B4-BE49-F238E27FC236}">
+                <a16:creationId xmlns:a16="http://schemas.microsoft.com/office/drawing/2014/main" id="{619FF3EF-8428-4227-BDC5-4196D82745C4}"/>
+              </a:ext>
+            </a:extLst>
+          </p:cNvPr>
+          <p:cNvSpPr>
+            <a:spLocks noGrp="1"/>
+          </p:cNvSpPr>
+          <p:nvPr>
+            <p:ph type="title"/>
+          </p:nvPr>
+        </p:nvSpPr>
+        <p:spPr/>
+        <p:txBody>
+          <a:bodyPr/>
+          <a:lstStyle/>
+          <a:p>
+            <a:r>
+              <a:rPr lang="en-US" altLang="zh-TW" b="0" i="0" dirty="0">
+                <a:solidFill>
+                  <a:srgbClr val="1D1C1D"/>
+                </a:solidFill>
+                <a:effectLst/>
+                <a:latin typeface="NotoSansSC"/>
+              </a:rPr>
+              <a:t>Reliable In-Network Aggregation</a:t>
+            </a:r>
+            <a:endParaRPr lang="zh-TW" altLang="en-US" dirty="0"/>
+          </a:p>
+        </p:txBody>
+      </p:sp>
+      <p:sp>
+        <p:nvSpPr>
+          <p:cNvPr id="3" name="內容版面配置區 2">
+            <a:extLst>
+              <a:ext uri="{FF2B5EF4-FFF2-40B4-BE49-F238E27FC236}">
+                <a16:creationId xmlns:a16="http://schemas.microsoft.com/office/drawing/2014/main" id="{B9B8E2BC-80AF-420A-8BCB-05256820C1F0}"/>
+              </a:ext>
+            </a:extLst>
+          </p:cNvPr>
+          <p:cNvSpPr>
+            <a:spLocks noGrp="1"/>
+          </p:cNvSpPr>
+          <p:nvPr>
+            <p:ph idx="1"/>
+          </p:nvPr>
+        </p:nvSpPr>
+        <p:spPr/>
+        <p:txBody>
+          <a:bodyPr/>
+          <a:lstStyle/>
+          <a:p>
+            <a:r>
+              <a:rPr lang="en-US" altLang="zh-TW" b="0" i="0" dirty="0">
+                <a:solidFill>
+                  <a:srgbClr val="000000"/>
+                </a:solidFill>
+                <a:effectLst/>
+                <a:latin typeface="Lato" panose="020B0604020202020204" pitchFamily="34" charset="0"/>
+              </a:rPr>
+              <a:t>Aggregation</a:t>
+            </a:r>
+          </a:p>
+          <a:p>
+            <a:pPr lvl="1"/>
+            <a:r>
+              <a:rPr lang="en-US" altLang="zh-TW" b="0" i="0" dirty="0">
+                <a:solidFill>
+                  <a:srgbClr val="000000"/>
+                </a:solidFill>
+                <a:effectLst/>
+                <a:latin typeface="Lato" panose="020B0604020202020204" pitchFamily="34" charset="0"/>
+              </a:rPr>
+              <a:t>Grouping and summarizing specific data</a:t>
+            </a:r>
+          </a:p>
+          <a:p>
+            <a:pPr lvl="1"/>
+            <a:r>
+              <a:rPr lang="en-US" altLang="zh-TW" dirty="0">
+                <a:solidFill>
+                  <a:srgbClr val="000000"/>
+                </a:solidFill>
+                <a:latin typeface="Lato" panose="020B0604020202020204" pitchFamily="34" charset="0"/>
+              </a:rPr>
+              <a:t>Maybe a ML</a:t>
+            </a:r>
+            <a:r>
+              <a:rPr lang="zh-TW" altLang="en-US" dirty="0">
+                <a:solidFill>
+                  <a:srgbClr val="000000"/>
+                </a:solidFill>
+                <a:latin typeface="Lato" panose="020B0604020202020204" pitchFamily="34" charset="0"/>
+              </a:rPr>
+              <a:t> </a:t>
+            </a:r>
+            <a:r>
+              <a:rPr lang="en-US" altLang="zh-TW" dirty="0">
+                <a:solidFill>
+                  <a:srgbClr val="000000"/>
+                </a:solidFill>
+                <a:latin typeface="Lato" panose="020B0604020202020204" pitchFamily="34" charset="0"/>
+              </a:rPr>
+              <a:t>checkpoints or else</a:t>
+            </a:r>
+            <a:endParaRPr lang="en-US" altLang="zh-TW" b="0" i="0" dirty="0">
+              <a:solidFill>
+                <a:srgbClr val="000000"/>
+              </a:solidFill>
+              <a:effectLst/>
+              <a:latin typeface="Lato" panose="020B0604020202020204" pitchFamily="34" charset="0"/>
+            </a:endParaRPr>
+          </a:p>
+          <a:p>
+            <a:r>
+              <a:rPr lang="en-US" altLang="zh-TW" dirty="0">
+                <a:solidFill>
+                  <a:srgbClr val="000000"/>
+                </a:solidFill>
+                <a:latin typeface="Lato" panose="020B0604020202020204" pitchFamily="34" charset="0"/>
+              </a:rPr>
+              <a:t>In-Network</a:t>
+            </a:r>
+          </a:p>
+          <a:p>
+            <a:pPr lvl="1"/>
+            <a:r>
+              <a:rPr lang="en-US" altLang="zh-TW" dirty="0">
+                <a:solidFill>
+                  <a:srgbClr val="000000"/>
+                </a:solidFill>
+                <a:latin typeface="Lato" panose="020B0604020202020204" pitchFamily="34" charset="0"/>
+              </a:rPr>
+              <a:t>Aggregating in Network stage</a:t>
+            </a:r>
+          </a:p>
+          <a:p>
+            <a:pPr lvl="1"/>
+            <a:r>
+              <a:rPr lang="en-US" altLang="zh-TW" dirty="0">
+                <a:solidFill>
+                  <a:srgbClr val="000000"/>
+                </a:solidFill>
+                <a:latin typeface="Lato" panose="020B0604020202020204" pitchFamily="34" charset="0"/>
+              </a:rPr>
+              <a:t>Not in host terminal</a:t>
+            </a:r>
+          </a:p>
+          <a:p>
+            <a:r>
+              <a:rPr lang="en-US" altLang="zh-TW" dirty="0">
+                <a:solidFill>
+                  <a:srgbClr val="000000"/>
+                </a:solidFill>
+                <a:latin typeface="Lato" panose="020B0604020202020204" pitchFamily="34" charset="0"/>
+              </a:rPr>
+              <a:t>Reliable</a:t>
+            </a:r>
+          </a:p>
+          <a:p>
+            <a:pPr lvl="1"/>
+            <a:r>
+              <a:rPr lang="en-US" altLang="zh-TW" dirty="0">
+                <a:solidFill>
+                  <a:srgbClr val="000000"/>
+                </a:solidFill>
+                <a:latin typeface="Lato" panose="020B0604020202020204" pitchFamily="34" charset="0"/>
+              </a:rPr>
+              <a:t>Packet loss handling</a:t>
+            </a:r>
+          </a:p>
+          <a:p>
+            <a:pPr lvl="1"/>
+            <a:r>
+              <a:rPr lang="en-US" altLang="zh-TW" dirty="0">
+                <a:solidFill>
+                  <a:srgbClr val="000000"/>
+                </a:solidFill>
+                <a:latin typeface="Lato" panose="020B0604020202020204" pitchFamily="34" charset="0"/>
+              </a:rPr>
+              <a:t>Sequence ensure</a:t>
+            </a:r>
+          </a:p>
+          <a:p>
+            <a:pPr lvl="1"/>
+            <a:r>
+              <a:rPr lang="en-US" altLang="zh-TW" dirty="0">
+                <a:solidFill>
+                  <a:srgbClr val="000000"/>
+                </a:solidFill>
+                <a:latin typeface="Lato" panose="020B0604020202020204" pitchFamily="34" charset="0"/>
+              </a:rPr>
+              <a:t>Acknowledgement</a:t>
+            </a:r>
+            <a:endParaRPr lang="zh-TW" altLang="en-US" dirty="0"/>
+          </a:p>
+        </p:txBody>
+      </p:sp>
+      <p:sp>
+        <p:nvSpPr>
+          <p:cNvPr id="5" name="矩形: 圓角 4">
+            <a:extLst>
+              <a:ext uri="{FF2B5EF4-FFF2-40B4-BE49-F238E27FC236}">
+                <a16:creationId xmlns:a16="http://schemas.microsoft.com/office/drawing/2014/main" id="{BF22318E-01B9-4E9B-BF60-9746A608DC9D}"/>
+              </a:ext>
+            </a:extLst>
+          </p:cNvPr>
+          <p:cNvSpPr/>
+          <p:nvPr/>
+        </p:nvSpPr>
+        <p:spPr>
+          <a:xfrm>
+            <a:off x="10540012" y="3570133"/>
+            <a:ext cx="1468191" cy="1083077"/>
+          </a:xfrm>
+          <a:prstGeom prst="roundRect">
+            <a:avLst/>
+          </a:prstGeom>
+          <a:solidFill>
+            <a:schemeClr val="accent4">
+              <a:lumMod val="20000"/>
+              <a:lumOff val="80000"/>
+            </a:schemeClr>
+          </a:solidFill>
+        </p:spPr>
+        <p:style>
+          <a:lnRef idx="2">
+            <a:schemeClr val="accent1">
+              <a:shade val="50000"/>
+            </a:schemeClr>
+          </a:lnRef>
+          <a:fillRef idx="1">
+            <a:schemeClr val="accent1"/>
+          </a:fillRef>
+          <a:effectRef idx="0">
+            <a:schemeClr val="accent1"/>
+          </a:effectRef>
+          <a:fontRef idx="minor">
+            <a:schemeClr val="lt1"/>
+          </a:fontRef>
+        </p:style>
+        <p:txBody>
+          <a:bodyPr rtlCol="0" anchor="ctr"/>
+          <a:lstStyle/>
+          <a:p>
+            <a:pPr algn="ctr"/>
+            <a:r>
+              <a:rPr lang="en-US" altLang="zh-TW" sz="3000" dirty="0">
+                <a:solidFill>
+                  <a:schemeClr val="tx1"/>
+                </a:solidFill>
+              </a:rPr>
+              <a:t>2</a:t>
+            </a:r>
+            <a:endParaRPr lang="zh-TW" altLang="en-US" sz="3000" dirty="0">
+              <a:solidFill>
+                <a:schemeClr val="tx1"/>
+              </a:solidFill>
+            </a:endParaRPr>
+          </a:p>
+        </p:txBody>
+      </p:sp>
+      <p:sp>
+        <p:nvSpPr>
+          <p:cNvPr id="4" name="矩形: 圓角 3">
+            <a:extLst>
+              <a:ext uri="{FF2B5EF4-FFF2-40B4-BE49-F238E27FC236}">
+                <a16:creationId xmlns:a16="http://schemas.microsoft.com/office/drawing/2014/main" id="{47AAA7FF-542E-4D63-879C-4F017FDAC896}"/>
+              </a:ext>
+            </a:extLst>
+          </p:cNvPr>
+          <p:cNvSpPr/>
+          <p:nvPr/>
+        </p:nvSpPr>
+        <p:spPr>
+          <a:xfrm>
+            <a:off x="7472432" y="2352923"/>
+            <a:ext cx="1468191" cy="1083077"/>
+          </a:xfrm>
+          <a:prstGeom prst="roundRect">
+            <a:avLst/>
+          </a:prstGeom>
+          <a:solidFill>
+            <a:schemeClr val="accent1">
+              <a:lumMod val="20000"/>
+              <a:lumOff val="80000"/>
+            </a:schemeClr>
+          </a:solidFill>
+        </p:spPr>
+        <p:style>
+          <a:lnRef idx="2">
+            <a:schemeClr val="accent1">
+              <a:shade val="50000"/>
+            </a:schemeClr>
+          </a:lnRef>
+          <a:fillRef idx="1">
+            <a:schemeClr val="accent1"/>
+          </a:fillRef>
+          <a:effectRef idx="0">
+            <a:schemeClr val="accent1"/>
+          </a:effectRef>
+          <a:fontRef idx="minor">
+            <a:schemeClr val="lt1"/>
+          </a:fontRef>
+        </p:style>
+        <p:txBody>
+          <a:bodyPr rtlCol="0" anchor="ctr"/>
+          <a:lstStyle/>
+          <a:p>
+            <a:pPr algn="ctr"/>
+            <a:r>
+              <a:rPr lang="en-US" altLang="zh-TW" sz="3000" b="1" dirty="0">
+                <a:solidFill>
+                  <a:schemeClr val="tx1"/>
+                </a:solidFill>
+              </a:rPr>
+              <a:t>1</a:t>
+            </a:r>
+            <a:endParaRPr lang="zh-TW" altLang="en-US" sz="3000" b="1" dirty="0">
+              <a:solidFill>
+                <a:schemeClr val="tx1"/>
+              </a:solidFill>
+            </a:endParaRPr>
+          </a:p>
+        </p:txBody>
+      </p:sp>
+      <p:sp>
+        <p:nvSpPr>
+          <p:cNvPr id="6" name="矩形: 圓角 5">
+            <a:extLst>
+              <a:ext uri="{FF2B5EF4-FFF2-40B4-BE49-F238E27FC236}">
+                <a16:creationId xmlns:a16="http://schemas.microsoft.com/office/drawing/2014/main" id="{CDA806EB-1830-4C86-B2E9-6F017B851682}"/>
+              </a:ext>
+            </a:extLst>
+          </p:cNvPr>
+          <p:cNvSpPr/>
+          <p:nvPr/>
+        </p:nvSpPr>
+        <p:spPr>
+          <a:xfrm>
+            <a:off x="7472432" y="4787030"/>
+            <a:ext cx="1468191" cy="1083077"/>
+          </a:xfrm>
+          <a:prstGeom prst="roundRect">
+            <a:avLst/>
+          </a:prstGeom>
+          <a:solidFill>
+            <a:schemeClr val="accent1">
+              <a:lumMod val="20000"/>
+              <a:lumOff val="80000"/>
+            </a:schemeClr>
+          </a:solidFill>
+        </p:spPr>
+        <p:style>
+          <a:lnRef idx="2">
+            <a:schemeClr val="accent1">
+              <a:shade val="50000"/>
+            </a:schemeClr>
+          </a:lnRef>
+          <a:fillRef idx="1">
+            <a:schemeClr val="accent1"/>
+          </a:fillRef>
+          <a:effectRef idx="0">
+            <a:schemeClr val="accent1"/>
+          </a:effectRef>
+          <a:fontRef idx="minor">
+            <a:schemeClr val="lt1"/>
+          </a:fontRef>
+        </p:style>
+        <p:txBody>
+          <a:bodyPr rtlCol="0" anchor="ctr"/>
+          <a:lstStyle/>
+          <a:p>
+            <a:pPr algn="ctr"/>
+            <a:r>
+              <a:rPr lang="en-US" altLang="zh-TW" sz="3000" b="1" dirty="0">
+                <a:solidFill>
+                  <a:schemeClr val="tx1"/>
+                </a:solidFill>
+              </a:rPr>
+              <a:t>1</a:t>
+            </a:r>
+            <a:endParaRPr lang="zh-TW" altLang="en-US" sz="3000" b="1" dirty="0">
+              <a:solidFill>
+                <a:schemeClr val="tx1"/>
+              </a:solidFill>
+            </a:endParaRPr>
+          </a:p>
+        </p:txBody>
+      </p:sp>
+      <p:sp>
+        <p:nvSpPr>
+          <p:cNvPr id="8" name="加號 7">
+            <a:extLst>
+              <a:ext uri="{FF2B5EF4-FFF2-40B4-BE49-F238E27FC236}">
+                <a16:creationId xmlns:a16="http://schemas.microsoft.com/office/drawing/2014/main" id="{1E0250F4-ED29-4F24-BD56-0D265A43DF2E}"/>
+              </a:ext>
+            </a:extLst>
+          </p:cNvPr>
+          <p:cNvSpPr/>
+          <p:nvPr/>
+        </p:nvSpPr>
+        <p:spPr>
+          <a:xfrm>
+            <a:off x="7807282" y="3686512"/>
+            <a:ext cx="798490" cy="850006"/>
+          </a:xfrm>
+          <a:prstGeom prst="mathPlus">
+            <a:avLst/>
+          </a:prstGeom>
+          <a:solidFill>
+            <a:schemeClr val="bg2">
+              <a:lumMod val="75000"/>
+            </a:schemeClr>
+          </a:solidFill>
+        </p:spPr>
+        <p:style>
+          <a:lnRef idx="2">
+            <a:schemeClr val="accent1">
+              <a:shade val="50000"/>
+            </a:schemeClr>
+          </a:lnRef>
+          <a:fillRef idx="1">
+            <a:schemeClr val="accent1"/>
+          </a:fillRef>
+          <a:effectRef idx="0">
+            <a:schemeClr val="accent1"/>
+          </a:effectRef>
+          <a:fontRef idx="minor">
+            <a:schemeClr val="lt1"/>
+          </a:fontRef>
+        </p:style>
+        <p:txBody>
+          <a:bodyPr rtlCol="0" anchor="ctr"/>
+          <a:lstStyle/>
+          <a:p>
+            <a:pPr algn="ctr"/>
+            <a:endParaRPr lang="zh-TW" altLang="en-US" dirty="0"/>
+          </a:p>
+        </p:txBody>
+      </p:sp>
+      <p:sp>
+        <p:nvSpPr>
+          <p:cNvPr id="12" name="箭號: 向右 11">
+            <a:extLst>
+              <a:ext uri="{FF2B5EF4-FFF2-40B4-BE49-F238E27FC236}">
+                <a16:creationId xmlns:a16="http://schemas.microsoft.com/office/drawing/2014/main" id="{221E11EE-6FB2-4A11-BDF1-019D73802F1B}"/>
+              </a:ext>
+            </a:extLst>
+          </p:cNvPr>
+          <p:cNvSpPr/>
+          <p:nvPr/>
+        </p:nvSpPr>
+        <p:spPr>
+          <a:xfrm>
+            <a:off x="9344070" y="3923931"/>
+            <a:ext cx="1083077" cy="375163"/>
+          </a:xfrm>
+          <a:prstGeom prst="rightArrow">
+            <a:avLst/>
+          </a:prstGeom>
+          <a:ln>
+            <a:solidFill>
+              <a:schemeClr val="accent1"/>
+            </a:solidFill>
+          </a:ln>
+        </p:spPr>
+        <p:style>
+          <a:lnRef idx="2">
+            <a:schemeClr val="accent1">
+              <a:shade val="50000"/>
+            </a:schemeClr>
+          </a:lnRef>
+          <a:fillRef idx="1">
+            <a:schemeClr val="accent1"/>
+          </a:fillRef>
+          <a:effectRef idx="0">
+            <a:schemeClr val="accent1"/>
+          </a:effectRef>
+          <a:fontRef idx="minor">
+            <a:schemeClr val="lt1"/>
+          </a:fontRef>
+        </p:style>
+        <p:txBody>
+          <a:bodyPr rtlCol="0" anchor="ctr"/>
+          <a:lstStyle/>
+          <a:p>
+            <a:pPr algn="ctr"/>
+            <a:endParaRPr lang="zh-TW" altLang="en-US"/>
+          </a:p>
+        </p:txBody>
+      </p:sp>
+      <p:sp>
+        <p:nvSpPr>
+          <p:cNvPr id="13" name="矩形 12">
+            <a:extLst>
+              <a:ext uri="{FF2B5EF4-FFF2-40B4-BE49-F238E27FC236}">
+                <a16:creationId xmlns:a16="http://schemas.microsoft.com/office/drawing/2014/main" id="{29698366-8938-44DF-8073-E23EB753085B}"/>
+              </a:ext>
+            </a:extLst>
+          </p:cNvPr>
+          <p:cNvSpPr/>
+          <p:nvPr/>
+        </p:nvSpPr>
+        <p:spPr>
+          <a:xfrm>
+            <a:off x="9331013" y="2655153"/>
+            <a:ext cx="150187" cy="2912719"/>
+          </a:xfrm>
+          <a:prstGeom prst="rect">
+            <a:avLst/>
+          </a:prstGeom>
+          <a:ln>
+            <a:solidFill>
+              <a:schemeClr val="accent1"/>
+            </a:solidFill>
+          </a:ln>
+        </p:spPr>
+        <p:style>
+          <a:lnRef idx="2">
+            <a:schemeClr val="accent1">
+              <a:shade val="50000"/>
+            </a:schemeClr>
+          </a:lnRef>
+          <a:fillRef idx="1">
+            <a:schemeClr val="accent1"/>
+          </a:fillRef>
+          <a:effectRef idx="0">
+            <a:schemeClr val="accent1"/>
+          </a:effectRef>
+          <a:fontRef idx="minor">
+            <a:schemeClr val="lt1"/>
+          </a:fontRef>
+        </p:style>
+        <p:txBody>
+          <a:bodyPr rtlCol="0" anchor="ctr"/>
+          <a:lstStyle/>
+          <a:p>
+            <a:pPr algn="ctr"/>
+            <a:endParaRPr lang="zh-TW" altLang="en-US"/>
+          </a:p>
+        </p:txBody>
+      </p:sp>
+      <p:sp>
+        <p:nvSpPr>
+          <p:cNvPr id="14" name="矩形 13">
+            <a:extLst>
+              <a:ext uri="{FF2B5EF4-FFF2-40B4-BE49-F238E27FC236}">
+                <a16:creationId xmlns:a16="http://schemas.microsoft.com/office/drawing/2014/main" id="{8174B0A8-66A6-49B3-9CBA-214C4EBAC13B}"/>
+              </a:ext>
+            </a:extLst>
+          </p:cNvPr>
+          <p:cNvSpPr/>
+          <p:nvPr/>
+        </p:nvSpPr>
+        <p:spPr>
+          <a:xfrm>
+            <a:off x="9055146" y="2655153"/>
+            <a:ext cx="342900" cy="128362"/>
+          </a:xfrm>
+          <a:prstGeom prst="rect">
+            <a:avLst/>
+          </a:prstGeom>
+          <a:ln>
+            <a:solidFill>
+              <a:schemeClr val="accent1"/>
+            </a:solidFill>
+          </a:ln>
+        </p:spPr>
+        <p:style>
+          <a:lnRef idx="2">
+            <a:schemeClr val="accent1">
+              <a:shade val="50000"/>
+            </a:schemeClr>
+          </a:lnRef>
+          <a:fillRef idx="1">
+            <a:schemeClr val="accent1"/>
+          </a:fillRef>
+          <a:effectRef idx="0">
+            <a:schemeClr val="accent1"/>
+          </a:effectRef>
+          <a:fontRef idx="minor">
+            <a:schemeClr val="lt1"/>
+          </a:fontRef>
+        </p:style>
+        <p:txBody>
+          <a:bodyPr rtlCol="0" anchor="ctr"/>
+          <a:lstStyle/>
+          <a:p>
+            <a:pPr algn="ctr"/>
+            <a:endParaRPr lang="zh-TW" altLang="en-US"/>
+          </a:p>
+        </p:txBody>
+      </p:sp>
+      <p:sp>
+        <p:nvSpPr>
+          <p:cNvPr id="15" name="矩形 14">
+            <a:extLst>
+              <a:ext uri="{FF2B5EF4-FFF2-40B4-BE49-F238E27FC236}">
+                <a16:creationId xmlns:a16="http://schemas.microsoft.com/office/drawing/2014/main" id="{FC149FE7-8242-4CF2-8280-83CB4413EF8B}"/>
+              </a:ext>
+            </a:extLst>
+          </p:cNvPr>
+          <p:cNvSpPr/>
+          <p:nvPr/>
+        </p:nvSpPr>
+        <p:spPr>
+          <a:xfrm>
+            <a:off x="9078756" y="5439508"/>
+            <a:ext cx="342900" cy="128362"/>
+          </a:xfrm>
+          <a:prstGeom prst="rect">
+            <a:avLst/>
+          </a:prstGeom>
+          <a:ln>
+            <a:solidFill>
+              <a:schemeClr val="accent1"/>
+            </a:solidFill>
+          </a:ln>
+        </p:spPr>
+        <p:style>
+          <a:lnRef idx="2">
+            <a:schemeClr val="accent1">
+              <a:shade val="50000"/>
+            </a:schemeClr>
+          </a:lnRef>
+          <a:fillRef idx="1">
+            <a:schemeClr val="accent1"/>
+          </a:fillRef>
+          <a:effectRef idx="0">
+            <a:schemeClr val="accent1"/>
+          </a:effectRef>
+          <a:fontRef idx="minor">
+            <a:schemeClr val="lt1"/>
+          </a:fontRef>
+        </p:style>
+        <p:txBody>
+          <a:bodyPr rtlCol="0" anchor="ctr"/>
+          <a:lstStyle/>
+          <a:p>
+            <a:pPr algn="ctr"/>
+            <a:endParaRPr lang="zh-TW" altLang="en-US"/>
+          </a:p>
+        </p:txBody>
+      </p:sp>
+    </p:spTree>
+    <p:extLst>
+      <p:ext uri="{BB962C8B-B14F-4D97-AF65-F5344CB8AC3E}">
+        <p14:creationId xmlns:p14="http://schemas.microsoft.com/office/powerpoint/2010/main" val="2263895188"/>
+      </p:ext>
+    </p:extLst>
+  </p:cSld>
+  <p:clrMapOvr>
+    <a:masterClrMapping/>
+  </p:clrMapOvr>
+</p:sld>
+</file>
+
+<file path=ppt/slides/slide3.xml><?xml version="1.0" encoding="utf-8"?>
+<p:sld xmlns:a="http://schemas.openxmlformats.org/drawingml/2006/main" xmlns:r="http://schemas.openxmlformats.org/officeDocument/2006/relationships" xmlns:p="http://schemas.openxmlformats.org/presentationml/2006/main">
+  <p:cSld>
+    <p:spTree>
+      <p:nvGrpSpPr>
+        <p:cNvPr id="1" name=""/>
+        <p:cNvGrpSpPr/>
+        <p:nvPr/>
+      </p:nvGrpSpPr>
+      <p:grpSpPr>
+        <a:xfrm>
+          <a:off x="0" y="0"/>
+          <a:ext cx="0" cy="0"/>
+          <a:chOff x="0" y="0"/>
+          <a:chExt cx="0" cy="0"/>
+        </a:xfrm>
+      </p:grpSpPr>
+      <p:sp>
+        <p:nvSpPr>
+          <p:cNvPr id="2" name="標題 1">
+            <a:extLst>
+              <a:ext uri="{FF2B5EF4-FFF2-40B4-BE49-F238E27FC236}">
+                <a16:creationId xmlns:a16="http://schemas.microsoft.com/office/drawing/2014/main" id="{619FF3EF-8428-4227-BDC5-4196D82745C4}"/>
+              </a:ext>
+            </a:extLst>
+          </p:cNvPr>
+          <p:cNvSpPr>
+            <a:spLocks noGrp="1"/>
+          </p:cNvSpPr>
+          <p:nvPr>
+            <p:ph type="title"/>
+          </p:nvPr>
+        </p:nvSpPr>
+        <p:spPr/>
+        <p:txBody>
+          <a:bodyPr/>
+          <a:lstStyle/>
+          <a:p>
+            <a:r>
+              <a:rPr lang="en-US" altLang="zh-TW" b="0" i="0" dirty="0">
+                <a:solidFill>
+                  <a:srgbClr val="1D1C1D"/>
+                </a:solidFill>
+                <a:effectLst/>
+                <a:latin typeface="NotoSansSC"/>
+              </a:rPr>
+              <a:t>Building concepts</a:t>
+            </a:r>
+            <a:endParaRPr lang="zh-TW" altLang="en-US" dirty="0"/>
+          </a:p>
+        </p:txBody>
+      </p:sp>
+      <p:sp>
+        <p:nvSpPr>
+          <p:cNvPr id="3" name="內容版面配置區 2">
+            <a:extLst>
+              <a:ext uri="{FF2B5EF4-FFF2-40B4-BE49-F238E27FC236}">
+                <a16:creationId xmlns:a16="http://schemas.microsoft.com/office/drawing/2014/main" id="{B9B8E2BC-80AF-420A-8BCB-05256820C1F0}"/>
+              </a:ext>
+            </a:extLst>
+          </p:cNvPr>
+          <p:cNvSpPr>
+            <a:spLocks noGrp="1"/>
+          </p:cNvSpPr>
+          <p:nvPr>
+            <p:ph idx="1"/>
+          </p:nvPr>
+        </p:nvSpPr>
+        <p:spPr/>
+        <p:txBody>
+          <a:bodyPr/>
+          <a:lstStyle/>
+          <a:p>
+            <a:r>
+              <a:rPr lang="en-US" altLang="zh-TW" dirty="0">
+                <a:solidFill>
+                  <a:srgbClr val="000000"/>
+                </a:solidFill>
+                <a:latin typeface="Lato" panose="020B0604020202020204" pitchFamily="34" charset="0"/>
+              </a:rPr>
+              <a:t>In-Network – P4 </a:t>
+            </a:r>
+          </a:p>
+          <a:p>
+            <a:pPr lvl="1"/>
+            <a:r>
+              <a:rPr lang="en-US" altLang="zh-TW" dirty="0">
+                <a:solidFill>
+                  <a:srgbClr val="000000"/>
+                </a:solidFill>
+                <a:latin typeface="Lato" panose="020B0604020202020204" pitchFamily="34" charset="0"/>
+              </a:rPr>
+              <a:t>Software-Defined Network</a:t>
+            </a:r>
+          </a:p>
+          <a:p>
+            <a:pPr lvl="1"/>
+            <a:r>
+              <a:rPr lang="en-US" altLang="zh-TW" dirty="0">
+                <a:solidFill>
+                  <a:srgbClr val="000000"/>
+                </a:solidFill>
+                <a:latin typeface="Lato" panose="020B0604020202020204" pitchFamily="34" charset="0"/>
+              </a:rPr>
+              <a:t>Programmable switch</a:t>
+            </a:r>
+          </a:p>
+          <a:p>
+            <a:pPr lvl="1"/>
+            <a:r>
+              <a:rPr lang="en-US" altLang="zh-TW" dirty="0">
+                <a:solidFill>
+                  <a:srgbClr val="000000"/>
+                </a:solidFill>
+                <a:latin typeface="Lato" panose="020B0604020202020204" pitchFamily="34" charset="0"/>
+              </a:rPr>
+              <a:t>Can handling headers from layer 2 to layer 5</a:t>
+            </a:r>
+          </a:p>
+          <a:p>
+            <a:pPr lvl="1"/>
+            <a:endParaRPr lang="en-US" altLang="zh-TW" dirty="0">
+              <a:solidFill>
+                <a:srgbClr val="000000"/>
+              </a:solidFill>
+              <a:latin typeface="Lato" panose="020B0604020202020204" pitchFamily="34" charset="0"/>
+            </a:endParaRPr>
+          </a:p>
+          <a:p>
+            <a:r>
+              <a:rPr lang="en-US" altLang="zh-TW" dirty="0">
+                <a:solidFill>
+                  <a:srgbClr val="000000"/>
+                </a:solidFill>
+                <a:latin typeface="Lato" panose="020B0604020202020204" pitchFamily="34" charset="0"/>
+              </a:rPr>
+              <a:t>Reliability – TCP protocol</a:t>
+            </a:r>
+          </a:p>
+          <a:p>
+            <a:pPr lvl="1"/>
+            <a:r>
+              <a:rPr lang="en-US" altLang="zh-TW" dirty="0"/>
+              <a:t>Sequence is ensure</a:t>
+            </a:r>
+          </a:p>
+          <a:p>
+            <a:pPr lvl="1"/>
+            <a:r>
+              <a:rPr lang="en-US" altLang="zh-TW" dirty="0"/>
+              <a:t>Packet loss handling</a:t>
+            </a:r>
+          </a:p>
+          <a:p>
+            <a:pPr lvl="1"/>
+            <a:r>
+              <a:rPr lang="en-US" altLang="zh-TW" dirty="0"/>
+              <a:t>Packet Acknowledgement</a:t>
+            </a:r>
+          </a:p>
+          <a:p>
+            <a:pPr lvl="1"/>
+            <a:endParaRPr lang="en-US" altLang="zh-TW" dirty="0">
+              <a:solidFill>
+                <a:srgbClr val="000000"/>
+              </a:solidFill>
+              <a:latin typeface="Lato" panose="020B0604020202020204" pitchFamily="34" charset="0"/>
+            </a:endParaRPr>
+          </a:p>
+          <a:p>
+            <a:pPr lvl="1"/>
+            <a:endParaRPr lang="zh-TW" altLang="en-US" dirty="0"/>
+          </a:p>
+        </p:txBody>
+      </p:sp>
+      <p:pic>
+        <p:nvPicPr>
+          <p:cNvPr id="5" name="圖片 4">
+            <a:extLst>
+              <a:ext uri="{FF2B5EF4-FFF2-40B4-BE49-F238E27FC236}">
+                <a16:creationId xmlns:a16="http://schemas.microsoft.com/office/drawing/2014/main" id="{F303F7A7-B264-4DA9-AF5A-25001C94F9AF}"/>
+              </a:ext>
+            </a:extLst>
+          </p:cNvPr>
+          <p:cNvPicPr>
+            <a:picLocks noChangeAspect="1"/>
+          </p:cNvPicPr>
+          <p:nvPr/>
+        </p:nvPicPr>
+        <p:blipFill>
+          <a:blip r:embed="rId2">
+            <a:extLst>
+              <a:ext uri="{28A0092B-C50C-407E-A947-70E740481C1C}">
+                <a14:useLocalDpi xmlns:a14="http://schemas.microsoft.com/office/drawing/2010/main" val="0"/>
+              </a:ext>
+            </a:extLst>
+          </a:blip>
+          <a:stretch>
+            <a:fillRect/>
+          </a:stretch>
+        </p:blipFill>
+        <p:spPr>
+          <a:xfrm>
+            <a:off x="8178800" y="2129631"/>
+            <a:ext cx="3175000" cy="3175000"/>
+          </a:xfrm>
+          <a:prstGeom prst="rect">
+            <a:avLst/>
+          </a:prstGeom>
+        </p:spPr>
+      </p:pic>
+    </p:spTree>
+    <p:extLst>
+      <p:ext uri="{BB962C8B-B14F-4D97-AF65-F5344CB8AC3E}">
+        <p14:creationId xmlns:p14="http://schemas.microsoft.com/office/powerpoint/2010/main" val="2389426054"/>
+      </p:ext>
+    </p:extLst>
+  </p:cSld>
+  <p:clrMapOvr>
+    <a:masterClrMapping/>
+  </p:clrMapOvr>
+</p:sld>
+</file>
+
+<file path=ppt/slides/slide4.xml><?xml version="1.0" encoding="utf-8"?>
+<p:sld xmlns:a="http://schemas.openxmlformats.org/drawingml/2006/main" xmlns:r="http://schemas.openxmlformats.org/officeDocument/2006/relationships" xmlns:p="http://schemas.openxmlformats.org/presentationml/2006/main">
+  <p:cSld>
+    <p:spTree>
+      <p:nvGrpSpPr>
+        <p:cNvPr id="1" name=""/>
+        <p:cNvGrpSpPr/>
+        <p:nvPr/>
+      </p:nvGrpSpPr>
+      <p:grpSpPr>
+        <a:xfrm>
+          <a:off x="0" y="0"/>
+          <a:ext cx="0" cy="0"/>
+          <a:chOff x="0" y="0"/>
+          <a:chExt cx="0" cy="0"/>
+        </a:xfrm>
+      </p:grpSpPr>
+      <p:sp>
+        <p:nvSpPr>
+          <p:cNvPr id="2" name="標題 1">
+            <a:extLst>
+              <a:ext uri="{FF2B5EF4-FFF2-40B4-BE49-F238E27FC236}">
+                <a16:creationId xmlns:a16="http://schemas.microsoft.com/office/drawing/2014/main" id="{D36E723E-BAC3-492C-A828-0723B079BC9C}"/>
+              </a:ext>
+            </a:extLst>
+          </p:cNvPr>
+          <p:cNvSpPr>
+            <a:spLocks noGrp="1"/>
+          </p:cNvSpPr>
+          <p:nvPr>
+            <p:ph type="title"/>
+          </p:nvPr>
+        </p:nvSpPr>
+        <p:spPr/>
+        <p:txBody>
+          <a:bodyPr/>
+          <a:lstStyle/>
+          <a:p>
+            <a:r>
+              <a:rPr lang="en-US" altLang="zh-TW" dirty="0">
+                <a:latin typeface="Google Sans"/>
+              </a:rPr>
+              <a:t>A multi-host In-Network aggregator</a:t>
+            </a:r>
+          </a:p>
+        </p:txBody>
+      </p:sp>
+      <p:sp>
+        <p:nvSpPr>
+          <p:cNvPr id="3" name="內容版面配置區 2">
+            <a:extLst>
+              <a:ext uri="{FF2B5EF4-FFF2-40B4-BE49-F238E27FC236}">
+                <a16:creationId xmlns:a16="http://schemas.microsoft.com/office/drawing/2014/main" id="{ED0658A0-8128-425D-87E9-666BFB947C69}"/>
+              </a:ext>
+            </a:extLst>
+          </p:cNvPr>
+          <p:cNvSpPr>
+            <a:spLocks noGrp="1"/>
+          </p:cNvSpPr>
+          <p:nvPr>
+            <p:ph idx="1"/>
+          </p:nvPr>
+        </p:nvSpPr>
+        <p:spPr/>
+        <p:txBody>
+          <a:bodyPr/>
+          <a:lstStyle/>
+          <a:p>
+            <a:r>
+              <a:rPr lang="en-US" altLang="zh-TW" dirty="0"/>
+              <a:t>Receiving data from multiple hosts</a:t>
+            </a:r>
+          </a:p>
+          <a:p>
+            <a:r>
+              <a:rPr lang="en-US" altLang="zh-TW" dirty="0"/>
+              <a:t>Send to Receiver after aggregation</a:t>
+            </a:r>
+          </a:p>
+          <a:p>
+            <a:r>
+              <a:rPr lang="en-US" altLang="zh-TW" dirty="0"/>
+              <a:t>Works under TCP connections</a:t>
+            </a:r>
+            <a:endParaRPr lang="zh-TW" altLang="en-US" dirty="0"/>
+          </a:p>
+        </p:txBody>
+      </p:sp>
+    </p:spTree>
+    <p:extLst>
+      <p:ext uri="{BB962C8B-B14F-4D97-AF65-F5344CB8AC3E}">
+        <p14:creationId xmlns:p14="http://schemas.microsoft.com/office/powerpoint/2010/main" val="4255366868"/>
+      </p:ext>
+    </p:extLst>
+  </p:cSld>
+  <p:clrMapOvr>
+    <a:masterClrMapping/>
+  </p:clrMapOvr>
+</p:sld>
+</file>
+
+<file path=ppt/slides/slide5.xml><?xml version="1.0" encoding="utf-8"?>
+<p:sld xmlns:a="http://schemas.openxmlformats.org/drawingml/2006/main" xmlns:r="http://schemas.openxmlformats.org/officeDocument/2006/relationships" xmlns:p="http://schemas.openxmlformats.org/presentationml/2006/main">
+  <p:cSld>
+    <p:spTree>
+      <p:nvGrpSpPr>
+        <p:cNvPr id="1" name=""/>
+        <p:cNvGrpSpPr/>
+        <p:nvPr/>
+      </p:nvGrpSpPr>
+      <p:grpSpPr>
+        <a:xfrm>
+          <a:off x="0" y="0"/>
+          <a:ext cx="0" cy="0"/>
+          <a:chOff x="0" y="0"/>
+          <a:chExt cx="0" cy="0"/>
+        </a:xfrm>
+      </p:grpSpPr>
+      <p:sp>
+        <p:nvSpPr>
+          <p:cNvPr id="2" name="標題 1">
+            <a:extLst>
+              <a:ext uri="{FF2B5EF4-FFF2-40B4-BE49-F238E27FC236}">
+                <a16:creationId xmlns:a16="http://schemas.microsoft.com/office/drawing/2014/main" id="{D8828057-8C7B-4BA3-85F8-2D2384EA6ABF}"/>
+              </a:ext>
+            </a:extLst>
+          </p:cNvPr>
+          <p:cNvSpPr>
+            <a:spLocks noGrp="1"/>
+          </p:cNvSpPr>
+          <p:nvPr>
+            <p:ph type="title"/>
+          </p:nvPr>
+        </p:nvSpPr>
+        <p:spPr>
+          <a:xfrm>
+            <a:off x="838200" y="365125"/>
+            <a:ext cx="3643648" cy="1325563"/>
+          </a:xfrm>
+        </p:spPr>
+        <p:txBody>
+          <a:bodyPr/>
+          <a:lstStyle/>
+          <a:p>
+            <a:r>
+              <a:rPr lang="en-US" altLang="zh-TW" dirty="0">
+                <a:latin typeface="Google Sans"/>
+              </a:rPr>
+              <a:t>Topology</a:t>
+            </a:r>
+            <a:endParaRPr lang="zh-TW" altLang="en-US" dirty="0">
+              <a:latin typeface="Google Sans"/>
+            </a:endParaRPr>
+          </a:p>
+        </p:txBody>
+      </p:sp>
+      <p:sp>
+        <p:nvSpPr>
+          <p:cNvPr id="3" name="內容版面配置區 2">
+            <a:extLst>
+              <a:ext uri="{FF2B5EF4-FFF2-40B4-BE49-F238E27FC236}">
+                <a16:creationId xmlns:a16="http://schemas.microsoft.com/office/drawing/2014/main" id="{ACF8E94D-D4F6-48E1-B1AD-6AD3DCA6F883}"/>
+              </a:ext>
+            </a:extLst>
+          </p:cNvPr>
+          <p:cNvSpPr>
+            <a:spLocks noGrp="1"/>
+          </p:cNvSpPr>
+          <p:nvPr>
+            <p:ph idx="1"/>
+          </p:nvPr>
+        </p:nvSpPr>
+        <p:spPr>
+          <a:xfrm>
+            <a:off x="897228" y="1094704"/>
+            <a:ext cx="4133045" cy="5272009"/>
+          </a:xfrm>
+        </p:spPr>
+        <p:txBody>
+          <a:bodyPr>
+            <a:normAutofit lnSpcReduction="10000"/>
+          </a:bodyPr>
+          <a:lstStyle/>
+          <a:p>
+            <a:pPr marL="457200" lvl="1" indent="0">
+              <a:buNone/>
+            </a:pPr>
+            <a:endParaRPr lang="en-US" altLang="zh-TW" dirty="0"/>
+          </a:p>
+          <a:p>
+            <a:pPr algn="l">
+              <a:buFont typeface="Arial" panose="020B0604020202020204" pitchFamily="34" charset="0"/>
+              <a:buChar char="•"/>
+            </a:pPr>
+            <a:r>
+              <a:rPr lang="en-US" altLang="zh-TW" b="0" i="0" dirty="0">
+                <a:effectLst/>
+                <a:latin typeface="-apple-system"/>
+              </a:rPr>
+              <a:t>Environments</a:t>
+            </a:r>
+          </a:p>
+          <a:p>
+            <a:pPr lvl="1"/>
+            <a:r>
+              <a:rPr lang="en-US" altLang="zh-TW" b="0" i="0" dirty="0">
+                <a:effectLst/>
+                <a:latin typeface="-apple-system"/>
+              </a:rPr>
+              <a:t>Ubuntu: 20.04</a:t>
+            </a:r>
+          </a:p>
+          <a:p>
+            <a:pPr lvl="1"/>
+            <a:r>
+              <a:rPr lang="en-US" altLang="zh-TW" b="0" i="0" dirty="0">
+                <a:effectLst/>
+                <a:latin typeface="-apple-system"/>
+              </a:rPr>
+              <a:t>Mininet: 2.3.1b4</a:t>
+            </a:r>
+          </a:p>
+          <a:p>
+            <a:pPr lvl="1"/>
+            <a:r>
+              <a:rPr lang="en-US" altLang="zh-TW" b="0" i="0" dirty="0">
+                <a:effectLst/>
+                <a:latin typeface="-apple-system"/>
+              </a:rPr>
+              <a:t>bmv2 </a:t>
+            </a:r>
+          </a:p>
+          <a:p>
+            <a:pPr lvl="1"/>
+            <a:r>
+              <a:rPr lang="en-US" altLang="zh-TW" b="0" i="0" dirty="0">
+                <a:effectLst/>
+                <a:latin typeface="-apple-system"/>
+              </a:rPr>
+              <a:t>p4c: 1.2.4.2</a:t>
+            </a:r>
+          </a:p>
+          <a:p>
+            <a:pPr lvl="1"/>
+            <a:endParaRPr lang="en-US" altLang="zh-TW" b="0" i="0" dirty="0">
+              <a:effectLst/>
+              <a:latin typeface="-apple-system"/>
+            </a:endParaRPr>
+          </a:p>
+          <a:p>
+            <a:r>
+              <a:rPr lang="en-US" altLang="zh-TW" dirty="0"/>
+              <a:t>Devices</a:t>
+            </a:r>
+          </a:p>
+          <a:p>
+            <a:pPr lvl="1"/>
+            <a:r>
+              <a:rPr lang="en-US" altLang="zh-TW" dirty="0"/>
+              <a:t>4 Sender host</a:t>
+            </a:r>
+          </a:p>
+          <a:p>
+            <a:pPr lvl="1"/>
+            <a:r>
+              <a:rPr lang="en-US" altLang="zh-TW" dirty="0"/>
+              <a:t>1 Receiver host</a:t>
+            </a:r>
+          </a:p>
+          <a:p>
+            <a:pPr lvl="1"/>
+            <a:r>
+              <a:rPr lang="en-US" altLang="zh-TW" dirty="0"/>
+              <a:t>1 Aggregator switch</a:t>
+            </a:r>
+          </a:p>
+          <a:p>
+            <a:r>
+              <a:rPr lang="en-US" altLang="zh-TW" dirty="0"/>
+              <a:t>Connections</a:t>
+            </a:r>
+          </a:p>
+          <a:p>
+            <a:pPr lvl="1"/>
+            <a:r>
+              <a:rPr lang="en-US" altLang="zh-TW" dirty="0"/>
+              <a:t>4 TCP connections</a:t>
+            </a:r>
+          </a:p>
+          <a:p>
+            <a:pPr lvl="1"/>
+            <a:endParaRPr lang="en-US" altLang="zh-TW" dirty="0"/>
+          </a:p>
+          <a:p>
+            <a:pPr lvl="1"/>
+            <a:endParaRPr lang="en-US" altLang="zh-TW" dirty="0"/>
+          </a:p>
+        </p:txBody>
+      </p:sp>
+      <p:pic>
+        <p:nvPicPr>
+          <p:cNvPr id="10" name="圖片 9">
+            <a:extLst>
+              <a:ext uri="{FF2B5EF4-FFF2-40B4-BE49-F238E27FC236}">
+                <a16:creationId xmlns:a16="http://schemas.microsoft.com/office/drawing/2014/main" id="{2BBCAA0F-DE1E-47E0-8CB3-AF5829471B6A}"/>
+              </a:ext>
+            </a:extLst>
+          </p:cNvPr>
+          <p:cNvPicPr>
+            <a:picLocks noChangeAspect="1"/>
+          </p:cNvPicPr>
+          <p:nvPr/>
+        </p:nvPicPr>
+        <p:blipFill>
+          <a:blip r:embed="rId2"/>
+          <a:stretch>
+            <a:fillRect/>
+          </a:stretch>
+        </p:blipFill>
+        <p:spPr>
+          <a:xfrm>
+            <a:off x="4610637" y="491287"/>
+            <a:ext cx="7287642" cy="6001588"/>
+          </a:xfrm>
+          <a:prstGeom prst="rect">
+            <a:avLst/>
+          </a:prstGeom>
+        </p:spPr>
+      </p:pic>
+    </p:spTree>
+    <p:extLst>
+      <p:ext uri="{BB962C8B-B14F-4D97-AF65-F5344CB8AC3E}">
+        <p14:creationId xmlns:p14="http://schemas.microsoft.com/office/powerpoint/2010/main" val="1538266347"/>
+      </p:ext>
+    </p:extLst>
+  </p:cSld>
+  <p:clrMapOvr>
+    <a:masterClrMapping/>
+  </p:clrMapOvr>
+</p:sld>
+</file>
+
+<file path=ppt/slides/slide6.xml><?xml version="1.0" encoding="utf-8"?>
+<p:sld xmlns:a="http://schemas.openxmlformats.org/drawingml/2006/main" xmlns:r="http://schemas.openxmlformats.org/officeDocument/2006/relationships" xmlns:p="http://schemas.openxmlformats.org/presentationml/2006/main">
+  <p:cSld>
+    <p:spTree>
+      <p:nvGrpSpPr>
+        <p:cNvPr id="1" name=""/>
+        <p:cNvGrpSpPr/>
+        <p:nvPr/>
+      </p:nvGrpSpPr>
+      <p:grpSpPr>
+        <a:xfrm>
+          <a:off x="0" y="0"/>
+          <a:ext cx="0" cy="0"/>
+          <a:chOff x="0" y="0"/>
+          <a:chExt cx="0" cy="0"/>
+        </a:xfrm>
+      </p:grpSpPr>
+      <p:sp>
+        <p:nvSpPr>
           <p:cNvPr id="11" name="矩形: 圓角 10">
             <a:extLst>
               <a:ext uri="{FF2B5EF4-FFF2-40B4-BE49-F238E27FC236}">
@@ -4028,7 +6040,7 @@
 </p:sld>
 </file>
 
-<file path=ppt/slides/slide11.xml><?xml version="1.0" encoding="utf-8"?>
+<file path=ppt/slides/slide7.xml><?xml version="1.0" encoding="utf-8"?>
 <p:sld xmlns:a="http://schemas.openxmlformats.org/drawingml/2006/main" xmlns:r="http://schemas.openxmlformats.org/officeDocument/2006/relationships" xmlns:p="http://schemas.openxmlformats.org/presentationml/2006/main">
   <p:cSld>
     <p:spTree>
@@ -4217,7 +6229,7 @@
 </p:sld>
 </file>
 
-<file path=ppt/slides/slide12.xml><?xml version="1.0" encoding="utf-8"?>
+<file path=ppt/slides/slide8.xml><?xml version="1.0" encoding="utf-8"?>
 <p:sld xmlns:a="http://schemas.openxmlformats.org/drawingml/2006/main" xmlns:r="http://schemas.openxmlformats.org/officeDocument/2006/relationships" xmlns:p="http://schemas.openxmlformats.org/presentationml/2006/main">
   <p:cSld>
     <p:spTree>
@@ -5524,7 +7536,7 @@
 </p:sld>
 </file>
 
-<file path=ppt/slides/slide13.xml><?xml version="1.0" encoding="utf-8"?>
+<file path=ppt/slides/slide9.xml><?xml version="1.0" encoding="utf-8"?>
 <p:sld xmlns:a="http://schemas.openxmlformats.org/drawingml/2006/main" xmlns:r="http://schemas.openxmlformats.org/officeDocument/2006/relationships" xmlns:p="http://schemas.openxmlformats.org/presentationml/2006/main">
   <p:cSld>
     <p:spTree>
@@ -6975,2562 +8987,6 @@
   <p:clrMapOvr>
     <a:masterClrMapping/>
   </p:clrMapOvr>
-</p:sld>
-</file>
-
-<file path=ppt/slides/slide14.xml><?xml version="1.0" encoding="utf-8"?>
-<p:sld xmlns:a="http://schemas.openxmlformats.org/drawingml/2006/main" xmlns:r="http://schemas.openxmlformats.org/officeDocument/2006/relationships" xmlns:p="http://schemas.openxmlformats.org/presentationml/2006/main">
-  <p:cSld>
-    <p:spTree>
-      <p:nvGrpSpPr>
-        <p:cNvPr id="1" name=""/>
-        <p:cNvGrpSpPr/>
-        <p:nvPr/>
-      </p:nvGrpSpPr>
-      <p:grpSpPr>
-        <a:xfrm>
-          <a:off x="0" y="0"/>
-          <a:ext cx="0" cy="0"/>
-          <a:chOff x="0" y="0"/>
-          <a:chExt cx="0" cy="0"/>
-        </a:xfrm>
-      </p:grpSpPr>
-      <p:sp>
-        <p:nvSpPr>
-          <p:cNvPr id="2" name="標題 1">
-            <a:extLst>
-              <a:ext uri="{FF2B5EF4-FFF2-40B4-BE49-F238E27FC236}">
-                <a16:creationId xmlns:a16="http://schemas.microsoft.com/office/drawing/2014/main" id="{3CC3439C-38CA-40B7-857E-BB9EB96DC747}"/>
-              </a:ext>
-            </a:extLst>
-          </p:cNvPr>
-          <p:cNvSpPr>
-            <a:spLocks noGrp="1"/>
-          </p:cNvSpPr>
-          <p:nvPr>
-            <p:ph type="title"/>
-          </p:nvPr>
-        </p:nvSpPr>
-        <p:spPr/>
-        <p:txBody>
-          <a:bodyPr/>
-          <a:lstStyle/>
-          <a:p>
-            <a:r>
-              <a:rPr lang="en-US" altLang="zh-TW" dirty="0">
-                <a:latin typeface="Google Sans"/>
-              </a:rPr>
-              <a:t>Experiment Scenario</a:t>
-            </a:r>
-            <a:endParaRPr lang="zh-TW" altLang="en-US" dirty="0">
-              <a:latin typeface="Google Sans"/>
-            </a:endParaRPr>
-          </a:p>
-        </p:txBody>
-      </p:sp>
-      <p:sp>
-        <p:nvSpPr>
-          <p:cNvPr id="3" name="內容版面配置區 2">
-            <a:extLst>
-              <a:ext uri="{FF2B5EF4-FFF2-40B4-BE49-F238E27FC236}">
-                <a16:creationId xmlns:a16="http://schemas.microsoft.com/office/drawing/2014/main" id="{B5E047D3-4CC3-4B6E-B3F1-AE5EB1D5B3C8}"/>
-              </a:ext>
-            </a:extLst>
-          </p:cNvPr>
-          <p:cNvSpPr>
-            <a:spLocks noGrp="1"/>
-          </p:cNvSpPr>
-          <p:nvPr>
-            <p:ph idx="1"/>
-          </p:nvPr>
-        </p:nvSpPr>
-        <p:spPr/>
-        <p:txBody>
-          <a:bodyPr/>
-          <a:lstStyle/>
-          <a:p>
-            <a:pPr marL="514350" indent="-514350">
-              <a:buFont typeface="+mj-lt"/>
-              <a:buAutoNum type="arabicPeriod"/>
-            </a:pPr>
-            <a:r>
-              <a:rPr lang="en-US" altLang="zh-TW" dirty="0"/>
-              <a:t>Sufficient bandwidth</a:t>
-            </a:r>
-          </a:p>
-          <a:p>
-            <a:pPr marL="514350" indent="-514350">
-              <a:buFont typeface="+mj-lt"/>
-              <a:buAutoNum type="arabicPeriod"/>
-            </a:pPr>
-            <a:r>
-              <a:rPr lang="en-US" altLang="zh-TW" dirty="0"/>
-              <a:t>Single slower sender</a:t>
-            </a:r>
-          </a:p>
-          <a:p>
-            <a:pPr marL="514350" indent="-514350">
-              <a:buFont typeface="+mj-lt"/>
-              <a:buAutoNum type="arabicPeriod"/>
-            </a:pPr>
-            <a:r>
-              <a:rPr lang="en-US" altLang="zh-TW" dirty="0"/>
-              <a:t>Slower receiver</a:t>
-            </a:r>
-          </a:p>
-          <a:p>
-            <a:pPr marL="514350" indent="-514350">
-              <a:buFont typeface="+mj-lt"/>
-              <a:buAutoNum type="arabicPeriod"/>
-            </a:pPr>
-            <a:r>
-              <a:rPr lang="en-US" altLang="zh-TW" dirty="0"/>
-              <a:t>All different bandwidth</a:t>
-            </a:r>
-          </a:p>
-          <a:p>
-            <a:pPr marL="514350" indent="-514350">
-              <a:buFont typeface="+mj-lt"/>
-              <a:buAutoNum type="arabicPeriod"/>
-            </a:pPr>
-            <a:endParaRPr lang="zh-TW" altLang="en-US" dirty="0"/>
-          </a:p>
-        </p:txBody>
-      </p:sp>
-    </p:spTree>
-    <p:extLst>
-      <p:ext uri="{BB962C8B-B14F-4D97-AF65-F5344CB8AC3E}">
-        <p14:creationId xmlns:p14="http://schemas.microsoft.com/office/powerpoint/2010/main" val="3352320533"/>
-      </p:ext>
-    </p:extLst>
-  </p:cSld>
-  <p:clrMapOvr>
-    <a:masterClrMapping/>
-  </p:clrMapOvr>
-</p:sld>
-</file>
-
-<file path=ppt/slides/slide15.xml><?xml version="1.0" encoding="utf-8"?>
-<p:sld xmlns:a="http://schemas.openxmlformats.org/drawingml/2006/main" xmlns:r="http://schemas.openxmlformats.org/officeDocument/2006/relationships" xmlns:p="http://schemas.openxmlformats.org/presentationml/2006/main">
-  <p:cSld>
-    <p:spTree>
-      <p:nvGrpSpPr>
-        <p:cNvPr id="1" name=""/>
-        <p:cNvGrpSpPr/>
-        <p:nvPr/>
-      </p:nvGrpSpPr>
-      <p:grpSpPr>
-        <a:xfrm>
-          <a:off x="0" y="0"/>
-          <a:ext cx="0" cy="0"/>
-          <a:chOff x="0" y="0"/>
-          <a:chExt cx="0" cy="0"/>
-        </a:xfrm>
-      </p:grpSpPr>
-      <p:sp>
-        <p:nvSpPr>
-          <p:cNvPr id="2" name="標題 1">
-            <a:extLst>
-              <a:ext uri="{FF2B5EF4-FFF2-40B4-BE49-F238E27FC236}">
-                <a16:creationId xmlns:a16="http://schemas.microsoft.com/office/drawing/2014/main" id="{F67EBF84-B12F-4F97-958D-BE7E4469A8D5}"/>
-              </a:ext>
-            </a:extLst>
-          </p:cNvPr>
-          <p:cNvSpPr>
-            <a:spLocks noGrp="1"/>
-          </p:cNvSpPr>
-          <p:nvPr>
-            <p:ph type="title"/>
-          </p:nvPr>
-        </p:nvSpPr>
-        <p:spPr/>
-        <p:txBody>
-          <a:bodyPr/>
-          <a:lstStyle/>
-          <a:p>
-            <a:r>
-              <a:rPr lang="en-US" altLang="zh-TW" dirty="0">
-                <a:latin typeface="Google Sans"/>
-              </a:rPr>
-              <a:t>Scenario 1: Sufficient Bandwidth</a:t>
-            </a:r>
-            <a:endParaRPr lang="zh-TW" altLang="en-US" dirty="0">
-              <a:latin typeface="Google Sans"/>
-            </a:endParaRPr>
-          </a:p>
-        </p:txBody>
-      </p:sp>
-      <p:pic>
-        <p:nvPicPr>
-          <p:cNvPr id="9" name="內容版面配置區 8">
-            <a:extLst>
-              <a:ext uri="{FF2B5EF4-FFF2-40B4-BE49-F238E27FC236}">
-                <a16:creationId xmlns:a16="http://schemas.microsoft.com/office/drawing/2014/main" id="{DB9F3DE5-E041-4272-9300-2FDC3F4A9CB2}"/>
-              </a:ext>
-            </a:extLst>
-          </p:cNvPr>
-          <p:cNvPicPr>
-            <a:picLocks noGrp="1" noChangeAspect="1"/>
-          </p:cNvPicPr>
-          <p:nvPr>
-            <p:ph idx="1"/>
-          </p:nvPr>
-        </p:nvPicPr>
-        <p:blipFill>
-          <a:blip r:embed="rId2">
-            <a:extLst>
-              <a:ext uri="{28A0092B-C50C-407E-A947-70E740481C1C}">
-                <a14:useLocalDpi xmlns:a14="http://schemas.microsoft.com/office/drawing/2010/main" val="0"/>
-              </a:ext>
-            </a:extLst>
-          </a:blip>
-          <a:stretch>
-            <a:fillRect/>
-          </a:stretch>
-        </p:blipFill>
-        <p:spPr>
-          <a:xfrm>
-            <a:off x="2832497" y="1825625"/>
-            <a:ext cx="6527006" cy="4351338"/>
-          </a:xfrm>
-        </p:spPr>
-      </p:pic>
-      <p:sp>
-        <p:nvSpPr>
-          <p:cNvPr id="10" name="文字方塊 9">
-            <a:extLst>
-              <a:ext uri="{FF2B5EF4-FFF2-40B4-BE49-F238E27FC236}">
-                <a16:creationId xmlns:a16="http://schemas.microsoft.com/office/drawing/2014/main" id="{D05EACDE-D481-4085-8142-6A860BDC971B}"/>
-              </a:ext>
-            </a:extLst>
-          </p:cNvPr>
-          <p:cNvSpPr txBox="1"/>
-          <p:nvPr/>
-        </p:nvSpPr>
-        <p:spPr>
-          <a:xfrm>
-            <a:off x="2029522" y="5285678"/>
-            <a:ext cx="2509024" cy="369332"/>
-          </a:xfrm>
-          <a:prstGeom prst="rect">
-            <a:avLst/>
-          </a:prstGeom>
-          <a:noFill/>
-        </p:spPr>
-        <p:txBody>
-          <a:bodyPr wrap="square" rtlCol="0">
-            <a:spAutoFit/>
-          </a:bodyPr>
-          <a:lstStyle/>
-          <a:p>
-            <a:r>
-              <a:rPr lang="en-US" altLang="zh-TW" dirty="0"/>
-              <a:t>All 1.0</a:t>
-            </a:r>
-            <a:endParaRPr lang="zh-TW" altLang="en-US" dirty="0"/>
-          </a:p>
-        </p:txBody>
-      </p:sp>
-    </p:spTree>
-    <p:extLst>
-      <p:ext uri="{BB962C8B-B14F-4D97-AF65-F5344CB8AC3E}">
-        <p14:creationId xmlns:p14="http://schemas.microsoft.com/office/powerpoint/2010/main" val="428910389"/>
-      </p:ext>
-    </p:extLst>
-  </p:cSld>
-  <p:clrMapOvr>
-    <a:masterClrMapping/>
-  </p:clrMapOvr>
-</p:sld>
-</file>
-
-<file path=ppt/slides/slide16.xml><?xml version="1.0" encoding="utf-8"?>
-<p:sld xmlns:a="http://schemas.openxmlformats.org/drawingml/2006/main" xmlns:r="http://schemas.openxmlformats.org/officeDocument/2006/relationships" xmlns:p="http://schemas.openxmlformats.org/presentationml/2006/main">
-  <p:cSld>
-    <p:spTree>
-      <p:nvGrpSpPr>
-        <p:cNvPr id="1" name=""/>
-        <p:cNvGrpSpPr/>
-        <p:nvPr/>
-      </p:nvGrpSpPr>
-      <p:grpSpPr>
-        <a:xfrm>
-          <a:off x="0" y="0"/>
-          <a:ext cx="0" cy="0"/>
-          <a:chOff x="0" y="0"/>
-          <a:chExt cx="0" cy="0"/>
-        </a:xfrm>
-      </p:grpSpPr>
-      <p:sp>
-        <p:nvSpPr>
-          <p:cNvPr id="2" name="標題 1">
-            <a:extLst>
-              <a:ext uri="{FF2B5EF4-FFF2-40B4-BE49-F238E27FC236}">
-                <a16:creationId xmlns:a16="http://schemas.microsoft.com/office/drawing/2014/main" id="{0E512F71-F6C6-413E-988A-5E18E843A241}"/>
-              </a:ext>
-            </a:extLst>
-          </p:cNvPr>
-          <p:cNvSpPr>
-            <a:spLocks noGrp="1"/>
-          </p:cNvSpPr>
-          <p:nvPr>
-            <p:ph type="title"/>
-          </p:nvPr>
-        </p:nvSpPr>
-        <p:spPr/>
-        <p:txBody>
-          <a:bodyPr/>
-          <a:lstStyle/>
-          <a:p>
-            <a:r>
-              <a:rPr lang="en-US" altLang="zh-TW" dirty="0">
-                <a:latin typeface="Google Sans"/>
-              </a:rPr>
-              <a:t>Scenario 2: Single Slower Sender</a:t>
-            </a:r>
-            <a:endParaRPr lang="zh-TW" altLang="en-US" dirty="0">
-              <a:latin typeface="Google Sans"/>
-            </a:endParaRPr>
-          </a:p>
-        </p:txBody>
-      </p:sp>
-      <p:pic>
-        <p:nvPicPr>
-          <p:cNvPr id="5" name="內容版面配置區 4">
-            <a:extLst>
-              <a:ext uri="{FF2B5EF4-FFF2-40B4-BE49-F238E27FC236}">
-                <a16:creationId xmlns:a16="http://schemas.microsoft.com/office/drawing/2014/main" id="{84FEA45D-05A1-4226-BC38-515C11419D7D}"/>
-              </a:ext>
-            </a:extLst>
-          </p:cNvPr>
-          <p:cNvPicPr>
-            <a:picLocks noGrp="1" noChangeAspect="1"/>
-          </p:cNvPicPr>
-          <p:nvPr>
-            <p:ph idx="1"/>
-          </p:nvPr>
-        </p:nvPicPr>
-        <p:blipFill>
-          <a:blip r:embed="rId2">
-            <a:extLst>
-              <a:ext uri="{28A0092B-C50C-407E-A947-70E740481C1C}">
-                <a14:useLocalDpi xmlns:a14="http://schemas.microsoft.com/office/drawing/2010/main" val="0"/>
-              </a:ext>
-            </a:extLst>
-          </a:blip>
-          <a:stretch>
-            <a:fillRect/>
-          </a:stretch>
-        </p:blipFill>
-        <p:spPr>
-          <a:xfrm>
-            <a:off x="2832497" y="1825625"/>
-            <a:ext cx="6527006" cy="4351338"/>
-          </a:xfrm>
-        </p:spPr>
-      </p:pic>
-      <p:sp>
-        <p:nvSpPr>
-          <p:cNvPr id="6" name="文字方塊 5">
-            <a:extLst>
-              <a:ext uri="{FF2B5EF4-FFF2-40B4-BE49-F238E27FC236}">
-                <a16:creationId xmlns:a16="http://schemas.microsoft.com/office/drawing/2014/main" id="{586F4D70-C441-4C0C-90FE-D00B30856656}"/>
-              </a:ext>
-            </a:extLst>
-          </p:cNvPr>
-          <p:cNvSpPr txBox="1"/>
-          <p:nvPr/>
-        </p:nvSpPr>
-        <p:spPr>
-          <a:xfrm>
-            <a:off x="1667195" y="4404731"/>
-            <a:ext cx="2509024" cy="1200329"/>
-          </a:xfrm>
-          <a:prstGeom prst="rect">
-            <a:avLst/>
-          </a:prstGeom>
-          <a:noFill/>
-        </p:spPr>
-        <p:txBody>
-          <a:bodyPr wrap="square" rtlCol="0">
-            <a:spAutoFit/>
-          </a:bodyPr>
-          <a:lstStyle/>
-          <a:p>
-            <a:r>
-              <a:rPr lang="en-US" altLang="zh-TW" dirty="0"/>
-              <a:t>H1:0.2</a:t>
-            </a:r>
-          </a:p>
-          <a:p>
-            <a:r>
-              <a:rPr lang="en-US" altLang="zh-TW" dirty="0"/>
-              <a:t>H2:0.4</a:t>
-            </a:r>
-          </a:p>
-          <a:p>
-            <a:r>
-              <a:rPr lang="en-US" altLang="zh-TW" dirty="0"/>
-              <a:t>H3:0.6</a:t>
-            </a:r>
-          </a:p>
-          <a:p>
-            <a:r>
-              <a:rPr lang="en-US" altLang="zh-TW" dirty="0"/>
-              <a:t>H4:0.8</a:t>
-            </a:r>
-            <a:endParaRPr lang="zh-TW" altLang="en-US" dirty="0"/>
-          </a:p>
-        </p:txBody>
-      </p:sp>
-    </p:spTree>
-    <p:extLst>
-      <p:ext uri="{BB962C8B-B14F-4D97-AF65-F5344CB8AC3E}">
-        <p14:creationId xmlns:p14="http://schemas.microsoft.com/office/powerpoint/2010/main" val="1879629016"/>
-      </p:ext>
-    </p:extLst>
-  </p:cSld>
-  <p:clrMapOvr>
-    <a:masterClrMapping/>
-  </p:clrMapOvr>
-</p:sld>
-</file>
-
-<file path=ppt/slides/slide17.xml><?xml version="1.0" encoding="utf-8"?>
-<p:sld xmlns:a="http://schemas.openxmlformats.org/drawingml/2006/main" xmlns:r="http://schemas.openxmlformats.org/officeDocument/2006/relationships" xmlns:p="http://schemas.openxmlformats.org/presentationml/2006/main">
-  <p:cSld>
-    <p:spTree>
-      <p:nvGrpSpPr>
-        <p:cNvPr id="1" name=""/>
-        <p:cNvGrpSpPr/>
-        <p:nvPr/>
-      </p:nvGrpSpPr>
-      <p:grpSpPr>
-        <a:xfrm>
-          <a:off x="0" y="0"/>
-          <a:ext cx="0" cy="0"/>
-          <a:chOff x="0" y="0"/>
-          <a:chExt cx="0" cy="0"/>
-        </a:xfrm>
-      </p:grpSpPr>
-      <p:sp>
-        <p:nvSpPr>
-          <p:cNvPr id="2" name="標題 1">
-            <a:extLst>
-              <a:ext uri="{FF2B5EF4-FFF2-40B4-BE49-F238E27FC236}">
-                <a16:creationId xmlns:a16="http://schemas.microsoft.com/office/drawing/2014/main" id="{0E512F71-F6C6-413E-988A-5E18E843A241}"/>
-              </a:ext>
-            </a:extLst>
-          </p:cNvPr>
-          <p:cNvSpPr>
-            <a:spLocks noGrp="1"/>
-          </p:cNvSpPr>
-          <p:nvPr>
-            <p:ph type="title"/>
-          </p:nvPr>
-        </p:nvSpPr>
-        <p:spPr/>
-        <p:txBody>
-          <a:bodyPr/>
-          <a:lstStyle/>
-          <a:p>
-            <a:r>
-              <a:rPr lang="en-US" altLang="zh-TW" dirty="0">
-                <a:latin typeface="Google Sans"/>
-              </a:rPr>
-              <a:t>Scenario 3: Slower Receiver</a:t>
-            </a:r>
-            <a:endParaRPr lang="zh-TW" altLang="en-US" dirty="0">
-              <a:latin typeface="Google Sans"/>
-            </a:endParaRPr>
-          </a:p>
-        </p:txBody>
-      </p:sp>
-      <p:pic>
-        <p:nvPicPr>
-          <p:cNvPr id="7" name="內容版面配置區 6">
-            <a:extLst>
-              <a:ext uri="{FF2B5EF4-FFF2-40B4-BE49-F238E27FC236}">
-                <a16:creationId xmlns:a16="http://schemas.microsoft.com/office/drawing/2014/main" id="{0F24367B-108F-45E8-B03E-34030252A644}"/>
-              </a:ext>
-            </a:extLst>
-          </p:cNvPr>
-          <p:cNvPicPr>
-            <a:picLocks noGrp="1" noChangeAspect="1"/>
-          </p:cNvPicPr>
-          <p:nvPr>
-            <p:ph idx="1"/>
-          </p:nvPr>
-        </p:nvPicPr>
-        <p:blipFill>
-          <a:blip r:embed="rId2">
-            <a:extLst>
-              <a:ext uri="{28A0092B-C50C-407E-A947-70E740481C1C}">
-                <a14:useLocalDpi xmlns:a14="http://schemas.microsoft.com/office/drawing/2010/main" val="0"/>
-              </a:ext>
-            </a:extLst>
-          </a:blip>
-          <a:stretch>
-            <a:fillRect/>
-          </a:stretch>
-        </p:blipFill>
-        <p:spPr>
-          <a:xfrm>
-            <a:off x="2832497" y="1825625"/>
-            <a:ext cx="6527006" cy="4351338"/>
-          </a:xfrm>
-        </p:spPr>
-      </p:pic>
-    </p:spTree>
-    <p:extLst>
-      <p:ext uri="{BB962C8B-B14F-4D97-AF65-F5344CB8AC3E}">
-        <p14:creationId xmlns:p14="http://schemas.microsoft.com/office/powerpoint/2010/main" val="4105658486"/>
-      </p:ext>
-    </p:extLst>
-  </p:cSld>
-  <p:clrMapOvr>
-    <a:masterClrMapping/>
-  </p:clrMapOvr>
-</p:sld>
-</file>
-
-<file path=ppt/slides/slide18.xml><?xml version="1.0" encoding="utf-8"?>
-<p:sld xmlns:a="http://schemas.openxmlformats.org/drawingml/2006/main" xmlns:r="http://schemas.openxmlformats.org/officeDocument/2006/relationships" xmlns:p="http://schemas.openxmlformats.org/presentationml/2006/main">
-  <p:cSld>
-    <p:spTree>
-      <p:nvGrpSpPr>
-        <p:cNvPr id="1" name=""/>
-        <p:cNvGrpSpPr/>
-        <p:nvPr/>
-      </p:nvGrpSpPr>
-      <p:grpSpPr>
-        <a:xfrm>
-          <a:off x="0" y="0"/>
-          <a:ext cx="0" cy="0"/>
-          <a:chOff x="0" y="0"/>
-          <a:chExt cx="0" cy="0"/>
-        </a:xfrm>
-      </p:grpSpPr>
-      <p:sp>
-        <p:nvSpPr>
-          <p:cNvPr id="2" name="標題 1">
-            <a:extLst>
-              <a:ext uri="{FF2B5EF4-FFF2-40B4-BE49-F238E27FC236}">
-                <a16:creationId xmlns:a16="http://schemas.microsoft.com/office/drawing/2014/main" id="{AEDEB3DD-3B83-46A2-A438-2639F6329247}"/>
-              </a:ext>
-            </a:extLst>
-          </p:cNvPr>
-          <p:cNvSpPr>
-            <a:spLocks noGrp="1"/>
-          </p:cNvSpPr>
-          <p:nvPr>
-            <p:ph type="title"/>
-          </p:nvPr>
-        </p:nvSpPr>
-        <p:spPr/>
-        <p:txBody>
-          <a:bodyPr/>
-          <a:lstStyle/>
-          <a:p>
-            <a:r>
-              <a:rPr lang="en-US" altLang="zh-TW" dirty="0">
-                <a:latin typeface="Google Sans"/>
-              </a:rPr>
-              <a:t>Scenario 4: All different bandwidth</a:t>
-            </a:r>
-            <a:endParaRPr lang="zh-TW" altLang="en-US" dirty="0">
-              <a:latin typeface="Google Sans"/>
-            </a:endParaRPr>
-          </a:p>
-        </p:txBody>
-      </p:sp>
-      <p:pic>
-        <p:nvPicPr>
-          <p:cNvPr id="9" name="內容版面配置區 8">
-            <a:extLst>
-              <a:ext uri="{FF2B5EF4-FFF2-40B4-BE49-F238E27FC236}">
-                <a16:creationId xmlns:a16="http://schemas.microsoft.com/office/drawing/2014/main" id="{EE0DEC98-A82C-4D67-8E2D-0213C28A8CED}"/>
-              </a:ext>
-            </a:extLst>
-          </p:cNvPr>
-          <p:cNvPicPr>
-            <a:picLocks noGrp="1" noChangeAspect="1"/>
-          </p:cNvPicPr>
-          <p:nvPr>
-            <p:ph idx="1"/>
-          </p:nvPr>
-        </p:nvPicPr>
-        <p:blipFill>
-          <a:blip r:embed="rId2">
-            <a:extLst>
-              <a:ext uri="{28A0092B-C50C-407E-A947-70E740481C1C}">
-                <a14:useLocalDpi xmlns:a14="http://schemas.microsoft.com/office/drawing/2010/main" val="0"/>
-              </a:ext>
-            </a:extLst>
-          </a:blip>
-          <a:stretch>
-            <a:fillRect/>
-          </a:stretch>
-        </p:blipFill>
-        <p:spPr>
-          <a:xfrm>
-            <a:off x="2832497" y="1690688"/>
-            <a:ext cx="6527006" cy="4351338"/>
-          </a:xfrm>
-        </p:spPr>
-      </p:pic>
-      <p:sp>
-        <p:nvSpPr>
-          <p:cNvPr id="10" name="文字方塊 9">
-            <a:extLst>
-              <a:ext uri="{FF2B5EF4-FFF2-40B4-BE49-F238E27FC236}">
-                <a16:creationId xmlns:a16="http://schemas.microsoft.com/office/drawing/2014/main" id="{4BEBC1D7-220E-425D-92C6-2D5F8A0B2462}"/>
-              </a:ext>
-            </a:extLst>
-          </p:cNvPr>
-          <p:cNvSpPr txBox="1"/>
-          <p:nvPr/>
-        </p:nvSpPr>
-        <p:spPr>
-          <a:xfrm>
-            <a:off x="1577985" y="4567147"/>
-            <a:ext cx="2509024" cy="1200329"/>
-          </a:xfrm>
-          <a:prstGeom prst="rect">
-            <a:avLst/>
-          </a:prstGeom>
-          <a:noFill/>
-        </p:spPr>
-        <p:txBody>
-          <a:bodyPr wrap="square" rtlCol="0">
-            <a:spAutoFit/>
-          </a:bodyPr>
-          <a:lstStyle/>
-          <a:p>
-            <a:r>
-              <a:rPr lang="en-US" altLang="zh-TW" dirty="0"/>
-              <a:t>H1:0.2</a:t>
-            </a:r>
-          </a:p>
-          <a:p>
-            <a:r>
-              <a:rPr lang="en-US" altLang="zh-TW" dirty="0"/>
-              <a:t>H2:0.4</a:t>
-            </a:r>
-          </a:p>
-          <a:p>
-            <a:r>
-              <a:rPr lang="en-US" altLang="zh-TW" dirty="0"/>
-              <a:t>H3:0.6</a:t>
-            </a:r>
-          </a:p>
-          <a:p>
-            <a:r>
-              <a:rPr lang="en-US" altLang="zh-TW" dirty="0"/>
-              <a:t>H4:0.8</a:t>
-            </a:r>
-            <a:endParaRPr lang="zh-TW" altLang="en-US" dirty="0"/>
-          </a:p>
-        </p:txBody>
-      </p:sp>
-    </p:spTree>
-    <p:extLst>
-      <p:ext uri="{BB962C8B-B14F-4D97-AF65-F5344CB8AC3E}">
-        <p14:creationId xmlns:p14="http://schemas.microsoft.com/office/powerpoint/2010/main" val="969055277"/>
-      </p:ext>
-    </p:extLst>
-  </p:cSld>
-  <p:clrMapOvr>
-    <a:masterClrMapping/>
-  </p:clrMapOvr>
-</p:sld>
-</file>
-
-<file path=ppt/slides/slide19.xml><?xml version="1.0" encoding="utf-8"?>
-<p:sld xmlns:a="http://schemas.openxmlformats.org/drawingml/2006/main" xmlns:r="http://schemas.openxmlformats.org/officeDocument/2006/relationships" xmlns:p="http://schemas.openxmlformats.org/presentationml/2006/main">
-  <p:cSld>
-    <p:spTree>
-      <p:nvGrpSpPr>
-        <p:cNvPr id="1" name=""/>
-        <p:cNvGrpSpPr/>
-        <p:nvPr/>
-      </p:nvGrpSpPr>
-      <p:grpSpPr>
-        <a:xfrm>
-          <a:off x="0" y="0"/>
-          <a:ext cx="0" cy="0"/>
-          <a:chOff x="0" y="0"/>
-          <a:chExt cx="0" cy="0"/>
-        </a:xfrm>
-      </p:grpSpPr>
-      <p:sp>
-        <p:nvSpPr>
-          <p:cNvPr id="5" name="標題 4">
-            <a:extLst>
-              <a:ext uri="{FF2B5EF4-FFF2-40B4-BE49-F238E27FC236}">
-                <a16:creationId xmlns:a16="http://schemas.microsoft.com/office/drawing/2014/main" id="{FADCB4AC-6EDB-44BB-8E76-6BB09C4E480C}"/>
-              </a:ext>
-            </a:extLst>
-          </p:cNvPr>
-          <p:cNvSpPr>
-            <a:spLocks noGrp="1"/>
-          </p:cNvSpPr>
-          <p:nvPr>
-            <p:ph type="ctrTitle"/>
-          </p:nvPr>
-        </p:nvSpPr>
-        <p:spPr/>
-        <p:txBody>
-          <a:bodyPr/>
-          <a:lstStyle/>
-          <a:p>
-            <a:pPr algn="ctr"/>
-            <a:r>
-              <a:rPr lang="en-US" altLang="zh-TW" b="0" i="0" dirty="0">
-                <a:solidFill>
-                  <a:srgbClr val="000000"/>
-                </a:solidFill>
-                <a:effectLst/>
-                <a:latin typeface="Google Sans"/>
-              </a:rPr>
-              <a:t>Thank you for listening.</a:t>
-            </a:r>
-            <a:endParaRPr lang="zh-TW" altLang="en-US" dirty="0">
-              <a:latin typeface="Google Sans"/>
-            </a:endParaRPr>
-          </a:p>
-        </p:txBody>
-      </p:sp>
-      <p:sp>
-        <p:nvSpPr>
-          <p:cNvPr id="7" name="副標題 6">
-            <a:extLst>
-              <a:ext uri="{FF2B5EF4-FFF2-40B4-BE49-F238E27FC236}">
-                <a16:creationId xmlns:a16="http://schemas.microsoft.com/office/drawing/2014/main" id="{E283527A-F5E1-4DDD-B7AA-1D438373EDC3}"/>
-              </a:ext>
-            </a:extLst>
-          </p:cNvPr>
-          <p:cNvSpPr>
-            <a:spLocks noGrp="1"/>
-          </p:cNvSpPr>
-          <p:nvPr>
-            <p:ph type="subTitle" idx="1"/>
-          </p:nvPr>
-        </p:nvSpPr>
-        <p:spPr/>
-        <p:txBody>
-          <a:bodyPr>
-            <a:normAutofit/>
-          </a:bodyPr>
-          <a:lstStyle/>
-          <a:p>
-            <a:r>
-              <a:rPr lang="en-US" altLang="zh-TW" sz="4400" dirty="0">
-                <a:latin typeface="Google Sans"/>
-              </a:rPr>
-              <a:t>QA time</a:t>
-            </a:r>
-            <a:endParaRPr lang="zh-TW" altLang="en-US" sz="4400" dirty="0">
-              <a:latin typeface="Google Sans"/>
-            </a:endParaRPr>
-          </a:p>
-        </p:txBody>
-      </p:sp>
-    </p:spTree>
-    <p:extLst>
-      <p:ext uri="{BB962C8B-B14F-4D97-AF65-F5344CB8AC3E}">
-        <p14:creationId xmlns:p14="http://schemas.microsoft.com/office/powerpoint/2010/main" val="144611234"/>
-      </p:ext>
-    </p:extLst>
-  </p:cSld>
-  <p:clrMapOvr>
-    <a:masterClrMapping/>
-  </p:clrMapOvr>
-</p:sld>
-</file>
-
-<file path=ppt/slides/slide2.xml><?xml version="1.0" encoding="utf-8"?>
-<p:sld xmlns:a="http://schemas.openxmlformats.org/drawingml/2006/main" xmlns:r="http://schemas.openxmlformats.org/officeDocument/2006/relationships" xmlns:p="http://schemas.openxmlformats.org/presentationml/2006/main">
-  <p:cSld>
-    <p:spTree>
-      <p:nvGrpSpPr>
-        <p:cNvPr id="1" name=""/>
-        <p:cNvGrpSpPr/>
-        <p:nvPr/>
-      </p:nvGrpSpPr>
-      <p:grpSpPr>
-        <a:xfrm>
-          <a:off x="0" y="0"/>
-          <a:ext cx="0" cy="0"/>
-          <a:chOff x="0" y="0"/>
-          <a:chExt cx="0" cy="0"/>
-        </a:xfrm>
-      </p:grpSpPr>
-      <p:sp>
-        <p:nvSpPr>
-          <p:cNvPr id="2" name="標題 1">
-            <a:extLst>
-              <a:ext uri="{FF2B5EF4-FFF2-40B4-BE49-F238E27FC236}">
-                <a16:creationId xmlns:a16="http://schemas.microsoft.com/office/drawing/2014/main" id="{619FF3EF-8428-4227-BDC5-4196D82745C4}"/>
-              </a:ext>
-            </a:extLst>
-          </p:cNvPr>
-          <p:cNvSpPr>
-            <a:spLocks noGrp="1"/>
-          </p:cNvSpPr>
-          <p:nvPr>
-            <p:ph type="title"/>
-          </p:nvPr>
-        </p:nvSpPr>
-        <p:spPr/>
-        <p:txBody>
-          <a:bodyPr/>
-          <a:lstStyle/>
-          <a:p>
-            <a:r>
-              <a:rPr lang="en-US" altLang="zh-TW" b="0" i="0" dirty="0">
-                <a:solidFill>
-                  <a:srgbClr val="1D1C1D"/>
-                </a:solidFill>
-                <a:effectLst/>
-                <a:latin typeface="NotoSansSC"/>
-              </a:rPr>
-              <a:t>Reliable In-Network Aggregation</a:t>
-            </a:r>
-            <a:endParaRPr lang="zh-TW" altLang="en-US" dirty="0"/>
-          </a:p>
-        </p:txBody>
-      </p:sp>
-      <p:sp>
-        <p:nvSpPr>
-          <p:cNvPr id="3" name="內容版面配置區 2">
-            <a:extLst>
-              <a:ext uri="{FF2B5EF4-FFF2-40B4-BE49-F238E27FC236}">
-                <a16:creationId xmlns:a16="http://schemas.microsoft.com/office/drawing/2014/main" id="{B9B8E2BC-80AF-420A-8BCB-05256820C1F0}"/>
-              </a:ext>
-            </a:extLst>
-          </p:cNvPr>
-          <p:cNvSpPr>
-            <a:spLocks noGrp="1"/>
-          </p:cNvSpPr>
-          <p:nvPr>
-            <p:ph idx="1"/>
-          </p:nvPr>
-        </p:nvSpPr>
-        <p:spPr/>
-        <p:txBody>
-          <a:bodyPr/>
-          <a:lstStyle/>
-          <a:p>
-            <a:r>
-              <a:rPr lang="en-US" altLang="zh-TW" b="0" i="0" dirty="0">
-                <a:solidFill>
-                  <a:srgbClr val="000000"/>
-                </a:solidFill>
-                <a:effectLst/>
-                <a:latin typeface="Lato" panose="020B0604020202020204" pitchFamily="34" charset="0"/>
-              </a:rPr>
-              <a:t>Aggregation</a:t>
-            </a:r>
-          </a:p>
-          <a:p>
-            <a:pPr lvl="1"/>
-            <a:r>
-              <a:rPr lang="en-US" altLang="zh-TW" b="0" i="0" dirty="0">
-                <a:solidFill>
-                  <a:srgbClr val="000000"/>
-                </a:solidFill>
-                <a:effectLst/>
-                <a:latin typeface="Lato" panose="020B0604020202020204" pitchFamily="34" charset="0"/>
-              </a:rPr>
-              <a:t>Grouping and summarizing specific data</a:t>
-            </a:r>
-          </a:p>
-          <a:p>
-            <a:pPr lvl="1"/>
-            <a:r>
-              <a:rPr lang="en-US" altLang="zh-TW" dirty="0">
-                <a:solidFill>
-                  <a:srgbClr val="000000"/>
-                </a:solidFill>
-                <a:latin typeface="Lato" panose="020B0604020202020204" pitchFamily="34" charset="0"/>
-              </a:rPr>
-              <a:t>Maybe a ML</a:t>
-            </a:r>
-            <a:r>
-              <a:rPr lang="zh-TW" altLang="en-US" dirty="0">
-                <a:solidFill>
-                  <a:srgbClr val="000000"/>
-                </a:solidFill>
-                <a:latin typeface="Lato" panose="020B0604020202020204" pitchFamily="34" charset="0"/>
-              </a:rPr>
-              <a:t> </a:t>
-            </a:r>
-            <a:r>
-              <a:rPr lang="en-US" altLang="zh-TW" dirty="0">
-                <a:solidFill>
-                  <a:srgbClr val="000000"/>
-                </a:solidFill>
-                <a:latin typeface="Lato" panose="020B0604020202020204" pitchFamily="34" charset="0"/>
-              </a:rPr>
-              <a:t>checkpoints or else</a:t>
-            </a:r>
-            <a:endParaRPr lang="en-US" altLang="zh-TW" b="0" i="0" dirty="0">
-              <a:solidFill>
-                <a:srgbClr val="000000"/>
-              </a:solidFill>
-              <a:effectLst/>
-              <a:latin typeface="Lato" panose="020B0604020202020204" pitchFamily="34" charset="0"/>
-            </a:endParaRPr>
-          </a:p>
-          <a:p>
-            <a:r>
-              <a:rPr lang="en-US" altLang="zh-TW" dirty="0">
-                <a:solidFill>
-                  <a:srgbClr val="000000"/>
-                </a:solidFill>
-                <a:latin typeface="Lato" panose="020B0604020202020204" pitchFamily="34" charset="0"/>
-              </a:rPr>
-              <a:t>In-Network</a:t>
-            </a:r>
-          </a:p>
-          <a:p>
-            <a:pPr lvl="1"/>
-            <a:r>
-              <a:rPr lang="en-US" altLang="zh-TW" dirty="0">
-                <a:solidFill>
-                  <a:srgbClr val="000000"/>
-                </a:solidFill>
-                <a:latin typeface="Lato" panose="020B0604020202020204" pitchFamily="34" charset="0"/>
-              </a:rPr>
-              <a:t>Aggregating in Network stage</a:t>
-            </a:r>
-          </a:p>
-          <a:p>
-            <a:pPr lvl="1"/>
-            <a:r>
-              <a:rPr lang="en-US" altLang="zh-TW" dirty="0">
-                <a:solidFill>
-                  <a:srgbClr val="000000"/>
-                </a:solidFill>
-                <a:latin typeface="Lato" panose="020B0604020202020204" pitchFamily="34" charset="0"/>
-              </a:rPr>
-              <a:t>Not in host terminal</a:t>
-            </a:r>
-          </a:p>
-          <a:p>
-            <a:r>
-              <a:rPr lang="en-US" altLang="zh-TW" dirty="0">
-                <a:solidFill>
-                  <a:srgbClr val="000000"/>
-                </a:solidFill>
-                <a:latin typeface="Lato" panose="020B0604020202020204" pitchFamily="34" charset="0"/>
-              </a:rPr>
-              <a:t>Reliable</a:t>
-            </a:r>
-          </a:p>
-          <a:p>
-            <a:pPr lvl="1"/>
-            <a:r>
-              <a:rPr lang="en-US" altLang="zh-TW" dirty="0">
-                <a:solidFill>
-                  <a:srgbClr val="000000"/>
-                </a:solidFill>
-                <a:latin typeface="Lato" panose="020B0604020202020204" pitchFamily="34" charset="0"/>
-              </a:rPr>
-              <a:t>Packet loss handling</a:t>
-            </a:r>
-          </a:p>
-          <a:p>
-            <a:pPr lvl="1"/>
-            <a:r>
-              <a:rPr lang="en-US" altLang="zh-TW" dirty="0">
-                <a:solidFill>
-                  <a:srgbClr val="000000"/>
-                </a:solidFill>
-                <a:latin typeface="Lato" panose="020B0604020202020204" pitchFamily="34" charset="0"/>
-              </a:rPr>
-              <a:t>Sequence ensure</a:t>
-            </a:r>
-          </a:p>
-          <a:p>
-            <a:pPr lvl="1"/>
-            <a:r>
-              <a:rPr lang="en-US" altLang="zh-TW" dirty="0">
-                <a:solidFill>
-                  <a:srgbClr val="000000"/>
-                </a:solidFill>
-                <a:latin typeface="Lato" panose="020B0604020202020204" pitchFamily="34" charset="0"/>
-              </a:rPr>
-              <a:t>Acknowledgement</a:t>
-            </a:r>
-            <a:endParaRPr lang="zh-TW" altLang="en-US" dirty="0"/>
-          </a:p>
-        </p:txBody>
-      </p:sp>
-      <p:sp>
-        <p:nvSpPr>
-          <p:cNvPr id="5" name="矩形: 圓角 4">
-            <a:extLst>
-              <a:ext uri="{FF2B5EF4-FFF2-40B4-BE49-F238E27FC236}">
-                <a16:creationId xmlns:a16="http://schemas.microsoft.com/office/drawing/2014/main" id="{BF22318E-01B9-4E9B-BF60-9746A608DC9D}"/>
-              </a:ext>
-            </a:extLst>
-          </p:cNvPr>
-          <p:cNvSpPr/>
-          <p:nvPr/>
-        </p:nvSpPr>
-        <p:spPr>
-          <a:xfrm>
-            <a:off x="10540012" y="3570133"/>
-            <a:ext cx="1468191" cy="1083077"/>
-          </a:xfrm>
-          <a:prstGeom prst="roundRect">
-            <a:avLst/>
-          </a:prstGeom>
-          <a:solidFill>
-            <a:schemeClr val="accent4">
-              <a:lumMod val="20000"/>
-              <a:lumOff val="80000"/>
-            </a:schemeClr>
-          </a:solidFill>
-        </p:spPr>
-        <p:style>
-          <a:lnRef idx="2">
-            <a:schemeClr val="accent1">
-              <a:shade val="50000"/>
-            </a:schemeClr>
-          </a:lnRef>
-          <a:fillRef idx="1">
-            <a:schemeClr val="accent1"/>
-          </a:fillRef>
-          <a:effectRef idx="0">
-            <a:schemeClr val="accent1"/>
-          </a:effectRef>
-          <a:fontRef idx="minor">
-            <a:schemeClr val="lt1"/>
-          </a:fontRef>
-        </p:style>
-        <p:txBody>
-          <a:bodyPr rtlCol="0" anchor="ctr"/>
-          <a:lstStyle/>
-          <a:p>
-            <a:pPr algn="ctr"/>
-            <a:r>
-              <a:rPr lang="en-US" altLang="zh-TW" sz="3000" dirty="0">
-                <a:solidFill>
-                  <a:schemeClr val="tx1"/>
-                </a:solidFill>
-              </a:rPr>
-              <a:t>2</a:t>
-            </a:r>
-            <a:endParaRPr lang="zh-TW" altLang="en-US" sz="3000" dirty="0">
-              <a:solidFill>
-                <a:schemeClr val="tx1"/>
-              </a:solidFill>
-            </a:endParaRPr>
-          </a:p>
-        </p:txBody>
-      </p:sp>
-      <p:sp>
-        <p:nvSpPr>
-          <p:cNvPr id="4" name="矩形: 圓角 3">
-            <a:extLst>
-              <a:ext uri="{FF2B5EF4-FFF2-40B4-BE49-F238E27FC236}">
-                <a16:creationId xmlns:a16="http://schemas.microsoft.com/office/drawing/2014/main" id="{47AAA7FF-542E-4D63-879C-4F017FDAC896}"/>
-              </a:ext>
-            </a:extLst>
-          </p:cNvPr>
-          <p:cNvSpPr/>
-          <p:nvPr/>
-        </p:nvSpPr>
-        <p:spPr>
-          <a:xfrm>
-            <a:off x="7472432" y="2352923"/>
-            <a:ext cx="1468191" cy="1083077"/>
-          </a:xfrm>
-          <a:prstGeom prst="roundRect">
-            <a:avLst/>
-          </a:prstGeom>
-          <a:solidFill>
-            <a:schemeClr val="accent1">
-              <a:lumMod val="20000"/>
-              <a:lumOff val="80000"/>
-            </a:schemeClr>
-          </a:solidFill>
-        </p:spPr>
-        <p:style>
-          <a:lnRef idx="2">
-            <a:schemeClr val="accent1">
-              <a:shade val="50000"/>
-            </a:schemeClr>
-          </a:lnRef>
-          <a:fillRef idx="1">
-            <a:schemeClr val="accent1"/>
-          </a:fillRef>
-          <a:effectRef idx="0">
-            <a:schemeClr val="accent1"/>
-          </a:effectRef>
-          <a:fontRef idx="minor">
-            <a:schemeClr val="lt1"/>
-          </a:fontRef>
-        </p:style>
-        <p:txBody>
-          <a:bodyPr rtlCol="0" anchor="ctr"/>
-          <a:lstStyle/>
-          <a:p>
-            <a:pPr algn="ctr"/>
-            <a:r>
-              <a:rPr lang="en-US" altLang="zh-TW" sz="3000" b="1" dirty="0">
-                <a:solidFill>
-                  <a:schemeClr val="tx1"/>
-                </a:solidFill>
-              </a:rPr>
-              <a:t>1</a:t>
-            </a:r>
-            <a:endParaRPr lang="zh-TW" altLang="en-US" sz="3000" b="1" dirty="0">
-              <a:solidFill>
-                <a:schemeClr val="tx1"/>
-              </a:solidFill>
-            </a:endParaRPr>
-          </a:p>
-        </p:txBody>
-      </p:sp>
-      <p:sp>
-        <p:nvSpPr>
-          <p:cNvPr id="6" name="矩形: 圓角 5">
-            <a:extLst>
-              <a:ext uri="{FF2B5EF4-FFF2-40B4-BE49-F238E27FC236}">
-                <a16:creationId xmlns:a16="http://schemas.microsoft.com/office/drawing/2014/main" id="{CDA806EB-1830-4C86-B2E9-6F017B851682}"/>
-              </a:ext>
-            </a:extLst>
-          </p:cNvPr>
-          <p:cNvSpPr/>
-          <p:nvPr/>
-        </p:nvSpPr>
-        <p:spPr>
-          <a:xfrm>
-            <a:off x="7472432" y="4787030"/>
-            <a:ext cx="1468191" cy="1083077"/>
-          </a:xfrm>
-          <a:prstGeom prst="roundRect">
-            <a:avLst/>
-          </a:prstGeom>
-          <a:solidFill>
-            <a:schemeClr val="accent1">
-              <a:lumMod val="20000"/>
-              <a:lumOff val="80000"/>
-            </a:schemeClr>
-          </a:solidFill>
-        </p:spPr>
-        <p:style>
-          <a:lnRef idx="2">
-            <a:schemeClr val="accent1">
-              <a:shade val="50000"/>
-            </a:schemeClr>
-          </a:lnRef>
-          <a:fillRef idx="1">
-            <a:schemeClr val="accent1"/>
-          </a:fillRef>
-          <a:effectRef idx="0">
-            <a:schemeClr val="accent1"/>
-          </a:effectRef>
-          <a:fontRef idx="minor">
-            <a:schemeClr val="lt1"/>
-          </a:fontRef>
-        </p:style>
-        <p:txBody>
-          <a:bodyPr rtlCol="0" anchor="ctr"/>
-          <a:lstStyle/>
-          <a:p>
-            <a:pPr algn="ctr"/>
-            <a:r>
-              <a:rPr lang="en-US" altLang="zh-TW" sz="3000" b="1" dirty="0">
-                <a:solidFill>
-                  <a:schemeClr val="tx1"/>
-                </a:solidFill>
-              </a:rPr>
-              <a:t>1</a:t>
-            </a:r>
-            <a:endParaRPr lang="zh-TW" altLang="en-US" sz="3000" b="1" dirty="0">
-              <a:solidFill>
-                <a:schemeClr val="tx1"/>
-              </a:solidFill>
-            </a:endParaRPr>
-          </a:p>
-        </p:txBody>
-      </p:sp>
-      <p:sp>
-        <p:nvSpPr>
-          <p:cNvPr id="8" name="加號 7">
-            <a:extLst>
-              <a:ext uri="{FF2B5EF4-FFF2-40B4-BE49-F238E27FC236}">
-                <a16:creationId xmlns:a16="http://schemas.microsoft.com/office/drawing/2014/main" id="{1E0250F4-ED29-4F24-BD56-0D265A43DF2E}"/>
-              </a:ext>
-            </a:extLst>
-          </p:cNvPr>
-          <p:cNvSpPr/>
-          <p:nvPr/>
-        </p:nvSpPr>
-        <p:spPr>
-          <a:xfrm>
-            <a:off x="7807282" y="3686512"/>
-            <a:ext cx="798490" cy="850006"/>
-          </a:xfrm>
-          <a:prstGeom prst="mathPlus">
-            <a:avLst/>
-          </a:prstGeom>
-          <a:solidFill>
-            <a:schemeClr val="bg2">
-              <a:lumMod val="75000"/>
-            </a:schemeClr>
-          </a:solidFill>
-        </p:spPr>
-        <p:style>
-          <a:lnRef idx="2">
-            <a:schemeClr val="accent1">
-              <a:shade val="50000"/>
-            </a:schemeClr>
-          </a:lnRef>
-          <a:fillRef idx="1">
-            <a:schemeClr val="accent1"/>
-          </a:fillRef>
-          <a:effectRef idx="0">
-            <a:schemeClr val="accent1"/>
-          </a:effectRef>
-          <a:fontRef idx="minor">
-            <a:schemeClr val="lt1"/>
-          </a:fontRef>
-        </p:style>
-        <p:txBody>
-          <a:bodyPr rtlCol="0" anchor="ctr"/>
-          <a:lstStyle/>
-          <a:p>
-            <a:pPr algn="ctr"/>
-            <a:endParaRPr lang="zh-TW" altLang="en-US" dirty="0"/>
-          </a:p>
-        </p:txBody>
-      </p:sp>
-      <p:sp>
-        <p:nvSpPr>
-          <p:cNvPr id="12" name="箭號: 向右 11">
-            <a:extLst>
-              <a:ext uri="{FF2B5EF4-FFF2-40B4-BE49-F238E27FC236}">
-                <a16:creationId xmlns:a16="http://schemas.microsoft.com/office/drawing/2014/main" id="{221E11EE-6FB2-4A11-BDF1-019D73802F1B}"/>
-              </a:ext>
-            </a:extLst>
-          </p:cNvPr>
-          <p:cNvSpPr/>
-          <p:nvPr/>
-        </p:nvSpPr>
-        <p:spPr>
-          <a:xfrm>
-            <a:off x="9344070" y="3923931"/>
-            <a:ext cx="1083077" cy="375163"/>
-          </a:xfrm>
-          <a:prstGeom prst="rightArrow">
-            <a:avLst/>
-          </a:prstGeom>
-          <a:ln>
-            <a:solidFill>
-              <a:schemeClr val="accent1"/>
-            </a:solidFill>
-          </a:ln>
-        </p:spPr>
-        <p:style>
-          <a:lnRef idx="2">
-            <a:schemeClr val="accent1">
-              <a:shade val="50000"/>
-            </a:schemeClr>
-          </a:lnRef>
-          <a:fillRef idx="1">
-            <a:schemeClr val="accent1"/>
-          </a:fillRef>
-          <a:effectRef idx="0">
-            <a:schemeClr val="accent1"/>
-          </a:effectRef>
-          <a:fontRef idx="minor">
-            <a:schemeClr val="lt1"/>
-          </a:fontRef>
-        </p:style>
-        <p:txBody>
-          <a:bodyPr rtlCol="0" anchor="ctr"/>
-          <a:lstStyle/>
-          <a:p>
-            <a:pPr algn="ctr"/>
-            <a:endParaRPr lang="zh-TW" altLang="en-US"/>
-          </a:p>
-        </p:txBody>
-      </p:sp>
-      <p:sp>
-        <p:nvSpPr>
-          <p:cNvPr id="13" name="矩形 12">
-            <a:extLst>
-              <a:ext uri="{FF2B5EF4-FFF2-40B4-BE49-F238E27FC236}">
-                <a16:creationId xmlns:a16="http://schemas.microsoft.com/office/drawing/2014/main" id="{29698366-8938-44DF-8073-E23EB753085B}"/>
-              </a:ext>
-            </a:extLst>
-          </p:cNvPr>
-          <p:cNvSpPr/>
-          <p:nvPr/>
-        </p:nvSpPr>
-        <p:spPr>
-          <a:xfrm>
-            <a:off x="9331013" y="2655153"/>
-            <a:ext cx="150187" cy="2912719"/>
-          </a:xfrm>
-          <a:prstGeom prst="rect">
-            <a:avLst/>
-          </a:prstGeom>
-          <a:ln>
-            <a:solidFill>
-              <a:schemeClr val="accent1"/>
-            </a:solidFill>
-          </a:ln>
-        </p:spPr>
-        <p:style>
-          <a:lnRef idx="2">
-            <a:schemeClr val="accent1">
-              <a:shade val="50000"/>
-            </a:schemeClr>
-          </a:lnRef>
-          <a:fillRef idx="1">
-            <a:schemeClr val="accent1"/>
-          </a:fillRef>
-          <a:effectRef idx="0">
-            <a:schemeClr val="accent1"/>
-          </a:effectRef>
-          <a:fontRef idx="minor">
-            <a:schemeClr val="lt1"/>
-          </a:fontRef>
-        </p:style>
-        <p:txBody>
-          <a:bodyPr rtlCol="0" anchor="ctr"/>
-          <a:lstStyle/>
-          <a:p>
-            <a:pPr algn="ctr"/>
-            <a:endParaRPr lang="zh-TW" altLang="en-US"/>
-          </a:p>
-        </p:txBody>
-      </p:sp>
-      <p:sp>
-        <p:nvSpPr>
-          <p:cNvPr id="14" name="矩形 13">
-            <a:extLst>
-              <a:ext uri="{FF2B5EF4-FFF2-40B4-BE49-F238E27FC236}">
-                <a16:creationId xmlns:a16="http://schemas.microsoft.com/office/drawing/2014/main" id="{8174B0A8-66A6-49B3-9CBA-214C4EBAC13B}"/>
-              </a:ext>
-            </a:extLst>
-          </p:cNvPr>
-          <p:cNvSpPr/>
-          <p:nvPr/>
-        </p:nvSpPr>
-        <p:spPr>
-          <a:xfrm>
-            <a:off x="9055146" y="2655153"/>
-            <a:ext cx="342900" cy="128362"/>
-          </a:xfrm>
-          <a:prstGeom prst="rect">
-            <a:avLst/>
-          </a:prstGeom>
-          <a:ln>
-            <a:solidFill>
-              <a:schemeClr val="accent1"/>
-            </a:solidFill>
-          </a:ln>
-        </p:spPr>
-        <p:style>
-          <a:lnRef idx="2">
-            <a:schemeClr val="accent1">
-              <a:shade val="50000"/>
-            </a:schemeClr>
-          </a:lnRef>
-          <a:fillRef idx="1">
-            <a:schemeClr val="accent1"/>
-          </a:fillRef>
-          <a:effectRef idx="0">
-            <a:schemeClr val="accent1"/>
-          </a:effectRef>
-          <a:fontRef idx="minor">
-            <a:schemeClr val="lt1"/>
-          </a:fontRef>
-        </p:style>
-        <p:txBody>
-          <a:bodyPr rtlCol="0" anchor="ctr"/>
-          <a:lstStyle/>
-          <a:p>
-            <a:pPr algn="ctr"/>
-            <a:endParaRPr lang="zh-TW" altLang="en-US"/>
-          </a:p>
-        </p:txBody>
-      </p:sp>
-      <p:sp>
-        <p:nvSpPr>
-          <p:cNvPr id="15" name="矩形 14">
-            <a:extLst>
-              <a:ext uri="{FF2B5EF4-FFF2-40B4-BE49-F238E27FC236}">
-                <a16:creationId xmlns:a16="http://schemas.microsoft.com/office/drawing/2014/main" id="{FC149FE7-8242-4CF2-8280-83CB4413EF8B}"/>
-              </a:ext>
-            </a:extLst>
-          </p:cNvPr>
-          <p:cNvSpPr/>
-          <p:nvPr/>
-        </p:nvSpPr>
-        <p:spPr>
-          <a:xfrm>
-            <a:off x="9078756" y="5439508"/>
-            <a:ext cx="342900" cy="128362"/>
-          </a:xfrm>
-          <a:prstGeom prst="rect">
-            <a:avLst/>
-          </a:prstGeom>
-          <a:ln>
-            <a:solidFill>
-              <a:schemeClr val="accent1"/>
-            </a:solidFill>
-          </a:ln>
-        </p:spPr>
-        <p:style>
-          <a:lnRef idx="2">
-            <a:schemeClr val="accent1">
-              <a:shade val="50000"/>
-            </a:schemeClr>
-          </a:lnRef>
-          <a:fillRef idx="1">
-            <a:schemeClr val="accent1"/>
-          </a:fillRef>
-          <a:effectRef idx="0">
-            <a:schemeClr val="accent1"/>
-          </a:effectRef>
-          <a:fontRef idx="minor">
-            <a:schemeClr val="lt1"/>
-          </a:fontRef>
-        </p:style>
-        <p:txBody>
-          <a:bodyPr rtlCol="0" anchor="ctr"/>
-          <a:lstStyle/>
-          <a:p>
-            <a:pPr algn="ctr"/>
-            <a:endParaRPr lang="zh-TW" altLang="en-US"/>
-          </a:p>
-        </p:txBody>
-      </p:sp>
-    </p:spTree>
-    <p:extLst>
-      <p:ext uri="{BB962C8B-B14F-4D97-AF65-F5344CB8AC3E}">
-        <p14:creationId xmlns:p14="http://schemas.microsoft.com/office/powerpoint/2010/main" val="2263895188"/>
-      </p:ext>
-    </p:extLst>
-  </p:cSld>
-  <p:clrMapOvr>
-    <a:masterClrMapping/>
-  </p:clrMapOvr>
-</p:sld>
-</file>
-
-<file path=ppt/slides/slide3.xml><?xml version="1.0" encoding="utf-8"?>
-<p:sld xmlns:a="http://schemas.openxmlformats.org/drawingml/2006/main" xmlns:r="http://schemas.openxmlformats.org/officeDocument/2006/relationships" xmlns:p="http://schemas.openxmlformats.org/presentationml/2006/main">
-  <p:cSld>
-    <p:spTree>
-      <p:nvGrpSpPr>
-        <p:cNvPr id="1" name=""/>
-        <p:cNvGrpSpPr/>
-        <p:nvPr/>
-      </p:nvGrpSpPr>
-      <p:grpSpPr>
-        <a:xfrm>
-          <a:off x="0" y="0"/>
-          <a:ext cx="0" cy="0"/>
-          <a:chOff x="0" y="0"/>
-          <a:chExt cx="0" cy="0"/>
-        </a:xfrm>
-      </p:grpSpPr>
-      <p:sp>
-        <p:nvSpPr>
-          <p:cNvPr id="2" name="標題 1">
-            <a:extLst>
-              <a:ext uri="{FF2B5EF4-FFF2-40B4-BE49-F238E27FC236}">
-                <a16:creationId xmlns:a16="http://schemas.microsoft.com/office/drawing/2014/main" id="{619FF3EF-8428-4227-BDC5-4196D82745C4}"/>
-              </a:ext>
-            </a:extLst>
-          </p:cNvPr>
-          <p:cNvSpPr>
-            <a:spLocks noGrp="1"/>
-          </p:cNvSpPr>
-          <p:nvPr>
-            <p:ph type="title"/>
-          </p:nvPr>
-        </p:nvSpPr>
-        <p:spPr/>
-        <p:txBody>
-          <a:bodyPr/>
-          <a:lstStyle/>
-          <a:p>
-            <a:r>
-              <a:rPr lang="en-US" altLang="zh-TW" b="0" i="0" dirty="0">
-                <a:solidFill>
-                  <a:srgbClr val="1D1C1D"/>
-                </a:solidFill>
-                <a:effectLst/>
-                <a:latin typeface="NotoSansSC"/>
-              </a:rPr>
-              <a:t>Building concepts</a:t>
-            </a:r>
-            <a:endParaRPr lang="zh-TW" altLang="en-US" dirty="0"/>
-          </a:p>
-        </p:txBody>
-      </p:sp>
-      <p:sp>
-        <p:nvSpPr>
-          <p:cNvPr id="3" name="內容版面配置區 2">
-            <a:extLst>
-              <a:ext uri="{FF2B5EF4-FFF2-40B4-BE49-F238E27FC236}">
-                <a16:creationId xmlns:a16="http://schemas.microsoft.com/office/drawing/2014/main" id="{B9B8E2BC-80AF-420A-8BCB-05256820C1F0}"/>
-              </a:ext>
-            </a:extLst>
-          </p:cNvPr>
-          <p:cNvSpPr>
-            <a:spLocks noGrp="1"/>
-          </p:cNvSpPr>
-          <p:nvPr>
-            <p:ph idx="1"/>
-          </p:nvPr>
-        </p:nvSpPr>
-        <p:spPr/>
-        <p:txBody>
-          <a:bodyPr/>
-          <a:lstStyle/>
-          <a:p>
-            <a:r>
-              <a:rPr lang="en-US" altLang="zh-TW" dirty="0">
-                <a:solidFill>
-                  <a:srgbClr val="000000"/>
-                </a:solidFill>
-                <a:latin typeface="Lato" panose="020B0604020202020204" pitchFamily="34" charset="0"/>
-              </a:rPr>
-              <a:t>In-Network – P4 </a:t>
-            </a:r>
-          </a:p>
-          <a:p>
-            <a:pPr lvl="1"/>
-            <a:r>
-              <a:rPr lang="en-US" altLang="zh-TW" dirty="0">
-                <a:solidFill>
-                  <a:srgbClr val="000000"/>
-                </a:solidFill>
-                <a:latin typeface="Lato" panose="020B0604020202020204" pitchFamily="34" charset="0"/>
-              </a:rPr>
-              <a:t>Software-Defined Network</a:t>
-            </a:r>
-          </a:p>
-          <a:p>
-            <a:pPr lvl="1"/>
-            <a:r>
-              <a:rPr lang="en-US" altLang="zh-TW" dirty="0">
-                <a:solidFill>
-                  <a:srgbClr val="000000"/>
-                </a:solidFill>
-                <a:latin typeface="Lato" panose="020B0604020202020204" pitchFamily="34" charset="0"/>
-              </a:rPr>
-              <a:t>Programmable switch</a:t>
-            </a:r>
-          </a:p>
-          <a:p>
-            <a:pPr lvl="1"/>
-            <a:r>
-              <a:rPr lang="en-US" altLang="zh-TW" dirty="0">
-                <a:solidFill>
-                  <a:srgbClr val="000000"/>
-                </a:solidFill>
-                <a:latin typeface="Lato" panose="020B0604020202020204" pitchFamily="34" charset="0"/>
-              </a:rPr>
-              <a:t>Can handling headers from layer 2 to layer 5</a:t>
-            </a:r>
-          </a:p>
-          <a:p>
-            <a:pPr lvl="1"/>
-            <a:endParaRPr lang="en-US" altLang="zh-TW" dirty="0">
-              <a:solidFill>
-                <a:srgbClr val="000000"/>
-              </a:solidFill>
-              <a:latin typeface="Lato" panose="020B0604020202020204" pitchFamily="34" charset="0"/>
-            </a:endParaRPr>
-          </a:p>
-          <a:p>
-            <a:r>
-              <a:rPr lang="en-US" altLang="zh-TW" dirty="0">
-                <a:solidFill>
-                  <a:srgbClr val="000000"/>
-                </a:solidFill>
-                <a:latin typeface="Lato" panose="020B0604020202020204" pitchFamily="34" charset="0"/>
-              </a:rPr>
-              <a:t>Reliability – TCP protocol</a:t>
-            </a:r>
-          </a:p>
-          <a:p>
-            <a:pPr lvl="1"/>
-            <a:r>
-              <a:rPr lang="en-US" altLang="zh-TW" dirty="0"/>
-              <a:t>Sequence is ensure</a:t>
-            </a:r>
-          </a:p>
-          <a:p>
-            <a:pPr lvl="1"/>
-            <a:r>
-              <a:rPr lang="en-US" altLang="zh-TW" dirty="0"/>
-              <a:t>Packet loss handling</a:t>
-            </a:r>
-          </a:p>
-          <a:p>
-            <a:pPr lvl="1"/>
-            <a:r>
-              <a:rPr lang="en-US" altLang="zh-TW" dirty="0"/>
-              <a:t>Packet Acknowledgement</a:t>
-            </a:r>
-          </a:p>
-          <a:p>
-            <a:pPr lvl="1"/>
-            <a:endParaRPr lang="en-US" altLang="zh-TW" dirty="0">
-              <a:solidFill>
-                <a:srgbClr val="000000"/>
-              </a:solidFill>
-              <a:latin typeface="Lato" panose="020B0604020202020204" pitchFamily="34" charset="0"/>
-            </a:endParaRPr>
-          </a:p>
-          <a:p>
-            <a:pPr lvl="1"/>
-            <a:endParaRPr lang="zh-TW" altLang="en-US" dirty="0"/>
-          </a:p>
-        </p:txBody>
-      </p:sp>
-      <p:pic>
-        <p:nvPicPr>
-          <p:cNvPr id="5" name="圖片 4">
-            <a:extLst>
-              <a:ext uri="{FF2B5EF4-FFF2-40B4-BE49-F238E27FC236}">
-                <a16:creationId xmlns:a16="http://schemas.microsoft.com/office/drawing/2014/main" id="{F303F7A7-B264-4DA9-AF5A-25001C94F9AF}"/>
-              </a:ext>
-            </a:extLst>
-          </p:cNvPr>
-          <p:cNvPicPr>
-            <a:picLocks noChangeAspect="1"/>
-          </p:cNvPicPr>
-          <p:nvPr/>
-        </p:nvPicPr>
-        <p:blipFill>
-          <a:blip r:embed="rId2">
-            <a:extLst>
-              <a:ext uri="{28A0092B-C50C-407E-A947-70E740481C1C}">
-                <a14:useLocalDpi xmlns:a14="http://schemas.microsoft.com/office/drawing/2010/main" val="0"/>
-              </a:ext>
-            </a:extLst>
-          </a:blip>
-          <a:stretch>
-            <a:fillRect/>
-          </a:stretch>
-        </p:blipFill>
-        <p:spPr>
-          <a:xfrm>
-            <a:off x="8178800" y="2129631"/>
-            <a:ext cx="3175000" cy="3175000"/>
-          </a:xfrm>
-          <a:prstGeom prst="rect">
-            <a:avLst/>
-          </a:prstGeom>
-        </p:spPr>
-      </p:pic>
-    </p:spTree>
-    <p:extLst>
-      <p:ext uri="{BB962C8B-B14F-4D97-AF65-F5344CB8AC3E}">
-        <p14:creationId xmlns:p14="http://schemas.microsoft.com/office/powerpoint/2010/main" val="2389426054"/>
-      </p:ext>
-    </p:extLst>
-  </p:cSld>
-  <p:clrMapOvr>
-    <a:masterClrMapping/>
-  </p:clrMapOvr>
-</p:sld>
-</file>
-
-<file path=ppt/slides/slide4.xml><?xml version="1.0" encoding="utf-8"?>
-<p:sld xmlns:a="http://schemas.openxmlformats.org/drawingml/2006/main" xmlns:r="http://schemas.openxmlformats.org/officeDocument/2006/relationships" xmlns:p="http://schemas.openxmlformats.org/presentationml/2006/main">
-  <p:cSld>
-    <p:spTree>
-      <p:nvGrpSpPr>
-        <p:cNvPr id="1" name=""/>
-        <p:cNvGrpSpPr/>
-        <p:nvPr/>
-      </p:nvGrpSpPr>
-      <p:grpSpPr>
-        <a:xfrm>
-          <a:off x="0" y="0"/>
-          <a:ext cx="0" cy="0"/>
-          <a:chOff x="0" y="0"/>
-          <a:chExt cx="0" cy="0"/>
-        </a:xfrm>
-      </p:grpSpPr>
-      <p:sp>
-        <p:nvSpPr>
-          <p:cNvPr id="2" name="標題 1">
-            <a:extLst>
-              <a:ext uri="{FF2B5EF4-FFF2-40B4-BE49-F238E27FC236}">
-                <a16:creationId xmlns:a16="http://schemas.microsoft.com/office/drawing/2014/main" id="{D36E723E-BAC3-492C-A828-0723B079BC9C}"/>
-              </a:ext>
-            </a:extLst>
-          </p:cNvPr>
-          <p:cNvSpPr>
-            <a:spLocks noGrp="1"/>
-          </p:cNvSpPr>
-          <p:nvPr>
-            <p:ph type="title"/>
-          </p:nvPr>
-        </p:nvSpPr>
-        <p:spPr/>
-        <p:txBody>
-          <a:bodyPr/>
-          <a:lstStyle/>
-          <a:p>
-            <a:r>
-              <a:rPr lang="en-US" altLang="zh-TW" dirty="0">
-                <a:latin typeface="Google Sans"/>
-              </a:rPr>
-              <a:t>A multi-host In-Network aggregator</a:t>
-            </a:r>
-          </a:p>
-        </p:txBody>
-      </p:sp>
-      <p:sp>
-        <p:nvSpPr>
-          <p:cNvPr id="3" name="內容版面配置區 2">
-            <a:extLst>
-              <a:ext uri="{FF2B5EF4-FFF2-40B4-BE49-F238E27FC236}">
-                <a16:creationId xmlns:a16="http://schemas.microsoft.com/office/drawing/2014/main" id="{ED0658A0-8128-425D-87E9-666BFB947C69}"/>
-              </a:ext>
-            </a:extLst>
-          </p:cNvPr>
-          <p:cNvSpPr>
-            <a:spLocks noGrp="1"/>
-          </p:cNvSpPr>
-          <p:nvPr>
-            <p:ph idx="1"/>
-          </p:nvPr>
-        </p:nvSpPr>
-        <p:spPr/>
-        <p:txBody>
-          <a:bodyPr/>
-          <a:lstStyle/>
-          <a:p>
-            <a:r>
-              <a:rPr lang="en-US" altLang="zh-TW" dirty="0"/>
-              <a:t>Receiving data from multiple hosts</a:t>
-            </a:r>
-          </a:p>
-          <a:p>
-            <a:r>
-              <a:rPr lang="en-US" altLang="zh-TW" dirty="0"/>
-              <a:t>Send to Receiver after aggregation</a:t>
-            </a:r>
-          </a:p>
-          <a:p>
-            <a:r>
-              <a:rPr lang="en-US" altLang="zh-TW" dirty="0"/>
-              <a:t>Works under TCP connections</a:t>
-            </a:r>
-            <a:endParaRPr lang="zh-TW" altLang="en-US" dirty="0"/>
-          </a:p>
-        </p:txBody>
-      </p:sp>
-    </p:spTree>
-    <p:extLst>
-      <p:ext uri="{BB962C8B-B14F-4D97-AF65-F5344CB8AC3E}">
-        <p14:creationId xmlns:p14="http://schemas.microsoft.com/office/powerpoint/2010/main" val="4255366868"/>
-      </p:ext>
-    </p:extLst>
-  </p:cSld>
-  <p:clrMapOvr>
-    <a:masterClrMapping/>
-  </p:clrMapOvr>
-</p:sld>
-</file>
-
-<file path=ppt/slides/slide5.xml><?xml version="1.0" encoding="utf-8"?>
-<p:sld xmlns:a="http://schemas.openxmlformats.org/drawingml/2006/main" xmlns:r="http://schemas.openxmlformats.org/officeDocument/2006/relationships" xmlns:p="http://schemas.openxmlformats.org/presentationml/2006/main">
-  <p:cSld>
-    <p:spTree>
-      <p:nvGrpSpPr>
-        <p:cNvPr id="1" name=""/>
-        <p:cNvGrpSpPr/>
-        <p:nvPr/>
-      </p:nvGrpSpPr>
-      <p:grpSpPr>
-        <a:xfrm>
-          <a:off x="0" y="0"/>
-          <a:ext cx="0" cy="0"/>
-          <a:chOff x="0" y="0"/>
-          <a:chExt cx="0" cy="0"/>
-        </a:xfrm>
-      </p:grpSpPr>
-      <p:sp>
-        <p:nvSpPr>
-          <p:cNvPr id="2" name="標題 1">
-            <a:extLst>
-              <a:ext uri="{FF2B5EF4-FFF2-40B4-BE49-F238E27FC236}">
-                <a16:creationId xmlns:a16="http://schemas.microsoft.com/office/drawing/2014/main" id="{D8828057-8C7B-4BA3-85F8-2D2384EA6ABF}"/>
-              </a:ext>
-            </a:extLst>
-          </p:cNvPr>
-          <p:cNvSpPr>
-            <a:spLocks noGrp="1"/>
-          </p:cNvSpPr>
-          <p:nvPr>
-            <p:ph type="title"/>
-          </p:nvPr>
-        </p:nvSpPr>
-        <p:spPr>
-          <a:xfrm>
-            <a:off x="838200" y="365125"/>
-            <a:ext cx="3643648" cy="1325563"/>
-          </a:xfrm>
-        </p:spPr>
-        <p:txBody>
-          <a:bodyPr/>
-          <a:lstStyle/>
-          <a:p>
-            <a:r>
-              <a:rPr lang="en-US" altLang="zh-TW" dirty="0">
-                <a:latin typeface="Google Sans"/>
-              </a:rPr>
-              <a:t>Topology</a:t>
-            </a:r>
-            <a:endParaRPr lang="zh-TW" altLang="en-US" dirty="0">
-              <a:latin typeface="Google Sans"/>
-            </a:endParaRPr>
-          </a:p>
-        </p:txBody>
-      </p:sp>
-      <p:sp>
-        <p:nvSpPr>
-          <p:cNvPr id="3" name="內容版面配置區 2">
-            <a:extLst>
-              <a:ext uri="{FF2B5EF4-FFF2-40B4-BE49-F238E27FC236}">
-                <a16:creationId xmlns:a16="http://schemas.microsoft.com/office/drawing/2014/main" id="{ACF8E94D-D4F6-48E1-B1AD-6AD3DCA6F883}"/>
-              </a:ext>
-            </a:extLst>
-          </p:cNvPr>
-          <p:cNvSpPr>
-            <a:spLocks noGrp="1"/>
-          </p:cNvSpPr>
-          <p:nvPr>
-            <p:ph idx="1"/>
-          </p:nvPr>
-        </p:nvSpPr>
-        <p:spPr>
-          <a:xfrm>
-            <a:off x="897228" y="1094704"/>
-            <a:ext cx="4133045" cy="5272009"/>
-          </a:xfrm>
-        </p:spPr>
-        <p:txBody>
-          <a:bodyPr>
-            <a:normAutofit lnSpcReduction="10000"/>
-          </a:bodyPr>
-          <a:lstStyle/>
-          <a:p>
-            <a:pPr marL="457200" lvl="1" indent="0">
-              <a:buNone/>
-            </a:pPr>
-            <a:endParaRPr lang="en-US" altLang="zh-TW" dirty="0"/>
-          </a:p>
-          <a:p>
-            <a:pPr algn="l">
-              <a:buFont typeface="Arial" panose="020B0604020202020204" pitchFamily="34" charset="0"/>
-              <a:buChar char="•"/>
-            </a:pPr>
-            <a:r>
-              <a:rPr lang="en-US" altLang="zh-TW" b="0" i="0" dirty="0">
-                <a:effectLst/>
-                <a:latin typeface="-apple-system"/>
-              </a:rPr>
-              <a:t>Environments</a:t>
-            </a:r>
-          </a:p>
-          <a:p>
-            <a:pPr lvl="1"/>
-            <a:r>
-              <a:rPr lang="en-US" altLang="zh-TW" b="0" i="0" dirty="0">
-                <a:effectLst/>
-                <a:latin typeface="-apple-system"/>
-              </a:rPr>
-              <a:t>Ubuntu: 20.04</a:t>
-            </a:r>
-          </a:p>
-          <a:p>
-            <a:pPr lvl="1"/>
-            <a:r>
-              <a:rPr lang="en-US" altLang="zh-TW" b="0" i="0" dirty="0">
-                <a:effectLst/>
-                <a:latin typeface="-apple-system"/>
-              </a:rPr>
-              <a:t>Mininet: 2.3.1b4</a:t>
-            </a:r>
-          </a:p>
-          <a:p>
-            <a:pPr lvl="1"/>
-            <a:r>
-              <a:rPr lang="en-US" altLang="zh-TW" b="0" i="0" dirty="0">
-                <a:effectLst/>
-                <a:latin typeface="-apple-system"/>
-              </a:rPr>
-              <a:t>bmv2 </a:t>
-            </a:r>
-          </a:p>
-          <a:p>
-            <a:pPr lvl="1"/>
-            <a:r>
-              <a:rPr lang="en-US" altLang="zh-TW" b="0" i="0" dirty="0">
-                <a:effectLst/>
-                <a:latin typeface="-apple-system"/>
-              </a:rPr>
-              <a:t>p4c: 1.2.4.2</a:t>
-            </a:r>
-          </a:p>
-          <a:p>
-            <a:pPr lvl="1"/>
-            <a:endParaRPr lang="en-US" altLang="zh-TW" b="0" i="0" dirty="0">
-              <a:effectLst/>
-              <a:latin typeface="-apple-system"/>
-            </a:endParaRPr>
-          </a:p>
-          <a:p>
-            <a:r>
-              <a:rPr lang="en-US" altLang="zh-TW" dirty="0"/>
-              <a:t>Devices</a:t>
-            </a:r>
-          </a:p>
-          <a:p>
-            <a:pPr lvl="1"/>
-            <a:r>
-              <a:rPr lang="en-US" altLang="zh-TW" dirty="0"/>
-              <a:t>4 Sender host</a:t>
-            </a:r>
-          </a:p>
-          <a:p>
-            <a:pPr lvl="1"/>
-            <a:r>
-              <a:rPr lang="en-US" altLang="zh-TW" dirty="0"/>
-              <a:t>1 Receiver host</a:t>
-            </a:r>
-          </a:p>
-          <a:p>
-            <a:pPr lvl="1"/>
-            <a:r>
-              <a:rPr lang="en-US" altLang="zh-TW" dirty="0"/>
-              <a:t>1 Aggregator switch</a:t>
-            </a:r>
-          </a:p>
-          <a:p>
-            <a:r>
-              <a:rPr lang="en-US" altLang="zh-TW" dirty="0"/>
-              <a:t>Connections</a:t>
-            </a:r>
-          </a:p>
-          <a:p>
-            <a:pPr lvl="1"/>
-            <a:r>
-              <a:rPr lang="en-US" altLang="zh-TW" dirty="0"/>
-              <a:t>4 TCP connections</a:t>
-            </a:r>
-          </a:p>
-          <a:p>
-            <a:pPr lvl="1"/>
-            <a:endParaRPr lang="en-US" altLang="zh-TW" dirty="0"/>
-          </a:p>
-          <a:p>
-            <a:pPr lvl="1"/>
-            <a:endParaRPr lang="en-US" altLang="zh-TW" dirty="0"/>
-          </a:p>
-        </p:txBody>
-      </p:sp>
-      <p:pic>
-        <p:nvPicPr>
-          <p:cNvPr id="10" name="圖片 9">
-            <a:extLst>
-              <a:ext uri="{FF2B5EF4-FFF2-40B4-BE49-F238E27FC236}">
-                <a16:creationId xmlns:a16="http://schemas.microsoft.com/office/drawing/2014/main" id="{2BBCAA0F-DE1E-47E0-8CB3-AF5829471B6A}"/>
-              </a:ext>
-            </a:extLst>
-          </p:cNvPr>
-          <p:cNvPicPr>
-            <a:picLocks noChangeAspect="1"/>
-          </p:cNvPicPr>
-          <p:nvPr/>
-        </p:nvPicPr>
-        <p:blipFill>
-          <a:blip r:embed="rId2"/>
-          <a:stretch>
-            <a:fillRect/>
-          </a:stretch>
-        </p:blipFill>
-        <p:spPr>
-          <a:xfrm>
-            <a:off x="4610637" y="491287"/>
-            <a:ext cx="7287642" cy="6001588"/>
-          </a:xfrm>
-          <a:prstGeom prst="rect">
-            <a:avLst/>
-          </a:prstGeom>
-        </p:spPr>
-      </p:pic>
-    </p:spTree>
-    <p:extLst>
-      <p:ext uri="{BB962C8B-B14F-4D97-AF65-F5344CB8AC3E}">
-        <p14:creationId xmlns:p14="http://schemas.microsoft.com/office/powerpoint/2010/main" val="1538266347"/>
-      </p:ext>
-    </p:extLst>
-  </p:cSld>
-  <p:clrMapOvr>
-    <a:masterClrMapping/>
-  </p:clrMapOvr>
-</p:sld>
-</file>
-
-<file path=ppt/slides/slide6.xml><?xml version="1.0" encoding="utf-8"?>
-<p:sld xmlns:a="http://schemas.openxmlformats.org/drawingml/2006/main" xmlns:r="http://schemas.openxmlformats.org/officeDocument/2006/relationships" xmlns:p="http://schemas.openxmlformats.org/presentationml/2006/main">
-  <p:cSld>
-    <p:spTree>
-      <p:nvGrpSpPr>
-        <p:cNvPr id="1" name=""/>
-        <p:cNvGrpSpPr/>
-        <p:nvPr/>
-      </p:nvGrpSpPr>
-      <p:grpSpPr>
-        <a:xfrm>
-          <a:off x="0" y="0"/>
-          <a:ext cx="0" cy="0"/>
-          <a:chOff x="0" y="0"/>
-          <a:chExt cx="0" cy="0"/>
-        </a:xfrm>
-      </p:grpSpPr>
-      <p:pic>
-        <p:nvPicPr>
-          <p:cNvPr id="14" name="圖片 13">
-            <a:extLst>
-              <a:ext uri="{FF2B5EF4-FFF2-40B4-BE49-F238E27FC236}">
-                <a16:creationId xmlns:a16="http://schemas.microsoft.com/office/drawing/2014/main" id="{FA5F49A7-1B4B-5FD5-C8A2-082863F2907F}"/>
-              </a:ext>
-            </a:extLst>
-          </p:cNvPr>
-          <p:cNvPicPr>
-            <a:picLocks noChangeAspect="1"/>
-          </p:cNvPicPr>
-          <p:nvPr/>
-        </p:nvPicPr>
-        <p:blipFill rotWithShape="1">
-          <a:blip r:embed="rId2"/>
-          <a:srcRect l="29375" r="28012"/>
-          <a:stretch/>
-        </p:blipFill>
-        <p:spPr>
-          <a:xfrm>
-            <a:off x="6025117" y="0"/>
-            <a:ext cx="6166883" cy="11236272"/>
-          </a:xfrm>
-          <a:prstGeom prst="rect">
-            <a:avLst/>
-          </a:prstGeom>
-        </p:spPr>
-      </p:pic>
-      <p:sp>
-        <p:nvSpPr>
-          <p:cNvPr id="2" name="標題 1">
-            <a:extLst>
-              <a:ext uri="{FF2B5EF4-FFF2-40B4-BE49-F238E27FC236}">
-                <a16:creationId xmlns:a16="http://schemas.microsoft.com/office/drawing/2014/main" id="{611D002D-8D6D-4BBA-A9D9-C230A2343647}"/>
-              </a:ext>
-            </a:extLst>
-          </p:cNvPr>
-          <p:cNvSpPr>
-            <a:spLocks noGrp="1"/>
-          </p:cNvSpPr>
-          <p:nvPr>
-            <p:ph type="title"/>
-          </p:nvPr>
-        </p:nvSpPr>
-        <p:spPr/>
-        <p:txBody>
-          <a:bodyPr/>
-          <a:lstStyle/>
-          <a:p>
-            <a:r>
-              <a:rPr lang="en-US" altLang="zh-TW" dirty="0">
-                <a:latin typeface="Google Sans"/>
-              </a:rPr>
-              <a:t>Main component</a:t>
-            </a:r>
-            <a:endParaRPr lang="zh-TW" altLang="en-US" dirty="0">
-              <a:latin typeface="Google Sans"/>
-            </a:endParaRPr>
-          </a:p>
-        </p:txBody>
-      </p:sp>
-      <p:sp>
-        <p:nvSpPr>
-          <p:cNvPr id="4" name="內容版面配置區 3">
-            <a:extLst>
-              <a:ext uri="{FF2B5EF4-FFF2-40B4-BE49-F238E27FC236}">
-                <a16:creationId xmlns:a16="http://schemas.microsoft.com/office/drawing/2014/main" id="{14266E82-AB07-4386-9A55-00A97A9DDF71}"/>
-              </a:ext>
-            </a:extLst>
-          </p:cNvPr>
-          <p:cNvSpPr>
-            <a:spLocks noGrp="1"/>
-          </p:cNvSpPr>
-          <p:nvPr>
-            <p:ph sz="half" idx="1"/>
-          </p:nvPr>
-        </p:nvSpPr>
-        <p:spPr/>
-        <p:txBody>
-          <a:bodyPr/>
-          <a:lstStyle/>
-          <a:p>
-            <a:r>
-              <a:rPr lang="en-US" altLang="zh-TW" dirty="0"/>
-              <a:t>TCP cheater</a:t>
-            </a:r>
-          </a:p>
-          <a:p>
-            <a:pPr lvl="1"/>
-            <a:r>
-              <a:rPr lang="en-US" altLang="zh-TW" dirty="0"/>
-              <a:t>Maintaining TCP connections</a:t>
-            </a:r>
-          </a:p>
-          <a:p>
-            <a:endParaRPr lang="zh-TW" altLang="en-US" dirty="0"/>
-          </a:p>
-        </p:txBody>
-      </p:sp>
-    </p:spTree>
-    <p:extLst>
-      <p:ext uri="{BB962C8B-B14F-4D97-AF65-F5344CB8AC3E}">
-        <p14:creationId xmlns:p14="http://schemas.microsoft.com/office/powerpoint/2010/main" val="2424953834"/>
-      </p:ext>
-    </p:extLst>
-  </p:cSld>
-  <p:clrMapOvr>
-    <a:masterClrMapping/>
-  </p:clrMapOvr>
-</p:sld>
-</file>
-
-<file path=ppt/slides/slide7.xml><?xml version="1.0" encoding="utf-8"?>
-<p:sld xmlns:a="http://schemas.openxmlformats.org/drawingml/2006/main" xmlns:r="http://schemas.openxmlformats.org/officeDocument/2006/relationships" xmlns:p="http://schemas.openxmlformats.org/presentationml/2006/main">
-  <p:cSld>
-    <p:spTree>
-      <p:nvGrpSpPr>
-        <p:cNvPr id="1" name=""/>
-        <p:cNvGrpSpPr/>
-        <p:nvPr/>
-      </p:nvGrpSpPr>
-      <p:grpSpPr>
-        <a:xfrm>
-          <a:off x="0" y="0"/>
-          <a:ext cx="0" cy="0"/>
-          <a:chOff x="0" y="0"/>
-          <a:chExt cx="0" cy="0"/>
-        </a:xfrm>
-      </p:grpSpPr>
-      <p:sp>
-        <p:nvSpPr>
-          <p:cNvPr id="2" name="標題 1">
-            <a:extLst>
-              <a:ext uri="{FF2B5EF4-FFF2-40B4-BE49-F238E27FC236}">
-                <a16:creationId xmlns:a16="http://schemas.microsoft.com/office/drawing/2014/main" id="{611D002D-8D6D-4BBA-A9D9-C230A2343647}"/>
-              </a:ext>
-            </a:extLst>
-          </p:cNvPr>
-          <p:cNvSpPr>
-            <a:spLocks noGrp="1"/>
-          </p:cNvSpPr>
-          <p:nvPr>
-            <p:ph type="title"/>
-          </p:nvPr>
-        </p:nvSpPr>
-        <p:spPr/>
-        <p:txBody>
-          <a:bodyPr/>
-          <a:lstStyle/>
-          <a:p>
-            <a:r>
-              <a:rPr lang="en-US" altLang="zh-TW" dirty="0">
-                <a:latin typeface="Google Sans"/>
-              </a:rPr>
-              <a:t>Main component</a:t>
-            </a:r>
-            <a:endParaRPr lang="zh-TW" altLang="en-US" dirty="0">
-              <a:latin typeface="Google Sans"/>
-            </a:endParaRPr>
-          </a:p>
-        </p:txBody>
-      </p:sp>
-      <p:sp>
-        <p:nvSpPr>
-          <p:cNvPr id="4" name="內容版面配置區 3">
-            <a:extLst>
-              <a:ext uri="{FF2B5EF4-FFF2-40B4-BE49-F238E27FC236}">
-                <a16:creationId xmlns:a16="http://schemas.microsoft.com/office/drawing/2014/main" id="{14266E82-AB07-4386-9A55-00A97A9DDF71}"/>
-              </a:ext>
-            </a:extLst>
-          </p:cNvPr>
-          <p:cNvSpPr>
-            <a:spLocks noGrp="1"/>
-          </p:cNvSpPr>
-          <p:nvPr>
-            <p:ph sz="half" idx="1"/>
-          </p:nvPr>
-        </p:nvSpPr>
-        <p:spPr/>
-        <p:txBody>
-          <a:bodyPr/>
-          <a:lstStyle/>
-          <a:p>
-            <a:r>
-              <a:rPr lang="en-US" altLang="zh-TW" dirty="0"/>
-              <a:t>TCP cheater</a:t>
-            </a:r>
-          </a:p>
-          <a:p>
-            <a:pPr lvl="1"/>
-            <a:r>
-              <a:rPr lang="en-US" altLang="zh-TW" dirty="0"/>
-              <a:t>Maintaining TCP connections</a:t>
-            </a:r>
-          </a:p>
-          <a:p>
-            <a:endParaRPr lang="zh-TW" altLang="en-US" dirty="0"/>
-          </a:p>
-        </p:txBody>
-      </p:sp>
-      <p:pic>
-        <p:nvPicPr>
-          <p:cNvPr id="3" name="圖片 2">
-            <a:extLst>
-              <a:ext uri="{FF2B5EF4-FFF2-40B4-BE49-F238E27FC236}">
-                <a16:creationId xmlns:a16="http://schemas.microsoft.com/office/drawing/2014/main" id="{9E671855-D0B1-B46A-0BAE-DF48BE9864D9}"/>
-              </a:ext>
-            </a:extLst>
-          </p:cNvPr>
-          <p:cNvPicPr>
-            <a:picLocks noChangeAspect="1"/>
-          </p:cNvPicPr>
-          <p:nvPr/>
-        </p:nvPicPr>
-        <p:blipFill rotWithShape="1">
-          <a:blip r:embed="rId2"/>
-          <a:srcRect l="29375" r="28012"/>
-          <a:stretch/>
-        </p:blipFill>
-        <p:spPr>
-          <a:xfrm>
-            <a:off x="6025117" y="-4380609"/>
-            <a:ext cx="6166883" cy="11236272"/>
-          </a:xfrm>
-          <a:prstGeom prst="rect">
-            <a:avLst/>
-          </a:prstGeom>
-        </p:spPr>
-      </p:pic>
-    </p:spTree>
-    <p:extLst>
-      <p:ext uri="{BB962C8B-B14F-4D97-AF65-F5344CB8AC3E}">
-        <p14:creationId xmlns:p14="http://schemas.microsoft.com/office/powerpoint/2010/main" val="2012943314"/>
-      </p:ext>
-    </p:extLst>
-  </p:cSld>
-  <p:clrMapOvr>
-    <a:masterClrMapping/>
-  </p:clrMapOvr>
-  <mc:AlternateContent xmlns:mc="http://schemas.openxmlformats.org/markup-compatibility/2006" xmlns:p159="http://schemas.microsoft.com/office/powerpoint/2015/09/main">
-    <mc:Choice Requires="p159">
-      <p:transition spd="slow">
-        <p159:morph option="byObject"/>
-      </p:transition>
-    </mc:Choice>
-    <mc:Fallback xmlns="">
-      <p:transition spd="slow">
-        <p:fade/>
-      </p:transition>
-    </mc:Fallback>
-  </mc:AlternateContent>
-</p:sld>
-</file>
-
-<file path=ppt/slides/slide8.xml><?xml version="1.0" encoding="utf-8"?>
-<p:sld xmlns:a="http://schemas.openxmlformats.org/drawingml/2006/main" xmlns:r="http://schemas.openxmlformats.org/officeDocument/2006/relationships" xmlns:p="http://schemas.openxmlformats.org/presentationml/2006/main">
-  <p:cSld>
-    <p:spTree>
-      <p:nvGrpSpPr>
-        <p:cNvPr id="1" name=""/>
-        <p:cNvGrpSpPr/>
-        <p:nvPr/>
-      </p:nvGrpSpPr>
-      <p:grpSpPr>
-        <a:xfrm>
-          <a:off x="0" y="0"/>
-          <a:ext cx="0" cy="0"/>
-          <a:chOff x="0" y="0"/>
-          <a:chExt cx="0" cy="0"/>
-        </a:xfrm>
-      </p:grpSpPr>
-      <p:sp>
-        <p:nvSpPr>
-          <p:cNvPr id="2" name="標題 1">
-            <a:extLst>
-              <a:ext uri="{FF2B5EF4-FFF2-40B4-BE49-F238E27FC236}">
-                <a16:creationId xmlns:a16="http://schemas.microsoft.com/office/drawing/2014/main" id="{611D002D-8D6D-4BBA-A9D9-C230A2343647}"/>
-              </a:ext>
-            </a:extLst>
-          </p:cNvPr>
-          <p:cNvSpPr>
-            <a:spLocks noGrp="1"/>
-          </p:cNvSpPr>
-          <p:nvPr>
-            <p:ph type="title"/>
-          </p:nvPr>
-        </p:nvSpPr>
-        <p:spPr/>
-        <p:txBody>
-          <a:bodyPr/>
-          <a:lstStyle/>
-          <a:p>
-            <a:r>
-              <a:rPr lang="en-US" altLang="zh-TW" dirty="0">
-                <a:latin typeface="Google Sans"/>
-              </a:rPr>
-              <a:t>Main component</a:t>
-            </a:r>
-            <a:endParaRPr lang="zh-TW" altLang="en-US" dirty="0">
-              <a:latin typeface="Google Sans"/>
-            </a:endParaRPr>
-          </a:p>
-        </p:txBody>
-      </p:sp>
-      <p:sp>
-        <p:nvSpPr>
-          <p:cNvPr id="4" name="內容版面配置區 3">
-            <a:extLst>
-              <a:ext uri="{FF2B5EF4-FFF2-40B4-BE49-F238E27FC236}">
-                <a16:creationId xmlns:a16="http://schemas.microsoft.com/office/drawing/2014/main" id="{14266E82-AB07-4386-9A55-00A97A9DDF71}"/>
-              </a:ext>
-            </a:extLst>
-          </p:cNvPr>
-          <p:cNvSpPr>
-            <a:spLocks noGrp="1"/>
-          </p:cNvSpPr>
-          <p:nvPr>
-            <p:ph sz="half" idx="1"/>
-          </p:nvPr>
-        </p:nvSpPr>
-        <p:spPr/>
-        <p:txBody>
-          <a:bodyPr/>
-          <a:lstStyle/>
-          <a:p>
-            <a:r>
-              <a:rPr lang="en-US" altLang="zh-TW" dirty="0"/>
-              <a:t>Ring Buffer</a:t>
-            </a:r>
-          </a:p>
-          <a:p>
-            <a:pPr lvl="1"/>
-            <a:r>
-              <a:rPr lang="en-US" altLang="zh-TW" dirty="0"/>
-              <a:t>Record and aggregate payload</a:t>
-            </a:r>
-            <a:endParaRPr lang="zh-TW" altLang="en-US" dirty="0"/>
-          </a:p>
-        </p:txBody>
-      </p:sp>
-      <p:pic>
-        <p:nvPicPr>
-          <p:cNvPr id="8" name="圖片 7">
-            <a:extLst>
-              <a:ext uri="{FF2B5EF4-FFF2-40B4-BE49-F238E27FC236}">
-                <a16:creationId xmlns:a16="http://schemas.microsoft.com/office/drawing/2014/main" id="{F80E16F0-1707-A592-189B-E43B567C03F1}"/>
-              </a:ext>
-            </a:extLst>
-          </p:cNvPr>
-          <p:cNvPicPr>
-            <a:picLocks noChangeAspect="1"/>
-          </p:cNvPicPr>
-          <p:nvPr/>
-        </p:nvPicPr>
-        <p:blipFill rotWithShape="1">
-          <a:blip r:embed="rId2"/>
-          <a:srcRect l="26534" r="27605"/>
-          <a:stretch/>
-        </p:blipFill>
-        <p:spPr>
-          <a:xfrm>
-            <a:off x="5870447" y="-1"/>
-            <a:ext cx="6321553" cy="10702401"/>
-          </a:xfrm>
-          <a:prstGeom prst="rect">
-            <a:avLst/>
-          </a:prstGeom>
-        </p:spPr>
-      </p:pic>
-    </p:spTree>
-    <p:extLst>
-      <p:ext uri="{BB962C8B-B14F-4D97-AF65-F5344CB8AC3E}">
-        <p14:creationId xmlns:p14="http://schemas.microsoft.com/office/powerpoint/2010/main" val="194318190"/>
-      </p:ext>
-    </p:extLst>
-  </p:cSld>
-  <p:clrMapOvr>
-    <a:masterClrMapping/>
-  </p:clrMapOvr>
-</p:sld>
-</file>
-
-<file path=ppt/slides/slide9.xml><?xml version="1.0" encoding="utf-8"?>
-<p:sld xmlns:a="http://schemas.openxmlformats.org/drawingml/2006/main" xmlns:r="http://schemas.openxmlformats.org/officeDocument/2006/relationships" xmlns:p="http://schemas.openxmlformats.org/presentationml/2006/main">
-  <p:cSld>
-    <p:spTree>
-      <p:nvGrpSpPr>
-        <p:cNvPr id="1" name=""/>
-        <p:cNvGrpSpPr/>
-        <p:nvPr/>
-      </p:nvGrpSpPr>
-      <p:grpSpPr>
-        <a:xfrm>
-          <a:off x="0" y="0"/>
-          <a:ext cx="0" cy="0"/>
-          <a:chOff x="0" y="0"/>
-          <a:chExt cx="0" cy="0"/>
-        </a:xfrm>
-      </p:grpSpPr>
-      <p:sp>
-        <p:nvSpPr>
-          <p:cNvPr id="2" name="標題 1">
-            <a:extLst>
-              <a:ext uri="{FF2B5EF4-FFF2-40B4-BE49-F238E27FC236}">
-                <a16:creationId xmlns:a16="http://schemas.microsoft.com/office/drawing/2014/main" id="{611D002D-8D6D-4BBA-A9D9-C230A2343647}"/>
-              </a:ext>
-            </a:extLst>
-          </p:cNvPr>
-          <p:cNvSpPr>
-            <a:spLocks noGrp="1"/>
-          </p:cNvSpPr>
-          <p:nvPr>
-            <p:ph type="title"/>
-          </p:nvPr>
-        </p:nvSpPr>
-        <p:spPr/>
-        <p:txBody>
-          <a:bodyPr/>
-          <a:lstStyle/>
-          <a:p>
-            <a:r>
-              <a:rPr lang="en-US" altLang="zh-TW" dirty="0">
-                <a:latin typeface="Google Sans"/>
-              </a:rPr>
-              <a:t>Main component</a:t>
-            </a:r>
-            <a:endParaRPr lang="zh-TW" altLang="en-US" dirty="0">
-              <a:latin typeface="Google Sans"/>
-            </a:endParaRPr>
-          </a:p>
-        </p:txBody>
-      </p:sp>
-      <p:sp>
-        <p:nvSpPr>
-          <p:cNvPr id="4" name="內容版面配置區 3">
-            <a:extLst>
-              <a:ext uri="{FF2B5EF4-FFF2-40B4-BE49-F238E27FC236}">
-                <a16:creationId xmlns:a16="http://schemas.microsoft.com/office/drawing/2014/main" id="{14266E82-AB07-4386-9A55-00A97A9DDF71}"/>
-              </a:ext>
-            </a:extLst>
-          </p:cNvPr>
-          <p:cNvSpPr>
-            <a:spLocks noGrp="1"/>
-          </p:cNvSpPr>
-          <p:nvPr>
-            <p:ph sz="half" idx="1"/>
-          </p:nvPr>
-        </p:nvSpPr>
-        <p:spPr/>
-        <p:txBody>
-          <a:bodyPr/>
-          <a:lstStyle/>
-          <a:p>
-            <a:r>
-              <a:rPr lang="en-US" altLang="zh-TW" dirty="0"/>
-              <a:t>Ring Buffer</a:t>
-            </a:r>
-          </a:p>
-          <a:p>
-            <a:pPr lvl="1"/>
-            <a:r>
-              <a:rPr lang="en-US" altLang="zh-TW" dirty="0"/>
-              <a:t>Record and aggregate payload</a:t>
-            </a:r>
-            <a:endParaRPr lang="zh-TW" altLang="en-US" dirty="0"/>
-          </a:p>
-        </p:txBody>
-      </p:sp>
-      <p:pic>
-        <p:nvPicPr>
-          <p:cNvPr id="8" name="圖片 7">
-            <a:extLst>
-              <a:ext uri="{FF2B5EF4-FFF2-40B4-BE49-F238E27FC236}">
-                <a16:creationId xmlns:a16="http://schemas.microsoft.com/office/drawing/2014/main" id="{F80E16F0-1707-A592-189B-E43B567C03F1}"/>
-              </a:ext>
-            </a:extLst>
-          </p:cNvPr>
-          <p:cNvPicPr>
-            <a:picLocks noChangeAspect="1"/>
-          </p:cNvPicPr>
-          <p:nvPr/>
-        </p:nvPicPr>
-        <p:blipFill rotWithShape="1">
-          <a:blip r:embed="rId2"/>
-          <a:srcRect l="26534" r="27605"/>
-          <a:stretch/>
-        </p:blipFill>
-        <p:spPr>
-          <a:xfrm>
-            <a:off x="5870447" y="-3844401"/>
-            <a:ext cx="6321553" cy="10702401"/>
-          </a:xfrm>
-          <a:prstGeom prst="rect">
-            <a:avLst/>
-          </a:prstGeom>
-        </p:spPr>
-      </p:pic>
-    </p:spTree>
-    <p:extLst>
-      <p:ext uri="{BB962C8B-B14F-4D97-AF65-F5344CB8AC3E}">
-        <p14:creationId xmlns:p14="http://schemas.microsoft.com/office/powerpoint/2010/main" val="3266697894"/>
-      </p:ext>
-    </p:extLst>
-  </p:cSld>
-  <p:clrMapOvr>
-    <a:masterClrMapping/>
-  </p:clrMapOvr>
-  <mc:AlternateContent xmlns:mc="http://schemas.openxmlformats.org/markup-compatibility/2006" xmlns:p159="http://schemas.microsoft.com/office/powerpoint/2015/09/main">
-    <mc:Choice Requires="p159">
-      <p:transition spd="slow">
-        <p159:morph option="byObject"/>
-      </p:transition>
-    </mc:Choice>
-    <mc:Fallback xmlns="">
-      <p:transition spd="slow">
-        <p:fade/>
-      </p:transition>
-    </mc:Fallback>
-  </mc:AlternateContent>
 </p:sld>
 </file>
 

--- a/report.pptx
+++ b/report.pptx
@@ -3672,12 +3672,48 @@
           </a:p>
         </p:txBody>
       </p:sp>
+      <p:sp>
+        <p:nvSpPr>
+          <p:cNvPr id="10" name="文字方塊 9">
+            <a:extLst>
+              <a:ext uri="{FF2B5EF4-FFF2-40B4-BE49-F238E27FC236}">
+                <a16:creationId xmlns:a16="http://schemas.microsoft.com/office/drawing/2014/main" id="{D05EACDE-D481-4085-8142-6A860BDC971B}"/>
+              </a:ext>
+            </a:extLst>
+          </p:cNvPr>
+          <p:cNvSpPr txBox="1"/>
+          <p:nvPr/>
+        </p:nvSpPr>
+        <p:spPr>
+          <a:xfrm>
+            <a:off x="2029522" y="5285678"/>
+            <a:ext cx="2509024" cy="369332"/>
+          </a:xfrm>
+          <a:prstGeom prst="rect">
+            <a:avLst/>
+          </a:prstGeom>
+          <a:noFill/>
+        </p:spPr>
+        <p:txBody>
+          <a:bodyPr wrap="square" rtlCol="0">
+            <a:spAutoFit/>
+          </a:bodyPr>
+          <a:lstStyle/>
+          <a:p>
+            <a:r>
+              <a:rPr lang="en-US" altLang="zh-TW" dirty="0"/>
+              <a:t>All 1.0</a:t>
+            </a:r>
+            <a:endParaRPr lang="zh-TW" altLang="en-US" dirty="0"/>
+          </a:p>
+        </p:txBody>
+      </p:sp>
       <p:pic>
         <p:nvPicPr>
-          <p:cNvPr id="9" name="內容版面配置區 8">
-            <a:extLst>
-              <a:ext uri="{FF2B5EF4-FFF2-40B4-BE49-F238E27FC236}">
-                <a16:creationId xmlns:a16="http://schemas.microsoft.com/office/drawing/2014/main" id="{DB9F3DE5-E041-4272-9300-2FDC3F4A9CB2}"/>
+          <p:cNvPr id="6" name="內容版面配置區 5">
+            <a:extLst>
+              <a:ext uri="{FF2B5EF4-FFF2-40B4-BE49-F238E27FC236}">
+                <a16:creationId xmlns:a16="http://schemas.microsoft.com/office/drawing/2014/main" id="{BE3C98D3-8270-A9CF-9B20-D75E9278A028}"/>
               </a:ext>
             </a:extLst>
           </p:cNvPr>
@@ -3707,42 +3743,6 @@
           </a:xfrm>
         </p:spPr>
       </p:pic>
-      <p:sp>
-        <p:nvSpPr>
-          <p:cNvPr id="10" name="文字方塊 9">
-            <a:extLst>
-              <a:ext uri="{FF2B5EF4-FFF2-40B4-BE49-F238E27FC236}">
-                <a16:creationId xmlns:a16="http://schemas.microsoft.com/office/drawing/2014/main" id="{D05EACDE-D481-4085-8142-6A860BDC971B}"/>
-              </a:ext>
-            </a:extLst>
-          </p:cNvPr>
-          <p:cNvSpPr txBox="1"/>
-          <p:nvPr/>
-        </p:nvSpPr>
-        <p:spPr>
-          <a:xfrm>
-            <a:off x="2029522" y="5285678"/>
-            <a:ext cx="2509024" cy="369332"/>
-          </a:xfrm>
-          <a:prstGeom prst="rect">
-            <a:avLst/>
-          </a:prstGeom>
-          <a:noFill/>
-        </p:spPr>
-        <p:txBody>
-          <a:bodyPr wrap="square" rtlCol="0">
-            <a:spAutoFit/>
-          </a:bodyPr>
-          <a:lstStyle/>
-          <a:p>
-            <a:r>
-              <a:rPr lang="en-US" altLang="zh-TW" dirty="0"/>
-              <a:t>All 1.0</a:t>
-            </a:r>
-            <a:endParaRPr lang="zh-TW" altLang="en-US" dirty="0"/>
-          </a:p>
-        </p:txBody>
-      </p:sp>
     </p:spTree>
     <p:extLst>
       <p:ext uri="{BB962C8B-B14F-4D97-AF65-F5344CB8AC3E}">
@@ -3806,12 +3806,66 @@
           </a:p>
         </p:txBody>
       </p:sp>
+      <p:sp>
+        <p:nvSpPr>
+          <p:cNvPr id="6" name="文字方塊 5">
+            <a:extLst>
+              <a:ext uri="{FF2B5EF4-FFF2-40B4-BE49-F238E27FC236}">
+                <a16:creationId xmlns:a16="http://schemas.microsoft.com/office/drawing/2014/main" id="{586F4D70-C441-4C0C-90FE-D00B30856656}"/>
+              </a:ext>
+            </a:extLst>
+          </p:cNvPr>
+          <p:cNvSpPr txBox="1"/>
+          <p:nvPr/>
+        </p:nvSpPr>
+        <p:spPr>
+          <a:xfrm>
+            <a:off x="1667195" y="4404731"/>
+            <a:ext cx="2509024" cy="1200329"/>
+          </a:xfrm>
+          <a:prstGeom prst="rect">
+            <a:avLst/>
+          </a:prstGeom>
+          <a:noFill/>
+        </p:spPr>
+        <p:txBody>
+          <a:bodyPr wrap="square" rtlCol="0">
+            <a:spAutoFit/>
+          </a:bodyPr>
+          <a:lstStyle/>
+          <a:p>
+            <a:r>
+              <a:rPr lang="en-US" altLang="zh-TW" dirty="0"/>
+              <a:t>H1:1.0</a:t>
+            </a:r>
+          </a:p>
+          <a:p>
+            <a:r>
+              <a:rPr lang="en-US" altLang="zh-TW" dirty="0"/>
+              <a:t>H2:1.0</a:t>
+            </a:r>
+          </a:p>
+          <a:p>
+            <a:r>
+              <a:rPr lang="en-US" altLang="zh-TW" dirty="0"/>
+              <a:t>H3:1.0</a:t>
+            </a:r>
+          </a:p>
+          <a:p>
+            <a:r>
+              <a:rPr lang="en-US" altLang="zh-TW" dirty="0"/>
+              <a:t>H4:0.5</a:t>
+            </a:r>
+            <a:endParaRPr lang="zh-TW" altLang="en-US" dirty="0"/>
+          </a:p>
+        </p:txBody>
+      </p:sp>
       <p:pic>
         <p:nvPicPr>
-          <p:cNvPr id="5" name="內容版面配置區 4">
-            <a:extLst>
-              <a:ext uri="{FF2B5EF4-FFF2-40B4-BE49-F238E27FC236}">
-                <a16:creationId xmlns:a16="http://schemas.microsoft.com/office/drawing/2014/main" id="{84FEA45D-05A1-4226-BC38-515C11419D7D}"/>
+          <p:cNvPr id="8" name="內容版面配置區 7">
+            <a:extLst>
+              <a:ext uri="{FF2B5EF4-FFF2-40B4-BE49-F238E27FC236}">
+                <a16:creationId xmlns:a16="http://schemas.microsoft.com/office/drawing/2014/main" id="{1BE01F3A-9A2F-BA27-9774-5454C0C7DE56}"/>
               </a:ext>
             </a:extLst>
           </p:cNvPr>
@@ -3841,60 +3895,6 @@
           </a:xfrm>
         </p:spPr>
       </p:pic>
-      <p:sp>
-        <p:nvSpPr>
-          <p:cNvPr id="6" name="文字方塊 5">
-            <a:extLst>
-              <a:ext uri="{FF2B5EF4-FFF2-40B4-BE49-F238E27FC236}">
-                <a16:creationId xmlns:a16="http://schemas.microsoft.com/office/drawing/2014/main" id="{586F4D70-C441-4C0C-90FE-D00B30856656}"/>
-              </a:ext>
-            </a:extLst>
-          </p:cNvPr>
-          <p:cNvSpPr txBox="1"/>
-          <p:nvPr/>
-        </p:nvSpPr>
-        <p:spPr>
-          <a:xfrm>
-            <a:off x="1667195" y="4404731"/>
-            <a:ext cx="2509024" cy="1200329"/>
-          </a:xfrm>
-          <a:prstGeom prst="rect">
-            <a:avLst/>
-          </a:prstGeom>
-          <a:noFill/>
-        </p:spPr>
-        <p:txBody>
-          <a:bodyPr wrap="square" rtlCol="0">
-            <a:spAutoFit/>
-          </a:bodyPr>
-          <a:lstStyle/>
-          <a:p>
-            <a:r>
-              <a:rPr lang="en-US" altLang="zh-TW" dirty="0"/>
-              <a:t>H1:0.2</a:t>
-            </a:r>
-          </a:p>
-          <a:p>
-            <a:r>
-              <a:rPr lang="en-US" altLang="zh-TW" dirty="0"/>
-              <a:t>H2:0.4</a:t>
-            </a:r>
-          </a:p>
-          <a:p>
-            <a:r>
-              <a:rPr lang="en-US" altLang="zh-TW" dirty="0"/>
-              <a:t>H3:0.6</a:t>
-            </a:r>
-          </a:p>
-          <a:p>
-            <a:r>
-              <a:rPr lang="en-US" altLang="zh-TW" dirty="0"/>
-              <a:t>H4:0.8</a:t>
-            </a:r>
-            <a:endParaRPr lang="zh-TW" altLang="en-US" dirty="0"/>
-          </a:p>
-        </p:txBody>
-      </p:sp>
     </p:spTree>
     <p:extLst>
       <p:ext uri="{BB962C8B-B14F-4D97-AF65-F5344CB8AC3E}">
@@ -3960,10 +3960,10 @@
       </p:sp>
       <p:pic>
         <p:nvPicPr>
-          <p:cNvPr id="7" name="內容版面配置區 6">
-            <a:extLst>
-              <a:ext uri="{FF2B5EF4-FFF2-40B4-BE49-F238E27FC236}">
-                <a16:creationId xmlns:a16="http://schemas.microsoft.com/office/drawing/2014/main" id="{0F24367B-108F-45E8-B03E-34030252A644}"/>
+          <p:cNvPr id="6" name="內容版面配置區 5">
+            <a:extLst>
+              <a:ext uri="{FF2B5EF4-FFF2-40B4-BE49-F238E27FC236}">
+                <a16:creationId xmlns:a16="http://schemas.microsoft.com/office/drawing/2014/main" id="{417EC7D6-7DB4-36AA-BFA5-112EB914C17A}"/>
               </a:ext>
             </a:extLst>
           </p:cNvPr>
@@ -3993,6 +3993,66 @@
           </a:xfrm>
         </p:spPr>
       </p:pic>
+      <p:sp>
+        <p:nvSpPr>
+          <p:cNvPr id="8" name="文字方塊 7">
+            <a:extLst>
+              <a:ext uri="{FF2B5EF4-FFF2-40B4-BE49-F238E27FC236}">
+                <a16:creationId xmlns:a16="http://schemas.microsoft.com/office/drawing/2014/main" id="{C4179BAA-399E-6140-C092-10E0521B8F16}"/>
+              </a:ext>
+            </a:extLst>
+          </p:cNvPr>
+          <p:cNvSpPr txBox="1"/>
+          <p:nvPr/>
+        </p:nvSpPr>
+        <p:spPr>
+          <a:xfrm>
+            <a:off x="1667195" y="4404731"/>
+            <a:ext cx="2509024" cy="1477328"/>
+          </a:xfrm>
+          <a:prstGeom prst="rect">
+            <a:avLst/>
+          </a:prstGeom>
+          <a:noFill/>
+        </p:spPr>
+        <p:txBody>
+          <a:bodyPr wrap="square" rtlCol="0">
+            <a:spAutoFit/>
+          </a:bodyPr>
+          <a:lstStyle/>
+          <a:p>
+            <a:r>
+              <a:rPr lang="en-US" altLang="zh-TW" dirty="0"/>
+              <a:t>H1:1.0</a:t>
+            </a:r>
+          </a:p>
+          <a:p>
+            <a:r>
+              <a:rPr lang="en-US" altLang="zh-TW" dirty="0"/>
+              <a:t>H2:1.0</a:t>
+            </a:r>
+          </a:p>
+          <a:p>
+            <a:r>
+              <a:rPr lang="en-US" altLang="zh-TW" dirty="0"/>
+              <a:t>H3:1.0</a:t>
+            </a:r>
+          </a:p>
+          <a:p>
+            <a:r>
+              <a:rPr lang="en-US" altLang="zh-TW" dirty="0"/>
+              <a:t>H4:1.0</a:t>
+            </a:r>
+          </a:p>
+          <a:p>
+            <a:r>
+              <a:rPr lang="en-US" altLang="zh-TW" dirty="0"/>
+              <a:t>H5:0.5</a:t>
+            </a:r>
+            <a:endParaRPr lang="zh-TW" altLang="en-US" dirty="0"/>
+          </a:p>
+        </p:txBody>
+      </p:sp>
     </p:spTree>
     <p:extLst>
       <p:ext uri="{BB962C8B-B14F-4D97-AF65-F5344CB8AC3E}">
@@ -4056,41 +4116,6 @@
           </a:p>
         </p:txBody>
       </p:sp>
-      <p:pic>
-        <p:nvPicPr>
-          <p:cNvPr id="9" name="內容版面配置區 8">
-            <a:extLst>
-              <a:ext uri="{FF2B5EF4-FFF2-40B4-BE49-F238E27FC236}">
-                <a16:creationId xmlns:a16="http://schemas.microsoft.com/office/drawing/2014/main" id="{EE0DEC98-A82C-4D67-8E2D-0213C28A8CED}"/>
-              </a:ext>
-            </a:extLst>
-          </p:cNvPr>
-          <p:cNvPicPr>
-            <a:picLocks noGrp="1" noChangeAspect="1"/>
-          </p:cNvPicPr>
-          <p:nvPr>
-            <p:ph idx="1"/>
-          </p:nvPr>
-        </p:nvPicPr>
-        <p:blipFill>
-          <a:blip r:embed="rId2">
-            <a:extLst>
-              <a:ext uri="{28A0092B-C50C-407E-A947-70E740481C1C}">
-                <a14:useLocalDpi xmlns:a14="http://schemas.microsoft.com/office/drawing/2010/main" val="0"/>
-              </a:ext>
-            </a:extLst>
-          </a:blip>
-          <a:stretch>
-            <a:fillRect/>
-          </a:stretch>
-        </p:blipFill>
-        <p:spPr>
-          <a:xfrm>
-            <a:off x="2832497" y="1690688"/>
-            <a:ext cx="6527006" cy="4351338"/>
-          </a:xfrm>
-        </p:spPr>
-      </p:pic>
       <p:sp>
         <p:nvSpPr>
           <p:cNvPr id="10" name="文字方塊 9">
@@ -4145,6 +4170,41 @@
           </a:p>
         </p:txBody>
       </p:sp>
+      <p:pic>
+        <p:nvPicPr>
+          <p:cNvPr id="6" name="內容版面配置區 5">
+            <a:extLst>
+              <a:ext uri="{FF2B5EF4-FFF2-40B4-BE49-F238E27FC236}">
+                <a16:creationId xmlns:a16="http://schemas.microsoft.com/office/drawing/2014/main" id="{3378DC22-F3D7-7547-F876-C1ADB6F50ED2}"/>
+              </a:ext>
+            </a:extLst>
+          </p:cNvPr>
+          <p:cNvPicPr>
+            <a:picLocks noGrp="1" noChangeAspect="1"/>
+          </p:cNvPicPr>
+          <p:nvPr>
+            <p:ph idx="1"/>
+          </p:nvPr>
+        </p:nvPicPr>
+        <p:blipFill>
+          <a:blip r:embed="rId2">
+            <a:extLst>
+              <a:ext uri="{28A0092B-C50C-407E-A947-70E740481C1C}">
+                <a14:useLocalDpi xmlns:a14="http://schemas.microsoft.com/office/drawing/2010/main" val="0"/>
+              </a:ext>
+            </a:extLst>
+          </a:blip>
+          <a:stretch>
+            <a:fillRect/>
+          </a:stretch>
+        </p:blipFill>
+        <p:spPr>
+          <a:xfrm>
+            <a:off x="2832497" y="1825625"/>
+            <a:ext cx="6527006" cy="4351338"/>
+          </a:xfrm>
+        </p:spPr>
+      </p:pic>
     </p:spTree>
     <p:extLst>
       <p:ext uri="{BB962C8B-B14F-4D97-AF65-F5344CB8AC3E}">
@@ -5076,7 +5136,7 @@
                 </a:solidFill>
                 <a:latin typeface="Lato" panose="020B0604020202020204" pitchFamily="34" charset="0"/>
               </a:rPr>
-              <a:t>Reliability – TCP protocol</a:t>
+              <a:t>Reliability – TCP</a:t>
             </a:r>
           </a:p>
           <a:p>
@@ -5181,6 +5241,163 @@
           <a:chExt cx="0" cy="0"/>
         </a:xfrm>
       </p:grpSpPr>
+      <p:pic>
+        <p:nvPicPr>
+          <p:cNvPr id="1028" name="Picture 4" descr="Switch Icon">
+            <a:extLst>
+              <a:ext uri="{FF2B5EF4-FFF2-40B4-BE49-F238E27FC236}">
+                <a16:creationId xmlns:a16="http://schemas.microsoft.com/office/drawing/2014/main" id="{28CC5F79-33FD-2F98-A4A3-30697A040D74}"/>
+              </a:ext>
+            </a:extLst>
+          </p:cNvPr>
+          <p:cNvPicPr>
+            <a:picLocks noChangeAspect="1" noChangeArrowheads="1"/>
+          </p:cNvPicPr>
+          <p:nvPr/>
+        </p:nvPicPr>
+        <p:blipFill>
+          <a:blip r:embed="rId2">
+            <a:extLst>
+              <a:ext uri="{28A0092B-C50C-407E-A947-70E740481C1C}">
+                <a14:useLocalDpi xmlns:a14="http://schemas.microsoft.com/office/drawing/2010/main" val="0"/>
+              </a:ext>
+            </a:extLst>
+          </a:blip>
+          <a:srcRect/>
+          <a:stretch>
+            <a:fillRect/>
+          </a:stretch>
+        </p:blipFill>
+        <p:spPr bwMode="auto">
+          <a:xfrm>
+            <a:off x="7970838" y="2201863"/>
+            <a:ext cx="2395537" cy="2395537"/>
+          </a:xfrm>
+          <a:prstGeom prst="rect">
+            <a:avLst/>
+          </a:prstGeom>
+          <a:noFill/>
+          <a:extLst>
+            <a:ext uri="{909E8E84-426E-40DD-AFC4-6F175D3DCCD1}">
+              <a14:hiddenFill xmlns:a14="http://schemas.microsoft.com/office/drawing/2010/main">
+                <a:solidFill>
+                  <a:srgbClr val="FFFFFF"/>
+                </a:solidFill>
+              </a14:hiddenFill>
+            </a:ext>
+          </a:extLst>
+        </p:spPr>
+      </p:pic>
+      <p:sp>
+        <p:nvSpPr>
+          <p:cNvPr id="7" name="箭號: 向下 6">
+            <a:extLst>
+              <a:ext uri="{FF2B5EF4-FFF2-40B4-BE49-F238E27FC236}">
+                <a16:creationId xmlns:a16="http://schemas.microsoft.com/office/drawing/2014/main" id="{482C26A2-7B95-63DA-D170-22B22288A922}"/>
+              </a:ext>
+            </a:extLst>
+          </p:cNvPr>
+          <p:cNvSpPr/>
+          <p:nvPr/>
+        </p:nvSpPr>
+        <p:spPr>
+          <a:xfrm rot="8529682">
+            <a:off x="9872913" y="4316542"/>
+            <a:ext cx="210195" cy="747142"/>
+          </a:xfrm>
+          <a:prstGeom prst="downArrow">
+            <a:avLst/>
+          </a:prstGeom>
+          <a:solidFill>
+            <a:schemeClr val="tx1">
+              <a:lumMod val="65000"/>
+              <a:lumOff val="35000"/>
+            </a:schemeClr>
+          </a:solidFill>
+          <a:ln>
+            <a:noFill/>
+          </a:ln>
+        </p:spPr>
+        <p:style>
+          <a:lnRef idx="2">
+            <a:schemeClr val="accent1">
+              <a:shade val="15000"/>
+            </a:schemeClr>
+          </a:lnRef>
+          <a:fillRef idx="1">
+            <a:schemeClr val="accent1"/>
+          </a:fillRef>
+          <a:effectRef idx="0">
+            <a:schemeClr val="accent1"/>
+          </a:effectRef>
+          <a:fontRef idx="minor">
+            <a:schemeClr val="lt1"/>
+          </a:fontRef>
+        </p:style>
+        <p:txBody>
+          <a:bodyPr rtlCol="0" anchor="ctr"/>
+          <a:lstStyle/>
+          <a:p>
+            <a:pPr algn="ctr"/>
+            <a:endParaRPr lang="zh-TW" altLang="en-US"/>
+          </a:p>
+        </p:txBody>
+      </p:sp>
+      <p:sp>
+        <p:nvSpPr>
+          <p:cNvPr id="6" name="箭號: 向下 5">
+            <a:extLst>
+              <a:ext uri="{FF2B5EF4-FFF2-40B4-BE49-F238E27FC236}">
+                <a16:creationId xmlns:a16="http://schemas.microsoft.com/office/drawing/2014/main" id="{7B3E0FD0-8F7C-DE8A-BC55-66F2525EAD11}"/>
+              </a:ext>
+            </a:extLst>
+          </p:cNvPr>
+          <p:cNvSpPr/>
+          <p:nvPr/>
+        </p:nvSpPr>
+        <p:spPr>
+          <a:xfrm rot="12775906">
+            <a:off x="8201280" y="4327727"/>
+            <a:ext cx="210195" cy="747142"/>
+          </a:xfrm>
+          <a:prstGeom prst="downArrow">
+            <a:avLst/>
+          </a:prstGeom>
+          <a:solidFill>
+            <a:schemeClr val="tx1">
+              <a:lumMod val="65000"/>
+              <a:lumOff val="35000"/>
+            </a:schemeClr>
+          </a:solidFill>
+          <a:ln>
+            <a:noFill/>
+          </a:ln>
+        </p:spPr>
+        <p:style>
+          <a:lnRef idx="2">
+            <a:schemeClr val="accent1">
+              <a:shade val="15000"/>
+            </a:schemeClr>
+          </a:lnRef>
+          <a:fillRef idx="1">
+            <a:schemeClr val="accent1"/>
+          </a:fillRef>
+          <a:effectRef idx="0">
+            <a:schemeClr val="accent1"/>
+          </a:effectRef>
+          <a:fontRef idx="minor">
+            <a:schemeClr val="lt1"/>
+          </a:fontRef>
+        </p:style>
+        <p:txBody>
+          <a:bodyPr rtlCol="0" anchor="ctr"/>
+          <a:lstStyle/>
+          <a:p>
+            <a:pPr algn="ctr"/>
+            <a:endParaRPr lang="zh-TW" altLang="en-US"/>
+          </a:p>
+        </p:txBody>
+      </p:sp>
       <p:sp>
         <p:nvSpPr>
           <p:cNvPr id="2" name="標題 1">
@@ -5234,6 +5451,12 @@
           <a:p>
             <a:r>
               <a:rPr lang="en-US" altLang="zh-TW" dirty="0"/>
+              <a:t>All the processes are done in switch</a:t>
+            </a:r>
+          </a:p>
+          <a:p>
+            <a:r>
+              <a:rPr lang="en-US" altLang="zh-TW" dirty="0"/>
               <a:t>Receiving data from multiple hosts</a:t>
             </a:r>
           </a:p>
@@ -5248,7 +5471,147 @@
               <a:rPr lang="en-US" altLang="zh-TW" dirty="0"/>
               <a:t>Works under TCP connections</a:t>
             </a:r>
+          </a:p>
+          <a:p>
             <a:endParaRPr lang="zh-TW" altLang="en-US" dirty="0"/>
+          </a:p>
+        </p:txBody>
+      </p:sp>
+      <p:sp>
+        <p:nvSpPr>
+          <p:cNvPr id="4" name="矩形 3">
+            <a:extLst>
+              <a:ext uri="{FF2B5EF4-FFF2-40B4-BE49-F238E27FC236}">
+                <a16:creationId xmlns:a16="http://schemas.microsoft.com/office/drawing/2014/main" id="{0E2FA560-7B4A-EE06-E9F2-3A286880940D}"/>
+              </a:ext>
+            </a:extLst>
+          </p:cNvPr>
+          <p:cNvSpPr/>
+          <p:nvPr/>
+        </p:nvSpPr>
+        <p:spPr>
+          <a:xfrm>
+            <a:off x="7181850" y="4745037"/>
+            <a:ext cx="1773237" cy="741363"/>
+          </a:xfrm>
+          <a:prstGeom prst="rect">
+            <a:avLst/>
+          </a:prstGeom>
+          <a:solidFill>
+            <a:schemeClr val="accent2">
+              <a:lumMod val="20000"/>
+              <a:lumOff val="80000"/>
+            </a:schemeClr>
+          </a:solidFill>
+          <a:ln w="38100">
+            <a:solidFill>
+              <a:schemeClr val="tx1"/>
+            </a:solidFill>
+          </a:ln>
+        </p:spPr>
+        <p:style>
+          <a:lnRef idx="2">
+            <a:schemeClr val="accent1">
+              <a:shade val="15000"/>
+            </a:schemeClr>
+          </a:lnRef>
+          <a:fillRef idx="1">
+            <a:schemeClr val="accent1"/>
+          </a:fillRef>
+          <a:effectRef idx="0">
+            <a:schemeClr val="accent1"/>
+          </a:effectRef>
+          <a:fontRef idx="minor">
+            <a:schemeClr val="lt1"/>
+          </a:fontRef>
+        </p:style>
+        <p:txBody>
+          <a:bodyPr rtlCol="0" anchor="ctr"/>
+          <a:lstStyle/>
+          <a:p>
+            <a:pPr algn="ctr"/>
+            <a:r>
+              <a:rPr lang="en-US" altLang="zh-TW" b="1" dirty="0">
+                <a:solidFill>
+                  <a:schemeClr val="tx1"/>
+                </a:solidFill>
+              </a:rPr>
+              <a:t>TCP Cheater</a:t>
+            </a:r>
+            <a:endParaRPr lang="zh-TW" altLang="en-US" b="1" dirty="0">
+              <a:solidFill>
+                <a:schemeClr val="tx1"/>
+              </a:solidFill>
+            </a:endParaRPr>
+          </a:p>
+        </p:txBody>
+      </p:sp>
+      <p:sp>
+        <p:nvSpPr>
+          <p:cNvPr id="5" name="矩形 4">
+            <a:extLst>
+              <a:ext uri="{FF2B5EF4-FFF2-40B4-BE49-F238E27FC236}">
+                <a16:creationId xmlns:a16="http://schemas.microsoft.com/office/drawing/2014/main" id="{756A305C-181C-F583-11C0-1D09873BA085}"/>
+              </a:ext>
+            </a:extLst>
+          </p:cNvPr>
+          <p:cNvSpPr/>
+          <p:nvPr/>
+        </p:nvSpPr>
+        <p:spPr>
+          <a:xfrm>
+            <a:off x="9403556" y="4745037"/>
+            <a:ext cx="1773237" cy="741363"/>
+          </a:xfrm>
+          <a:prstGeom prst="rect">
+            <a:avLst/>
+          </a:prstGeom>
+          <a:solidFill>
+            <a:schemeClr val="accent1">
+              <a:lumMod val="20000"/>
+              <a:lumOff val="80000"/>
+            </a:schemeClr>
+          </a:solidFill>
+          <a:ln w="38100">
+            <a:solidFill>
+              <a:schemeClr val="tx1"/>
+            </a:solidFill>
+          </a:ln>
+        </p:spPr>
+        <p:style>
+          <a:lnRef idx="2">
+            <a:schemeClr val="accent1">
+              <a:shade val="15000"/>
+            </a:schemeClr>
+          </a:lnRef>
+          <a:fillRef idx="1">
+            <a:schemeClr val="accent1"/>
+          </a:fillRef>
+          <a:effectRef idx="0">
+            <a:schemeClr val="accent1"/>
+          </a:effectRef>
+          <a:fontRef idx="minor">
+            <a:schemeClr val="lt1"/>
+          </a:fontRef>
+        </p:style>
+        <p:txBody>
+          <a:bodyPr rtlCol="0" anchor="ctr"/>
+          <a:lstStyle/>
+          <a:p>
+            <a:pPr algn="ctr"/>
+            <a:r>
+              <a:rPr lang="en-US" altLang="zh-TW" b="1" dirty="0">
+                <a:solidFill>
+                  <a:schemeClr val="tx1"/>
+                </a:solidFill>
+              </a:rPr>
+              <a:t>Ring Buffer</a:t>
+            </a:r>
+            <a:endParaRPr lang="zh-TW" altLang="en-US" b="1" dirty="0">
+              <a:solidFill>
+                <a:schemeClr val="tx1"/>
+              </a:solidFill>
+            </a:endParaRPr>
           </a:p>
         </p:txBody>
       </p:sp>
@@ -5600,7 +5963,7 @@
               <a:rPr lang="en-US" altLang="zh-TW" dirty="0">
                 <a:latin typeface="Google Sans"/>
               </a:rPr>
-              <a:t>TCP Cheater- PSH</a:t>
+              <a:t>TCP Cheater</a:t>
             </a:r>
             <a:endParaRPr lang="zh-TW" altLang="en-US" dirty="0">
               <a:latin typeface="Google Sans"/>
